--- a/Introducción a Microsoft Azure IoT.pptx
+++ b/Introducción a Microsoft Azure IoT.pptx
@@ -5,17 +5,24 @@
     <p:sldMasterId id="2147483648" r:id="rId1"/>
   </p:sldMasterIdLst>
   <p:notesMasterIdLst>
-    <p:notesMasterId r:id="rId7"/>
+    <p:notesMasterId r:id="rId14"/>
   </p:notesMasterIdLst>
   <p:handoutMasterIdLst>
-    <p:handoutMasterId r:id="rId8"/>
+    <p:handoutMasterId r:id="rId15"/>
   </p:handoutMasterIdLst>
   <p:sldIdLst>
     <p:sldId id="256" r:id="rId2"/>
     <p:sldId id="279" r:id="rId3"/>
     <p:sldId id="278" r:id="rId4"/>
     <p:sldId id="277" r:id="rId5"/>
-    <p:sldId id="280" r:id="rId6"/>
+    <p:sldId id="281" r:id="rId6"/>
+    <p:sldId id="283" r:id="rId7"/>
+    <p:sldId id="284" r:id="rId8"/>
+    <p:sldId id="280" r:id="rId9"/>
+    <p:sldId id="286" r:id="rId10"/>
+    <p:sldId id="285" r:id="rId11"/>
+    <p:sldId id="287" r:id="rId12"/>
+    <p:sldId id="288" r:id="rId13"/>
   </p:sldIdLst>
   <p:sldSz cx="12192000" cy="6858000"/>
   <p:notesSz cx="6858000" cy="9144000"/>
@@ -215,7 +222,7 @@
           <a:p>
             <a:fld id="{BFAD595D-6ADA-47EC-8AFF-E42DEE086B53}" type="datetimeFigureOut">
               <a:rPr lang="es-MX" smtClean="0"/>
-              <a:t>28/12/2019</a:t>
+              <a:t>06/01/2020</a:t>
             </a:fld>
             <a:endParaRPr lang="es-MX"/>
           </a:p>
@@ -381,7 +388,7 @@
           <a:p>
             <a:fld id="{5296A91E-C94D-49A9-9B2B-E0C2416869C8}" type="datetimeFigureOut">
               <a:rPr lang="es-MX" smtClean="0"/>
-              <a:t>28/12/2019</a:t>
+              <a:t>06/01/2020</a:t>
             </a:fld>
             <a:endParaRPr lang="es-MX"/>
           </a:p>
@@ -884,7 +891,7 @@
           <a:p>
             <a:fld id="{E539E36A-411C-47D8-ACCE-3C164CD9D6AA}" type="datetime1">
               <a:rPr lang="es-MX" smtClean="0"/>
-              <a:t>28/12/2019</a:t>
+              <a:t>06/01/2020</a:t>
             </a:fld>
             <a:endParaRPr lang="es-MX"/>
           </a:p>
@@ -1054,7 +1061,7 @@
           <a:p>
             <a:fld id="{BDDF864D-821F-42FA-835B-45DC17C68805}" type="datetime1">
               <a:rPr lang="es-MX" smtClean="0"/>
-              <a:t>28/12/2019</a:t>
+              <a:t>06/01/2020</a:t>
             </a:fld>
             <a:endParaRPr lang="es-MX"/>
           </a:p>
@@ -1234,7 +1241,7 @@
           <a:p>
             <a:fld id="{E2E9A792-0025-4CF2-8934-47BE6364F86A}" type="datetime1">
               <a:rPr lang="es-MX" smtClean="0"/>
-              <a:t>28/12/2019</a:t>
+              <a:t>06/01/2020</a:t>
             </a:fld>
             <a:endParaRPr lang="es-MX"/>
           </a:p>
@@ -1404,7 +1411,7 @@
           <a:p>
             <a:fld id="{24420AD3-9CA8-416C-A5B1-ED9046883CFE}" type="datetime1">
               <a:rPr lang="es-MX" smtClean="0"/>
-              <a:t>28/12/2019</a:t>
+              <a:t>06/01/2020</a:t>
             </a:fld>
             <a:endParaRPr lang="es-MX"/>
           </a:p>
@@ -1650,7 +1657,7 @@
           <a:p>
             <a:fld id="{EE096DF2-A570-4A38-BB2D-BC3C65B33F9B}" type="datetime1">
               <a:rPr lang="es-MX" smtClean="0"/>
-              <a:t>28/12/2019</a:t>
+              <a:t>06/01/2020</a:t>
             </a:fld>
             <a:endParaRPr lang="es-MX"/>
           </a:p>
@@ -1882,7 +1889,7 @@
           <a:p>
             <a:fld id="{B0A55884-5635-4B1E-A887-34B4E794DA22}" type="datetime1">
               <a:rPr lang="es-MX" smtClean="0"/>
-              <a:t>28/12/2019</a:t>
+              <a:t>06/01/2020</a:t>
             </a:fld>
             <a:endParaRPr lang="es-MX"/>
           </a:p>
@@ -2249,7 +2256,7 @@
           <a:p>
             <a:fld id="{0492F442-030F-459C-9563-0116AD35CEFF}" type="datetime1">
               <a:rPr lang="es-MX" smtClean="0"/>
-              <a:t>28/12/2019</a:t>
+              <a:t>06/01/2020</a:t>
             </a:fld>
             <a:endParaRPr lang="es-MX"/>
           </a:p>
@@ -2367,7 +2374,7 @@
           <a:p>
             <a:fld id="{687311F3-FCC4-4DE7-B673-A5E2117FFF23}" type="datetime1">
               <a:rPr lang="es-MX" smtClean="0"/>
-              <a:t>28/12/2019</a:t>
+              <a:t>06/01/2020</a:t>
             </a:fld>
             <a:endParaRPr lang="es-MX"/>
           </a:p>
@@ -2462,7 +2469,7 @@
           <a:p>
             <a:fld id="{E1FFDF76-F74B-498A-8DC5-EE25277D9DA4}" type="datetime1">
               <a:rPr lang="es-MX" smtClean="0"/>
-              <a:t>28/12/2019</a:t>
+              <a:t>06/01/2020</a:t>
             </a:fld>
             <a:endParaRPr lang="es-MX"/>
           </a:p>
@@ -2739,7 +2746,7 @@
           <a:p>
             <a:fld id="{D98E60DA-2C31-4493-A7ED-6E75817DA356}" type="datetime1">
               <a:rPr lang="es-MX" smtClean="0"/>
-              <a:t>28/12/2019</a:t>
+              <a:t>06/01/2020</a:t>
             </a:fld>
             <a:endParaRPr lang="es-MX"/>
           </a:p>
@@ -2992,7 +2999,7 @@
           <a:p>
             <a:fld id="{FCD57F4F-5B61-4FA5-A365-99ABB13024F5}" type="datetime1">
               <a:rPr lang="es-MX" smtClean="0"/>
-              <a:t>28/12/2019</a:t>
+              <a:t>06/01/2020</a:t>
             </a:fld>
             <a:endParaRPr lang="es-MX"/>
           </a:p>
@@ -3205,7 +3212,7 @@
           <a:p>
             <a:fld id="{10C31552-5C4C-415B-872B-81200BCFD054}" type="datetime1">
               <a:rPr lang="es-MX" smtClean="0"/>
-              <a:t>28/12/2019</a:t>
+              <a:t>06/01/2020</a:t>
             </a:fld>
             <a:endParaRPr lang="es-MX"/>
           </a:p>
@@ -4046,6 +4053,1564 @@
 </p:sld>
 </file>
 
+<file path=ppt/slides/slide10.xml><?xml version="1.0" encoding="utf-8"?>
+<p:sld xmlns:a="http://schemas.openxmlformats.org/drawingml/2006/main" xmlns:r="http://schemas.openxmlformats.org/officeDocument/2006/relationships" xmlns:p="http://schemas.openxmlformats.org/presentationml/2006/main">
+  <p:cSld>
+    <p:spTree>
+      <p:nvGrpSpPr>
+        <p:cNvPr id="1" name=""/>
+        <p:cNvGrpSpPr/>
+        <p:nvPr/>
+      </p:nvGrpSpPr>
+      <p:grpSpPr>
+        <a:xfrm>
+          <a:off x="0" y="0"/>
+          <a:ext cx="0" cy="0"/>
+          <a:chOff x="0" y="0"/>
+          <a:chExt cx="0" cy="0"/>
+        </a:xfrm>
+      </p:grpSpPr>
+      <p:sp>
+        <p:nvSpPr>
+          <p:cNvPr id="2" name="CuadroTexto 1"/>
+          <p:cNvSpPr txBox="1"/>
+          <p:nvPr/>
+        </p:nvSpPr>
+        <p:spPr>
+          <a:xfrm>
+            <a:off x="273465" y="212168"/>
+            <a:ext cx="7598535" cy="646331"/>
+          </a:xfrm>
+          <a:prstGeom prst="rect">
+            <a:avLst/>
+          </a:prstGeom>
+          <a:noFill/>
+        </p:spPr>
+        <p:txBody>
+          <a:bodyPr wrap="square" rtlCol="0">
+            <a:spAutoFit/>
+          </a:bodyPr>
+          <a:lstStyle/>
+          <a:p>
+            <a:r>
+              <a:rPr lang="es-ES" sz="3600" dirty="0" smtClean="0">
+                <a:latin typeface="Roboto" panose="02000000000000000000" pitchFamily="2" charset="0"/>
+                <a:ea typeface="Roboto" panose="02000000000000000000" pitchFamily="2" charset="0"/>
+              </a:rPr>
+              <a:t>Introducción </a:t>
+            </a:r>
+            <a:r>
+              <a:rPr lang="es-ES" sz="3600" dirty="0">
+                <a:latin typeface="Roboto" panose="02000000000000000000" pitchFamily="2" charset="0"/>
+                <a:ea typeface="Roboto" panose="02000000000000000000" pitchFamily="2" charset="0"/>
+              </a:rPr>
+              <a:t>a Microsoft </a:t>
+            </a:r>
+            <a:r>
+              <a:rPr lang="es-ES" sz="3600" dirty="0" err="1">
+                <a:latin typeface="Roboto" panose="02000000000000000000" pitchFamily="2" charset="0"/>
+                <a:ea typeface="Roboto" panose="02000000000000000000" pitchFamily="2" charset="0"/>
+              </a:rPr>
+              <a:t>Azure</a:t>
+            </a:r>
+            <a:r>
+              <a:rPr lang="es-ES" sz="3600" dirty="0">
+                <a:latin typeface="Roboto" panose="02000000000000000000" pitchFamily="2" charset="0"/>
+                <a:ea typeface="Roboto" panose="02000000000000000000" pitchFamily="2" charset="0"/>
+              </a:rPr>
+              <a:t> </a:t>
+            </a:r>
+            <a:r>
+              <a:rPr lang="es-ES" sz="3600" dirty="0" err="1">
+                <a:latin typeface="Roboto" panose="02000000000000000000" pitchFamily="2" charset="0"/>
+                <a:ea typeface="Roboto" panose="02000000000000000000" pitchFamily="2" charset="0"/>
+              </a:rPr>
+              <a:t>IoT</a:t>
+            </a:r>
+            <a:endParaRPr lang="es-MX" sz="3600" dirty="0">
+              <a:latin typeface="Roboto" panose="02000000000000000000" pitchFamily="2" charset="0"/>
+              <a:ea typeface="Roboto" panose="02000000000000000000" pitchFamily="2" charset="0"/>
+            </a:endParaRPr>
+          </a:p>
+        </p:txBody>
+      </p:sp>
+      <p:sp>
+        <p:nvSpPr>
+          <p:cNvPr id="10" name="CuadroTexto 9"/>
+          <p:cNvSpPr txBox="1"/>
+          <p:nvPr/>
+        </p:nvSpPr>
+        <p:spPr>
+          <a:xfrm>
+            <a:off x="273465" y="1055278"/>
+            <a:ext cx="11265818" cy="523220"/>
+          </a:xfrm>
+          <a:prstGeom prst="rect">
+            <a:avLst/>
+          </a:prstGeom>
+          <a:noFill/>
+        </p:spPr>
+        <p:txBody>
+          <a:bodyPr wrap="square" rtlCol="0">
+            <a:spAutoFit/>
+          </a:bodyPr>
+          <a:lstStyle/>
+          <a:p>
+            <a:r>
+              <a:rPr lang="es-MX" sz="2800" dirty="0" smtClean="0">
+                <a:solidFill>
+                  <a:srgbClr val="042252"/>
+                </a:solidFill>
+                <a:latin typeface="Roboto Slab" pitchFamily="2" charset="0"/>
+                <a:ea typeface="Roboto Slab" pitchFamily="2" charset="0"/>
+              </a:rPr>
+              <a:t>Configuración de entorno de desarrollo</a:t>
+            </a:r>
+            <a:endParaRPr lang="es-MX" sz="2800" dirty="0">
+              <a:solidFill>
+                <a:srgbClr val="042252"/>
+              </a:solidFill>
+              <a:latin typeface="Roboto Slab" pitchFamily="2" charset="0"/>
+              <a:ea typeface="Roboto Slab" pitchFamily="2" charset="0"/>
+            </a:endParaRPr>
+          </a:p>
+        </p:txBody>
+      </p:sp>
+      <p:sp>
+        <p:nvSpPr>
+          <p:cNvPr id="11" name="Rectángulo 10"/>
+          <p:cNvSpPr/>
+          <p:nvPr/>
+        </p:nvSpPr>
+        <p:spPr>
+          <a:xfrm>
+            <a:off x="7872000" y="0"/>
+            <a:ext cx="4320000" cy="720000"/>
+          </a:xfrm>
+          <a:prstGeom prst="rect">
+            <a:avLst/>
+          </a:prstGeom>
+          <a:solidFill>
+            <a:srgbClr val="042252"/>
+          </a:solidFill>
+          <a:ln>
+            <a:noFill/>
+          </a:ln>
+        </p:spPr>
+        <p:style>
+          <a:lnRef idx="2">
+            <a:schemeClr val="accent1">
+              <a:shade val="50000"/>
+            </a:schemeClr>
+          </a:lnRef>
+          <a:fillRef idx="1">
+            <a:schemeClr val="accent1"/>
+          </a:fillRef>
+          <a:effectRef idx="0">
+            <a:schemeClr val="accent1"/>
+          </a:effectRef>
+          <a:fontRef idx="minor">
+            <a:schemeClr val="lt1"/>
+          </a:fontRef>
+        </p:style>
+        <p:txBody>
+          <a:bodyPr rtlCol="0" anchor="ctr"/>
+          <a:lstStyle/>
+          <a:p>
+            <a:pPr algn="r"/>
+            <a:fld id="{A7FA9133-ACFE-4DD5-9EEB-90E0F3C4BA55}" type="slidenum">
+              <a:rPr lang="es-MX" smtClean="0">
+                <a:latin typeface="Roboto" panose="02000000000000000000" pitchFamily="2" charset="0"/>
+                <a:ea typeface="Roboto" panose="02000000000000000000" pitchFamily="2" charset="0"/>
+              </a:rPr>
+              <a:pPr algn="r"/>
+              <a:t>10</a:t>
+            </a:fld>
+            <a:endParaRPr lang="es-MX" dirty="0">
+              <a:latin typeface="Roboto" panose="02000000000000000000" pitchFamily="2" charset="0"/>
+              <a:ea typeface="Roboto" panose="02000000000000000000" pitchFamily="2" charset="0"/>
+            </a:endParaRPr>
+          </a:p>
+        </p:txBody>
+      </p:sp>
+      <p:sp>
+        <p:nvSpPr>
+          <p:cNvPr id="13" name="Rectángulo 12"/>
+          <p:cNvSpPr/>
+          <p:nvPr/>
+        </p:nvSpPr>
+        <p:spPr>
+          <a:xfrm>
+            <a:off x="0" y="6138000"/>
+            <a:ext cx="4320000" cy="720000"/>
+          </a:xfrm>
+          <a:prstGeom prst="rect">
+            <a:avLst/>
+          </a:prstGeom>
+          <a:solidFill>
+            <a:srgbClr val="042252"/>
+          </a:solidFill>
+          <a:ln>
+            <a:noFill/>
+          </a:ln>
+        </p:spPr>
+        <p:style>
+          <a:lnRef idx="2">
+            <a:schemeClr val="accent1">
+              <a:shade val="50000"/>
+            </a:schemeClr>
+          </a:lnRef>
+          <a:fillRef idx="1">
+            <a:schemeClr val="accent1"/>
+          </a:fillRef>
+          <a:effectRef idx="0">
+            <a:schemeClr val="accent1"/>
+          </a:effectRef>
+          <a:fontRef idx="minor">
+            <a:schemeClr val="lt1"/>
+          </a:fontRef>
+        </p:style>
+        <p:txBody>
+          <a:bodyPr rtlCol="0" anchor="ctr"/>
+          <a:lstStyle/>
+          <a:p>
+            <a:pPr algn="ctr"/>
+            <a:endParaRPr lang="es-MX"/>
+          </a:p>
+        </p:txBody>
+      </p:sp>
+      <p:pic>
+        <p:nvPicPr>
+          <p:cNvPr id="17" name="Imagen 16"/>
+          <p:cNvPicPr>
+            <a:picLocks noChangeAspect="1"/>
+          </p:cNvPicPr>
+          <p:nvPr/>
+        </p:nvPicPr>
+        <p:blipFill>
+          <a:blip r:embed="rId2" cstate="print">
+            <a:extLst>
+              <a:ext uri="{28A0092B-C50C-407E-A947-70E740481C1C}">
+                <a14:useLocalDpi xmlns:a14="http://schemas.microsoft.com/office/drawing/2010/main" val="0"/>
+              </a:ext>
+            </a:extLst>
+          </a:blip>
+          <a:stretch>
+            <a:fillRect/>
+          </a:stretch>
+        </p:blipFill>
+        <p:spPr>
+          <a:xfrm>
+            <a:off x="4653497" y="6230167"/>
+            <a:ext cx="535665" cy="535665"/>
+          </a:xfrm>
+          <a:prstGeom prst="rect">
+            <a:avLst/>
+          </a:prstGeom>
+        </p:spPr>
+      </p:pic>
+      <p:pic>
+        <p:nvPicPr>
+          <p:cNvPr id="8" name="Imagen 7"/>
+          <p:cNvPicPr>
+            <a:picLocks noChangeAspect="1"/>
+          </p:cNvPicPr>
+          <p:nvPr/>
+        </p:nvPicPr>
+        <p:blipFill>
+          <a:blip r:embed="rId3" cstate="print">
+            <a:extLst>
+              <a:ext uri="{28A0092B-C50C-407E-A947-70E740481C1C}">
+                <a14:useLocalDpi xmlns:a14="http://schemas.microsoft.com/office/drawing/2010/main" val="0"/>
+              </a:ext>
+            </a:extLst>
+          </a:blip>
+          <a:stretch>
+            <a:fillRect/>
+          </a:stretch>
+        </p:blipFill>
+        <p:spPr>
+          <a:xfrm>
+            <a:off x="5366374" y="6225832"/>
+            <a:ext cx="540000" cy="540000"/>
+          </a:xfrm>
+          <a:prstGeom prst="rect">
+            <a:avLst/>
+          </a:prstGeom>
+        </p:spPr>
+      </p:pic>
+      <p:pic>
+        <p:nvPicPr>
+          <p:cNvPr id="1026" name="Picture 2" descr="Resultado de imagen para vs code logo"/>
+          <p:cNvPicPr>
+            <a:picLocks noChangeAspect="1" noChangeArrowheads="1"/>
+          </p:cNvPicPr>
+          <p:nvPr/>
+        </p:nvPicPr>
+        <p:blipFill rotWithShape="1">
+          <a:blip r:embed="rId4">
+            <a:extLst>
+              <a:ext uri="{28A0092B-C50C-407E-A947-70E740481C1C}">
+                <a14:useLocalDpi xmlns:a14="http://schemas.microsoft.com/office/drawing/2010/main" val="0"/>
+              </a:ext>
+            </a:extLst>
+          </a:blip>
+          <a:srcRect t="10023" b="8377"/>
+          <a:stretch/>
+        </p:blipFill>
+        <p:spPr bwMode="auto">
+          <a:xfrm>
+            <a:off x="146425" y="2294624"/>
+            <a:ext cx="5647055" cy="2304000"/>
+          </a:xfrm>
+          <a:prstGeom prst="rect">
+            <a:avLst/>
+          </a:prstGeom>
+          <a:noFill/>
+          <a:extLst>
+            <a:ext uri="{909E8E84-426E-40DD-AFC4-6F175D3DCCD1}">
+              <a14:hiddenFill xmlns:a14="http://schemas.microsoft.com/office/drawing/2010/main">
+                <a:solidFill>
+                  <a:srgbClr val="FFFFFF"/>
+                </a:solidFill>
+              </a14:hiddenFill>
+            </a:ext>
+          </a:extLst>
+        </p:spPr>
+      </p:pic>
+      <p:pic>
+        <p:nvPicPr>
+          <p:cNvPr id="1028" name="Picture 4" descr="Resultado de imagen para arduino logo png"/>
+          <p:cNvPicPr>
+            <a:picLocks noChangeAspect="1" noChangeArrowheads="1"/>
+          </p:cNvPicPr>
+          <p:nvPr/>
+        </p:nvPicPr>
+        <p:blipFill>
+          <a:blip r:embed="rId5" cstate="print">
+            <a:extLst>
+              <a:ext uri="{28A0092B-C50C-407E-A947-70E740481C1C}">
+                <a14:useLocalDpi xmlns:a14="http://schemas.microsoft.com/office/drawing/2010/main" val="0"/>
+              </a:ext>
+            </a:extLst>
+          </a:blip>
+          <a:srcRect/>
+          <a:stretch>
+            <a:fillRect/>
+          </a:stretch>
+        </p:blipFill>
+        <p:spPr bwMode="auto">
+          <a:xfrm>
+            <a:off x="7507350" y="2294624"/>
+            <a:ext cx="3396784" cy="2304000"/>
+          </a:xfrm>
+          <a:prstGeom prst="rect">
+            <a:avLst/>
+          </a:prstGeom>
+          <a:noFill/>
+          <a:extLst>
+            <a:ext uri="{909E8E84-426E-40DD-AFC4-6F175D3DCCD1}">
+              <a14:hiddenFill xmlns:a14="http://schemas.microsoft.com/office/drawing/2010/main">
+                <a:solidFill>
+                  <a:srgbClr val="FFFFFF"/>
+                </a:solidFill>
+              </a14:hiddenFill>
+            </a:ext>
+          </a:extLst>
+        </p:spPr>
+      </p:pic>
+    </p:spTree>
+    <p:extLst>
+      <p:ext uri="{BB962C8B-B14F-4D97-AF65-F5344CB8AC3E}">
+        <p14:creationId xmlns:p14="http://schemas.microsoft.com/office/powerpoint/2010/main" val="3842322089"/>
+      </p:ext>
+    </p:extLst>
+  </p:cSld>
+  <p:clrMapOvr>
+    <a:masterClrMapping/>
+  </p:clrMapOvr>
+  <p:timing>
+    <p:tnLst>
+      <p:par>
+        <p:cTn id="1" dur="indefinite" restart="never" nodeType="tmRoot"/>
+      </p:par>
+    </p:tnLst>
+  </p:timing>
+</p:sld>
+</file>
+
+<file path=ppt/slides/slide11.xml><?xml version="1.0" encoding="utf-8"?>
+<p:sld xmlns:a="http://schemas.openxmlformats.org/drawingml/2006/main" xmlns:r="http://schemas.openxmlformats.org/officeDocument/2006/relationships" xmlns:p="http://schemas.openxmlformats.org/presentationml/2006/main">
+  <p:cSld>
+    <p:spTree>
+      <p:nvGrpSpPr>
+        <p:cNvPr id="1" name=""/>
+        <p:cNvGrpSpPr/>
+        <p:nvPr/>
+      </p:nvGrpSpPr>
+      <p:grpSpPr>
+        <a:xfrm>
+          <a:off x="0" y="0"/>
+          <a:ext cx="0" cy="0"/>
+          <a:chOff x="0" y="0"/>
+          <a:chExt cx="0" cy="0"/>
+        </a:xfrm>
+      </p:grpSpPr>
+      <p:sp>
+        <p:nvSpPr>
+          <p:cNvPr id="2" name="CuadroTexto 1"/>
+          <p:cNvSpPr txBox="1"/>
+          <p:nvPr/>
+        </p:nvSpPr>
+        <p:spPr>
+          <a:xfrm>
+            <a:off x="273465" y="212168"/>
+            <a:ext cx="7598535" cy="646331"/>
+          </a:xfrm>
+          <a:prstGeom prst="rect">
+            <a:avLst/>
+          </a:prstGeom>
+          <a:noFill/>
+        </p:spPr>
+        <p:txBody>
+          <a:bodyPr wrap="square" rtlCol="0">
+            <a:spAutoFit/>
+          </a:bodyPr>
+          <a:lstStyle/>
+          <a:p>
+            <a:r>
+              <a:rPr lang="es-ES" sz="3600" dirty="0" smtClean="0">
+                <a:latin typeface="Roboto" panose="02000000000000000000" pitchFamily="2" charset="0"/>
+                <a:ea typeface="Roboto" panose="02000000000000000000" pitchFamily="2" charset="0"/>
+              </a:rPr>
+              <a:t>Introducción </a:t>
+            </a:r>
+            <a:r>
+              <a:rPr lang="es-ES" sz="3600" dirty="0">
+                <a:latin typeface="Roboto" panose="02000000000000000000" pitchFamily="2" charset="0"/>
+                <a:ea typeface="Roboto" panose="02000000000000000000" pitchFamily="2" charset="0"/>
+              </a:rPr>
+              <a:t>a Microsoft </a:t>
+            </a:r>
+            <a:r>
+              <a:rPr lang="es-ES" sz="3600" dirty="0" err="1">
+                <a:latin typeface="Roboto" panose="02000000000000000000" pitchFamily="2" charset="0"/>
+                <a:ea typeface="Roboto" panose="02000000000000000000" pitchFamily="2" charset="0"/>
+              </a:rPr>
+              <a:t>Azure</a:t>
+            </a:r>
+            <a:r>
+              <a:rPr lang="es-ES" sz="3600" dirty="0">
+                <a:latin typeface="Roboto" panose="02000000000000000000" pitchFamily="2" charset="0"/>
+                <a:ea typeface="Roboto" panose="02000000000000000000" pitchFamily="2" charset="0"/>
+              </a:rPr>
+              <a:t> </a:t>
+            </a:r>
+            <a:r>
+              <a:rPr lang="es-ES" sz="3600" dirty="0" err="1">
+                <a:latin typeface="Roboto" panose="02000000000000000000" pitchFamily="2" charset="0"/>
+                <a:ea typeface="Roboto" panose="02000000000000000000" pitchFamily="2" charset="0"/>
+              </a:rPr>
+              <a:t>IoT</a:t>
+            </a:r>
+            <a:endParaRPr lang="es-MX" sz="3600" dirty="0">
+              <a:latin typeface="Roboto" panose="02000000000000000000" pitchFamily="2" charset="0"/>
+              <a:ea typeface="Roboto" panose="02000000000000000000" pitchFamily="2" charset="0"/>
+            </a:endParaRPr>
+          </a:p>
+        </p:txBody>
+      </p:sp>
+      <p:sp>
+        <p:nvSpPr>
+          <p:cNvPr id="10" name="CuadroTexto 9"/>
+          <p:cNvSpPr txBox="1"/>
+          <p:nvPr/>
+        </p:nvSpPr>
+        <p:spPr>
+          <a:xfrm>
+            <a:off x="273465" y="1055278"/>
+            <a:ext cx="11265818" cy="523220"/>
+          </a:xfrm>
+          <a:prstGeom prst="rect">
+            <a:avLst/>
+          </a:prstGeom>
+          <a:noFill/>
+        </p:spPr>
+        <p:txBody>
+          <a:bodyPr wrap="square" rtlCol="0">
+            <a:spAutoFit/>
+          </a:bodyPr>
+          <a:lstStyle/>
+          <a:p>
+            <a:r>
+              <a:rPr lang="es-MX" sz="2800" dirty="0" smtClean="0">
+                <a:solidFill>
+                  <a:srgbClr val="042252"/>
+                </a:solidFill>
+                <a:latin typeface="Roboto Slab" pitchFamily="2" charset="0"/>
+                <a:ea typeface="Roboto Slab" pitchFamily="2" charset="0"/>
+              </a:rPr>
+              <a:t>Ejercicio 01</a:t>
+            </a:r>
+            <a:endParaRPr lang="es-MX" sz="2800" dirty="0">
+              <a:solidFill>
+                <a:srgbClr val="042252"/>
+              </a:solidFill>
+              <a:latin typeface="Roboto Slab" pitchFamily="2" charset="0"/>
+              <a:ea typeface="Roboto Slab" pitchFamily="2" charset="0"/>
+            </a:endParaRPr>
+          </a:p>
+        </p:txBody>
+      </p:sp>
+      <p:sp>
+        <p:nvSpPr>
+          <p:cNvPr id="11" name="Rectángulo 10"/>
+          <p:cNvSpPr/>
+          <p:nvPr/>
+        </p:nvSpPr>
+        <p:spPr>
+          <a:xfrm>
+            <a:off x="7872000" y="0"/>
+            <a:ext cx="4320000" cy="720000"/>
+          </a:xfrm>
+          <a:prstGeom prst="rect">
+            <a:avLst/>
+          </a:prstGeom>
+          <a:solidFill>
+            <a:srgbClr val="042252"/>
+          </a:solidFill>
+          <a:ln>
+            <a:noFill/>
+          </a:ln>
+        </p:spPr>
+        <p:style>
+          <a:lnRef idx="2">
+            <a:schemeClr val="accent1">
+              <a:shade val="50000"/>
+            </a:schemeClr>
+          </a:lnRef>
+          <a:fillRef idx="1">
+            <a:schemeClr val="accent1"/>
+          </a:fillRef>
+          <a:effectRef idx="0">
+            <a:schemeClr val="accent1"/>
+          </a:effectRef>
+          <a:fontRef idx="minor">
+            <a:schemeClr val="lt1"/>
+          </a:fontRef>
+        </p:style>
+        <p:txBody>
+          <a:bodyPr rtlCol="0" anchor="ctr"/>
+          <a:lstStyle/>
+          <a:p>
+            <a:pPr algn="r"/>
+            <a:fld id="{A7FA9133-ACFE-4DD5-9EEB-90E0F3C4BA55}" type="slidenum">
+              <a:rPr lang="es-MX" smtClean="0">
+                <a:latin typeface="Roboto" panose="02000000000000000000" pitchFamily="2" charset="0"/>
+                <a:ea typeface="Roboto" panose="02000000000000000000" pitchFamily="2" charset="0"/>
+              </a:rPr>
+              <a:pPr algn="r"/>
+              <a:t>11</a:t>
+            </a:fld>
+            <a:endParaRPr lang="es-MX" dirty="0">
+              <a:latin typeface="Roboto" panose="02000000000000000000" pitchFamily="2" charset="0"/>
+              <a:ea typeface="Roboto" panose="02000000000000000000" pitchFamily="2" charset="0"/>
+            </a:endParaRPr>
+          </a:p>
+        </p:txBody>
+      </p:sp>
+      <p:sp>
+        <p:nvSpPr>
+          <p:cNvPr id="13" name="Rectángulo 12"/>
+          <p:cNvSpPr/>
+          <p:nvPr/>
+        </p:nvSpPr>
+        <p:spPr>
+          <a:xfrm>
+            <a:off x="0" y="6138000"/>
+            <a:ext cx="4320000" cy="720000"/>
+          </a:xfrm>
+          <a:prstGeom prst="rect">
+            <a:avLst/>
+          </a:prstGeom>
+          <a:solidFill>
+            <a:srgbClr val="042252"/>
+          </a:solidFill>
+          <a:ln>
+            <a:noFill/>
+          </a:ln>
+        </p:spPr>
+        <p:style>
+          <a:lnRef idx="2">
+            <a:schemeClr val="accent1">
+              <a:shade val="50000"/>
+            </a:schemeClr>
+          </a:lnRef>
+          <a:fillRef idx="1">
+            <a:schemeClr val="accent1"/>
+          </a:fillRef>
+          <a:effectRef idx="0">
+            <a:schemeClr val="accent1"/>
+          </a:effectRef>
+          <a:fontRef idx="minor">
+            <a:schemeClr val="lt1"/>
+          </a:fontRef>
+        </p:style>
+        <p:txBody>
+          <a:bodyPr rtlCol="0" anchor="ctr"/>
+          <a:lstStyle/>
+          <a:p>
+            <a:pPr algn="ctr"/>
+            <a:endParaRPr lang="es-MX"/>
+          </a:p>
+        </p:txBody>
+      </p:sp>
+      <p:pic>
+        <p:nvPicPr>
+          <p:cNvPr id="17" name="Imagen 16"/>
+          <p:cNvPicPr>
+            <a:picLocks noChangeAspect="1"/>
+          </p:cNvPicPr>
+          <p:nvPr/>
+        </p:nvPicPr>
+        <p:blipFill>
+          <a:blip r:embed="rId2" cstate="print">
+            <a:extLst>
+              <a:ext uri="{28A0092B-C50C-407E-A947-70E740481C1C}">
+                <a14:useLocalDpi xmlns:a14="http://schemas.microsoft.com/office/drawing/2010/main" val="0"/>
+              </a:ext>
+            </a:extLst>
+          </a:blip>
+          <a:stretch>
+            <a:fillRect/>
+          </a:stretch>
+        </p:blipFill>
+        <p:spPr>
+          <a:xfrm>
+            <a:off x="4653497" y="6230167"/>
+            <a:ext cx="535665" cy="535665"/>
+          </a:xfrm>
+          <a:prstGeom prst="rect">
+            <a:avLst/>
+          </a:prstGeom>
+        </p:spPr>
+      </p:pic>
+      <p:pic>
+        <p:nvPicPr>
+          <p:cNvPr id="8" name="Imagen 7"/>
+          <p:cNvPicPr>
+            <a:picLocks noChangeAspect="1"/>
+          </p:cNvPicPr>
+          <p:nvPr/>
+        </p:nvPicPr>
+        <p:blipFill>
+          <a:blip r:embed="rId3" cstate="print">
+            <a:extLst>
+              <a:ext uri="{28A0092B-C50C-407E-A947-70E740481C1C}">
+                <a14:useLocalDpi xmlns:a14="http://schemas.microsoft.com/office/drawing/2010/main" val="0"/>
+              </a:ext>
+            </a:extLst>
+          </a:blip>
+          <a:stretch>
+            <a:fillRect/>
+          </a:stretch>
+        </p:blipFill>
+        <p:spPr>
+          <a:xfrm>
+            <a:off x="5366374" y="6225832"/>
+            <a:ext cx="540000" cy="540000"/>
+          </a:xfrm>
+          <a:prstGeom prst="rect">
+            <a:avLst/>
+          </a:prstGeom>
+        </p:spPr>
+      </p:pic>
+      <p:sp>
+        <p:nvSpPr>
+          <p:cNvPr id="3" name="Rectángulo 2"/>
+          <p:cNvSpPr/>
+          <p:nvPr/>
+        </p:nvSpPr>
+        <p:spPr>
+          <a:xfrm>
+            <a:off x="495242" y="1812514"/>
+            <a:ext cx="6096000" cy="3693319"/>
+          </a:xfrm>
+          <a:prstGeom prst="rect">
+            <a:avLst/>
+          </a:prstGeom>
+        </p:spPr>
+        <p:txBody>
+          <a:bodyPr>
+            <a:spAutoFit/>
+          </a:bodyPr>
+          <a:lstStyle/>
+          <a:p>
+            <a:r>
+              <a:rPr lang="es-MX" dirty="0">
+                <a:solidFill>
+                  <a:srgbClr val="C586C0"/>
+                </a:solidFill>
+                <a:latin typeface="Consolas" panose="020B0609020204030204" pitchFamily="49" charset="0"/>
+              </a:rPr>
+              <a:t>#</a:t>
+            </a:r>
+            <a:r>
+              <a:rPr lang="es-MX" dirty="0" err="1">
+                <a:solidFill>
+                  <a:srgbClr val="C586C0"/>
+                </a:solidFill>
+                <a:latin typeface="Consolas" panose="020B0609020204030204" pitchFamily="49" charset="0"/>
+              </a:rPr>
+              <a:t>include</a:t>
+            </a:r>
+            <a:r>
+              <a:rPr lang="es-MX" dirty="0">
+                <a:solidFill>
+                  <a:srgbClr val="569CD6"/>
+                </a:solidFill>
+                <a:latin typeface="Consolas" panose="020B0609020204030204" pitchFamily="49" charset="0"/>
+              </a:rPr>
+              <a:t> </a:t>
+            </a:r>
+            <a:r>
+              <a:rPr lang="es-MX" dirty="0">
+                <a:solidFill>
+                  <a:srgbClr val="CE9178"/>
+                </a:solidFill>
+                <a:latin typeface="Consolas" panose="020B0609020204030204" pitchFamily="49" charset="0"/>
+              </a:rPr>
+              <a:t>"</a:t>
+            </a:r>
+            <a:r>
+              <a:rPr lang="es-MX" dirty="0" err="1">
+                <a:solidFill>
+                  <a:srgbClr val="CE9178"/>
+                </a:solidFill>
+                <a:latin typeface="Consolas" panose="020B0609020204030204" pitchFamily="49" charset="0"/>
+              </a:rPr>
+              <a:t>Arduino.h</a:t>
+            </a:r>
+            <a:r>
+              <a:rPr lang="es-MX" dirty="0">
+                <a:solidFill>
+                  <a:srgbClr val="CE9178"/>
+                </a:solidFill>
+                <a:latin typeface="Consolas" panose="020B0609020204030204" pitchFamily="49" charset="0"/>
+              </a:rPr>
+              <a:t>"</a:t>
+            </a:r>
+            <a:endParaRPr lang="es-MX" dirty="0">
+              <a:solidFill>
+                <a:srgbClr val="D4D4D4"/>
+              </a:solidFill>
+              <a:latin typeface="Consolas" panose="020B0609020204030204" pitchFamily="49" charset="0"/>
+            </a:endParaRPr>
+          </a:p>
+          <a:p>
+            <a:r>
+              <a:rPr lang="es-MX" dirty="0">
+                <a:solidFill>
+                  <a:srgbClr val="C586C0"/>
+                </a:solidFill>
+                <a:latin typeface="Consolas" panose="020B0609020204030204" pitchFamily="49" charset="0"/>
+              </a:rPr>
+              <a:t>#</a:t>
+            </a:r>
+            <a:r>
+              <a:rPr lang="es-MX" dirty="0" err="1">
+                <a:solidFill>
+                  <a:srgbClr val="C586C0"/>
+                </a:solidFill>
+                <a:latin typeface="Consolas" panose="020B0609020204030204" pitchFamily="49" charset="0"/>
+              </a:rPr>
+              <a:t>include</a:t>
+            </a:r>
+            <a:r>
+              <a:rPr lang="es-MX" dirty="0">
+                <a:solidFill>
+                  <a:srgbClr val="569CD6"/>
+                </a:solidFill>
+                <a:latin typeface="Consolas" panose="020B0609020204030204" pitchFamily="49" charset="0"/>
+              </a:rPr>
+              <a:t> </a:t>
+            </a:r>
+            <a:r>
+              <a:rPr lang="es-MX" dirty="0">
+                <a:solidFill>
+                  <a:srgbClr val="CE9178"/>
+                </a:solidFill>
+                <a:latin typeface="Consolas" panose="020B0609020204030204" pitchFamily="49" charset="0"/>
+              </a:rPr>
+              <a:t>"</a:t>
+            </a:r>
+            <a:r>
+              <a:rPr lang="es-MX" dirty="0" err="1">
+                <a:solidFill>
+                  <a:srgbClr val="CE9178"/>
+                </a:solidFill>
+                <a:latin typeface="Consolas" panose="020B0609020204030204" pitchFamily="49" charset="0"/>
+              </a:rPr>
+              <a:t>Esp.h</a:t>
+            </a:r>
+            <a:r>
+              <a:rPr lang="es-MX" dirty="0">
+                <a:solidFill>
+                  <a:srgbClr val="CE9178"/>
+                </a:solidFill>
+                <a:latin typeface="Consolas" panose="020B0609020204030204" pitchFamily="49" charset="0"/>
+              </a:rPr>
+              <a:t>"</a:t>
+            </a:r>
+            <a:endParaRPr lang="es-MX" dirty="0">
+              <a:solidFill>
+                <a:srgbClr val="D4D4D4"/>
+              </a:solidFill>
+              <a:latin typeface="Consolas" panose="020B0609020204030204" pitchFamily="49" charset="0"/>
+            </a:endParaRPr>
+          </a:p>
+          <a:p>
+            <a:r>
+              <a:rPr lang="es-MX" dirty="0">
+                <a:solidFill>
+                  <a:srgbClr val="D4D4D4"/>
+                </a:solidFill>
+                <a:latin typeface="Consolas" panose="020B0609020204030204" pitchFamily="49" charset="0"/>
+              </a:rPr>
+              <a:t/>
+            </a:r>
+            <a:br>
+              <a:rPr lang="es-MX" dirty="0">
+                <a:solidFill>
+                  <a:srgbClr val="D4D4D4"/>
+                </a:solidFill>
+                <a:latin typeface="Consolas" panose="020B0609020204030204" pitchFamily="49" charset="0"/>
+              </a:rPr>
+            </a:br>
+            <a:r>
+              <a:rPr lang="es-MX" dirty="0" err="1">
+                <a:solidFill>
+                  <a:srgbClr val="569CD6"/>
+                </a:solidFill>
+                <a:latin typeface="Consolas" panose="020B0609020204030204" pitchFamily="49" charset="0"/>
+              </a:rPr>
+              <a:t>void</a:t>
+            </a:r>
+            <a:r>
+              <a:rPr lang="es-MX" dirty="0">
+                <a:solidFill>
+                  <a:srgbClr val="D4D4D4"/>
+                </a:solidFill>
+                <a:latin typeface="Consolas" panose="020B0609020204030204" pitchFamily="49" charset="0"/>
+              </a:rPr>
+              <a:t> </a:t>
+            </a:r>
+            <a:r>
+              <a:rPr lang="es-MX" dirty="0" err="1">
+                <a:solidFill>
+                  <a:srgbClr val="DCDCAA"/>
+                </a:solidFill>
+                <a:latin typeface="Consolas" panose="020B0609020204030204" pitchFamily="49" charset="0"/>
+              </a:rPr>
+              <a:t>setup</a:t>
+            </a:r>
+            <a:r>
+              <a:rPr lang="es-MX" dirty="0">
+                <a:solidFill>
+                  <a:srgbClr val="D4D4D4"/>
+                </a:solidFill>
+                <a:latin typeface="Consolas" panose="020B0609020204030204" pitchFamily="49" charset="0"/>
+              </a:rPr>
+              <a:t>(){</a:t>
+            </a:r>
+          </a:p>
+          <a:p>
+            <a:r>
+              <a:rPr lang="es-MX" dirty="0">
+                <a:solidFill>
+                  <a:srgbClr val="D4D4D4"/>
+                </a:solidFill>
+                <a:latin typeface="Consolas" panose="020B0609020204030204" pitchFamily="49" charset="0"/>
+              </a:rPr>
+              <a:t>    </a:t>
+            </a:r>
+            <a:r>
+              <a:rPr lang="es-MX" dirty="0" err="1">
+                <a:solidFill>
+                  <a:srgbClr val="DCDCAA"/>
+                </a:solidFill>
+                <a:latin typeface="Consolas" panose="020B0609020204030204" pitchFamily="49" charset="0"/>
+              </a:rPr>
+              <a:t>pinMode</a:t>
+            </a:r>
+            <a:r>
+              <a:rPr lang="es-MX" dirty="0">
+                <a:solidFill>
+                  <a:srgbClr val="D4D4D4"/>
+                </a:solidFill>
+                <a:latin typeface="Consolas" panose="020B0609020204030204" pitchFamily="49" charset="0"/>
+              </a:rPr>
+              <a:t>(</a:t>
+            </a:r>
+            <a:r>
+              <a:rPr lang="es-MX" dirty="0">
+                <a:solidFill>
+                  <a:srgbClr val="B5CEA8"/>
+                </a:solidFill>
+                <a:latin typeface="Consolas" panose="020B0609020204030204" pitchFamily="49" charset="0"/>
+              </a:rPr>
+              <a:t>2</a:t>
+            </a:r>
+            <a:r>
+              <a:rPr lang="es-MX" dirty="0">
+                <a:solidFill>
+                  <a:srgbClr val="D4D4D4"/>
+                </a:solidFill>
+                <a:latin typeface="Consolas" panose="020B0609020204030204" pitchFamily="49" charset="0"/>
+              </a:rPr>
+              <a:t>,OUTPUT);</a:t>
+            </a:r>
+          </a:p>
+          <a:p>
+            <a:r>
+              <a:rPr lang="es-MX" dirty="0">
+                <a:solidFill>
+                  <a:srgbClr val="D4D4D4"/>
+                </a:solidFill>
+                <a:latin typeface="Consolas" panose="020B0609020204030204" pitchFamily="49" charset="0"/>
+              </a:rPr>
+              <a:t>}</a:t>
+            </a:r>
+          </a:p>
+          <a:p>
+            <a:r>
+              <a:rPr lang="es-MX" dirty="0">
+                <a:solidFill>
+                  <a:srgbClr val="D4D4D4"/>
+                </a:solidFill>
+                <a:latin typeface="Consolas" panose="020B0609020204030204" pitchFamily="49" charset="0"/>
+              </a:rPr>
+              <a:t/>
+            </a:r>
+            <a:br>
+              <a:rPr lang="es-MX" dirty="0">
+                <a:solidFill>
+                  <a:srgbClr val="D4D4D4"/>
+                </a:solidFill>
+                <a:latin typeface="Consolas" panose="020B0609020204030204" pitchFamily="49" charset="0"/>
+              </a:rPr>
+            </a:br>
+            <a:r>
+              <a:rPr lang="es-MX" dirty="0" err="1">
+                <a:solidFill>
+                  <a:srgbClr val="569CD6"/>
+                </a:solidFill>
+                <a:latin typeface="Consolas" panose="020B0609020204030204" pitchFamily="49" charset="0"/>
+              </a:rPr>
+              <a:t>void</a:t>
+            </a:r>
+            <a:r>
+              <a:rPr lang="es-MX" dirty="0">
+                <a:solidFill>
+                  <a:srgbClr val="D4D4D4"/>
+                </a:solidFill>
+                <a:latin typeface="Consolas" panose="020B0609020204030204" pitchFamily="49" charset="0"/>
+              </a:rPr>
+              <a:t> </a:t>
+            </a:r>
+            <a:r>
+              <a:rPr lang="es-MX" dirty="0" err="1">
+                <a:solidFill>
+                  <a:srgbClr val="DCDCAA"/>
+                </a:solidFill>
+                <a:latin typeface="Consolas" panose="020B0609020204030204" pitchFamily="49" charset="0"/>
+              </a:rPr>
+              <a:t>loop</a:t>
+            </a:r>
+            <a:r>
+              <a:rPr lang="es-MX" dirty="0">
+                <a:solidFill>
+                  <a:srgbClr val="D4D4D4"/>
+                </a:solidFill>
+                <a:latin typeface="Consolas" panose="020B0609020204030204" pitchFamily="49" charset="0"/>
+              </a:rPr>
+              <a:t>(){</a:t>
+            </a:r>
+          </a:p>
+          <a:p>
+            <a:r>
+              <a:rPr lang="es-MX" dirty="0">
+                <a:solidFill>
+                  <a:srgbClr val="D4D4D4"/>
+                </a:solidFill>
+                <a:latin typeface="Consolas" panose="020B0609020204030204" pitchFamily="49" charset="0"/>
+              </a:rPr>
+              <a:t>    </a:t>
+            </a:r>
+            <a:r>
+              <a:rPr lang="es-MX" dirty="0" err="1">
+                <a:solidFill>
+                  <a:srgbClr val="DCDCAA"/>
+                </a:solidFill>
+                <a:latin typeface="Consolas" panose="020B0609020204030204" pitchFamily="49" charset="0"/>
+              </a:rPr>
+              <a:t>digitalWrite</a:t>
+            </a:r>
+            <a:r>
+              <a:rPr lang="es-MX" dirty="0">
+                <a:solidFill>
+                  <a:srgbClr val="D4D4D4"/>
+                </a:solidFill>
+                <a:latin typeface="Consolas" panose="020B0609020204030204" pitchFamily="49" charset="0"/>
+              </a:rPr>
+              <a:t>(</a:t>
+            </a:r>
+            <a:r>
+              <a:rPr lang="es-MX" dirty="0">
+                <a:solidFill>
+                  <a:srgbClr val="B5CEA8"/>
+                </a:solidFill>
+                <a:latin typeface="Consolas" panose="020B0609020204030204" pitchFamily="49" charset="0"/>
+              </a:rPr>
+              <a:t>2</a:t>
+            </a:r>
+            <a:r>
+              <a:rPr lang="es-MX" dirty="0">
+                <a:solidFill>
+                  <a:srgbClr val="D4D4D4"/>
+                </a:solidFill>
+                <a:latin typeface="Consolas" panose="020B0609020204030204" pitchFamily="49" charset="0"/>
+              </a:rPr>
+              <a:t>,HIGH);</a:t>
+            </a:r>
+          </a:p>
+          <a:p>
+            <a:r>
+              <a:rPr lang="es-MX" dirty="0">
+                <a:solidFill>
+                  <a:srgbClr val="D4D4D4"/>
+                </a:solidFill>
+                <a:latin typeface="Consolas" panose="020B0609020204030204" pitchFamily="49" charset="0"/>
+              </a:rPr>
+              <a:t>    </a:t>
+            </a:r>
+            <a:r>
+              <a:rPr lang="es-MX" dirty="0" err="1">
+                <a:solidFill>
+                  <a:srgbClr val="DCDCAA"/>
+                </a:solidFill>
+                <a:latin typeface="Consolas" panose="020B0609020204030204" pitchFamily="49" charset="0"/>
+              </a:rPr>
+              <a:t>delay</a:t>
+            </a:r>
+            <a:r>
+              <a:rPr lang="es-MX" dirty="0">
+                <a:solidFill>
+                  <a:srgbClr val="D4D4D4"/>
+                </a:solidFill>
+                <a:latin typeface="Consolas" panose="020B0609020204030204" pitchFamily="49" charset="0"/>
+              </a:rPr>
+              <a:t>(</a:t>
+            </a:r>
+            <a:r>
+              <a:rPr lang="es-MX" dirty="0">
+                <a:solidFill>
+                  <a:srgbClr val="B5CEA8"/>
+                </a:solidFill>
+                <a:latin typeface="Consolas" panose="020B0609020204030204" pitchFamily="49" charset="0"/>
+              </a:rPr>
+              <a:t>500</a:t>
+            </a:r>
+            <a:r>
+              <a:rPr lang="es-MX" dirty="0">
+                <a:solidFill>
+                  <a:srgbClr val="D4D4D4"/>
+                </a:solidFill>
+                <a:latin typeface="Consolas" panose="020B0609020204030204" pitchFamily="49" charset="0"/>
+              </a:rPr>
+              <a:t>);</a:t>
+            </a:r>
+          </a:p>
+          <a:p>
+            <a:r>
+              <a:rPr lang="es-MX" dirty="0">
+                <a:solidFill>
+                  <a:srgbClr val="D4D4D4"/>
+                </a:solidFill>
+                <a:latin typeface="Consolas" panose="020B0609020204030204" pitchFamily="49" charset="0"/>
+              </a:rPr>
+              <a:t>    </a:t>
+            </a:r>
+            <a:r>
+              <a:rPr lang="es-MX" dirty="0" err="1">
+                <a:solidFill>
+                  <a:srgbClr val="DCDCAA"/>
+                </a:solidFill>
+                <a:latin typeface="Consolas" panose="020B0609020204030204" pitchFamily="49" charset="0"/>
+              </a:rPr>
+              <a:t>digitalWrite</a:t>
+            </a:r>
+            <a:r>
+              <a:rPr lang="es-MX" dirty="0">
+                <a:solidFill>
+                  <a:srgbClr val="D4D4D4"/>
+                </a:solidFill>
+                <a:latin typeface="Consolas" panose="020B0609020204030204" pitchFamily="49" charset="0"/>
+              </a:rPr>
+              <a:t>(</a:t>
+            </a:r>
+            <a:r>
+              <a:rPr lang="es-MX" dirty="0">
+                <a:solidFill>
+                  <a:srgbClr val="B5CEA8"/>
+                </a:solidFill>
+                <a:latin typeface="Consolas" panose="020B0609020204030204" pitchFamily="49" charset="0"/>
+              </a:rPr>
+              <a:t>2</a:t>
+            </a:r>
+            <a:r>
+              <a:rPr lang="es-MX" dirty="0">
+                <a:solidFill>
+                  <a:srgbClr val="D4D4D4"/>
+                </a:solidFill>
+                <a:latin typeface="Consolas" panose="020B0609020204030204" pitchFamily="49" charset="0"/>
+              </a:rPr>
+              <a:t>, LOW);</a:t>
+            </a:r>
+          </a:p>
+          <a:p>
+            <a:r>
+              <a:rPr lang="es-MX" dirty="0">
+                <a:solidFill>
+                  <a:srgbClr val="D4D4D4"/>
+                </a:solidFill>
+                <a:latin typeface="Consolas" panose="020B0609020204030204" pitchFamily="49" charset="0"/>
+              </a:rPr>
+              <a:t>    </a:t>
+            </a:r>
+            <a:r>
+              <a:rPr lang="es-MX" dirty="0" err="1">
+                <a:solidFill>
+                  <a:srgbClr val="DCDCAA"/>
+                </a:solidFill>
+                <a:latin typeface="Consolas" panose="020B0609020204030204" pitchFamily="49" charset="0"/>
+              </a:rPr>
+              <a:t>delay</a:t>
+            </a:r>
+            <a:r>
+              <a:rPr lang="es-MX" dirty="0">
+                <a:solidFill>
+                  <a:srgbClr val="D4D4D4"/>
+                </a:solidFill>
+                <a:latin typeface="Consolas" panose="020B0609020204030204" pitchFamily="49" charset="0"/>
+              </a:rPr>
+              <a:t>(</a:t>
+            </a:r>
+            <a:r>
+              <a:rPr lang="es-MX" dirty="0">
+                <a:solidFill>
+                  <a:srgbClr val="B5CEA8"/>
+                </a:solidFill>
+                <a:latin typeface="Consolas" panose="020B0609020204030204" pitchFamily="49" charset="0"/>
+              </a:rPr>
+              <a:t>100</a:t>
+            </a:r>
+            <a:r>
+              <a:rPr lang="es-MX" dirty="0">
+                <a:solidFill>
+                  <a:srgbClr val="D4D4D4"/>
+                </a:solidFill>
+                <a:latin typeface="Consolas" panose="020B0609020204030204" pitchFamily="49" charset="0"/>
+              </a:rPr>
+              <a:t>);</a:t>
+            </a:r>
+          </a:p>
+          <a:p>
+            <a:r>
+              <a:rPr lang="es-MX" dirty="0">
+                <a:solidFill>
+                  <a:srgbClr val="D4D4D4"/>
+                </a:solidFill>
+                <a:latin typeface="Consolas" panose="020B0609020204030204" pitchFamily="49" charset="0"/>
+              </a:rPr>
+              <a:t>}</a:t>
+            </a:r>
+            <a:endParaRPr lang="es-MX" b="0" dirty="0">
+              <a:solidFill>
+                <a:srgbClr val="D4D4D4"/>
+              </a:solidFill>
+              <a:effectLst/>
+              <a:latin typeface="Consolas" panose="020B0609020204030204" pitchFamily="49" charset="0"/>
+            </a:endParaRPr>
+          </a:p>
+        </p:txBody>
+      </p:sp>
+    </p:spTree>
+    <p:extLst>
+      <p:ext uri="{BB962C8B-B14F-4D97-AF65-F5344CB8AC3E}">
+        <p14:creationId xmlns:p14="http://schemas.microsoft.com/office/powerpoint/2010/main" val="774158502"/>
+      </p:ext>
+    </p:extLst>
+  </p:cSld>
+  <p:clrMapOvr>
+    <a:masterClrMapping/>
+  </p:clrMapOvr>
+  <p:timing>
+    <p:tnLst>
+      <p:par>
+        <p:cTn id="1" dur="indefinite" restart="never" nodeType="tmRoot"/>
+      </p:par>
+    </p:tnLst>
+  </p:timing>
+</p:sld>
+</file>
+
+<file path=ppt/slides/slide12.xml><?xml version="1.0" encoding="utf-8"?>
+<p:sld xmlns:a="http://schemas.openxmlformats.org/drawingml/2006/main" xmlns:r="http://schemas.openxmlformats.org/officeDocument/2006/relationships" xmlns:p="http://schemas.openxmlformats.org/presentationml/2006/main">
+  <p:cSld>
+    <p:spTree>
+      <p:nvGrpSpPr>
+        <p:cNvPr id="1" name=""/>
+        <p:cNvGrpSpPr/>
+        <p:nvPr/>
+      </p:nvGrpSpPr>
+      <p:grpSpPr>
+        <a:xfrm>
+          <a:off x="0" y="0"/>
+          <a:ext cx="0" cy="0"/>
+          <a:chOff x="0" y="0"/>
+          <a:chExt cx="0" cy="0"/>
+        </a:xfrm>
+      </p:grpSpPr>
+      <p:sp>
+        <p:nvSpPr>
+          <p:cNvPr id="2" name="CuadroTexto 1"/>
+          <p:cNvSpPr txBox="1"/>
+          <p:nvPr/>
+        </p:nvSpPr>
+        <p:spPr>
+          <a:xfrm>
+            <a:off x="273465" y="212168"/>
+            <a:ext cx="7598535" cy="646331"/>
+          </a:xfrm>
+          <a:prstGeom prst="rect">
+            <a:avLst/>
+          </a:prstGeom>
+          <a:noFill/>
+        </p:spPr>
+        <p:txBody>
+          <a:bodyPr wrap="square" rtlCol="0">
+            <a:spAutoFit/>
+          </a:bodyPr>
+          <a:lstStyle/>
+          <a:p>
+            <a:r>
+              <a:rPr lang="es-ES" sz="3600" dirty="0" smtClean="0">
+                <a:latin typeface="Roboto" panose="02000000000000000000" pitchFamily="2" charset="0"/>
+                <a:ea typeface="Roboto" panose="02000000000000000000" pitchFamily="2" charset="0"/>
+              </a:rPr>
+              <a:t>Introducción </a:t>
+            </a:r>
+            <a:r>
+              <a:rPr lang="es-ES" sz="3600" dirty="0">
+                <a:latin typeface="Roboto" panose="02000000000000000000" pitchFamily="2" charset="0"/>
+                <a:ea typeface="Roboto" panose="02000000000000000000" pitchFamily="2" charset="0"/>
+              </a:rPr>
+              <a:t>a Microsoft </a:t>
+            </a:r>
+            <a:r>
+              <a:rPr lang="es-ES" sz="3600" dirty="0" err="1">
+                <a:latin typeface="Roboto" panose="02000000000000000000" pitchFamily="2" charset="0"/>
+                <a:ea typeface="Roboto" panose="02000000000000000000" pitchFamily="2" charset="0"/>
+              </a:rPr>
+              <a:t>Azure</a:t>
+            </a:r>
+            <a:r>
+              <a:rPr lang="es-ES" sz="3600" dirty="0">
+                <a:latin typeface="Roboto" panose="02000000000000000000" pitchFamily="2" charset="0"/>
+                <a:ea typeface="Roboto" panose="02000000000000000000" pitchFamily="2" charset="0"/>
+              </a:rPr>
+              <a:t> </a:t>
+            </a:r>
+            <a:r>
+              <a:rPr lang="es-ES" sz="3600" dirty="0" err="1">
+                <a:latin typeface="Roboto" panose="02000000000000000000" pitchFamily="2" charset="0"/>
+                <a:ea typeface="Roboto" panose="02000000000000000000" pitchFamily="2" charset="0"/>
+              </a:rPr>
+              <a:t>IoT</a:t>
+            </a:r>
+            <a:endParaRPr lang="es-MX" sz="3600" dirty="0">
+              <a:latin typeface="Roboto" panose="02000000000000000000" pitchFamily="2" charset="0"/>
+              <a:ea typeface="Roboto" panose="02000000000000000000" pitchFamily="2" charset="0"/>
+            </a:endParaRPr>
+          </a:p>
+        </p:txBody>
+      </p:sp>
+      <p:sp>
+        <p:nvSpPr>
+          <p:cNvPr id="10" name="CuadroTexto 9"/>
+          <p:cNvSpPr txBox="1"/>
+          <p:nvPr/>
+        </p:nvSpPr>
+        <p:spPr>
+          <a:xfrm>
+            <a:off x="346617" y="992762"/>
+            <a:ext cx="11265818" cy="523220"/>
+          </a:xfrm>
+          <a:prstGeom prst="rect">
+            <a:avLst/>
+          </a:prstGeom>
+          <a:noFill/>
+        </p:spPr>
+        <p:txBody>
+          <a:bodyPr wrap="square" rtlCol="0">
+            <a:spAutoFit/>
+          </a:bodyPr>
+          <a:lstStyle/>
+          <a:p>
+            <a:r>
+              <a:rPr lang="es-MX" sz="2800" dirty="0" smtClean="0">
+                <a:solidFill>
+                  <a:srgbClr val="042252"/>
+                </a:solidFill>
+                <a:latin typeface="Roboto Slab" pitchFamily="2" charset="0"/>
+                <a:ea typeface="Roboto Slab" pitchFamily="2" charset="0"/>
+              </a:rPr>
+              <a:t>Ejercicio </a:t>
+            </a:r>
+            <a:r>
+              <a:rPr lang="es-MX" sz="2800" dirty="0" smtClean="0">
+                <a:solidFill>
+                  <a:srgbClr val="042252"/>
+                </a:solidFill>
+                <a:latin typeface="Roboto Slab" pitchFamily="2" charset="0"/>
+                <a:ea typeface="Roboto Slab" pitchFamily="2" charset="0"/>
+              </a:rPr>
+              <a:t>02</a:t>
+            </a:r>
+            <a:endParaRPr lang="es-MX" sz="2800" dirty="0">
+              <a:solidFill>
+                <a:srgbClr val="042252"/>
+              </a:solidFill>
+              <a:latin typeface="Roboto Slab" pitchFamily="2" charset="0"/>
+              <a:ea typeface="Roboto Slab" pitchFamily="2" charset="0"/>
+            </a:endParaRPr>
+          </a:p>
+        </p:txBody>
+      </p:sp>
+      <p:sp>
+        <p:nvSpPr>
+          <p:cNvPr id="11" name="Rectángulo 10"/>
+          <p:cNvSpPr/>
+          <p:nvPr/>
+        </p:nvSpPr>
+        <p:spPr>
+          <a:xfrm>
+            <a:off x="7872000" y="0"/>
+            <a:ext cx="4320000" cy="720000"/>
+          </a:xfrm>
+          <a:prstGeom prst="rect">
+            <a:avLst/>
+          </a:prstGeom>
+          <a:solidFill>
+            <a:srgbClr val="042252"/>
+          </a:solidFill>
+          <a:ln>
+            <a:noFill/>
+          </a:ln>
+        </p:spPr>
+        <p:style>
+          <a:lnRef idx="2">
+            <a:schemeClr val="accent1">
+              <a:shade val="50000"/>
+            </a:schemeClr>
+          </a:lnRef>
+          <a:fillRef idx="1">
+            <a:schemeClr val="accent1"/>
+          </a:fillRef>
+          <a:effectRef idx="0">
+            <a:schemeClr val="accent1"/>
+          </a:effectRef>
+          <a:fontRef idx="minor">
+            <a:schemeClr val="lt1"/>
+          </a:fontRef>
+        </p:style>
+        <p:txBody>
+          <a:bodyPr rtlCol="0" anchor="ctr"/>
+          <a:lstStyle/>
+          <a:p>
+            <a:pPr algn="r"/>
+            <a:fld id="{A7FA9133-ACFE-4DD5-9EEB-90E0F3C4BA55}" type="slidenum">
+              <a:rPr lang="es-MX" smtClean="0">
+                <a:latin typeface="Roboto" panose="02000000000000000000" pitchFamily="2" charset="0"/>
+                <a:ea typeface="Roboto" panose="02000000000000000000" pitchFamily="2" charset="0"/>
+              </a:rPr>
+              <a:pPr algn="r"/>
+              <a:t>12</a:t>
+            </a:fld>
+            <a:endParaRPr lang="es-MX" dirty="0">
+              <a:latin typeface="Roboto" panose="02000000000000000000" pitchFamily="2" charset="0"/>
+              <a:ea typeface="Roboto" panose="02000000000000000000" pitchFamily="2" charset="0"/>
+            </a:endParaRPr>
+          </a:p>
+        </p:txBody>
+      </p:sp>
+      <p:sp>
+        <p:nvSpPr>
+          <p:cNvPr id="13" name="Rectángulo 12"/>
+          <p:cNvSpPr/>
+          <p:nvPr/>
+        </p:nvSpPr>
+        <p:spPr>
+          <a:xfrm>
+            <a:off x="0" y="6138000"/>
+            <a:ext cx="4320000" cy="720000"/>
+          </a:xfrm>
+          <a:prstGeom prst="rect">
+            <a:avLst/>
+          </a:prstGeom>
+          <a:solidFill>
+            <a:srgbClr val="042252"/>
+          </a:solidFill>
+          <a:ln>
+            <a:noFill/>
+          </a:ln>
+        </p:spPr>
+        <p:style>
+          <a:lnRef idx="2">
+            <a:schemeClr val="accent1">
+              <a:shade val="50000"/>
+            </a:schemeClr>
+          </a:lnRef>
+          <a:fillRef idx="1">
+            <a:schemeClr val="accent1"/>
+          </a:fillRef>
+          <a:effectRef idx="0">
+            <a:schemeClr val="accent1"/>
+          </a:effectRef>
+          <a:fontRef idx="minor">
+            <a:schemeClr val="lt1"/>
+          </a:fontRef>
+        </p:style>
+        <p:txBody>
+          <a:bodyPr rtlCol="0" anchor="ctr"/>
+          <a:lstStyle/>
+          <a:p>
+            <a:pPr algn="ctr"/>
+            <a:endParaRPr lang="es-MX"/>
+          </a:p>
+        </p:txBody>
+      </p:sp>
+      <p:pic>
+        <p:nvPicPr>
+          <p:cNvPr id="17" name="Imagen 16"/>
+          <p:cNvPicPr>
+            <a:picLocks noChangeAspect="1"/>
+          </p:cNvPicPr>
+          <p:nvPr/>
+        </p:nvPicPr>
+        <p:blipFill>
+          <a:blip r:embed="rId2" cstate="print">
+            <a:extLst>
+              <a:ext uri="{28A0092B-C50C-407E-A947-70E740481C1C}">
+                <a14:useLocalDpi xmlns:a14="http://schemas.microsoft.com/office/drawing/2010/main" val="0"/>
+              </a:ext>
+            </a:extLst>
+          </a:blip>
+          <a:stretch>
+            <a:fillRect/>
+          </a:stretch>
+        </p:blipFill>
+        <p:spPr>
+          <a:xfrm>
+            <a:off x="4653497" y="6230167"/>
+            <a:ext cx="535665" cy="535665"/>
+          </a:xfrm>
+          <a:prstGeom prst="rect">
+            <a:avLst/>
+          </a:prstGeom>
+        </p:spPr>
+      </p:pic>
+      <p:pic>
+        <p:nvPicPr>
+          <p:cNvPr id="8" name="Imagen 7"/>
+          <p:cNvPicPr>
+            <a:picLocks noChangeAspect="1"/>
+          </p:cNvPicPr>
+          <p:nvPr/>
+        </p:nvPicPr>
+        <p:blipFill>
+          <a:blip r:embed="rId3" cstate="print">
+            <a:extLst>
+              <a:ext uri="{28A0092B-C50C-407E-A947-70E740481C1C}">
+                <a14:useLocalDpi xmlns:a14="http://schemas.microsoft.com/office/drawing/2010/main" val="0"/>
+              </a:ext>
+            </a:extLst>
+          </a:blip>
+          <a:stretch>
+            <a:fillRect/>
+          </a:stretch>
+        </p:blipFill>
+        <p:spPr>
+          <a:xfrm>
+            <a:off x="5366374" y="6225832"/>
+            <a:ext cx="540000" cy="540000"/>
+          </a:xfrm>
+          <a:prstGeom prst="rect">
+            <a:avLst/>
+          </a:prstGeom>
+        </p:spPr>
+      </p:pic>
+      <p:pic>
+        <p:nvPicPr>
+          <p:cNvPr id="4" name="Imagen 3"/>
+          <p:cNvPicPr>
+            <a:picLocks noChangeAspect="1"/>
+          </p:cNvPicPr>
+          <p:nvPr/>
+        </p:nvPicPr>
+        <p:blipFill>
+          <a:blip r:embed="rId4" cstate="print">
+            <a:extLst>
+              <a:ext uri="{28A0092B-C50C-407E-A947-70E740481C1C}">
+                <a14:useLocalDpi xmlns:a14="http://schemas.microsoft.com/office/drawing/2010/main" val="0"/>
+              </a:ext>
+            </a:extLst>
+          </a:blip>
+          <a:stretch>
+            <a:fillRect/>
+          </a:stretch>
+        </p:blipFill>
+        <p:spPr>
+          <a:xfrm>
+            <a:off x="2503975" y="1907001"/>
+            <a:ext cx="6264798" cy="3895921"/>
+          </a:xfrm>
+          <a:prstGeom prst="rect">
+            <a:avLst/>
+          </a:prstGeom>
+        </p:spPr>
+      </p:pic>
+    </p:spTree>
+    <p:extLst>
+      <p:ext uri="{BB962C8B-B14F-4D97-AF65-F5344CB8AC3E}">
+        <p14:creationId xmlns:p14="http://schemas.microsoft.com/office/powerpoint/2010/main" val="4231450824"/>
+      </p:ext>
+    </p:extLst>
+  </p:cSld>
+  <p:clrMapOvr>
+    <a:masterClrMapping/>
+  </p:clrMapOvr>
+  <p:timing>
+    <p:tnLst>
+      <p:par>
+        <p:cTn id="1" dur="indefinite" restart="never" nodeType="tmRoot"/>
+      </p:par>
+    </p:tnLst>
+  </p:timing>
+</p:sld>
+</file>
+
 <file path=ppt/slides/slide2.xml><?xml version="1.0" encoding="utf-8"?>
 <p:sld xmlns:a="http://schemas.openxmlformats.org/drawingml/2006/main" xmlns:r="http://schemas.openxmlformats.org/officeDocument/2006/relationships" xmlns:p="http://schemas.openxmlformats.org/presentationml/2006/main">
   <p:cSld>
@@ -4153,16 +5718,6 @@
           </a:bodyPr>
           <a:lstStyle/>
           <a:p>
-            <a:r>
-              <a:rPr lang="pt-BR" sz="2800" dirty="0">
-                <a:solidFill>
-                  <a:srgbClr val="042252"/>
-                </a:solidFill>
-                <a:latin typeface="Roboto Slab" pitchFamily="2" charset="0"/>
-                <a:ea typeface="Roboto Slab" pitchFamily="2" charset="0"/>
-              </a:rPr>
-              <a:t>1.1.	</a:t>
-            </a:r>
             <a:r>
               <a:rPr lang="pt-BR" sz="2800" dirty="0" smtClean="0">
                 <a:solidFill>
@@ -4410,6 +5965,36 @@
           <a:xfrm>
             <a:off x="5366374" y="6225832"/>
             <a:ext cx="540000" cy="540000"/>
+          </a:xfrm>
+          <a:prstGeom prst="rect">
+            <a:avLst/>
+          </a:prstGeom>
+        </p:spPr>
+      </p:pic>
+      <p:pic>
+        <p:nvPicPr>
+          <p:cNvPr id="4" name="Imagen 3"/>
+          <p:cNvPicPr>
+            <a:picLocks noChangeAspect="1"/>
+          </p:cNvPicPr>
+          <p:nvPr/>
+        </p:nvPicPr>
+        <p:blipFill>
+          <a:blip r:embed="rId4">
+            <a:extLst>
+              <a:ext uri="{28A0092B-C50C-407E-A947-70E740481C1C}">
+                <a14:useLocalDpi xmlns:a14="http://schemas.microsoft.com/office/drawing/2010/main" val="0"/>
+              </a:ext>
+            </a:extLst>
+          </a:blip>
+          <a:stretch>
+            <a:fillRect/>
+          </a:stretch>
+        </p:blipFill>
+        <p:spPr>
+          <a:xfrm>
+            <a:off x="2397874" y="1232535"/>
+            <a:ext cx="6477000" cy="4667250"/>
           </a:xfrm>
           <a:prstGeom prst="rect">
             <a:avLst/>
@@ -4475,10 +6060,6 @@
           </a:bodyPr>
           <a:lstStyle/>
           <a:p>
-            <a:pPr marL="742950" indent="-742950">
-              <a:buFont typeface="+mj-lt"/>
-              <a:buAutoNum type="arabicPeriod"/>
-            </a:pPr>
             <a:r>
               <a:rPr lang="es-ES" sz="3200" dirty="0" smtClean="0">
                 <a:latin typeface="Roboto" panose="02000000000000000000" pitchFamily="2" charset="0"/>
@@ -4543,26 +6124,6 @@
           </a:bodyPr>
           <a:lstStyle/>
           <a:p>
-            <a:r>
-              <a:rPr lang="pt-BR" sz="2800" dirty="0" smtClean="0">
-                <a:solidFill>
-                  <a:srgbClr val="042252"/>
-                </a:solidFill>
-                <a:latin typeface="Roboto Slab" pitchFamily="2" charset="0"/>
-                <a:ea typeface="Roboto Slab" pitchFamily="2" charset="0"/>
-              </a:rPr>
-              <a:t>1.2.</a:t>
-            </a:r>
-            <a:r>
-              <a:rPr lang="pt-BR" sz="2800" dirty="0">
-                <a:solidFill>
-                  <a:srgbClr val="042252"/>
-                </a:solidFill>
-                <a:latin typeface="Roboto Slab" pitchFamily="2" charset="0"/>
-                <a:ea typeface="Roboto Slab" pitchFamily="2" charset="0"/>
-              </a:rPr>
-              <a:t>	</a:t>
-            </a:r>
             <a:r>
               <a:rPr lang="pt-BR" sz="2800" dirty="0" smtClean="0">
                 <a:solidFill>
@@ -4874,10 +6435,6 @@
           </a:bodyPr>
           <a:lstStyle/>
           <a:p>
-            <a:pPr marL="742950" indent="-742950">
-              <a:buFont typeface="+mj-lt"/>
-              <a:buAutoNum type="arabicPeriod"/>
-            </a:pPr>
             <a:r>
               <a:rPr lang="es-ES" sz="3200" dirty="0" smtClean="0">
                 <a:latin typeface="Roboto" panose="02000000000000000000" pitchFamily="2" charset="0"/>
@@ -4950,7 +6507,7 @@
                 <a:latin typeface="Roboto Slab" pitchFamily="2" charset="0"/>
                 <a:ea typeface="Roboto Slab" pitchFamily="2" charset="0"/>
               </a:rPr>
-              <a:t>1.2.</a:t>
+              <a:t>Core </a:t>
             </a:r>
             <a:r>
               <a:rPr lang="pt-BR" sz="2800" dirty="0">
@@ -4960,7 +6517,7 @@
                 <a:latin typeface="Roboto Slab" pitchFamily="2" charset="0"/>
                 <a:ea typeface="Roboto Slab" pitchFamily="2" charset="0"/>
               </a:rPr>
-              <a:t>	Core Subsystems</a:t>
+              <a:t>Subsystems</a:t>
             </a:r>
             <a:r>
               <a:rPr lang="es-MX" sz="2800" dirty="0" smtClean="0">
@@ -5221,7 +6778,7 @@
         <p:spPr>
           <a:xfrm>
             <a:off x="273465" y="212168"/>
-            <a:ext cx="7598535" cy="646331"/>
+            <a:ext cx="7598535" cy="584775"/>
           </a:xfrm>
           <a:prstGeom prst="rect">
             <a:avLst/>
@@ -5234,46 +6791,42 @@
           </a:bodyPr>
           <a:lstStyle/>
           <a:p>
-            <a:pPr marL="742950" indent="-742950">
-              <a:buFont typeface="+mj-lt"/>
-              <a:buAutoNum type="arabicPeriod"/>
-            </a:pPr>
-            <a:r>
-              <a:rPr lang="es-ES" sz="3600" dirty="0" smtClean="0">
+            <a:r>
+              <a:rPr lang="es-ES" sz="3200" dirty="0" smtClean="0">
                 <a:latin typeface="Roboto" panose="02000000000000000000" pitchFamily="2" charset="0"/>
                 <a:ea typeface="Roboto" panose="02000000000000000000" pitchFamily="2" charset="0"/>
               </a:rPr>
               <a:t>Introducción </a:t>
             </a:r>
             <a:r>
-              <a:rPr lang="es-ES" sz="3600" dirty="0">
+              <a:rPr lang="es-ES" sz="3200" dirty="0">
                 <a:latin typeface="Roboto" panose="02000000000000000000" pitchFamily="2" charset="0"/>
                 <a:ea typeface="Roboto" panose="02000000000000000000" pitchFamily="2" charset="0"/>
               </a:rPr>
               <a:t>a Microsoft </a:t>
             </a:r>
             <a:r>
-              <a:rPr lang="es-ES" sz="3600" dirty="0" err="1">
+              <a:rPr lang="es-ES" sz="3200" dirty="0" err="1">
                 <a:latin typeface="Roboto" panose="02000000000000000000" pitchFamily="2" charset="0"/>
                 <a:ea typeface="Roboto" panose="02000000000000000000" pitchFamily="2" charset="0"/>
               </a:rPr>
               <a:t>Azure</a:t>
             </a:r>
             <a:r>
-              <a:rPr lang="es-ES" sz="3600" dirty="0">
+              <a:rPr lang="es-ES" sz="3200" dirty="0">
                 <a:latin typeface="Roboto" panose="02000000000000000000" pitchFamily="2" charset="0"/>
                 <a:ea typeface="Roboto" panose="02000000000000000000" pitchFamily="2" charset="0"/>
               </a:rPr>
               <a:t> </a:t>
             </a:r>
             <a:r>
-              <a:rPr lang="es-ES" sz="3600" dirty="0" err="1">
+              <a:rPr lang="es-ES" sz="3200" dirty="0" err="1">
                 <a:latin typeface="Roboto" panose="02000000000000000000" pitchFamily="2" charset="0"/>
                 <a:ea typeface="Roboto" panose="02000000000000000000" pitchFamily="2" charset="0"/>
               </a:rPr>
               <a:t>IoT</a:t>
             </a:r>
-            <a:endParaRPr lang="es-MX" sz="3600" dirty="0">
+            <a:endParaRPr lang="es-MX" sz="3200" dirty="0">
               <a:latin typeface="Roboto" panose="02000000000000000000" pitchFamily="2" charset="0"/>
               <a:ea typeface="Roboto" panose="02000000000000000000" pitchFamily="2" charset="0"/>
             </a:endParaRPr>
@@ -5289,7 +6842,7 @@
         <p:spPr>
           <a:xfrm>
             <a:off x="273465" y="1055278"/>
-            <a:ext cx="11265818" cy="584775"/>
+            <a:ext cx="11265818" cy="523220"/>
           </a:xfrm>
           <a:prstGeom prst="rect">
             <a:avLst/>
@@ -5303,76 +6856,26 @@
           <a:lstStyle/>
           <a:p>
             <a:r>
-              <a:rPr lang="pt-BR" sz="3200" dirty="0" smtClean="0">
+              <a:rPr lang="es-MX" sz="2800" dirty="0">
                 <a:solidFill>
                   <a:srgbClr val="042252"/>
                 </a:solidFill>
                 <a:latin typeface="Roboto Slab" pitchFamily="2" charset="0"/>
                 <a:ea typeface="Roboto Slab" pitchFamily="2" charset="0"/>
               </a:rPr>
-              <a:t>1.2.</a:t>
-            </a:r>
-            <a:r>
-              <a:rPr lang="pt-BR" sz="3200" dirty="0">
+              <a:t>Servicios de </a:t>
+            </a:r>
+            <a:r>
+              <a:rPr lang="es-MX" sz="2800" dirty="0" err="1">
                 <a:solidFill>
                   <a:srgbClr val="042252"/>
                 </a:solidFill>
                 <a:latin typeface="Roboto Slab" pitchFamily="2" charset="0"/>
                 <a:ea typeface="Roboto Slab" pitchFamily="2" charset="0"/>
               </a:rPr>
-              <a:t>	</a:t>
-            </a:r>
-            <a:r>
-              <a:rPr lang="pt-BR" sz="3200" dirty="0" err="1" smtClean="0">
-                <a:solidFill>
-                  <a:srgbClr val="042252"/>
-                </a:solidFill>
-                <a:latin typeface="Roboto Slab" pitchFamily="2" charset="0"/>
-                <a:ea typeface="Roboto Slab" pitchFamily="2" charset="0"/>
-              </a:rPr>
-              <a:t>NodeMCU</a:t>
-            </a:r>
-            <a:r>
-              <a:rPr lang="pt-BR" sz="3200" dirty="0" smtClean="0">
-                <a:solidFill>
-                  <a:srgbClr val="042252"/>
-                </a:solidFill>
-                <a:latin typeface="Roboto Slab" pitchFamily="2" charset="0"/>
-                <a:ea typeface="Roboto Slab" pitchFamily="2" charset="0"/>
-              </a:rPr>
-              <a:t> (</a:t>
-            </a:r>
-            <a:r>
-              <a:rPr lang="pt-BR" sz="3200" dirty="0" err="1" smtClean="0">
-                <a:solidFill>
-                  <a:srgbClr val="042252"/>
-                </a:solidFill>
-                <a:latin typeface="Roboto Slab" pitchFamily="2" charset="0"/>
-                <a:ea typeface="Roboto Slab" pitchFamily="2" charset="0"/>
-              </a:rPr>
-              <a:t>ESP8266</a:t>
-            </a:r>
-            <a:r>
-              <a:rPr lang="pt-BR" sz="3200" dirty="0" smtClean="0">
-                <a:solidFill>
-                  <a:srgbClr val="042252"/>
-                </a:solidFill>
-                <a:latin typeface="Roboto Slab" pitchFamily="2" charset="0"/>
-                <a:ea typeface="Roboto Slab" pitchFamily="2" charset="0"/>
-              </a:rPr>
-              <a:t>)</a:t>
-            </a:r>
-            <a:r>
-              <a:rPr lang="es-MX" sz="3200" dirty="0" smtClean="0">
-                <a:solidFill>
-                  <a:srgbClr val="042252"/>
-                </a:solidFill>
-                <a:latin typeface="Roboto Slab" pitchFamily="2" charset="0"/>
-                <a:ea typeface="Roboto Slab" pitchFamily="2" charset="0"/>
-              </a:rPr>
-              <a:t>.</a:t>
-            </a:r>
-            <a:endParaRPr lang="es-MX" sz="3200" dirty="0">
+              <a:t>IoT</a:t>
+            </a:r>
+            <a:endParaRPr lang="es-MX" sz="2800" dirty="0">
               <a:solidFill>
                 <a:srgbClr val="042252"/>
               </a:solidFill>
@@ -5517,27 +7020,2641 @@
       </p:pic>
       <p:pic>
         <p:nvPicPr>
-          <p:cNvPr id="4" name="Imagen 3"/>
+          <p:cNvPr id="8" name="Imagen 7"/>
+          <p:cNvPicPr>
+            <a:picLocks noChangeAspect="1"/>
+          </p:cNvPicPr>
+          <p:nvPr/>
+        </p:nvPicPr>
+        <p:blipFill>
+          <a:blip r:embed="rId3" cstate="print">
+            <a:extLst>
+              <a:ext uri="{28A0092B-C50C-407E-A947-70E740481C1C}">
+                <a14:useLocalDpi xmlns:a14="http://schemas.microsoft.com/office/drawing/2010/main" val="0"/>
+              </a:ext>
+            </a:extLst>
+          </a:blip>
+          <a:stretch>
+            <a:fillRect/>
+          </a:stretch>
+        </p:blipFill>
+        <p:spPr>
+          <a:xfrm>
+            <a:off x="5366374" y="6225832"/>
+            <a:ext cx="540000" cy="540000"/>
+          </a:xfrm>
+          <a:prstGeom prst="rect">
+            <a:avLst/>
+          </a:prstGeom>
+        </p:spPr>
+      </p:pic>
+      <p:sp>
+        <p:nvSpPr>
+          <p:cNvPr id="9" name="Google Shape;106;p15"/>
+          <p:cNvSpPr txBox="1"/>
+          <p:nvPr/>
+        </p:nvSpPr>
+        <p:spPr>
+          <a:xfrm>
+            <a:off x="424774" y="1549955"/>
+            <a:ext cx="9883200" cy="4255501"/>
+          </a:xfrm>
+          <a:prstGeom prst="rect">
+            <a:avLst/>
+          </a:prstGeom>
+          <a:noFill/>
+          <a:ln>
+            <a:noFill/>
+          </a:ln>
+        </p:spPr>
+        <p:txBody>
+          <a:bodyPr spcFirstLastPara="1" wrap="square" lIns="91425" tIns="91425" rIns="91425" bIns="91425" anchor="t" anchorCtr="0">
+            <a:noAutofit/>
+          </a:bodyPr>
+          <a:lstStyle/>
+          <a:p>
+            <a:pPr marL="520700" lvl="0" indent="-457200">
+              <a:lnSpc>
+                <a:spcPct val="115000"/>
+              </a:lnSpc>
+              <a:spcBef>
+                <a:spcPts val="1600"/>
+              </a:spcBef>
+              <a:buClr>
+                <a:srgbClr val="737373"/>
+              </a:buClr>
+              <a:buSzPts val="2600"/>
+              <a:buFont typeface="Arial" panose="020B0604020202020204" pitchFamily="34" charset="0"/>
+              <a:buChar char="•"/>
+            </a:pPr>
+            <a:r>
+              <a:rPr lang="es-MX" dirty="0" err="1">
+                <a:solidFill>
+                  <a:srgbClr val="737373"/>
+                </a:solidFill>
+                <a:latin typeface="Roboto"/>
+                <a:ea typeface="Roboto"/>
+                <a:cs typeface="Roboto"/>
+                <a:sym typeface="Roboto"/>
+              </a:rPr>
+              <a:t>IoT</a:t>
+            </a:r>
+            <a:r>
+              <a:rPr lang="es-MX" dirty="0">
+                <a:solidFill>
+                  <a:srgbClr val="737373"/>
+                </a:solidFill>
+                <a:latin typeface="Roboto"/>
+                <a:ea typeface="Roboto"/>
+                <a:cs typeface="Roboto"/>
+                <a:sym typeface="Roboto"/>
+              </a:rPr>
+              <a:t> </a:t>
+            </a:r>
+            <a:r>
+              <a:rPr lang="es-MX" dirty="0" smtClean="0">
+                <a:solidFill>
+                  <a:srgbClr val="737373"/>
+                </a:solidFill>
+                <a:latin typeface="Roboto"/>
+                <a:ea typeface="Roboto"/>
+                <a:cs typeface="Roboto"/>
+                <a:sym typeface="Roboto"/>
+              </a:rPr>
+              <a:t>Central</a:t>
+            </a:r>
+          </a:p>
+          <a:p>
+            <a:pPr marL="520700" lvl="0" indent="-457200">
+              <a:lnSpc>
+                <a:spcPct val="115000"/>
+              </a:lnSpc>
+              <a:spcBef>
+                <a:spcPts val="1600"/>
+              </a:spcBef>
+              <a:buClr>
+                <a:srgbClr val="737373"/>
+              </a:buClr>
+              <a:buSzPts val="2600"/>
+              <a:buFont typeface="Arial" panose="020B0604020202020204" pitchFamily="34" charset="0"/>
+              <a:buChar char="•"/>
+            </a:pPr>
+            <a:r>
+              <a:rPr lang="es-MX" dirty="0">
+                <a:solidFill>
+                  <a:srgbClr val="737373"/>
+                </a:solidFill>
+                <a:latin typeface="Roboto"/>
+                <a:ea typeface="Roboto"/>
+                <a:cs typeface="Roboto"/>
+                <a:sym typeface="Roboto"/>
+              </a:rPr>
+              <a:t>Aceleradores de soluciones </a:t>
+            </a:r>
+            <a:r>
+              <a:rPr lang="es-MX" dirty="0" err="1" smtClean="0">
+                <a:solidFill>
+                  <a:srgbClr val="737373"/>
+                </a:solidFill>
+                <a:latin typeface="Roboto"/>
+                <a:ea typeface="Roboto"/>
+                <a:cs typeface="Roboto"/>
+                <a:sym typeface="Roboto"/>
+              </a:rPr>
+              <a:t>IoT</a:t>
+            </a:r>
+            <a:endParaRPr lang="es-MX" dirty="0" smtClean="0">
+              <a:solidFill>
+                <a:srgbClr val="737373"/>
+              </a:solidFill>
+              <a:latin typeface="Roboto"/>
+              <a:ea typeface="Roboto"/>
+              <a:cs typeface="Roboto"/>
+              <a:sym typeface="Roboto"/>
+            </a:endParaRPr>
+          </a:p>
+          <a:p>
+            <a:pPr marL="520700" lvl="0" indent="-457200">
+              <a:lnSpc>
+                <a:spcPct val="115000"/>
+              </a:lnSpc>
+              <a:spcBef>
+                <a:spcPts val="1600"/>
+              </a:spcBef>
+              <a:buClr>
+                <a:srgbClr val="737373"/>
+              </a:buClr>
+              <a:buSzPts val="2600"/>
+              <a:buFont typeface="Arial" panose="020B0604020202020204" pitchFamily="34" charset="0"/>
+              <a:buChar char="•"/>
+            </a:pPr>
+            <a:r>
+              <a:rPr lang="es-MX" dirty="0" err="1">
+                <a:solidFill>
+                  <a:srgbClr val="737373"/>
+                </a:solidFill>
+                <a:latin typeface="Roboto"/>
+                <a:ea typeface="Roboto"/>
+                <a:cs typeface="Roboto"/>
+                <a:sym typeface="Roboto"/>
+              </a:rPr>
+              <a:t>IoT</a:t>
+            </a:r>
+            <a:r>
+              <a:rPr lang="es-MX" dirty="0">
+                <a:solidFill>
+                  <a:srgbClr val="737373"/>
+                </a:solidFill>
+                <a:latin typeface="Roboto"/>
+                <a:ea typeface="Roboto"/>
+                <a:cs typeface="Roboto"/>
+                <a:sym typeface="Roboto"/>
+              </a:rPr>
+              <a:t> </a:t>
+            </a:r>
+            <a:r>
+              <a:rPr lang="es-MX" dirty="0" err="1" smtClean="0">
+                <a:solidFill>
+                  <a:srgbClr val="737373"/>
+                </a:solidFill>
+                <a:latin typeface="Roboto"/>
+                <a:ea typeface="Roboto"/>
+                <a:cs typeface="Roboto"/>
+                <a:sym typeface="Roboto"/>
+              </a:rPr>
+              <a:t>Hub</a:t>
+            </a:r>
+            <a:endParaRPr lang="es-MX" dirty="0" smtClean="0">
+              <a:solidFill>
+                <a:srgbClr val="737373"/>
+              </a:solidFill>
+              <a:latin typeface="Roboto"/>
+              <a:ea typeface="Roboto"/>
+              <a:cs typeface="Roboto"/>
+              <a:sym typeface="Roboto"/>
+            </a:endParaRPr>
+          </a:p>
+          <a:p>
+            <a:pPr marL="520700" lvl="0" indent="-457200">
+              <a:lnSpc>
+                <a:spcPct val="115000"/>
+              </a:lnSpc>
+              <a:spcBef>
+                <a:spcPts val="1600"/>
+              </a:spcBef>
+              <a:buClr>
+                <a:srgbClr val="737373"/>
+              </a:buClr>
+              <a:buSzPts val="2600"/>
+              <a:buFont typeface="Arial" panose="020B0604020202020204" pitchFamily="34" charset="0"/>
+              <a:buChar char="•"/>
+            </a:pPr>
+            <a:r>
+              <a:rPr lang="en-US" dirty="0" err="1">
+                <a:solidFill>
+                  <a:srgbClr val="737373"/>
+                </a:solidFill>
+                <a:latin typeface="Roboto"/>
+                <a:ea typeface="Roboto"/>
+                <a:cs typeface="Roboto"/>
+                <a:sym typeface="Roboto"/>
+              </a:rPr>
+              <a:t>IoT</a:t>
+            </a:r>
+            <a:r>
+              <a:rPr lang="en-US" dirty="0">
+                <a:solidFill>
+                  <a:srgbClr val="737373"/>
+                </a:solidFill>
+                <a:latin typeface="Roboto"/>
+                <a:ea typeface="Roboto"/>
+                <a:cs typeface="Roboto"/>
+                <a:sym typeface="Roboto"/>
+              </a:rPr>
+              <a:t> Hub Device Provisioning </a:t>
+            </a:r>
+            <a:r>
+              <a:rPr lang="en-US" dirty="0" smtClean="0">
+                <a:solidFill>
+                  <a:srgbClr val="737373"/>
+                </a:solidFill>
+                <a:latin typeface="Roboto"/>
+                <a:ea typeface="Roboto"/>
+                <a:cs typeface="Roboto"/>
+                <a:sym typeface="Roboto"/>
+              </a:rPr>
+              <a:t>Service</a:t>
+            </a:r>
+          </a:p>
+          <a:p>
+            <a:pPr marL="520700" lvl="0" indent="-457200">
+              <a:lnSpc>
+                <a:spcPct val="115000"/>
+              </a:lnSpc>
+              <a:spcBef>
+                <a:spcPts val="1600"/>
+              </a:spcBef>
+              <a:buClr>
+                <a:srgbClr val="737373"/>
+              </a:buClr>
+              <a:buSzPts val="2600"/>
+              <a:buFont typeface="Arial" panose="020B0604020202020204" pitchFamily="34" charset="0"/>
+              <a:buChar char="•"/>
+            </a:pPr>
+            <a:r>
+              <a:rPr lang="es-MX" dirty="0" err="1">
+                <a:solidFill>
+                  <a:srgbClr val="737373"/>
+                </a:solidFill>
+                <a:latin typeface="Roboto"/>
+                <a:ea typeface="Roboto"/>
+                <a:cs typeface="Roboto"/>
+                <a:sym typeface="Roboto"/>
+              </a:rPr>
+              <a:t>IoT</a:t>
+            </a:r>
+            <a:r>
+              <a:rPr lang="es-MX" dirty="0">
+                <a:solidFill>
+                  <a:srgbClr val="737373"/>
+                </a:solidFill>
+                <a:latin typeface="Roboto"/>
+                <a:ea typeface="Roboto"/>
+                <a:cs typeface="Roboto"/>
+                <a:sym typeface="Roboto"/>
+              </a:rPr>
+              <a:t> </a:t>
+            </a:r>
+            <a:r>
+              <a:rPr lang="es-MX" dirty="0" err="1" smtClean="0">
+                <a:solidFill>
+                  <a:srgbClr val="737373"/>
+                </a:solidFill>
+                <a:latin typeface="Roboto"/>
+                <a:ea typeface="Roboto"/>
+                <a:cs typeface="Roboto"/>
+                <a:sym typeface="Roboto"/>
+              </a:rPr>
+              <a:t>Edge</a:t>
+            </a:r>
+            <a:endParaRPr lang="es-MX" dirty="0" smtClean="0">
+              <a:solidFill>
+                <a:srgbClr val="737373"/>
+              </a:solidFill>
+              <a:latin typeface="Roboto"/>
+              <a:ea typeface="Roboto"/>
+              <a:cs typeface="Roboto"/>
+              <a:sym typeface="Roboto"/>
+            </a:endParaRPr>
+          </a:p>
+          <a:p>
+            <a:pPr marL="520700" lvl="0" indent="-457200">
+              <a:lnSpc>
+                <a:spcPct val="115000"/>
+              </a:lnSpc>
+              <a:spcBef>
+                <a:spcPts val="1600"/>
+              </a:spcBef>
+              <a:buClr>
+                <a:srgbClr val="737373"/>
+              </a:buClr>
+              <a:buSzPts val="2600"/>
+              <a:buFont typeface="Arial" panose="020B0604020202020204" pitchFamily="34" charset="0"/>
+              <a:buChar char="•"/>
+            </a:pPr>
+            <a:r>
+              <a:rPr lang="es-MX" dirty="0" err="1">
+                <a:solidFill>
+                  <a:srgbClr val="737373"/>
+                </a:solidFill>
+                <a:latin typeface="Roboto"/>
+                <a:ea typeface="Roboto"/>
+                <a:cs typeface="Roboto"/>
+                <a:sym typeface="Roboto"/>
+              </a:rPr>
+              <a:t>Azure</a:t>
+            </a:r>
+            <a:r>
+              <a:rPr lang="es-MX" dirty="0">
+                <a:solidFill>
+                  <a:srgbClr val="737373"/>
+                </a:solidFill>
+                <a:latin typeface="Roboto"/>
+                <a:ea typeface="Roboto"/>
+                <a:cs typeface="Roboto"/>
+                <a:sym typeface="Roboto"/>
+              </a:rPr>
+              <a:t> Digital </a:t>
+            </a:r>
+            <a:r>
+              <a:rPr lang="es-MX" dirty="0" err="1" smtClean="0">
+                <a:solidFill>
+                  <a:srgbClr val="737373"/>
+                </a:solidFill>
+                <a:latin typeface="Roboto"/>
+                <a:ea typeface="Roboto"/>
+                <a:cs typeface="Roboto"/>
+                <a:sym typeface="Roboto"/>
+              </a:rPr>
+              <a:t>Twins</a:t>
+            </a:r>
+            <a:endParaRPr lang="es-MX" dirty="0" smtClean="0">
+              <a:solidFill>
+                <a:srgbClr val="737373"/>
+              </a:solidFill>
+              <a:latin typeface="Roboto"/>
+              <a:ea typeface="Roboto"/>
+              <a:cs typeface="Roboto"/>
+              <a:sym typeface="Roboto"/>
+            </a:endParaRPr>
+          </a:p>
+          <a:p>
+            <a:pPr marL="520700" lvl="0" indent="-457200">
+              <a:lnSpc>
+                <a:spcPct val="115000"/>
+              </a:lnSpc>
+              <a:spcBef>
+                <a:spcPts val="1600"/>
+              </a:spcBef>
+              <a:buClr>
+                <a:srgbClr val="737373"/>
+              </a:buClr>
+              <a:buSzPts val="2600"/>
+              <a:buFont typeface="Arial" panose="020B0604020202020204" pitchFamily="34" charset="0"/>
+              <a:buChar char="•"/>
+            </a:pPr>
+            <a:r>
+              <a:rPr lang="es-MX" dirty="0">
+                <a:solidFill>
+                  <a:srgbClr val="737373"/>
+                </a:solidFill>
+                <a:latin typeface="Roboto"/>
+                <a:ea typeface="Roboto"/>
+                <a:cs typeface="Roboto"/>
+                <a:sym typeface="Roboto"/>
+              </a:rPr>
+              <a:t>Time Series </a:t>
+            </a:r>
+            <a:r>
+              <a:rPr lang="es-MX" dirty="0" err="1" smtClean="0">
+                <a:solidFill>
+                  <a:srgbClr val="737373"/>
+                </a:solidFill>
+                <a:latin typeface="Roboto"/>
+                <a:ea typeface="Roboto"/>
+                <a:cs typeface="Roboto"/>
+                <a:sym typeface="Roboto"/>
+              </a:rPr>
+              <a:t>Insights</a:t>
+            </a:r>
+            <a:endParaRPr lang="es-MX" dirty="0" smtClean="0">
+              <a:solidFill>
+                <a:srgbClr val="737373"/>
+              </a:solidFill>
+              <a:latin typeface="Roboto"/>
+              <a:ea typeface="Roboto"/>
+              <a:cs typeface="Roboto"/>
+              <a:sym typeface="Roboto"/>
+            </a:endParaRPr>
+          </a:p>
+          <a:p>
+            <a:pPr marL="520700" lvl="0" indent="-457200">
+              <a:lnSpc>
+                <a:spcPct val="115000"/>
+              </a:lnSpc>
+              <a:spcBef>
+                <a:spcPts val="1600"/>
+              </a:spcBef>
+              <a:buClr>
+                <a:srgbClr val="737373"/>
+              </a:buClr>
+              <a:buSzPts val="2600"/>
+              <a:buFont typeface="Arial" panose="020B0604020202020204" pitchFamily="34" charset="0"/>
+              <a:buChar char="•"/>
+            </a:pPr>
+            <a:r>
+              <a:rPr lang="es-MX" dirty="0" err="1">
+                <a:solidFill>
+                  <a:srgbClr val="737373"/>
+                </a:solidFill>
+                <a:latin typeface="Roboto"/>
+                <a:ea typeface="Roboto"/>
+                <a:cs typeface="Roboto"/>
+                <a:sym typeface="Roboto"/>
+              </a:rPr>
+              <a:t>Azure</a:t>
+            </a:r>
+            <a:r>
+              <a:rPr lang="es-MX" dirty="0">
+                <a:solidFill>
+                  <a:srgbClr val="737373"/>
+                </a:solidFill>
+                <a:latin typeface="Roboto"/>
+                <a:ea typeface="Roboto"/>
+                <a:cs typeface="Roboto"/>
+                <a:sym typeface="Roboto"/>
+              </a:rPr>
+              <a:t> </a:t>
+            </a:r>
+            <a:r>
+              <a:rPr lang="es-MX" dirty="0" err="1" smtClean="0">
+                <a:solidFill>
+                  <a:srgbClr val="737373"/>
+                </a:solidFill>
+                <a:latin typeface="Roboto"/>
+                <a:ea typeface="Roboto"/>
+                <a:cs typeface="Roboto"/>
+                <a:sym typeface="Roboto"/>
+              </a:rPr>
+              <a:t>Maps</a:t>
+            </a:r>
+            <a:endParaRPr sz="1800" dirty="0">
+              <a:solidFill>
+                <a:srgbClr val="737373"/>
+              </a:solidFill>
+              <a:latin typeface="Roboto"/>
+              <a:ea typeface="Roboto"/>
+              <a:cs typeface="Roboto"/>
+              <a:sym typeface="Roboto"/>
+            </a:endParaRPr>
+          </a:p>
+        </p:txBody>
+      </p:sp>
+    </p:spTree>
+    <p:extLst>
+      <p:ext uri="{BB962C8B-B14F-4D97-AF65-F5344CB8AC3E}">
+        <p14:creationId xmlns:p14="http://schemas.microsoft.com/office/powerpoint/2010/main" val="2030816383"/>
+      </p:ext>
+    </p:extLst>
+  </p:cSld>
+  <p:clrMapOvr>
+    <a:masterClrMapping/>
+  </p:clrMapOvr>
+  <p:timing>
+    <p:tnLst>
+      <p:par>
+        <p:cTn id="1" dur="indefinite" restart="never" nodeType="tmRoot"/>
+      </p:par>
+    </p:tnLst>
+  </p:timing>
+</p:sld>
+</file>
+
+<file path=ppt/slides/slide6.xml><?xml version="1.0" encoding="utf-8"?>
+<p:sld xmlns:a="http://schemas.openxmlformats.org/drawingml/2006/main" xmlns:r="http://schemas.openxmlformats.org/officeDocument/2006/relationships" xmlns:p="http://schemas.openxmlformats.org/presentationml/2006/main">
+  <p:cSld>
+    <p:spTree>
+      <p:nvGrpSpPr>
+        <p:cNvPr id="1" name=""/>
+        <p:cNvGrpSpPr/>
+        <p:nvPr/>
+      </p:nvGrpSpPr>
+      <p:grpSpPr>
+        <a:xfrm>
+          <a:off x="0" y="0"/>
+          <a:ext cx="0" cy="0"/>
+          <a:chOff x="0" y="0"/>
+          <a:chExt cx="0" cy="0"/>
+        </a:xfrm>
+      </p:grpSpPr>
+      <p:sp>
+        <p:nvSpPr>
+          <p:cNvPr id="2" name="CuadroTexto 1"/>
+          <p:cNvSpPr txBox="1"/>
+          <p:nvPr/>
+        </p:nvSpPr>
+        <p:spPr>
+          <a:xfrm>
+            <a:off x="273465" y="212168"/>
+            <a:ext cx="7598535" cy="584775"/>
+          </a:xfrm>
+          <a:prstGeom prst="rect">
+            <a:avLst/>
+          </a:prstGeom>
+          <a:noFill/>
+        </p:spPr>
+        <p:txBody>
+          <a:bodyPr wrap="square" rtlCol="0">
+            <a:spAutoFit/>
+          </a:bodyPr>
+          <a:lstStyle/>
+          <a:p>
+            <a:r>
+              <a:rPr lang="es-ES" sz="3200" dirty="0" smtClean="0">
+                <a:latin typeface="Roboto" panose="02000000000000000000" pitchFamily="2" charset="0"/>
+                <a:ea typeface="Roboto" panose="02000000000000000000" pitchFamily="2" charset="0"/>
+              </a:rPr>
+              <a:t>Introducción </a:t>
+            </a:r>
+            <a:r>
+              <a:rPr lang="es-ES" sz="3200" dirty="0">
+                <a:latin typeface="Roboto" panose="02000000000000000000" pitchFamily="2" charset="0"/>
+                <a:ea typeface="Roboto" panose="02000000000000000000" pitchFamily="2" charset="0"/>
+              </a:rPr>
+              <a:t>a Microsoft </a:t>
+            </a:r>
+            <a:r>
+              <a:rPr lang="es-ES" sz="3200" dirty="0" err="1">
+                <a:latin typeface="Roboto" panose="02000000000000000000" pitchFamily="2" charset="0"/>
+                <a:ea typeface="Roboto" panose="02000000000000000000" pitchFamily="2" charset="0"/>
+              </a:rPr>
+              <a:t>Azure</a:t>
+            </a:r>
+            <a:r>
+              <a:rPr lang="es-ES" sz="3200" dirty="0">
+                <a:latin typeface="Roboto" panose="02000000000000000000" pitchFamily="2" charset="0"/>
+                <a:ea typeface="Roboto" panose="02000000000000000000" pitchFamily="2" charset="0"/>
+              </a:rPr>
+              <a:t> </a:t>
+            </a:r>
+            <a:r>
+              <a:rPr lang="es-ES" sz="3200" dirty="0" err="1">
+                <a:latin typeface="Roboto" panose="02000000000000000000" pitchFamily="2" charset="0"/>
+                <a:ea typeface="Roboto" panose="02000000000000000000" pitchFamily="2" charset="0"/>
+              </a:rPr>
+              <a:t>IoT</a:t>
+            </a:r>
+            <a:endParaRPr lang="es-MX" sz="3200" dirty="0">
+              <a:latin typeface="Roboto" panose="02000000000000000000" pitchFamily="2" charset="0"/>
+              <a:ea typeface="Roboto" panose="02000000000000000000" pitchFamily="2" charset="0"/>
+            </a:endParaRPr>
+          </a:p>
+        </p:txBody>
+      </p:sp>
+      <p:sp>
+        <p:nvSpPr>
+          <p:cNvPr id="10" name="CuadroTexto 9"/>
+          <p:cNvSpPr txBox="1"/>
+          <p:nvPr/>
+        </p:nvSpPr>
+        <p:spPr>
+          <a:xfrm>
+            <a:off x="273465" y="1055278"/>
+            <a:ext cx="11265818" cy="523220"/>
+          </a:xfrm>
+          <a:prstGeom prst="rect">
+            <a:avLst/>
+          </a:prstGeom>
+          <a:noFill/>
+        </p:spPr>
+        <p:txBody>
+          <a:bodyPr wrap="square" rtlCol="0">
+            <a:spAutoFit/>
+          </a:bodyPr>
+          <a:lstStyle/>
+          <a:p>
+            <a:r>
+              <a:rPr lang="es-MX" sz="2800" dirty="0" smtClean="0">
+                <a:solidFill>
+                  <a:srgbClr val="042252"/>
+                </a:solidFill>
+                <a:latin typeface="Roboto Slab" pitchFamily="2" charset="0"/>
+                <a:ea typeface="Roboto Slab" pitchFamily="2" charset="0"/>
+              </a:rPr>
+              <a:t>Crear</a:t>
+            </a:r>
+            <a:r>
+              <a:rPr lang="pt-BR" sz="2800" dirty="0" smtClean="0">
+                <a:solidFill>
+                  <a:srgbClr val="042252"/>
+                </a:solidFill>
+                <a:latin typeface="Roboto Slab" pitchFamily="2" charset="0"/>
+                <a:ea typeface="Roboto Slab" pitchFamily="2" charset="0"/>
+              </a:rPr>
+              <a:t> </a:t>
+            </a:r>
+            <a:r>
+              <a:rPr lang="pt-BR" sz="2800" dirty="0">
+                <a:solidFill>
+                  <a:srgbClr val="042252"/>
+                </a:solidFill>
+                <a:latin typeface="Roboto Slab" pitchFamily="2" charset="0"/>
+                <a:ea typeface="Roboto Slab" pitchFamily="2" charset="0"/>
+              </a:rPr>
+              <a:t>una </a:t>
+            </a:r>
+            <a:r>
+              <a:rPr lang="es-MX" sz="2800" dirty="0" smtClean="0">
+                <a:solidFill>
+                  <a:srgbClr val="042252"/>
+                </a:solidFill>
+                <a:latin typeface="Roboto Slab" pitchFamily="2" charset="0"/>
+                <a:ea typeface="Roboto Slab" pitchFamily="2" charset="0"/>
+              </a:rPr>
+              <a:t>cuenta</a:t>
+            </a:r>
+            <a:endParaRPr lang="es-MX" sz="2800" dirty="0">
+              <a:solidFill>
+                <a:srgbClr val="042252"/>
+              </a:solidFill>
+              <a:latin typeface="Roboto Slab" pitchFamily="2" charset="0"/>
+              <a:ea typeface="Roboto Slab" pitchFamily="2" charset="0"/>
+            </a:endParaRPr>
+          </a:p>
+        </p:txBody>
+      </p:sp>
+      <p:sp>
+        <p:nvSpPr>
+          <p:cNvPr id="11" name="Rectángulo 10"/>
+          <p:cNvSpPr/>
+          <p:nvPr/>
+        </p:nvSpPr>
+        <p:spPr>
+          <a:xfrm>
+            <a:off x="7872000" y="0"/>
+            <a:ext cx="4320000" cy="720000"/>
+          </a:xfrm>
+          <a:prstGeom prst="rect">
+            <a:avLst/>
+          </a:prstGeom>
+          <a:solidFill>
+            <a:srgbClr val="042252"/>
+          </a:solidFill>
+          <a:ln>
+            <a:noFill/>
+          </a:ln>
+        </p:spPr>
+        <p:style>
+          <a:lnRef idx="2">
+            <a:schemeClr val="accent1">
+              <a:shade val="50000"/>
+            </a:schemeClr>
+          </a:lnRef>
+          <a:fillRef idx="1">
+            <a:schemeClr val="accent1"/>
+          </a:fillRef>
+          <a:effectRef idx="0">
+            <a:schemeClr val="accent1"/>
+          </a:effectRef>
+          <a:fontRef idx="minor">
+            <a:schemeClr val="lt1"/>
+          </a:fontRef>
+        </p:style>
+        <p:txBody>
+          <a:bodyPr rtlCol="0" anchor="ctr"/>
+          <a:lstStyle/>
+          <a:p>
+            <a:pPr algn="r"/>
+            <a:fld id="{A7FA9133-ACFE-4DD5-9EEB-90E0F3C4BA55}" type="slidenum">
+              <a:rPr lang="es-MX" smtClean="0">
+                <a:latin typeface="Roboto" panose="02000000000000000000" pitchFamily="2" charset="0"/>
+                <a:ea typeface="Roboto" panose="02000000000000000000" pitchFamily="2" charset="0"/>
+              </a:rPr>
+              <a:pPr algn="r"/>
+              <a:t>6</a:t>
+            </a:fld>
+            <a:endParaRPr lang="es-MX" dirty="0">
+              <a:latin typeface="Roboto" panose="02000000000000000000" pitchFamily="2" charset="0"/>
+              <a:ea typeface="Roboto" panose="02000000000000000000" pitchFamily="2" charset="0"/>
+            </a:endParaRPr>
+          </a:p>
+        </p:txBody>
+      </p:sp>
+      <p:sp>
+        <p:nvSpPr>
+          <p:cNvPr id="13" name="Rectángulo 12"/>
+          <p:cNvSpPr/>
+          <p:nvPr/>
+        </p:nvSpPr>
+        <p:spPr>
+          <a:xfrm>
+            <a:off x="0" y="6138000"/>
+            <a:ext cx="4320000" cy="720000"/>
+          </a:xfrm>
+          <a:prstGeom prst="rect">
+            <a:avLst/>
+          </a:prstGeom>
+          <a:solidFill>
+            <a:srgbClr val="042252"/>
+          </a:solidFill>
+          <a:ln>
+            <a:noFill/>
+          </a:ln>
+        </p:spPr>
+        <p:style>
+          <a:lnRef idx="2">
+            <a:schemeClr val="accent1">
+              <a:shade val="50000"/>
+            </a:schemeClr>
+          </a:lnRef>
+          <a:fillRef idx="1">
+            <a:schemeClr val="accent1"/>
+          </a:fillRef>
+          <a:effectRef idx="0">
+            <a:schemeClr val="accent1"/>
+          </a:effectRef>
+          <a:fontRef idx="minor">
+            <a:schemeClr val="lt1"/>
+          </a:fontRef>
+        </p:style>
+        <p:txBody>
+          <a:bodyPr rtlCol="0" anchor="ctr"/>
+          <a:lstStyle/>
+          <a:p>
+            <a:pPr algn="ctr"/>
+            <a:endParaRPr lang="es-MX"/>
+          </a:p>
+        </p:txBody>
+      </p:sp>
+      <p:pic>
+        <p:nvPicPr>
+          <p:cNvPr id="17" name="Imagen 16"/>
+          <p:cNvPicPr>
+            <a:picLocks noChangeAspect="1"/>
+          </p:cNvPicPr>
+          <p:nvPr/>
+        </p:nvPicPr>
+        <p:blipFill>
+          <a:blip r:embed="rId2" cstate="print">
+            <a:extLst>
+              <a:ext uri="{28A0092B-C50C-407E-A947-70E740481C1C}">
+                <a14:useLocalDpi xmlns:a14="http://schemas.microsoft.com/office/drawing/2010/main" val="0"/>
+              </a:ext>
+            </a:extLst>
+          </a:blip>
+          <a:stretch>
+            <a:fillRect/>
+          </a:stretch>
+        </p:blipFill>
+        <p:spPr>
+          <a:xfrm>
+            <a:off x="4653497" y="6230167"/>
+            <a:ext cx="535665" cy="535665"/>
+          </a:xfrm>
+          <a:prstGeom prst="rect">
+            <a:avLst/>
+          </a:prstGeom>
+        </p:spPr>
+      </p:pic>
+      <p:pic>
+        <p:nvPicPr>
+          <p:cNvPr id="8" name="Imagen 7"/>
+          <p:cNvPicPr>
+            <a:picLocks noChangeAspect="1"/>
+          </p:cNvPicPr>
+          <p:nvPr/>
+        </p:nvPicPr>
+        <p:blipFill>
+          <a:blip r:embed="rId3" cstate="print">
+            <a:extLst>
+              <a:ext uri="{28A0092B-C50C-407E-A947-70E740481C1C}">
+                <a14:useLocalDpi xmlns:a14="http://schemas.microsoft.com/office/drawing/2010/main" val="0"/>
+              </a:ext>
+            </a:extLst>
+          </a:blip>
+          <a:stretch>
+            <a:fillRect/>
+          </a:stretch>
+        </p:blipFill>
+        <p:spPr>
+          <a:xfrm>
+            <a:off x="5366374" y="6225832"/>
+            <a:ext cx="540000" cy="540000"/>
+          </a:xfrm>
+          <a:prstGeom prst="rect">
+            <a:avLst/>
+          </a:prstGeom>
+        </p:spPr>
+      </p:pic>
+      <p:sp>
+        <p:nvSpPr>
+          <p:cNvPr id="9" name="Google Shape;106;p15"/>
+          <p:cNvSpPr txBox="1"/>
+          <p:nvPr/>
+        </p:nvSpPr>
+        <p:spPr>
+          <a:xfrm>
+            <a:off x="281959" y="1578498"/>
+            <a:ext cx="9883200" cy="2710200"/>
+          </a:xfrm>
+          <a:prstGeom prst="rect">
+            <a:avLst/>
+          </a:prstGeom>
+          <a:noFill/>
+          <a:ln>
+            <a:noFill/>
+          </a:ln>
+        </p:spPr>
+        <p:txBody>
+          <a:bodyPr spcFirstLastPara="1" wrap="square" lIns="91425" tIns="91425" rIns="91425" bIns="91425" anchor="t" anchorCtr="0">
+            <a:noAutofit/>
+          </a:bodyPr>
+          <a:lstStyle/>
+          <a:p>
+            <a:pPr marL="0" lvl="0" indent="0" algn="l" rtl="0">
+              <a:lnSpc>
+                <a:spcPct val="115000"/>
+              </a:lnSpc>
+              <a:spcBef>
+                <a:spcPts val="0"/>
+              </a:spcBef>
+              <a:spcAft>
+                <a:spcPts val="0"/>
+              </a:spcAft>
+              <a:buNone/>
+            </a:pPr>
+            <a:r>
+              <a:rPr lang="es-MX" dirty="0" smtClean="0">
+                <a:solidFill>
+                  <a:srgbClr val="737373"/>
+                </a:solidFill>
+                <a:latin typeface="Roboto"/>
+                <a:ea typeface="Roboto"/>
+                <a:cs typeface="Roboto"/>
+                <a:sym typeface="Roboto"/>
+              </a:rPr>
+              <a:t>Necesitamos lo siguiente:</a:t>
+            </a:r>
+            <a:endParaRPr dirty="0">
+              <a:solidFill>
+                <a:srgbClr val="737373"/>
+              </a:solidFill>
+              <a:latin typeface="Roboto"/>
+              <a:ea typeface="Roboto"/>
+              <a:cs typeface="Roboto"/>
+              <a:sym typeface="Roboto"/>
+            </a:endParaRPr>
+          </a:p>
+          <a:p>
+            <a:pPr marL="520700" lvl="0" indent="-457200" algn="l" rtl="0">
+              <a:lnSpc>
+                <a:spcPct val="115000"/>
+              </a:lnSpc>
+              <a:spcBef>
+                <a:spcPts val="1600"/>
+              </a:spcBef>
+              <a:spcAft>
+                <a:spcPts val="0"/>
+              </a:spcAft>
+              <a:buClr>
+                <a:srgbClr val="737373"/>
+              </a:buClr>
+              <a:buSzPts val="2600"/>
+              <a:buFont typeface="Arial" panose="020B0604020202020204" pitchFamily="34" charset="0"/>
+              <a:buChar char="•"/>
+            </a:pPr>
+            <a:r>
+              <a:rPr lang="es-MX" dirty="0" smtClean="0">
+                <a:solidFill>
+                  <a:srgbClr val="737373"/>
+                </a:solidFill>
+                <a:latin typeface="Roboto"/>
+                <a:ea typeface="Roboto"/>
+                <a:cs typeface="Roboto"/>
+                <a:sym typeface="Roboto"/>
+              </a:rPr>
+              <a:t>Cuenta</a:t>
+            </a:r>
+            <a:r>
+              <a:rPr lang="en-US" dirty="0" smtClean="0">
+                <a:solidFill>
+                  <a:srgbClr val="737373"/>
+                </a:solidFill>
+                <a:latin typeface="Roboto"/>
+                <a:ea typeface="Roboto"/>
+                <a:cs typeface="Roboto"/>
+                <a:sym typeface="Roboto"/>
+              </a:rPr>
+              <a:t> de </a:t>
+            </a:r>
+            <a:r>
+              <a:rPr lang="es-MX" dirty="0" smtClean="0">
+                <a:solidFill>
+                  <a:srgbClr val="737373"/>
+                </a:solidFill>
+                <a:latin typeface="Roboto"/>
+                <a:ea typeface="Roboto"/>
+                <a:cs typeface="Roboto"/>
+                <a:sym typeface="Roboto"/>
+              </a:rPr>
+              <a:t>correo</a:t>
+            </a:r>
+            <a:r>
+              <a:rPr lang="en-US" dirty="0" smtClean="0">
+                <a:solidFill>
+                  <a:srgbClr val="737373"/>
+                </a:solidFill>
+                <a:latin typeface="Roboto"/>
+                <a:ea typeface="Roboto"/>
+                <a:cs typeface="Roboto"/>
+                <a:sym typeface="Roboto"/>
+              </a:rPr>
+              <a:t> </a:t>
+            </a:r>
+            <a:r>
+              <a:rPr lang="es-MX" dirty="0" smtClean="0">
+                <a:solidFill>
+                  <a:srgbClr val="737373"/>
+                </a:solidFill>
+                <a:latin typeface="Roboto"/>
+                <a:ea typeface="Roboto"/>
+                <a:cs typeface="Roboto"/>
+                <a:sym typeface="Roboto"/>
+              </a:rPr>
+              <a:t>electrónico</a:t>
+            </a:r>
+          </a:p>
+          <a:p>
+            <a:pPr marL="520700" lvl="0" indent="-457200" algn="l" rtl="0">
+              <a:lnSpc>
+                <a:spcPct val="115000"/>
+              </a:lnSpc>
+              <a:spcBef>
+                <a:spcPts val="1600"/>
+              </a:spcBef>
+              <a:spcAft>
+                <a:spcPts val="0"/>
+              </a:spcAft>
+              <a:buClr>
+                <a:srgbClr val="737373"/>
+              </a:buClr>
+              <a:buSzPts val="2600"/>
+              <a:buFont typeface="Arial" panose="020B0604020202020204" pitchFamily="34" charset="0"/>
+              <a:buChar char="•"/>
+            </a:pPr>
+            <a:r>
+              <a:rPr lang="es-MX" dirty="0" smtClean="0">
+                <a:solidFill>
+                  <a:srgbClr val="737373"/>
+                </a:solidFill>
+                <a:latin typeface="Roboto"/>
+                <a:ea typeface="Roboto"/>
+                <a:cs typeface="Roboto"/>
+                <a:sym typeface="Roboto"/>
+              </a:rPr>
+              <a:t>Tarjeta</a:t>
+            </a:r>
+            <a:r>
+              <a:rPr lang="en-US" dirty="0" smtClean="0">
+                <a:solidFill>
+                  <a:srgbClr val="737373"/>
+                </a:solidFill>
+                <a:latin typeface="Roboto"/>
+                <a:ea typeface="Roboto"/>
+                <a:cs typeface="Roboto"/>
+                <a:sym typeface="Roboto"/>
+              </a:rPr>
+              <a:t> de </a:t>
+            </a:r>
+            <a:r>
+              <a:rPr lang="es-MX" dirty="0" smtClean="0">
+                <a:solidFill>
+                  <a:srgbClr val="737373"/>
+                </a:solidFill>
+                <a:latin typeface="Roboto"/>
+                <a:ea typeface="Roboto"/>
+                <a:cs typeface="Roboto"/>
+                <a:sym typeface="Roboto"/>
+              </a:rPr>
+              <a:t>Crédito</a:t>
+            </a:r>
+            <a:r>
+              <a:rPr lang="en-US" dirty="0" smtClean="0">
+                <a:solidFill>
+                  <a:srgbClr val="737373"/>
+                </a:solidFill>
+                <a:latin typeface="Roboto"/>
+                <a:ea typeface="Roboto"/>
+                <a:cs typeface="Roboto"/>
+                <a:sym typeface="Roboto"/>
+              </a:rPr>
+              <a:t> o </a:t>
+            </a:r>
+            <a:r>
+              <a:rPr lang="es-MX" dirty="0" smtClean="0">
+                <a:solidFill>
+                  <a:srgbClr val="737373"/>
+                </a:solidFill>
+                <a:latin typeface="Roboto"/>
+                <a:ea typeface="Roboto"/>
+                <a:cs typeface="Roboto"/>
+                <a:sym typeface="Roboto"/>
+              </a:rPr>
+              <a:t>Debito</a:t>
+            </a:r>
+          </a:p>
+          <a:p>
+            <a:pPr marL="520700" lvl="0" indent="-457200" algn="l" rtl="0">
+              <a:lnSpc>
+                <a:spcPct val="115000"/>
+              </a:lnSpc>
+              <a:spcBef>
+                <a:spcPts val="1600"/>
+              </a:spcBef>
+              <a:spcAft>
+                <a:spcPts val="0"/>
+              </a:spcAft>
+              <a:buClr>
+                <a:srgbClr val="737373"/>
+              </a:buClr>
+              <a:buSzPts val="2600"/>
+              <a:buFont typeface="Arial" panose="020B0604020202020204" pitchFamily="34" charset="0"/>
+              <a:buChar char="•"/>
+            </a:pPr>
+            <a:r>
+              <a:rPr lang="es-MX" dirty="0" smtClean="0">
+                <a:solidFill>
+                  <a:srgbClr val="737373"/>
+                </a:solidFill>
+                <a:latin typeface="Roboto"/>
+                <a:ea typeface="Roboto"/>
+                <a:cs typeface="Roboto"/>
+                <a:sym typeface="Roboto"/>
+              </a:rPr>
+              <a:t>1 Dólar disponible </a:t>
+            </a:r>
+            <a:endParaRPr dirty="0">
+              <a:solidFill>
+                <a:srgbClr val="737373"/>
+              </a:solidFill>
+              <a:latin typeface="Roboto"/>
+              <a:ea typeface="Roboto"/>
+              <a:cs typeface="Roboto"/>
+              <a:sym typeface="Roboto"/>
+            </a:endParaRPr>
+          </a:p>
+          <a:p>
+            <a:pPr marL="0" lvl="0" indent="0" algn="l" rtl="0">
+              <a:lnSpc>
+                <a:spcPct val="115000"/>
+              </a:lnSpc>
+              <a:spcBef>
+                <a:spcPts val="1600"/>
+              </a:spcBef>
+              <a:spcAft>
+                <a:spcPts val="1600"/>
+              </a:spcAft>
+              <a:buNone/>
+            </a:pPr>
+            <a:endParaRPr sz="1800" dirty="0">
+              <a:solidFill>
+                <a:srgbClr val="737373"/>
+              </a:solidFill>
+              <a:latin typeface="Roboto"/>
+              <a:ea typeface="Roboto"/>
+              <a:cs typeface="Roboto"/>
+              <a:sym typeface="Roboto"/>
+            </a:endParaRPr>
+          </a:p>
+        </p:txBody>
+      </p:sp>
+    </p:spTree>
+    <p:extLst>
+      <p:ext uri="{BB962C8B-B14F-4D97-AF65-F5344CB8AC3E}">
+        <p14:creationId xmlns:p14="http://schemas.microsoft.com/office/powerpoint/2010/main" val="2828403957"/>
+      </p:ext>
+    </p:extLst>
+  </p:cSld>
+  <p:clrMapOvr>
+    <a:masterClrMapping/>
+  </p:clrMapOvr>
+  <p:timing>
+    <p:tnLst>
+      <p:par>
+        <p:cTn id="1" dur="indefinite" restart="never" nodeType="tmRoot"/>
+      </p:par>
+    </p:tnLst>
+  </p:timing>
+</p:sld>
+</file>
+
+<file path=ppt/slides/slide7.xml><?xml version="1.0" encoding="utf-8"?>
+<p:sld xmlns:a="http://schemas.openxmlformats.org/drawingml/2006/main" xmlns:r="http://schemas.openxmlformats.org/officeDocument/2006/relationships" xmlns:p="http://schemas.openxmlformats.org/presentationml/2006/main">
+  <p:cSld>
+    <p:spTree>
+      <p:nvGrpSpPr>
+        <p:cNvPr id="1" name=""/>
+        <p:cNvGrpSpPr/>
+        <p:nvPr/>
+      </p:nvGrpSpPr>
+      <p:grpSpPr>
+        <a:xfrm>
+          <a:off x="0" y="0"/>
+          <a:ext cx="0" cy="0"/>
+          <a:chOff x="0" y="0"/>
+          <a:chExt cx="0" cy="0"/>
+        </a:xfrm>
+      </p:grpSpPr>
+      <p:sp>
+        <p:nvSpPr>
+          <p:cNvPr id="2" name="CuadroTexto 1"/>
+          <p:cNvSpPr txBox="1"/>
+          <p:nvPr/>
+        </p:nvSpPr>
+        <p:spPr>
+          <a:xfrm>
+            <a:off x="273465" y="212168"/>
+            <a:ext cx="7598535" cy="646331"/>
+          </a:xfrm>
+          <a:prstGeom prst="rect">
+            <a:avLst/>
+          </a:prstGeom>
+          <a:noFill/>
+        </p:spPr>
+        <p:txBody>
+          <a:bodyPr wrap="square" rtlCol="0">
+            <a:spAutoFit/>
+          </a:bodyPr>
+          <a:lstStyle/>
+          <a:p>
+            <a:r>
+              <a:rPr lang="es-ES" sz="3600" dirty="0" err="1">
+                <a:latin typeface="Roboto" panose="02000000000000000000" pitchFamily="2" charset="0"/>
+                <a:ea typeface="Roboto" panose="02000000000000000000" pitchFamily="2" charset="0"/>
+              </a:rPr>
+              <a:t>NodeMCU</a:t>
+            </a:r>
+            <a:r>
+              <a:rPr lang="es-ES" sz="3600" dirty="0">
+                <a:latin typeface="Roboto" panose="02000000000000000000" pitchFamily="2" charset="0"/>
+                <a:ea typeface="Roboto" panose="02000000000000000000" pitchFamily="2" charset="0"/>
+              </a:rPr>
+              <a:t> (ESP8266)</a:t>
+            </a:r>
+            <a:endParaRPr lang="es-MX" sz="3600" dirty="0">
+              <a:latin typeface="Roboto" panose="02000000000000000000" pitchFamily="2" charset="0"/>
+              <a:ea typeface="Roboto" panose="02000000000000000000" pitchFamily="2" charset="0"/>
+            </a:endParaRPr>
+          </a:p>
+        </p:txBody>
+      </p:sp>
+      <p:sp>
+        <p:nvSpPr>
+          <p:cNvPr id="10" name="CuadroTexto 9"/>
+          <p:cNvSpPr txBox="1"/>
+          <p:nvPr/>
+        </p:nvSpPr>
+        <p:spPr>
+          <a:xfrm>
+            <a:off x="273465" y="1055278"/>
+            <a:ext cx="11265818" cy="523220"/>
+          </a:xfrm>
+          <a:prstGeom prst="rect">
+            <a:avLst/>
+          </a:prstGeom>
+          <a:noFill/>
+        </p:spPr>
+        <p:txBody>
+          <a:bodyPr wrap="square" rtlCol="0">
+            <a:spAutoFit/>
+          </a:bodyPr>
+          <a:lstStyle/>
+          <a:p>
+            <a:r>
+              <a:rPr lang="es-MX" sz="2800" dirty="0" smtClean="0">
+                <a:solidFill>
+                  <a:srgbClr val="042252"/>
+                </a:solidFill>
+                <a:latin typeface="Roboto Slab" pitchFamily="2" charset="0"/>
+                <a:ea typeface="Roboto Slab" pitchFamily="2" charset="0"/>
+              </a:rPr>
+              <a:t>Características.</a:t>
+            </a:r>
+            <a:endParaRPr lang="es-MX" sz="2800" dirty="0">
+              <a:solidFill>
+                <a:srgbClr val="042252"/>
+              </a:solidFill>
+              <a:latin typeface="Roboto Slab" pitchFamily="2" charset="0"/>
+              <a:ea typeface="Roboto Slab" pitchFamily="2" charset="0"/>
+            </a:endParaRPr>
+          </a:p>
+        </p:txBody>
+      </p:sp>
+      <p:sp>
+        <p:nvSpPr>
+          <p:cNvPr id="11" name="Rectángulo 10"/>
+          <p:cNvSpPr/>
+          <p:nvPr/>
+        </p:nvSpPr>
+        <p:spPr>
+          <a:xfrm>
+            <a:off x="7872000" y="0"/>
+            <a:ext cx="4320000" cy="720000"/>
+          </a:xfrm>
+          <a:prstGeom prst="rect">
+            <a:avLst/>
+          </a:prstGeom>
+          <a:solidFill>
+            <a:srgbClr val="042252"/>
+          </a:solidFill>
+          <a:ln>
+            <a:noFill/>
+          </a:ln>
+        </p:spPr>
+        <p:style>
+          <a:lnRef idx="2">
+            <a:schemeClr val="accent1">
+              <a:shade val="50000"/>
+            </a:schemeClr>
+          </a:lnRef>
+          <a:fillRef idx="1">
+            <a:schemeClr val="accent1"/>
+          </a:fillRef>
+          <a:effectRef idx="0">
+            <a:schemeClr val="accent1"/>
+          </a:effectRef>
+          <a:fontRef idx="minor">
+            <a:schemeClr val="lt1"/>
+          </a:fontRef>
+        </p:style>
+        <p:txBody>
+          <a:bodyPr rtlCol="0" anchor="ctr"/>
+          <a:lstStyle/>
+          <a:p>
+            <a:pPr algn="r"/>
+            <a:fld id="{A7FA9133-ACFE-4DD5-9EEB-90E0F3C4BA55}" type="slidenum">
+              <a:rPr lang="es-MX" smtClean="0">
+                <a:latin typeface="Roboto" panose="02000000000000000000" pitchFamily="2" charset="0"/>
+                <a:ea typeface="Roboto" panose="02000000000000000000" pitchFamily="2" charset="0"/>
+              </a:rPr>
+              <a:pPr algn="r"/>
+              <a:t>7</a:t>
+            </a:fld>
+            <a:endParaRPr lang="es-MX" dirty="0">
+              <a:latin typeface="Roboto" panose="02000000000000000000" pitchFamily="2" charset="0"/>
+              <a:ea typeface="Roboto" panose="02000000000000000000" pitchFamily="2" charset="0"/>
+            </a:endParaRPr>
+          </a:p>
+        </p:txBody>
+      </p:sp>
+      <p:sp>
+        <p:nvSpPr>
+          <p:cNvPr id="13" name="Rectángulo 12"/>
+          <p:cNvSpPr/>
+          <p:nvPr/>
+        </p:nvSpPr>
+        <p:spPr>
+          <a:xfrm>
+            <a:off x="0" y="6138000"/>
+            <a:ext cx="4320000" cy="720000"/>
+          </a:xfrm>
+          <a:prstGeom prst="rect">
+            <a:avLst/>
+          </a:prstGeom>
+          <a:solidFill>
+            <a:srgbClr val="042252"/>
+          </a:solidFill>
+          <a:ln>
+            <a:noFill/>
+          </a:ln>
+        </p:spPr>
+        <p:style>
+          <a:lnRef idx="2">
+            <a:schemeClr val="accent1">
+              <a:shade val="50000"/>
+            </a:schemeClr>
+          </a:lnRef>
+          <a:fillRef idx="1">
+            <a:schemeClr val="accent1"/>
+          </a:fillRef>
+          <a:effectRef idx="0">
+            <a:schemeClr val="accent1"/>
+          </a:effectRef>
+          <a:fontRef idx="minor">
+            <a:schemeClr val="lt1"/>
+          </a:fontRef>
+        </p:style>
+        <p:txBody>
+          <a:bodyPr rtlCol="0" anchor="ctr"/>
+          <a:lstStyle/>
+          <a:p>
+            <a:pPr algn="ctr"/>
+            <a:endParaRPr lang="es-MX"/>
+          </a:p>
+        </p:txBody>
+      </p:sp>
+      <p:pic>
+        <p:nvPicPr>
+          <p:cNvPr id="17" name="Imagen 16"/>
+          <p:cNvPicPr>
+            <a:picLocks noChangeAspect="1"/>
+          </p:cNvPicPr>
+          <p:nvPr/>
+        </p:nvPicPr>
+        <p:blipFill>
+          <a:blip r:embed="rId2" cstate="print">
+            <a:extLst>
+              <a:ext uri="{28A0092B-C50C-407E-A947-70E740481C1C}">
+                <a14:useLocalDpi xmlns:a14="http://schemas.microsoft.com/office/drawing/2010/main" val="0"/>
+              </a:ext>
+            </a:extLst>
+          </a:blip>
+          <a:stretch>
+            <a:fillRect/>
+          </a:stretch>
+        </p:blipFill>
+        <p:spPr>
+          <a:xfrm>
+            <a:off x="4653497" y="6230167"/>
+            <a:ext cx="535665" cy="535665"/>
+          </a:xfrm>
+          <a:prstGeom prst="rect">
+            <a:avLst/>
+          </a:prstGeom>
+        </p:spPr>
+      </p:pic>
+      <p:pic>
+        <p:nvPicPr>
+          <p:cNvPr id="8" name="Imagen 7"/>
+          <p:cNvPicPr>
+            <a:picLocks noChangeAspect="1"/>
+          </p:cNvPicPr>
+          <p:nvPr/>
+        </p:nvPicPr>
+        <p:blipFill>
+          <a:blip r:embed="rId3" cstate="print">
+            <a:extLst>
+              <a:ext uri="{28A0092B-C50C-407E-A947-70E740481C1C}">
+                <a14:useLocalDpi xmlns:a14="http://schemas.microsoft.com/office/drawing/2010/main" val="0"/>
+              </a:ext>
+            </a:extLst>
+          </a:blip>
+          <a:stretch>
+            <a:fillRect/>
+          </a:stretch>
+        </p:blipFill>
+        <p:spPr>
+          <a:xfrm>
+            <a:off x="5366374" y="6225832"/>
+            <a:ext cx="540000" cy="540000"/>
+          </a:xfrm>
+          <a:prstGeom prst="rect">
+            <a:avLst/>
+          </a:prstGeom>
+        </p:spPr>
+      </p:pic>
+      <p:sp>
+        <p:nvSpPr>
+          <p:cNvPr id="9" name="Google Shape;106;p15"/>
+          <p:cNvSpPr txBox="1"/>
+          <p:nvPr/>
+        </p:nvSpPr>
+        <p:spPr>
+          <a:xfrm>
+            <a:off x="281959" y="1578498"/>
+            <a:ext cx="9883200" cy="4215812"/>
+          </a:xfrm>
+          <a:prstGeom prst="rect">
+            <a:avLst/>
+          </a:prstGeom>
+          <a:noFill/>
+          <a:ln>
+            <a:noFill/>
+          </a:ln>
+        </p:spPr>
+        <p:txBody>
+          <a:bodyPr spcFirstLastPara="1" wrap="square" lIns="91425" tIns="91425" rIns="91425" bIns="91425" anchor="t" anchorCtr="0">
+            <a:noAutofit/>
+          </a:bodyPr>
+          <a:lstStyle/>
+          <a:p>
+            <a:pPr marL="285750" lvl="0" indent="-285750">
+              <a:lnSpc>
+                <a:spcPct val="115000"/>
+              </a:lnSpc>
+              <a:buFont typeface="Arial" panose="020B0604020202020204" pitchFamily="34" charset="0"/>
+              <a:buChar char="•"/>
+            </a:pPr>
+            <a:r>
+              <a:rPr lang="es-MX" dirty="0" err="1">
+                <a:solidFill>
+                  <a:srgbClr val="737373"/>
+                </a:solidFill>
+                <a:latin typeface="Roboto"/>
+                <a:ea typeface="Roboto"/>
+                <a:cs typeface="Roboto"/>
+                <a:sym typeface="Roboto"/>
+              </a:rPr>
+              <a:t>Microcontroller</a:t>
+            </a:r>
+            <a:r>
+              <a:rPr lang="es-MX" dirty="0">
+                <a:solidFill>
+                  <a:srgbClr val="737373"/>
+                </a:solidFill>
+                <a:latin typeface="Roboto"/>
+                <a:ea typeface="Roboto"/>
+                <a:cs typeface="Roboto"/>
+                <a:sym typeface="Roboto"/>
+              </a:rPr>
+              <a:t>: </a:t>
+            </a:r>
+            <a:r>
+              <a:rPr lang="es-MX" dirty="0" err="1">
+                <a:solidFill>
+                  <a:srgbClr val="737373"/>
+                </a:solidFill>
+                <a:latin typeface="Roboto"/>
+                <a:ea typeface="Roboto"/>
+                <a:cs typeface="Roboto"/>
+                <a:sym typeface="Roboto"/>
+              </a:rPr>
+              <a:t>Tensilica</a:t>
+            </a:r>
+            <a:r>
+              <a:rPr lang="es-MX" dirty="0">
+                <a:solidFill>
+                  <a:srgbClr val="737373"/>
+                </a:solidFill>
+                <a:latin typeface="Roboto"/>
+                <a:ea typeface="Roboto"/>
+                <a:cs typeface="Roboto"/>
+                <a:sym typeface="Roboto"/>
+              </a:rPr>
+              <a:t> 32-bit RISC CPU </a:t>
+            </a:r>
+            <a:r>
+              <a:rPr lang="es-MX" dirty="0" err="1">
+                <a:solidFill>
+                  <a:srgbClr val="737373"/>
+                </a:solidFill>
+                <a:latin typeface="Roboto"/>
+                <a:ea typeface="Roboto"/>
+                <a:cs typeface="Roboto"/>
+                <a:sym typeface="Roboto"/>
+              </a:rPr>
+              <a:t>Xtensa</a:t>
+            </a:r>
+            <a:r>
+              <a:rPr lang="es-MX" dirty="0">
+                <a:solidFill>
+                  <a:srgbClr val="737373"/>
+                </a:solidFill>
+                <a:latin typeface="Roboto"/>
+                <a:ea typeface="Roboto"/>
+                <a:cs typeface="Roboto"/>
+                <a:sym typeface="Roboto"/>
+              </a:rPr>
+              <a:t> LX106</a:t>
+            </a:r>
+          </a:p>
+          <a:p>
+            <a:pPr marL="285750" lvl="0" indent="-285750">
+              <a:lnSpc>
+                <a:spcPct val="115000"/>
+              </a:lnSpc>
+              <a:buFont typeface="Arial" panose="020B0604020202020204" pitchFamily="34" charset="0"/>
+              <a:buChar char="•"/>
+            </a:pPr>
+            <a:r>
+              <a:rPr lang="es-MX" dirty="0" err="1" smtClean="0">
+                <a:solidFill>
+                  <a:srgbClr val="737373"/>
+                </a:solidFill>
+                <a:latin typeface="Roboto"/>
+                <a:ea typeface="Roboto"/>
+                <a:cs typeface="Roboto"/>
+                <a:sym typeface="Roboto"/>
+              </a:rPr>
+              <a:t>Operating</a:t>
+            </a:r>
+            <a:r>
+              <a:rPr lang="es-MX" dirty="0" smtClean="0">
+                <a:solidFill>
+                  <a:srgbClr val="737373"/>
+                </a:solidFill>
+                <a:latin typeface="Roboto"/>
+                <a:ea typeface="Roboto"/>
+                <a:cs typeface="Roboto"/>
+                <a:sym typeface="Roboto"/>
+              </a:rPr>
+              <a:t> </a:t>
+            </a:r>
+            <a:r>
+              <a:rPr lang="es-MX" dirty="0" err="1">
+                <a:solidFill>
+                  <a:srgbClr val="737373"/>
+                </a:solidFill>
+                <a:latin typeface="Roboto"/>
+                <a:ea typeface="Roboto"/>
+                <a:cs typeface="Roboto"/>
+                <a:sym typeface="Roboto"/>
+              </a:rPr>
+              <a:t>Voltage</a:t>
+            </a:r>
+            <a:r>
+              <a:rPr lang="es-MX" dirty="0">
+                <a:solidFill>
+                  <a:srgbClr val="737373"/>
+                </a:solidFill>
+                <a:latin typeface="Roboto"/>
+                <a:ea typeface="Roboto"/>
+                <a:cs typeface="Roboto"/>
+                <a:sym typeface="Roboto"/>
+              </a:rPr>
+              <a:t>: 3.3V</a:t>
+            </a:r>
+          </a:p>
+          <a:p>
+            <a:pPr marL="285750" lvl="0" indent="-285750">
+              <a:lnSpc>
+                <a:spcPct val="115000"/>
+              </a:lnSpc>
+              <a:buFont typeface="Arial" panose="020B0604020202020204" pitchFamily="34" charset="0"/>
+              <a:buChar char="•"/>
+            </a:pPr>
+            <a:r>
+              <a:rPr lang="es-MX" dirty="0" smtClean="0">
+                <a:solidFill>
+                  <a:srgbClr val="737373"/>
+                </a:solidFill>
+                <a:latin typeface="Roboto"/>
+                <a:ea typeface="Roboto"/>
+                <a:cs typeface="Roboto"/>
+                <a:sym typeface="Roboto"/>
+              </a:rPr>
+              <a:t>Input </a:t>
+            </a:r>
+            <a:r>
+              <a:rPr lang="es-MX" dirty="0" err="1">
+                <a:solidFill>
+                  <a:srgbClr val="737373"/>
+                </a:solidFill>
+                <a:latin typeface="Roboto"/>
+                <a:ea typeface="Roboto"/>
+                <a:cs typeface="Roboto"/>
+                <a:sym typeface="Roboto"/>
+              </a:rPr>
+              <a:t>Voltage</a:t>
+            </a:r>
+            <a:r>
+              <a:rPr lang="es-MX" dirty="0">
+                <a:solidFill>
+                  <a:srgbClr val="737373"/>
+                </a:solidFill>
+                <a:latin typeface="Roboto"/>
+                <a:ea typeface="Roboto"/>
+                <a:cs typeface="Roboto"/>
+                <a:sym typeface="Roboto"/>
+              </a:rPr>
+              <a:t>: 7-12V</a:t>
+            </a:r>
+          </a:p>
+          <a:p>
+            <a:pPr marL="285750" lvl="0" indent="-285750">
+              <a:lnSpc>
+                <a:spcPct val="115000"/>
+              </a:lnSpc>
+              <a:buFont typeface="Arial" panose="020B0604020202020204" pitchFamily="34" charset="0"/>
+              <a:buChar char="•"/>
+            </a:pPr>
+            <a:r>
+              <a:rPr lang="es-MX" dirty="0" smtClean="0">
+                <a:solidFill>
+                  <a:srgbClr val="737373"/>
+                </a:solidFill>
+                <a:latin typeface="Roboto"/>
+                <a:ea typeface="Roboto"/>
+                <a:cs typeface="Roboto"/>
+                <a:sym typeface="Roboto"/>
+              </a:rPr>
+              <a:t>Digital </a:t>
+            </a:r>
+            <a:r>
+              <a:rPr lang="es-MX" dirty="0">
+                <a:solidFill>
+                  <a:srgbClr val="737373"/>
+                </a:solidFill>
+                <a:latin typeface="Roboto"/>
+                <a:ea typeface="Roboto"/>
+                <a:cs typeface="Roboto"/>
+                <a:sym typeface="Roboto"/>
+              </a:rPr>
+              <a:t>I/O </a:t>
+            </a:r>
+            <a:r>
+              <a:rPr lang="es-MX" dirty="0" err="1">
+                <a:solidFill>
+                  <a:srgbClr val="737373"/>
+                </a:solidFill>
+                <a:latin typeface="Roboto"/>
+                <a:ea typeface="Roboto"/>
+                <a:cs typeface="Roboto"/>
+                <a:sym typeface="Roboto"/>
+              </a:rPr>
+              <a:t>Pins</a:t>
+            </a:r>
+            <a:r>
+              <a:rPr lang="es-MX" dirty="0">
+                <a:solidFill>
+                  <a:srgbClr val="737373"/>
+                </a:solidFill>
+                <a:latin typeface="Roboto"/>
+                <a:ea typeface="Roboto"/>
+                <a:cs typeface="Roboto"/>
+                <a:sym typeface="Roboto"/>
+              </a:rPr>
+              <a:t> (DIO): 16</a:t>
+            </a:r>
+          </a:p>
+          <a:p>
+            <a:pPr marL="285750" lvl="0" indent="-285750">
+              <a:lnSpc>
+                <a:spcPct val="115000"/>
+              </a:lnSpc>
+              <a:buFont typeface="Arial" panose="020B0604020202020204" pitchFamily="34" charset="0"/>
+              <a:buChar char="•"/>
+            </a:pPr>
+            <a:r>
+              <a:rPr lang="es-MX" dirty="0" err="1" smtClean="0">
+                <a:solidFill>
+                  <a:srgbClr val="737373"/>
+                </a:solidFill>
+                <a:latin typeface="Roboto"/>
+                <a:ea typeface="Roboto"/>
+                <a:cs typeface="Roboto"/>
+                <a:sym typeface="Roboto"/>
+              </a:rPr>
+              <a:t>Analog</a:t>
+            </a:r>
+            <a:r>
+              <a:rPr lang="es-MX" dirty="0" smtClean="0">
+                <a:solidFill>
+                  <a:srgbClr val="737373"/>
+                </a:solidFill>
+                <a:latin typeface="Roboto"/>
+                <a:ea typeface="Roboto"/>
+                <a:cs typeface="Roboto"/>
+                <a:sym typeface="Roboto"/>
+              </a:rPr>
+              <a:t> </a:t>
+            </a:r>
+            <a:r>
+              <a:rPr lang="es-MX" dirty="0">
+                <a:solidFill>
+                  <a:srgbClr val="737373"/>
+                </a:solidFill>
+                <a:latin typeface="Roboto"/>
+                <a:ea typeface="Roboto"/>
+                <a:cs typeface="Roboto"/>
+                <a:sym typeface="Roboto"/>
+              </a:rPr>
+              <a:t>Input </a:t>
+            </a:r>
+            <a:r>
+              <a:rPr lang="es-MX" dirty="0" err="1">
+                <a:solidFill>
+                  <a:srgbClr val="737373"/>
+                </a:solidFill>
+                <a:latin typeface="Roboto"/>
+                <a:ea typeface="Roboto"/>
+                <a:cs typeface="Roboto"/>
+                <a:sym typeface="Roboto"/>
+              </a:rPr>
+              <a:t>Pins</a:t>
+            </a:r>
+            <a:r>
+              <a:rPr lang="es-MX" dirty="0">
+                <a:solidFill>
+                  <a:srgbClr val="737373"/>
+                </a:solidFill>
+                <a:latin typeface="Roboto"/>
+                <a:ea typeface="Roboto"/>
+                <a:cs typeface="Roboto"/>
+                <a:sym typeface="Roboto"/>
+              </a:rPr>
+              <a:t> (ADC): 1</a:t>
+            </a:r>
+          </a:p>
+          <a:p>
+            <a:pPr marL="285750" lvl="0" indent="-285750">
+              <a:lnSpc>
+                <a:spcPct val="115000"/>
+              </a:lnSpc>
+              <a:buFont typeface="Arial" panose="020B0604020202020204" pitchFamily="34" charset="0"/>
+              <a:buChar char="•"/>
+            </a:pPr>
+            <a:r>
+              <a:rPr lang="es-MX" dirty="0" err="1" smtClean="0">
+                <a:solidFill>
+                  <a:srgbClr val="737373"/>
+                </a:solidFill>
+                <a:latin typeface="Roboto"/>
+                <a:ea typeface="Roboto"/>
+                <a:cs typeface="Roboto"/>
+                <a:sym typeface="Roboto"/>
+              </a:rPr>
+              <a:t>UARTs</a:t>
+            </a:r>
+            <a:r>
+              <a:rPr lang="es-MX" dirty="0">
+                <a:solidFill>
+                  <a:srgbClr val="737373"/>
+                </a:solidFill>
+                <a:latin typeface="Roboto"/>
+                <a:ea typeface="Roboto"/>
+                <a:cs typeface="Roboto"/>
+                <a:sym typeface="Roboto"/>
+              </a:rPr>
+              <a:t>: 1</a:t>
+            </a:r>
+          </a:p>
+          <a:p>
+            <a:pPr marL="285750" lvl="0" indent="-285750">
+              <a:lnSpc>
+                <a:spcPct val="115000"/>
+              </a:lnSpc>
+              <a:buFont typeface="Arial" panose="020B0604020202020204" pitchFamily="34" charset="0"/>
+              <a:buChar char="•"/>
+            </a:pPr>
+            <a:r>
+              <a:rPr lang="es-MX" dirty="0" err="1" smtClean="0">
+                <a:solidFill>
+                  <a:srgbClr val="737373"/>
+                </a:solidFill>
+                <a:latin typeface="Roboto"/>
+                <a:ea typeface="Roboto"/>
+                <a:cs typeface="Roboto"/>
+                <a:sym typeface="Roboto"/>
+              </a:rPr>
+              <a:t>SPIs</a:t>
+            </a:r>
+            <a:r>
+              <a:rPr lang="es-MX" dirty="0">
+                <a:solidFill>
+                  <a:srgbClr val="737373"/>
+                </a:solidFill>
+                <a:latin typeface="Roboto"/>
+                <a:ea typeface="Roboto"/>
+                <a:cs typeface="Roboto"/>
+                <a:sym typeface="Roboto"/>
+              </a:rPr>
+              <a:t>: 1</a:t>
+            </a:r>
+          </a:p>
+          <a:p>
+            <a:pPr marL="285750" lvl="0" indent="-285750">
+              <a:lnSpc>
+                <a:spcPct val="115000"/>
+              </a:lnSpc>
+              <a:buFont typeface="Arial" panose="020B0604020202020204" pitchFamily="34" charset="0"/>
+              <a:buChar char="•"/>
+            </a:pPr>
+            <a:r>
+              <a:rPr lang="es-MX" dirty="0" smtClean="0">
+                <a:solidFill>
+                  <a:srgbClr val="737373"/>
+                </a:solidFill>
+                <a:latin typeface="Roboto"/>
+                <a:ea typeface="Roboto"/>
+                <a:cs typeface="Roboto"/>
+                <a:sym typeface="Roboto"/>
+              </a:rPr>
+              <a:t>I2Cs</a:t>
+            </a:r>
+            <a:r>
+              <a:rPr lang="es-MX" dirty="0">
+                <a:solidFill>
+                  <a:srgbClr val="737373"/>
+                </a:solidFill>
+                <a:latin typeface="Roboto"/>
+                <a:ea typeface="Roboto"/>
+                <a:cs typeface="Roboto"/>
+                <a:sym typeface="Roboto"/>
+              </a:rPr>
+              <a:t>: 1</a:t>
+            </a:r>
+          </a:p>
+          <a:p>
+            <a:pPr marL="285750" lvl="0" indent="-285750">
+              <a:lnSpc>
+                <a:spcPct val="115000"/>
+              </a:lnSpc>
+              <a:buFont typeface="Arial" panose="020B0604020202020204" pitchFamily="34" charset="0"/>
+              <a:buChar char="•"/>
+            </a:pPr>
+            <a:r>
+              <a:rPr lang="es-MX" dirty="0" smtClean="0">
+                <a:solidFill>
+                  <a:srgbClr val="737373"/>
+                </a:solidFill>
+                <a:latin typeface="Roboto"/>
+                <a:ea typeface="Roboto"/>
+                <a:cs typeface="Roboto"/>
+                <a:sym typeface="Roboto"/>
+              </a:rPr>
+              <a:t>Flash </a:t>
+            </a:r>
+            <a:r>
+              <a:rPr lang="es-MX" dirty="0" err="1">
+                <a:solidFill>
+                  <a:srgbClr val="737373"/>
+                </a:solidFill>
+                <a:latin typeface="Roboto"/>
+                <a:ea typeface="Roboto"/>
+                <a:cs typeface="Roboto"/>
+                <a:sym typeface="Roboto"/>
+              </a:rPr>
+              <a:t>Memory</a:t>
+            </a:r>
+            <a:r>
+              <a:rPr lang="es-MX" dirty="0">
+                <a:solidFill>
+                  <a:srgbClr val="737373"/>
+                </a:solidFill>
+                <a:latin typeface="Roboto"/>
+                <a:ea typeface="Roboto"/>
+                <a:cs typeface="Roboto"/>
+                <a:sym typeface="Roboto"/>
+              </a:rPr>
+              <a:t>: 4 MB</a:t>
+            </a:r>
+          </a:p>
+          <a:p>
+            <a:pPr marL="285750" lvl="0" indent="-285750">
+              <a:lnSpc>
+                <a:spcPct val="115000"/>
+              </a:lnSpc>
+              <a:buFont typeface="Arial" panose="020B0604020202020204" pitchFamily="34" charset="0"/>
+              <a:buChar char="•"/>
+            </a:pPr>
+            <a:r>
+              <a:rPr lang="es-MX" dirty="0" smtClean="0">
+                <a:solidFill>
+                  <a:srgbClr val="737373"/>
+                </a:solidFill>
+                <a:latin typeface="Roboto"/>
+                <a:ea typeface="Roboto"/>
+                <a:cs typeface="Roboto"/>
+                <a:sym typeface="Roboto"/>
+              </a:rPr>
+              <a:t>SRAM</a:t>
+            </a:r>
+            <a:r>
+              <a:rPr lang="es-MX" dirty="0">
+                <a:solidFill>
+                  <a:srgbClr val="737373"/>
+                </a:solidFill>
+                <a:latin typeface="Roboto"/>
+                <a:ea typeface="Roboto"/>
+                <a:cs typeface="Roboto"/>
+                <a:sym typeface="Roboto"/>
+              </a:rPr>
+              <a:t>: 64 KB</a:t>
+            </a:r>
+          </a:p>
+          <a:p>
+            <a:pPr marL="285750" lvl="0" indent="-285750">
+              <a:lnSpc>
+                <a:spcPct val="115000"/>
+              </a:lnSpc>
+              <a:buFont typeface="Arial" panose="020B0604020202020204" pitchFamily="34" charset="0"/>
+              <a:buChar char="•"/>
+            </a:pPr>
+            <a:r>
+              <a:rPr lang="es-MX" dirty="0" err="1" smtClean="0">
+                <a:solidFill>
+                  <a:srgbClr val="737373"/>
+                </a:solidFill>
+                <a:latin typeface="Roboto"/>
+                <a:ea typeface="Roboto"/>
+                <a:cs typeface="Roboto"/>
+                <a:sym typeface="Roboto"/>
+              </a:rPr>
+              <a:t>Clock</a:t>
+            </a:r>
+            <a:r>
+              <a:rPr lang="es-MX" dirty="0" smtClean="0">
+                <a:solidFill>
+                  <a:srgbClr val="737373"/>
+                </a:solidFill>
+                <a:latin typeface="Roboto"/>
+                <a:ea typeface="Roboto"/>
+                <a:cs typeface="Roboto"/>
+                <a:sym typeface="Roboto"/>
+              </a:rPr>
+              <a:t> </a:t>
+            </a:r>
+            <a:r>
+              <a:rPr lang="es-MX" dirty="0" err="1">
+                <a:solidFill>
+                  <a:srgbClr val="737373"/>
+                </a:solidFill>
+                <a:latin typeface="Roboto"/>
+                <a:ea typeface="Roboto"/>
+                <a:cs typeface="Roboto"/>
+                <a:sym typeface="Roboto"/>
+              </a:rPr>
+              <a:t>Speed</a:t>
+            </a:r>
+            <a:r>
+              <a:rPr lang="es-MX" dirty="0">
+                <a:solidFill>
+                  <a:srgbClr val="737373"/>
+                </a:solidFill>
+                <a:latin typeface="Roboto"/>
+                <a:ea typeface="Roboto"/>
+                <a:cs typeface="Roboto"/>
+                <a:sym typeface="Roboto"/>
+              </a:rPr>
+              <a:t>: 80 </a:t>
+            </a:r>
+            <a:r>
+              <a:rPr lang="es-MX" dirty="0" err="1">
+                <a:solidFill>
+                  <a:srgbClr val="737373"/>
+                </a:solidFill>
+                <a:latin typeface="Roboto"/>
+                <a:ea typeface="Roboto"/>
+                <a:cs typeface="Roboto"/>
+                <a:sym typeface="Roboto"/>
+              </a:rPr>
+              <a:t>Mhz</a:t>
+            </a:r>
+            <a:endParaRPr lang="es-MX" dirty="0">
+              <a:solidFill>
+                <a:srgbClr val="737373"/>
+              </a:solidFill>
+              <a:latin typeface="Roboto"/>
+              <a:ea typeface="Roboto"/>
+              <a:cs typeface="Roboto"/>
+              <a:sym typeface="Roboto"/>
+            </a:endParaRPr>
+          </a:p>
+          <a:p>
+            <a:pPr marL="285750" lvl="0" indent="-285750">
+              <a:lnSpc>
+                <a:spcPct val="115000"/>
+              </a:lnSpc>
+              <a:buFont typeface="Arial" panose="020B0604020202020204" pitchFamily="34" charset="0"/>
+              <a:buChar char="•"/>
+            </a:pPr>
+            <a:r>
+              <a:rPr lang="es-MX" dirty="0" err="1" smtClean="0">
+                <a:solidFill>
+                  <a:srgbClr val="737373"/>
+                </a:solidFill>
+                <a:latin typeface="Roboto"/>
+                <a:ea typeface="Roboto"/>
+                <a:cs typeface="Roboto"/>
+                <a:sym typeface="Roboto"/>
+              </a:rPr>
+              <a:t>Wi</a:t>
+            </a:r>
+            <a:r>
+              <a:rPr lang="es-MX" dirty="0" smtClean="0">
+                <a:solidFill>
+                  <a:srgbClr val="737373"/>
+                </a:solidFill>
+                <a:latin typeface="Roboto"/>
+                <a:ea typeface="Roboto"/>
+                <a:cs typeface="Roboto"/>
+                <a:sym typeface="Roboto"/>
+              </a:rPr>
+              <a:t>-Fi</a:t>
+            </a:r>
+            <a:r>
+              <a:rPr lang="es-MX" dirty="0">
+                <a:solidFill>
+                  <a:srgbClr val="737373"/>
+                </a:solidFill>
+                <a:latin typeface="Roboto"/>
+                <a:ea typeface="Roboto"/>
+                <a:cs typeface="Roboto"/>
+                <a:sym typeface="Roboto"/>
+              </a:rPr>
+              <a:t>: IEEE 802.11 b/g/n:</a:t>
+            </a:r>
+            <a:endParaRPr sz="1800" dirty="0">
+              <a:solidFill>
+                <a:srgbClr val="737373"/>
+              </a:solidFill>
+              <a:latin typeface="Roboto"/>
+              <a:ea typeface="Roboto"/>
+              <a:cs typeface="Roboto"/>
+              <a:sym typeface="Roboto"/>
+            </a:endParaRPr>
+          </a:p>
+        </p:txBody>
+      </p:sp>
+    </p:spTree>
+    <p:extLst>
+      <p:ext uri="{BB962C8B-B14F-4D97-AF65-F5344CB8AC3E}">
+        <p14:creationId xmlns:p14="http://schemas.microsoft.com/office/powerpoint/2010/main" val="218583932"/>
+      </p:ext>
+    </p:extLst>
+  </p:cSld>
+  <p:clrMapOvr>
+    <a:masterClrMapping/>
+  </p:clrMapOvr>
+  <p:timing>
+    <p:tnLst>
+      <p:par>
+        <p:cTn id="1" dur="indefinite" restart="never" nodeType="tmRoot"/>
+      </p:par>
+    </p:tnLst>
+  </p:timing>
+</p:sld>
+</file>
+
+<file path=ppt/slides/slide8.xml><?xml version="1.0" encoding="utf-8"?>
+<p:sld xmlns:a="http://schemas.openxmlformats.org/drawingml/2006/main" xmlns:r="http://schemas.openxmlformats.org/officeDocument/2006/relationships" xmlns:p="http://schemas.openxmlformats.org/presentationml/2006/main">
+  <p:cSld>
+    <p:spTree>
+      <p:nvGrpSpPr>
+        <p:cNvPr id="1" name=""/>
+        <p:cNvGrpSpPr/>
+        <p:nvPr/>
+      </p:nvGrpSpPr>
+      <p:grpSpPr>
+        <a:xfrm>
+          <a:off x="0" y="0"/>
+          <a:ext cx="0" cy="0"/>
+          <a:chOff x="0" y="0"/>
+          <a:chExt cx="0" cy="0"/>
+        </a:xfrm>
+      </p:grpSpPr>
+      <p:sp>
+        <p:nvSpPr>
+          <p:cNvPr id="2" name="CuadroTexto 1"/>
+          <p:cNvSpPr txBox="1"/>
+          <p:nvPr/>
+        </p:nvSpPr>
+        <p:spPr>
+          <a:xfrm>
+            <a:off x="273465" y="212168"/>
+            <a:ext cx="7598535" cy="646331"/>
+          </a:xfrm>
+          <a:prstGeom prst="rect">
+            <a:avLst/>
+          </a:prstGeom>
+          <a:noFill/>
+        </p:spPr>
+        <p:txBody>
+          <a:bodyPr wrap="square" rtlCol="0">
+            <a:spAutoFit/>
+          </a:bodyPr>
+          <a:lstStyle/>
+          <a:p>
+            <a:r>
+              <a:rPr lang="es-ES" sz="3600" dirty="0" err="1">
+                <a:latin typeface="Roboto" panose="02000000000000000000" pitchFamily="2" charset="0"/>
+                <a:ea typeface="Roboto" panose="02000000000000000000" pitchFamily="2" charset="0"/>
+              </a:rPr>
+              <a:t>NodeMCU</a:t>
+            </a:r>
+            <a:r>
+              <a:rPr lang="es-ES" sz="3600" dirty="0">
+                <a:latin typeface="Roboto" panose="02000000000000000000" pitchFamily="2" charset="0"/>
+                <a:ea typeface="Roboto" panose="02000000000000000000" pitchFamily="2" charset="0"/>
+              </a:rPr>
+              <a:t> (ESP8266).</a:t>
+            </a:r>
+          </a:p>
+        </p:txBody>
+      </p:sp>
+      <p:sp>
+        <p:nvSpPr>
+          <p:cNvPr id="10" name="CuadroTexto 9"/>
+          <p:cNvSpPr txBox="1"/>
+          <p:nvPr/>
+        </p:nvSpPr>
+        <p:spPr>
+          <a:xfrm>
+            <a:off x="273465" y="1055278"/>
+            <a:ext cx="11265818" cy="523220"/>
+          </a:xfrm>
+          <a:prstGeom prst="rect">
+            <a:avLst/>
+          </a:prstGeom>
+          <a:noFill/>
+        </p:spPr>
+        <p:txBody>
+          <a:bodyPr wrap="square" rtlCol="0">
+            <a:spAutoFit/>
+          </a:bodyPr>
+          <a:lstStyle/>
+          <a:p>
+            <a:r>
+              <a:rPr lang="es-MX" sz="2800" dirty="0" err="1" smtClean="0">
+                <a:solidFill>
+                  <a:srgbClr val="042252"/>
+                </a:solidFill>
+                <a:latin typeface="Roboto Slab" pitchFamily="2" charset="0"/>
+                <a:ea typeface="Roboto Slab" pitchFamily="2" charset="0"/>
+              </a:rPr>
+              <a:t>Pinout</a:t>
+            </a:r>
+            <a:endParaRPr lang="es-MX" sz="2800" dirty="0">
+              <a:solidFill>
+                <a:srgbClr val="042252"/>
+              </a:solidFill>
+              <a:latin typeface="Roboto Slab" pitchFamily="2" charset="0"/>
+              <a:ea typeface="Roboto Slab" pitchFamily="2" charset="0"/>
+            </a:endParaRPr>
+          </a:p>
+        </p:txBody>
+      </p:sp>
+      <p:sp>
+        <p:nvSpPr>
+          <p:cNvPr id="11" name="Rectángulo 10"/>
+          <p:cNvSpPr/>
+          <p:nvPr/>
+        </p:nvSpPr>
+        <p:spPr>
+          <a:xfrm>
+            <a:off x="7872000" y="0"/>
+            <a:ext cx="4320000" cy="720000"/>
+          </a:xfrm>
+          <a:prstGeom prst="rect">
+            <a:avLst/>
+          </a:prstGeom>
+          <a:solidFill>
+            <a:srgbClr val="042252"/>
+          </a:solidFill>
+          <a:ln>
+            <a:noFill/>
+          </a:ln>
+        </p:spPr>
+        <p:style>
+          <a:lnRef idx="2">
+            <a:schemeClr val="accent1">
+              <a:shade val="50000"/>
+            </a:schemeClr>
+          </a:lnRef>
+          <a:fillRef idx="1">
+            <a:schemeClr val="accent1"/>
+          </a:fillRef>
+          <a:effectRef idx="0">
+            <a:schemeClr val="accent1"/>
+          </a:effectRef>
+          <a:fontRef idx="minor">
+            <a:schemeClr val="lt1"/>
+          </a:fontRef>
+        </p:style>
+        <p:txBody>
+          <a:bodyPr rtlCol="0" anchor="ctr"/>
+          <a:lstStyle/>
+          <a:p>
+            <a:pPr algn="r"/>
+            <a:fld id="{A7FA9133-ACFE-4DD5-9EEB-90E0F3C4BA55}" type="slidenum">
+              <a:rPr lang="es-MX" smtClean="0">
+                <a:latin typeface="Roboto" panose="02000000000000000000" pitchFamily="2" charset="0"/>
+                <a:ea typeface="Roboto" panose="02000000000000000000" pitchFamily="2" charset="0"/>
+              </a:rPr>
+              <a:pPr algn="r"/>
+              <a:t>8</a:t>
+            </a:fld>
+            <a:endParaRPr lang="es-MX" dirty="0">
+              <a:latin typeface="Roboto" panose="02000000000000000000" pitchFamily="2" charset="0"/>
+              <a:ea typeface="Roboto" panose="02000000000000000000" pitchFamily="2" charset="0"/>
+            </a:endParaRPr>
+          </a:p>
+        </p:txBody>
+      </p:sp>
+      <p:sp>
+        <p:nvSpPr>
+          <p:cNvPr id="13" name="Rectángulo 12"/>
+          <p:cNvSpPr/>
+          <p:nvPr/>
+        </p:nvSpPr>
+        <p:spPr>
+          <a:xfrm>
+            <a:off x="0" y="6138000"/>
+            <a:ext cx="4320000" cy="720000"/>
+          </a:xfrm>
+          <a:prstGeom prst="rect">
+            <a:avLst/>
+          </a:prstGeom>
+          <a:solidFill>
+            <a:srgbClr val="042252"/>
+          </a:solidFill>
+          <a:ln>
+            <a:noFill/>
+          </a:ln>
+        </p:spPr>
+        <p:style>
+          <a:lnRef idx="2">
+            <a:schemeClr val="accent1">
+              <a:shade val="50000"/>
+            </a:schemeClr>
+          </a:lnRef>
+          <a:fillRef idx="1">
+            <a:schemeClr val="accent1"/>
+          </a:fillRef>
+          <a:effectRef idx="0">
+            <a:schemeClr val="accent1"/>
+          </a:effectRef>
+          <a:fontRef idx="minor">
+            <a:schemeClr val="lt1"/>
+          </a:fontRef>
+        </p:style>
+        <p:txBody>
+          <a:bodyPr rtlCol="0" anchor="ctr"/>
+          <a:lstStyle/>
+          <a:p>
+            <a:pPr algn="ctr"/>
+            <a:endParaRPr lang="es-MX"/>
+          </a:p>
+        </p:txBody>
+      </p:sp>
+      <p:pic>
+        <p:nvPicPr>
+          <p:cNvPr id="17" name="Imagen 16"/>
+          <p:cNvPicPr>
+            <a:picLocks noChangeAspect="1"/>
+          </p:cNvPicPr>
+          <p:nvPr/>
+        </p:nvPicPr>
+        <p:blipFill>
+          <a:blip r:embed="rId2" cstate="print">
+            <a:extLst>
+              <a:ext uri="{28A0092B-C50C-407E-A947-70E740481C1C}">
+                <a14:useLocalDpi xmlns:a14="http://schemas.microsoft.com/office/drawing/2010/main" val="0"/>
+              </a:ext>
+            </a:extLst>
+          </a:blip>
+          <a:stretch>
+            <a:fillRect/>
+          </a:stretch>
+        </p:blipFill>
+        <p:spPr>
+          <a:xfrm>
+            <a:off x="4653497" y="6230167"/>
+            <a:ext cx="535665" cy="535665"/>
+          </a:xfrm>
+          <a:prstGeom prst="rect">
+            <a:avLst/>
+          </a:prstGeom>
+        </p:spPr>
+      </p:pic>
+      <p:pic>
+        <p:nvPicPr>
+          <p:cNvPr id="8" name="Imagen 7"/>
+          <p:cNvPicPr>
+            <a:picLocks noChangeAspect="1"/>
+          </p:cNvPicPr>
+          <p:nvPr/>
+        </p:nvPicPr>
+        <p:blipFill>
+          <a:blip r:embed="rId3" cstate="print">
+            <a:extLst>
+              <a:ext uri="{28A0092B-C50C-407E-A947-70E740481C1C}">
+                <a14:useLocalDpi xmlns:a14="http://schemas.microsoft.com/office/drawing/2010/main" val="0"/>
+              </a:ext>
+            </a:extLst>
+          </a:blip>
+          <a:stretch>
+            <a:fillRect/>
+          </a:stretch>
+        </p:blipFill>
+        <p:spPr>
+          <a:xfrm>
+            <a:off x="5366374" y="6225832"/>
+            <a:ext cx="540000" cy="540000"/>
+          </a:xfrm>
+          <a:prstGeom prst="rect">
+            <a:avLst/>
+          </a:prstGeom>
+        </p:spPr>
+      </p:pic>
+      <p:pic>
+        <p:nvPicPr>
+          <p:cNvPr id="3" name="Imagen 2"/>
           <p:cNvPicPr>
             <a:picLocks noChangeAspect="1"/>
           </p:cNvPicPr>
           <p:nvPr/>
         </p:nvPicPr>
         <p:blipFill rotWithShape="1">
-          <a:blip r:embed="rId3">
+          <a:blip r:embed="rId4"/>
+          <a:srcRect l="2215" t="3044" r="1693" b="16609"/>
+          <a:stretch/>
+        </p:blipFill>
+        <p:spPr>
+          <a:xfrm>
+            <a:off x="2043187" y="1526166"/>
+            <a:ext cx="7726373" cy="4572000"/>
+          </a:xfrm>
+          <a:prstGeom prst="rect">
+            <a:avLst/>
+          </a:prstGeom>
+        </p:spPr>
+      </p:pic>
+    </p:spTree>
+    <p:extLst>
+      <p:ext uri="{BB962C8B-B14F-4D97-AF65-F5344CB8AC3E}">
+        <p14:creationId xmlns:p14="http://schemas.microsoft.com/office/powerpoint/2010/main" val="1106017554"/>
+      </p:ext>
+    </p:extLst>
+  </p:cSld>
+  <p:clrMapOvr>
+    <a:masterClrMapping/>
+  </p:clrMapOvr>
+  <p:timing>
+    <p:tnLst>
+      <p:par>
+        <p:cTn id="1" dur="indefinite" restart="never" nodeType="tmRoot"/>
+      </p:par>
+    </p:tnLst>
+  </p:timing>
+</p:sld>
+</file>
+
+<file path=ppt/slides/slide9.xml><?xml version="1.0" encoding="utf-8"?>
+<p:sld xmlns:a="http://schemas.openxmlformats.org/drawingml/2006/main" xmlns:r="http://schemas.openxmlformats.org/officeDocument/2006/relationships" xmlns:p="http://schemas.openxmlformats.org/presentationml/2006/main">
+  <p:cSld>
+    <p:spTree>
+      <p:nvGrpSpPr>
+        <p:cNvPr id="1" name=""/>
+        <p:cNvGrpSpPr/>
+        <p:nvPr/>
+      </p:nvGrpSpPr>
+      <p:grpSpPr>
+        <a:xfrm>
+          <a:off x="0" y="0"/>
+          <a:ext cx="0" cy="0"/>
+          <a:chOff x="0" y="0"/>
+          <a:chExt cx="0" cy="0"/>
+        </a:xfrm>
+      </p:grpSpPr>
+      <p:pic>
+        <p:nvPicPr>
+          <p:cNvPr id="2050" name="Picture 2" descr="https://docs.zerynth.com/latest/_images/nodemcu3_comm.jpg"/>
+          <p:cNvPicPr>
+            <a:picLocks noChangeAspect="1" noChangeArrowheads="1"/>
+          </p:cNvPicPr>
+          <p:nvPr/>
+        </p:nvPicPr>
+        <p:blipFill rotWithShape="1">
+          <a:blip r:embed="rId2">
             <a:extLst>
               <a:ext uri="{28A0092B-C50C-407E-A947-70E740481C1C}">
                 <a14:useLocalDpi xmlns:a14="http://schemas.microsoft.com/office/drawing/2010/main" val="0"/>
               </a:ext>
             </a:extLst>
           </a:blip>
-          <a:srcRect t="9219" b="8302"/>
+          <a:srcRect l="37181" t="32408" r="33111" b="26843"/>
           <a:stretch/>
         </p:blipFill>
-        <p:spPr>
-          <a:xfrm>
-            <a:off x="3597565" y="2030830"/>
-            <a:ext cx="4617618" cy="3808560"/>
+        <p:spPr bwMode="auto">
+          <a:xfrm>
+            <a:off x="2682647" y="1171458"/>
+            <a:ext cx="6447453" cy="5054374"/>
+          </a:xfrm>
+          <a:prstGeom prst="rect">
+            <a:avLst/>
+          </a:prstGeom>
+          <a:noFill/>
+          <a:extLst>
+            <a:ext uri="{909E8E84-426E-40DD-AFC4-6F175D3DCCD1}">
+              <a14:hiddenFill xmlns:a14="http://schemas.microsoft.com/office/drawing/2010/main">
+                <a:solidFill>
+                  <a:srgbClr val="FFFFFF"/>
+                </a:solidFill>
+              </a14:hiddenFill>
+            </a:ext>
+          </a:extLst>
+        </p:spPr>
+      </p:pic>
+      <p:sp>
+        <p:nvSpPr>
+          <p:cNvPr id="2" name="CuadroTexto 1"/>
+          <p:cNvSpPr txBox="1"/>
+          <p:nvPr/>
+        </p:nvSpPr>
+        <p:spPr>
+          <a:xfrm>
+            <a:off x="273465" y="212168"/>
+            <a:ext cx="7598535" cy="646331"/>
+          </a:xfrm>
+          <a:prstGeom prst="rect">
+            <a:avLst/>
+          </a:prstGeom>
+          <a:noFill/>
+        </p:spPr>
+        <p:txBody>
+          <a:bodyPr wrap="square" rtlCol="0">
+            <a:spAutoFit/>
+          </a:bodyPr>
+          <a:lstStyle/>
+          <a:p>
+            <a:r>
+              <a:rPr lang="es-ES" sz="3600" dirty="0" err="1">
+                <a:latin typeface="Roboto" panose="02000000000000000000" pitchFamily="2" charset="0"/>
+                <a:ea typeface="Roboto" panose="02000000000000000000" pitchFamily="2" charset="0"/>
+              </a:rPr>
+              <a:t>NodeMCU</a:t>
+            </a:r>
+            <a:r>
+              <a:rPr lang="es-ES" sz="3600" dirty="0">
+                <a:latin typeface="Roboto" panose="02000000000000000000" pitchFamily="2" charset="0"/>
+                <a:ea typeface="Roboto" panose="02000000000000000000" pitchFamily="2" charset="0"/>
+              </a:rPr>
+              <a:t> (ESP8266).</a:t>
+            </a:r>
+          </a:p>
+        </p:txBody>
+      </p:sp>
+      <p:sp>
+        <p:nvSpPr>
+          <p:cNvPr id="10" name="CuadroTexto 9"/>
+          <p:cNvSpPr txBox="1"/>
+          <p:nvPr/>
+        </p:nvSpPr>
+        <p:spPr>
+          <a:xfrm>
+            <a:off x="273465" y="1055278"/>
+            <a:ext cx="11265818" cy="523220"/>
+          </a:xfrm>
+          <a:prstGeom prst="rect">
+            <a:avLst/>
+          </a:prstGeom>
+          <a:noFill/>
+        </p:spPr>
+        <p:txBody>
+          <a:bodyPr wrap="square" rtlCol="0">
+            <a:spAutoFit/>
+          </a:bodyPr>
+          <a:lstStyle/>
+          <a:p>
+            <a:r>
+              <a:rPr lang="es-MX" sz="2800" dirty="0" smtClean="0">
+                <a:solidFill>
+                  <a:srgbClr val="042252"/>
+                </a:solidFill>
+                <a:latin typeface="Roboto Slab" pitchFamily="2" charset="0"/>
+                <a:ea typeface="Roboto Slab" pitchFamily="2" charset="0"/>
+              </a:rPr>
+              <a:t>Puertos de Comunicación</a:t>
+            </a:r>
+            <a:endParaRPr lang="es-MX" sz="2800" dirty="0">
+              <a:solidFill>
+                <a:srgbClr val="042252"/>
+              </a:solidFill>
+              <a:latin typeface="Roboto Slab" pitchFamily="2" charset="0"/>
+              <a:ea typeface="Roboto Slab" pitchFamily="2" charset="0"/>
+            </a:endParaRPr>
+          </a:p>
+        </p:txBody>
+      </p:sp>
+      <p:sp>
+        <p:nvSpPr>
+          <p:cNvPr id="11" name="Rectángulo 10"/>
+          <p:cNvSpPr/>
+          <p:nvPr/>
+        </p:nvSpPr>
+        <p:spPr>
+          <a:xfrm>
+            <a:off x="7872000" y="0"/>
+            <a:ext cx="4320000" cy="720000"/>
+          </a:xfrm>
+          <a:prstGeom prst="rect">
+            <a:avLst/>
+          </a:prstGeom>
+          <a:solidFill>
+            <a:srgbClr val="042252"/>
+          </a:solidFill>
+          <a:ln>
+            <a:noFill/>
+          </a:ln>
+        </p:spPr>
+        <p:style>
+          <a:lnRef idx="2">
+            <a:schemeClr val="accent1">
+              <a:shade val="50000"/>
+            </a:schemeClr>
+          </a:lnRef>
+          <a:fillRef idx="1">
+            <a:schemeClr val="accent1"/>
+          </a:fillRef>
+          <a:effectRef idx="0">
+            <a:schemeClr val="accent1"/>
+          </a:effectRef>
+          <a:fontRef idx="minor">
+            <a:schemeClr val="lt1"/>
+          </a:fontRef>
+        </p:style>
+        <p:txBody>
+          <a:bodyPr rtlCol="0" anchor="ctr"/>
+          <a:lstStyle/>
+          <a:p>
+            <a:pPr algn="r"/>
+            <a:fld id="{A7FA9133-ACFE-4DD5-9EEB-90E0F3C4BA55}" type="slidenum">
+              <a:rPr lang="es-MX" smtClean="0">
+                <a:latin typeface="Roboto" panose="02000000000000000000" pitchFamily="2" charset="0"/>
+                <a:ea typeface="Roboto" panose="02000000000000000000" pitchFamily="2" charset="0"/>
+              </a:rPr>
+              <a:pPr algn="r"/>
+              <a:t>9</a:t>
+            </a:fld>
+            <a:endParaRPr lang="es-MX" dirty="0">
+              <a:latin typeface="Roboto" panose="02000000000000000000" pitchFamily="2" charset="0"/>
+              <a:ea typeface="Roboto" panose="02000000000000000000" pitchFamily="2" charset="0"/>
+            </a:endParaRPr>
+          </a:p>
+        </p:txBody>
+      </p:sp>
+      <p:sp>
+        <p:nvSpPr>
+          <p:cNvPr id="13" name="Rectángulo 12"/>
+          <p:cNvSpPr/>
+          <p:nvPr/>
+        </p:nvSpPr>
+        <p:spPr>
+          <a:xfrm>
+            <a:off x="0" y="6138000"/>
+            <a:ext cx="4320000" cy="720000"/>
+          </a:xfrm>
+          <a:prstGeom prst="rect">
+            <a:avLst/>
+          </a:prstGeom>
+          <a:solidFill>
+            <a:srgbClr val="042252"/>
+          </a:solidFill>
+          <a:ln>
+            <a:noFill/>
+          </a:ln>
+        </p:spPr>
+        <p:style>
+          <a:lnRef idx="2">
+            <a:schemeClr val="accent1">
+              <a:shade val="50000"/>
+            </a:schemeClr>
+          </a:lnRef>
+          <a:fillRef idx="1">
+            <a:schemeClr val="accent1"/>
+          </a:fillRef>
+          <a:effectRef idx="0">
+            <a:schemeClr val="accent1"/>
+          </a:effectRef>
+          <a:fontRef idx="minor">
+            <a:schemeClr val="lt1"/>
+          </a:fontRef>
+        </p:style>
+        <p:txBody>
+          <a:bodyPr rtlCol="0" anchor="ctr"/>
+          <a:lstStyle/>
+          <a:p>
+            <a:pPr algn="ctr"/>
+            <a:endParaRPr lang="es-MX"/>
+          </a:p>
+        </p:txBody>
+      </p:sp>
+      <p:pic>
+        <p:nvPicPr>
+          <p:cNvPr id="17" name="Imagen 16"/>
+          <p:cNvPicPr>
+            <a:picLocks noChangeAspect="1"/>
+          </p:cNvPicPr>
+          <p:nvPr/>
+        </p:nvPicPr>
+        <p:blipFill>
+          <a:blip r:embed="rId3" cstate="print">
+            <a:extLst>
+              <a:ext uri="{28A0092B-C50C-407E-A947-70E740481C1C}">
+                <a14:useLocalDpi xmlns:a14="http://schemas.microsoft.com/office/drawing/2010/main" val="0"/>
+              </a:ext>
+            </a:extLst>
+          </a:blip>
+          <a:stretch>
+            <a:fillRect/>
+          </a:stretch>
+        </p:blipFill>
+        <p:spPr>
+          <a:xfrm>
+            <a:off x="4653497" y="6230167"/>
+            <a:ext cx="535665" cy="535665"/>
           </a:xfrm>
           <a:prstGeom prst="rect">
             <a:avLst/>
@@ -5577,7 +9694,7 @@
     </p:spTree>
     <p:extLst>
       <p:ext uri="{BB962C8B-B14F-4D97-AF65-F5344CB8AC3E}">
-        <p14:creationId xmlns:p14="http://schemas.microsoft.com/office/powerpoint/2010/main" val="1106017554"/>
+        <p14:creationId xmlns:p14="http://schemas.microsoft.com/office/powerpoint/2010/main" val="2552988661"/>
       </p:ext>
     </p:extLst>
   </p:cSld>

--- a/Introducción a Microsoft Azure IoT.pptx
+++ b/Introducción a Microsoft Azure IoT.pptx
@@ -5,10 +5,10 @@
     <p:sldMasterId id="2147483648" r:id="rId1"/>
   </p:sldMasterIdLst>
   <p:notesMasterIdLst>
-    <p:notesMasterId r:id="rId14"/>
+    <p:notesMasterId r:id="rId23"/>
   </p:notesMasterIdLst>
   <p:handoutMasterIdLst>
-    <p:handoutMasterId r:id="rId15"/>
+    <p:handoutMasterId r:id="rId24"/>
   </p:handoutMasterIdLst>
   <p:sldIdLst>
     <p:sldId id="256" r:id="rId2"/>
@@ -23,6 +23,15 @@
     <p:sldId id="285" r:id="rId11"/>
     <p:sldId id="287" r:id="rId12"/>
     <p:sldId id="288" r:id="rId13"/>
+    <p:sldId id="289" r:id="rId14"/>
+    <p:sldId id="290" r:id="rId15"/>
+    <p:sldId id="291" r:id="rId16"/>
+    <p:sldId id="292" r:id="rId17"/>
+    <p:sldId id="293" r:id="rId18"/>
+    <p:sldId id="294" r:id="rId19"/>
+    <p:sldId id="295" r:id="rId20"/>
+    <p:sldId id="297" r:id="rId21"/>
+    <p:sldId id="298" r:id="rId22"/>
   </p:sldIdLst>
   <p:sldSz cx="12192000" cy="6858000"/>
   <p:notesSz cx="6858000" cy="9144000"/>
@@ -222,7 +231,7 @@
           <a:p>
             <a:fld id="{BFAD595D-6ADA-47EC-8AFF-E42DEE086B53}" type="datetimeFigureOut">
               <a:rPr lang="es-MX" smtClean="0"/>
-              <a:t>06/01/2020</a:t>
+              <a:t>26/01/2020</a:t>
             </a:fld>
             <a:endParaRPr lang="es-MX"/>
           </a:p>
@@ -388,7 +397,7 @@
           <a:p>
             <a:fld id="{5296A91E-C94D-49A9-9B2B-E0C2416869C8}" type="datetimeFigureOut">
               <a:rPr lang="es-MX" smtClean="0"/>
-              <a:t>06/01/2020</a:t>
+              <a:t>26/01/2020</a:t>
             </a:fld>
             <a:endParaRPr lang="es-MX"/>
           </a:p>
@@ -891,7 +900,7 @@
           <a:p>
             <a:fld id="{E539E36A-411C-47D8-ACCE-3C164CD9D6AA}" type="datetime1">
               <a:rPr lang="es-MX" smtClean="0"/>
-              <a:t>06/01/2020</a:t>
+              <a:t>26/01/2020</a:t>
             </a:fld>
             <a:endParaRPr lang="es-MX"/>
           </a:p>
@@ -1061,7 +1070,7 @@
           <a:p>
             <a:fld id="{BDDF864D-821F-42FA-835B-45DC17C68805}" type="datetime1">
               <a:rPr lang="es-MX" smtClean="0"/>
-              <a:t>06/01/2020</a:t>
+              <a:t>26/01/2020</a:t>
             </a:fld>
             <a:endParaRPr lang="es-MX"/>
           </a:p>
@@ -1241,7 +1250,7 @@
           <a:p>
             <a:fld id="{E2E9A792-0025-4CF2-8934-47BE6364F86A}" type="datetime1">
               <a:rPr lang="es-MX" smtClean="0"/>
-              <a:t>06/01/2020</a:t>
+              <a:t>26/01/2020</a:t>
             </a:fld>
             <a:endParaRPr lang="es-MX"/>
           </a:p>
@@ -1411,7 +1420,7 @@
           <a:p>
             <a:fld id="{24420AD3-9CA8-416C-A5B1-ED9046883CFE}" type="datetime1">
               <a:rPr lang="es-MX" smtClean="0"/>
-              <a:t>06/01/2020</a:t>
+              <a:t>26/01/2020</a:t>
             </a:fld>
             <a:endParaRPr lang="es-MX"/>
           </a:p>
@@ -1657,7 +1666,7 @@
           <a:p>
             <a:fld id="{EE096DF2-A570-4A38-BB2D-BC3C65B33F9B}" type="datetime1">
               <a:rPr lang="es-MX" smtClean="0"/>
-              <a:t>06/01/2020</a:t>
+              <a:t>26/01/2020</a:t>
             </a:fld>
             <a:endParaRPr lang="es-MX"/>
           </a:p>
@@ -1889,7 +1898,7 @@
           <a:p>
             <a:fld id="{B0A55884-5635-4B1E-A887-34B4E794DA22}" type="datetime1">
               <a:rPr lang="es-MX" smtClean="0"/>
-              <a:t>06/01/2020</a:t>
+              <a:t>26/01/2020</a:t>
             </a:fld>
             <a:endParaRPr lang="es-MX"/>
           </a:p>
@@ -2256,7 +2265,7 @@
           <a:p>
             <a:fld id="{0492F442-030F-459C-9563-0116AD35CEFF}" type="datetime1">
               <a:rPr lang="es-MX" smtClean="0"/>
-              <a:t>06/01/2020</a:t>
+              <a:t>26/01/2020</a:t>
             </a:fld>
             <a:endParaRPr lang="es-MX"/>
           </a:p>
@@ -2374,7 +2383,7 @@
           <a:p>
             <a:fld id="{687311F3-FCC4-4DE7-B673-A5E2117FFF23}" type="datetime1">
               <a:rPr lang="es-MX" smtClean="0"/>
-              <a:t>06/01/2020</a:t>
+              <a:t>26/01/2020</a:t>
             </a:fld>
             <a:endParaRPr lang="es-MX"/>
           </a:p>
@@ -2469,7 +2478,7 @@
           <a:p>
             <a:fld id="{E1FFDF76-F74B-498A-8DC5-EE25277D9DA4}" type="datetime1">
               <a:rPr lang="es-MX" smtClean="0"/>
-              <a:t>06/01/2020</a:t>
+              <a:t>26/01/2020</a:t>
             </a:fld>
             <a:endParaRPr lang="es-MX"/>
           </a:p>
@@ -2746,7 +2755,7 @@
           <a:p>
             <a:fld id="{D98E60DA-2C31-4493-A7ED-6E75817DA356}" type="datetime1">
               <a:rPr lang="es-MX" smtClean="0"/>
-              <a:t>06/01/2020</a:t>
+              <a:t>26/01/2020</a:t>
             </a:fld>
             <a:endParaRPr lang="es-MX"/>
           </a:p>
@@ -2999,7 +3008,7 @@
           <a:p>
             <a:fld id="{FCD57F4F-5B61-4FA5-A365-99ABB13024F5}" type="datetime1">
               <a:rPr lang="es-MX" smtClean="0"/>
-              <a:t>06/01/2020</a:t>
+              <a:t>26/01/2020</a:t>
             </a:fld>
             <a:endParaRPr lang="es-MX"/>
           </a:p>
@@ -3212,7 +3221,7 @@
           <a:p>
             <a:fld id="{10C31552-5C4C-415B-872B-81200BCFD054}" type="datetime1">
               <a:rPr lang="es-MX" smtClean="0"/>
-              <a:t>06/01/2020</a:t>
+              <a:t>26/01/2020</a:t>
             </a:fld>
             <a:endParaRPr lang="es-MX"/>
           </a:p>
@@ -3778,231 +3787,6 @@
           </a:p>
         </p:txBody>
       </p:sp>
-      <p:sp>
-        <p:nvSpPr>
-          <p:cNvPr id="9" name="CuadroTexto 8"/>
-          <p:cNvSpPr txBox="1"/>
-          <p:nvPr/>
-        </p:nvSpPr>
-        <p:spPr>
-          <a:xfrm>
-            <a:off x="724413" y="3827054"/>
-            <a:ext cx="11265818" cy="584775"/>
-          </a:xfrm>
-          <a:prstGeom prst="rect">
-            <a:avLst/>
-          </a:prstGeom>
-          <a:noFill/>
-        </p:spPr>
-        <p:txBody>
-          <a:bodyPr wrap="square" rtlCol="0">
-            <a:spAutoFit/>
-          </a:bodyPr>
-          <a:lstStyle/>
-          <a:p>
-            <a:r>
-              <a:rPr lang="es-MX" sz="3200" dirty="0" smtClean="0">
-                <a:solidFill>
-                  <a:srgbClr val="042252"/>
-                </a:solidFill>
-                <a:latin typeface="Roboto Slab" pitchFamily="2" charset="0"/>
-                <a:ea typeface="Roboto Slab" pitchFamily="2" charset="0"/>
-              </a:rPr>
-              <a:t>Eder Carmona Armijo</a:t>
-            </a:r>
-            <a:endParaRPr lang="es-MX" sz="3200" dirty="0">
-              <a:solidFill>
-                <a:srgbClr val="042252"/>
-              </a:solidFill>
-              <a:latin typeface="Roboto Slab" pitchFamily="2" charset="0"/>
-              <a:ea typeface="Roboto Slab" pitchFamily="2" charset="0"/>
-            </a:endParaRPr>
-          </a:p>
-        </p:txBody>
-      </p:sp>
-      <p:pic>
-        <p:nvPicPr>
-          <p:cNvPr id="3" name="Imagen 2"/>
-          <p:cNvPicPr>
-            <a:picLocks noChangeAspect="1"/>
-          </p:cNvPicPr>
-          <p:nvPr/>
-        </p:nvPicPr>
-        <p:blipFill>
-          <a:blip r:embed="rId3" cstate="print">
-            <a:extLst>
-              <a:ext uri="{28A0092B-C50C-407E-A947-70E740481C1C}">
-                <a14:useLocalDpi xmlns:a14="http://schemas.microsoft.com/office/drawing/2010/main" val="0"/>
-              </a:ext>
-            </a:extLst>
-          </a:blip>
-          <a:stretch>
-            <a:fillRect/>
-          </a:stretch>
-        </p:blipFill>
-        <p:spPr>
-          <a:xfrm>
-            <a:off x="4320000" y="6336000"/>
-            <a:ext cx="399389" cy="324000"/>
-          </a:xfrm>
-          <a:prstGeom prst="rect">
-            <a:avLst/>
-          </a:prstGeom>
-        </p:spPr>
-      </p:pic>
-      <p:sp>
-        <p:nvSpPr>
-          <p:cNvPr id="4" name="CuadroTexto 3"/>
-          <p:cNvSpPr txBox="1"/>
-          <p:nvPr/>
-        </p:nvSpPr>
-        <p:spPr>
-          <a:xfrm>
-            <a:off x="4606835" y="6290668"/>
-            <a:ext cx="1454331" cy="369332"/>
-          </a:xfrm>
-          <a:prstGeom prst="rect">
-            <a:avLst/>
-          </a:prstGeom>
-          <a:noFill/>
-        </p:spPr>
-        <p:txBody>
-          <a:bodyPr wrap="square" rtlCol="0">
-            <a:spAutoFit/>
-          </a:bodyPr>
-          <a:lstStyle/>
-          <a:p>
-            <a:r>
-              <a:rPr lang="es-MX" dirty="0" err="1" smtClean="0"/>
-              <a:t>edercarmona</a:t>
-            </a:r>
-            <a:endParaRPr lang="en-US" dirty="0"/>
-          </a:p>
-        </p:txBody>
-      </p:sp>
-      <p:pic>
-        <p:nvPicPr>
-          <p:cNvPr id="5" name="Imagen 4"/>
-          <p:cNvPicPr>
-            <a:picLocks noChangeAspect="1"/>
-          </p:cNvPicPr>
-          <p:nvPr/>
-        </p:nvPicPr>
-        <p:blipFill rotWithShape="1">
-          <a:blip r:embed="rId4" cstate="print">
-            <a:extLst>
-              <a:ext uri="{28A0092B-C50C-407E-A947-70E740481C1C}">
-                <a14:useLocalDpi xmlns:a14="http://schemas.microsoft.com/office/drawing/2010/main" val="0"/>
-              </a:ext>
-            </a:extLst>
-          </a:blip>
-          <a:srcRect l="11797" t="13305" r="12285" b="13551"/>
-          <a:stretch/>
-        </p:blipFill>
-        <p:spPr>
-          <a:xfrm>
-            <a:off x="6061166" y="6336000"/>
-            <a:ext cx="336299" cy="324000"/>
-          </a:xfrm>
-          <a:prstGeom prst="rect">
-            <a:avLst/>
-          </a:prstGeom>
-        </p:spPr>
-      </p:pic>
-      <p:sp>
-        <p:nvSpPr>
-          <p:cNvPr id="10" name="CuadroTexto 9"/>
-          <p:cNvSpPr txBox="1"/>
-          <p:nvPr/>
-        </p:nvSpPr>
-        <p:spPr>
-          <a:xfrm>
-            <a:off x="6357322" y="6313334"/>
-            <a:ext cx="1454331" cy="369332"/>
-          </a:xfrm>
-          <a:prstGeom prst="rect">
-            <a:avLst/>
-          </a:prstGeom>
-          <a:noFill/>
-        </p:spPr>
-        <p:txBody>
-          <a:bodyPr wrap="square" rtlCol="0">
-            <a:spAutoFit/>
-          </a:bodyPr>
-          <a:lstStyle/>
-          <a:p>
-            <a:r>
-              <a:rPr lang="es-MX" dirty="0" err="1" smtClean="0"/>
-              <a:t>edercarmona</a:t>
-            </a:r>
-            <a:endParaRPr lang="en-US" dirty="0"/>
-          </a:p>
-        </p:txBody>
-      </p:sp>
-      <p:pic>
-        <p:nvPicPr>
-          <p:cNvPr id="11" name="Imagen 10"/>
-          <p:cNvPicPr>
-            <a:picLocks noChangeAspect="1"/>
-          </p:cNvPicPr>
-          <p:nvPr/>
-        </p:nvPicPr>
-        <p:blipFill>
-          <a:blip r:embed="rId5" cstate="print">
-            <a:extLst>
-              <a:ext uri="{28A0092B-C50C-407E-A947-70E740481C1C}">
-                <a14:useLocalDpi xmlns:a14="http://schemas.microsoft.com/office/drawing/2010/main" val="0"/>
-              </a:ext>
-            </a:extLst>
-          </a:blip>
-          <a:stretch>
-            <a:fillRect/>
-          </a:stretch>
-        </p:blipFill>
-        <p:spPr>
-          <a:xfrm>
-            <a:off x="7774488" y="6336000"/>
-            <a:ext cx="324000" cy="324000"/>
-          </a:xfrm>
-          <a:prstGeom prst="rect">
-            <a:avLst/>
-          </a:prstGeom>
-        </p:spPr>
-      </p:pic>
-      <p:sp>
-        <p:nvSpPr>
-          <p:cNvPr id="12" name="CuadroTexto 11"/>
-          <p:cNvSpPr txBox="1"/>
-          <p:nvPr/>
-        </p:nvSpPr>
-        <p:spPr>
-          <a:xfrm>
-            <a:off x="8098488" y="6290668"/>
-            <a:ext cx="3216212" cy="369332"/>
-          </a:xfrm>
-          <a:prstGeom prst="rect">
-            <a:avLst/>
-          </a:prstGeom>
-          <a:noFill/>
-        </p:spPr>
-        <p:txBody>
-          <a:bodyPr wrap="square" rtlCol="0">
-            <a:spAutoFit/>
-          </a:bodyPr>
-          <a:lstStyle/>
-          <a:p>
-            <a:r>
-              <a:rPr lang="es-MX" dirty="0"/>
-              <a:t>e</a:t>
-            </a:r>
-            <a:r>
-              <a:rPr lang="es-MX" dirty="0" smtClean="0"/>
-              <a:t>dercarmona_22@Hotmail.com</a:t>
-            </a:r>
-            <a:endParaRPr lang="en-US" dirty="0"/>
-          </a:p>
-        </p:txBody>
-      </p:sp>
       <p:pic>
         <p:nvPicPr>
           <p:cNvPr id="14" name="Imagen 13"/>
@@ -4012,7 +3796,7 @@
           <p:nvPr/>
         </p:nvPicPr>
         <p:blipFill>
-          <a:blip r:embed="rId6">
+          <a:blip r:embed="rId3">
             <a:extLst>
               <a:ext uri="{28A0092B-C50C-407E-A947-70E740481C1C}">
                 <a14:useLocalDpi xmlns:a14="http://schemas.microsoft.com/office/drawing/2010/main" val="0"/>
@@ -4725,526 +4509,29 @@
           </a:prstGeom>
         </p:spPr>
       </p:pic>
-      <p:sp>
-        <p:nvSpPr>
-          <p:cNvPr id="3" name="Rectángulo 2"/>
-          <p:cNvSpPr/>
-          <p:nvPr/>
-        </p:nvSpPr>
-        <p:spPr>
-          <a:xfrm>
-            <a:off x="495242" y="1812514"/>
-            <a:ext cx="6096000" cy="3693319"/>
-          </a:xfrm>
-          <a:prstGeom prst="rect">
-            <a:avLst/>
-          </a:prstGeom>
-        </p:spPr>
-        <p:txBody>
-          <a:bodyPr>
-            <a:spAutoFit/>
-          </a:bodyPr>
-          <a:lstStyle/>
-          <a:p>
-            <a:r>
-              <a:rPr lang="es-MX" dirty="0">
-                <a:solidFill>
-                  <a:srgbClr val="C586C0"/>
-                </a:solidFill>
-                <a:latin typeface="Consolas" panose="020B0609020204030204" pitchFamily="49" charset="0"/>
-              </a:rPr>
-              <a:t>#</a:t>
-            </a:r>
-            <a:r>
-              <a:rPr lang="es-MX" dirty="0" err="1">
-                <a:solidFill>
-                  <a:srgbClr val="C586C0"/>
-                </a:solidFill>
-                <a:latin typeface="Consolas" panose="020B0609020204030204" pitchFamily="49" charset="0"/>
-              </a:rPr>
-              <a:t>include</a:t>
-            </a:r>
-            <a:r>
-              <a:rPr lang="es-MX" dirty="0">
-                <a:solidFill>
-                  <a:srgbClr val="569CD6"/>
-                </a:solidFill>
-                <a:latin typeface="Consolas" panose="020B0609020204030204" pitchFamily="49" charset="0"/>
-              </a:rPr>
-              <a:t> </a:t>
-            </a:r>
-            <a:r>
-              <a:rPr lang="es-MX" dirty="0">
-                <a:solidFill>
-                  <a:srgbClr val="CE9178"/>
-                </a:solidFill>
-                <a:latin typeface="Consolas" panose="020B0609020204030204" pitchFamily="49" charset="0"/>
-              </a:rPr>
-              <a:t>"</a:t>
-            </a:r>
-            <a:r>
-              <a:rPr lang="es-MX" dirty="0" err="1">
-                <a:solidFill>
-                  <a:srgbClr val="CE9178"/>
-                </a:solidFill>
-                <a:latin typeface="Consolas" panose="020B0609020204030204" pitchFamily="49" charset="0"/>
-              </a:rPr>
-              <a:t>Arduino.h</a:t>
-            </a:r>
-            <a:r>
-              <a:rPr lang="es-MX" dirty="0">
-                <a:solidFill>
-                  <a:srgbClr val="CE9178"/>
-                </a:solidFill>
-                <a:latin typeface="Consolas" panose="020B0609020204030204" pitchFamily="49" charset="0"/>
-              </a:rPr>
-              <a:t>"</a:t>
-            </a:r>
-            <a:endParaRPr lang="es-MX" dirty="0">
-              <a:solidFill>
-                <a:srgbClr val="D4D4D4"/>
-              </a:solidFill>
-              <a:latin typeface="Consolas" panose="020B0609020204030204" pitchFamily="49" charset="0"/>
-            </a:endParaRPr>
-          </a:p>
-          <a:p>
-            <a:r>
-              <a:rPr lang="es-MX" dirty="0">
-                <a:solidFill>
-                  <a:srgbClr val="C586C0"/>
-                </a:solidFill>
-                <a:latin typeface="Consolas" panose="020B0609020204030204" pitchFamily="49" charset="0"/>
-              </a:rPr>
-              <a:t>#</a:t>
-            </a:r>
-            <a:r>
-              <a:rPr lang="es-MX" dirty="0" err="1">
-                <a:solidFill>
-                  <a:srgbClr val="C586C0"/>
-                </a:solidFill>
-                <a:latin typeface="Consolas" panose="020B0609020204030204" pitchFamily="49" charset="0"/>
-              </a:rPr>
-              <a:t>include</a:t>
-            </a:r>
-            <a:r>
-              <a:rPr lang="es-MX" dirty="0">
-                <a:solidFill>
-                  <a:srgbClr val="569CD6"/>
-                </a:solidFill>
-                <a:latin typeface="Consolas" panose="020B0609020204030204" pitchFamily="49" charset="0"/>
-              </a:rPr>
-              <a:t> </a:t>
-            </a:r>
-            <a:r>
-              <a:rPr lang="es-MX" dirty="0">
-                <a:solidFill>
-                  <a:srgbClr val="CE9178"/>
-                </a:solidFill>
-                <a:latin typeface="Consolas" panose="020B0609020204030204" pitchFamily="49" charset="0"/>
-              </a:rPr>
-              <a:t>"</a:t>
-            </a:r>
-            <a:r>
-              <a:rPr lang="es-MX" dirty="0" err="1">
-                <a:solidFill>
-                  <a:srgbClr val="CE9178"/>
-                </a:solidFill>
-                <a:latin typeface="Consolas" panose="020B0609020204030204" pitchFamily="49" charset="0"/>
-              </a:rPr>
-              <a:t>Esp.h</a:t>
-            </a:r>
-            <a:r>
-              <a:rPr lang="es-MX" dirty="0">
-                <a:solidFill>
-                  <a:srgbClr val="CE9178"/>
-                </a:solidFill>
-                <a:latin typeface="Consolas" panose="020B0609020204030204" pitchFamily="49" charset="0"/>
-              </a:rPr>
-              <a:t>"</a:t>
-            </a:r>
-            <a:endParaRPr lang="es-MX" dirty="0">
-              <a:solidFill>
-                <a:srgbClr val="D4D4D4"/>
-              </a:solidFill>
-              <a:latin typeface="Consolas" panose="020B0609020204030204" pitchFamily="49" charset="0"/>
-            </a:endParaRPr>
-          </a:p>
-          <a:p>
-            <a:r>
-              <a:rPr lang="es-MX" dirty="0">
-                <a:solidFill>
-                  <a:srgbClr val="D4D4D4"/>
-                </a:solidFill>
-                <a:latin typeface="Consolas" panose="020B0609020204030204" pitchFamily="49" charset="0"/>
-              </a:rPr>
-              <a:t/>
-            </a:r>
-            <a:br>
-              <a:rPr lang="es-MX" dirty="0">
-                <a:solidFill>
-                  <a:srgbClr val="D4D4D4"/>
-                </a:solidFill>
-                <a:latin typeface="Consolas" panose="020B0609020204030204" pitchFamily="49" charset="0"/>
-              </a:rPr>
-            </a:br>
-            <a:r>
-              <a:rPr lang="es-MX" dirty="0" err="1">
-                <a:solidFill>
-                  <a:srgbClr val="569CD6"/>
-                </a:solidFill>
-                <a:latin typeface="Consolas" panose="020B0609020204030204" pitchFamily="49" charset="0"/>
-              </a:rPr>
-              <a:t>void</a:t>
-            </a:r>
-            <a:r>
-              <a:rPr lang="es-MX" dirty="0">
-                <a:solidFill>
-                  <a:srgbClr val="D4D4D4"/>
-                </a:solidFill>
-                <a:latin typeface="Consolas" panose="020B0609020204030204" pitchFamily="49" charset="0"/>
-              </a:rPr>
-              <a:t> </a:t>
-            </a:r>
-            <a:r>
-              <a:rPr lang="es-MX" dirty="0" err="1">
-                <a:solidFill>
-                  <a:srgbClr val="DCDCAA"/>
-                </a:solidFill>
-                <a:latin typeface="Consolas" panose="020B0609020204030204" pitchFamily="49" charset="0"/>
-              </a:rPr>
-              <a:t>setup</a:t>
-            </a:r>
-            <a:r>
-              <a:rPr lang="es-MX" dirty="0">
-                <a:solidFill>
-                  <a:srgbClr val="D4D4D4"/>
-                </a:solidFill>
-                <a:latin typeface="Consolas" panose="020B0609020204030204" pitchFamily="49" charset="0"/>
-              </a:rPr>
-              <a:t>(){</a:t>
-            </a:r>
-          </a:p>
-          <a:p>
-            <a:r>
-              <a:rPr lang="es-MX" dirty="0">
-                <a:solidFill>
-                  <a:srgbClr val="D4D4D4"/>
-                </a:solidFill>
-                <a:latin typeface="Consolas" panose="020B0609020204030204" pitchFamily="49" charset="0"/>
-              </a:rPr>
-              <a:t>    </a:t>
-            </a:r>
-            <a:r>
-              <a:rPr lang="es-MX" dirty="0" err="1">
-                <a:solidFill>
-                  <a:srgbClr val="DCDCAA"/>
-                </a:solidFill>
-                <a:latin typeface="Consolas" panose="020B0609020204030204" pitchFamily="49" charset="0"/>
-              </a:rPr>
-              <a:t>pinMode</a:t>
-            </a:r>
-            <a:r>
-              <a:rPr lang="es-MX" dirty="0">
-                <a:solidFill>
-                  <a:srgbClr val="D4D4D4"/>
-                </a:solidFill>
-                <a:latin typeface="Consolas" panose="020B0609020204030204" pitchFamily="49" charset="0"/>
-              </a:rPr>
-              <a:t>(</a:t>
-            </a:r>
-            <a:r>
-              <a:rPr lang="es-MX" dirty="0">
-                <a:solidFill>
-                  <a:srgbClr val="B5CEA8"/>
-                </a:solidFill>
-                <a:latin typeface="Consolas" panose="020B0609020204030204" pitchFamily="49" charset="0"/>
-              </a:rPr>
-              <a:t>2</a:t>
-            </a:r>
-            <a:r>
-              <a:rPr lang="es-MX" dirty="0">
-                <a:solidFill>
-                  <a:srgbClr val="D4D4D4"/>
-                </a:solidFill>
-                <a:latin typeface="Consolas" panose="020B0609020204030204" pitchFamily="49" charset="0"/>
-              </a:rPr>
-              <a:t>,OUTPUT);</a:t>
-            </a:r>
-          </a:p>
-          <a:p>
-            <a:r>
-              <a:rPr lang="es-MX" dirty="0">
-                <a:solidFill>
-                  <a:srgbClr val="D4D4D4"/>
-                </a:solidFill>
-                <a:latin typeface="Consolas" panose="020B0609020204030204" pitchFamily="49" charset="0"/>
-              </a:rPr>
-              <a:t>}</a:t>
-            </a:r>
-          </a:p>
-          <a:p>
-            <a:r>
-              <a:rPr lang="es-MX" dirty="0">
-                <a:solidFill>
-                  <a:srgbClr val="D4D4D4"/>
-                </a:solidFill>
-                <a:latin typeface="Consolas" panose="020B0609020204030204" pitchFamily="49" charset="0"/>
-              </a:rPr>
-              <a:t/>
-            </a:r>
-            <a:br>
-              <a:rPr lang="es-MX" dirty="0">
-                <a:solidFill>
-                  <a:srgbClr val="D4D4D4"/>
-                </a:solidFill>
-                <a:latin typeface="Consolas" panose="020B0609020204030204" pitchFamily="49" charset="0"/>
-              </a:rPr>
-            </a:br>
-            <a:r>
-              <a:rPr lang="es-MX" dirty="0" err="1">
-                <a:solidFill>
-                  <a:srgbClr val="569CD6"/>
-                </a:solidFill>
-                <a:latin typeface="Consolas" panose="020B0609020204030204" pitchFamily="49" charset="0"/>
-              </a:rPr>
-              <a:t>void</a:t>
-            </a:r>
-            <a:r>
-              <a:rPr lang="es-MX" dirty="0">
-                <a:solidFill>
-                  <a:srgbClr val="D4D4D4"/>
-                </a:solidFill>
-                <a:latin typeface="Consolas" panose="020B0609020204030204" pitchFamily="49" charset="0"/>
-              </a:rPr>
-              <a:t> </a:t>
-            </a:r>
-            <a:r>
-              <a:rPr lang="es-MX" dirty="0" err="1">
-                <a:solidFill>
-                  <a:srgbClr val="DCDCAA"/>
-                </a:solidFill>
-                <a:latin typeface="Consolas" panose="020B0609020204030204" pitchFamily="49" charset="0"/>
-              </a:rPr>
-              <a:t>loop</a:t>
-            </a:r>
-            <a:r>
-              <a:rPr lang="es-MX" dirty="0">
-                <a:solidFill>
-                  <a:srgbClr val="D4D4D4"/>
-                </a:solidFill>
-                <a:latin typeface="Consolas" panose="020B0609020204030204" pitchFamily="49" charset="0"/>
-              </a:rPr>
-              <a:t>(){</a:t>
-            </a:r>
-          </a:p>
-          <a:p>
-            <a:r>
-              <a:rPr lang="es-MX" dirty="0">
-                <a:solidFill>
-                  <a:srgbClr val="D4D4D4"/>
-                </a:solidFill>
-                <a:latin typeface="Consolas" panose="020B0609020204030204" pitchFamily="49" charset="0"/>
-              </a:rPr>
-              <a:t>    </a:t>
-            </a:r>
-            <a:r>
-              <a:rPr lang="es-MX" dirty="0" err="1">
-                <a:solidFill>
-                  <a:srgbClr val="DCDCAA"/>
-                </a:solidFill>
-                <a:latin typeface="Consolas" panose="020B0609020204030204" pitchFamily="49" charset="0"/>
-              </a:rPr>
-              <a:t>digitalWrite</a:t>
-            </a:r>
-            <a:r>
-              <a:rPr lang="es-MX" dirty="0">
-                <a:solidFill>
-                  <a:srgbClr val="D4D4D4"/>
-                </a:solidFill>
-                <a:latin typeface="Consolas" panose="020B0609020204030204" pitchFamily="49" charset="0"/>
-              </a:rPr>
-              <a:t>(</a:t>
-            </a:r>
-            <a:r>
-              <a:rPr lang="es-MX" dirty="0">
-                <a:solidFill>
-                  <a:srgbClr val="B5CEA8"/>
-                </a:solidFill>
-                <a:latin typeface="Consolas" panose="020B0609020204030204" pitchFamily="49" charset="0"/>
-              </a:rPr>
-              <a:t>2</a:t>
-            </a:r>
-            <a:r>
-              <a:rPr lang="es-MX" dirty="0">
-                <a:solidFill>
-                  <a:srgbClr val="D4D4D4"/>
-                </a:solidFill>
-                <a:latin typeface="Consolas" panose="020B0609020204030204" pitchFamily="49" charset="0"/>
-              </a:rPr>
-              <a:t>,HIGH);</a:t>
-            </a:r>
-          </a:p>
-          <a:p>
-            <a:r>
-              <a:rPr lang="es-MX" dirty="0">
-                <a:solidFill>
-                  <a:srgbClr val="D4D4D4"/>
-                </a:solidFill>
-                <a:latin typeface="Consolas" panose="020B0609020204030204" pitchFamily="49" charset="0"/>
-              </a:rPr>
-              <a:t>    </a:t>
-            </a:r>
-            <a:r>
-              <a:rPr lang="es-MX" dirty="0" err="1">
-                <a:solidFill>
-                  <a:srgbClr val="DCDCAA"/>
-                </a:solidFill>
-                <a:latin typeface="Consolas" panose="020B0609020204030204" pitchFamily="49" charset="0"/>
-              </a:rPr>
-              <a:t>delay</a:t>
-            </a:r>
-            <a:r>
-              <a:rPr lang="es-MX" dirty="0">
-                <a:solidFill>
-                  <a:srgbClr val="D4D4D4"/>
-                </a:solidFill>
-                <a:latin typeface="Consolas" panose="020B0609020204030204" pitchFamily="49" charset="0"/>
-              </a:rPr>
-              <a:t>(</a:t>
-            </a:r>
-            <a:r>
-              <a:rPr lang="es-MX" dirty="0">
-                <a:solidFill>
-                  <a:srgbClr val="B5CEA8"/>
-                </a:solidFill>
-                <a:latin typeface="Consolas" panose="020B0609020204030204" pitchFamily="49" charset="0"/>
-              </a:rPr>
-              <a:t>500</a:t>
-            </a:r>
-            <a:r>
-              <a:rPr lang="es-MX" dirty="0">
-                <a:solidFill>
-                  <a:srgbClr val="D4D4D4"/>
-                </a:solidFill>
-                <a:latin typeface="Consolas" panose="020B0609020204030204" pitchFamily="49" charset="0"/>
-              </a:rPr>
-              <a:t>);</a:t>
-            </a:r>
-          </a:p>
-          <a:p>
-            <a:r>
-              <a:rPr lang="es-MX" dirty="0">
-                <a:solidFill>
-                  <a:srgbClr val="D4D4D4"/>
-                </a:solidFill>
-                <a:latin typeface="Consolas" panose="020B0609020204030204" pitchFamily="49" charset="0"/>
-              </a:rPr>
-              <a:t>    </a:t>
-            </a:r>
-            <a:r>
-              <a:rPr lang="es-MX" dirty="0" err="1">
-                <a:solidFill>
-                  <a:srgbClr val="DCDCAA"/>
-                </a:solidFill>
-                <a:latin typeface="Consolas" panose="020B0609020204030204" pitchFamily="49" charset="0"/>
-              </a:rPr>
-              <a:t>digitalWrite</a:t>
-            </a:r>
-            <a:r>
-              <a:rPr lang="es-MX" dirty="0">
-                <a:solidFill>
-                  <a:srgbClr val="D4D4D4"/>
-                </a:solidFill>
-                <a:latin typeface="Consolas" panose="020B0609020204030204" pitchFamily="49" charset="0"/>
-              </a:rPr>
-              <a:t>(</a:t>
-            </a:r>
-            <a:r>
-              <a:rPr lang="es-MX" dirty="0">
-                <a:solidFill>
-                  <a:srgbClr val="B5CEA8"/>
-                </a:solidFill>
-                <a:latin typeface="Consolas" panose="020B0609020204030204" pitchFamily="49" charset="0"/>
-              </a:rPr>
-              <a:t>2</a:t>
-            </a:r>
-            <a:r>
-              <a:rPr lang="es-MX" dirty="0">
-                <a:solidFill>
-                  <a:srgbClr val="D4D4D4"/>
-                </a:solidFill>
-                <a:latin typeface="Consolas" panose="020B0609020204030204" pitchFamily="49" charset="0"/>
-              </a:rPr>
-              <a:t>, LOW);</a:t>
-            </a:r>
-          </a:p>
-          <a:p>
-            <a:r>
-              <a:rPr lang="es-MX" dirty="0">
-                <a:solidFill>
-                  <a:srgbClr val="D4D4D4"/>
-                </a:solidFill>
-                <a:latin typeface="Consolas" panose="020B0609020204030204" pitchFamily="49" charset="0"/>
-              </a:rPr>
-              <a:t>    </a:t>
-            </a:r>
-            <a:r>
-              <a:rPr lang="es-MX" dirty="0" err="1">
-                <a:solidFill>
-                  <a:srgbClr val="DCDCAA"/>
-                </a:solidFill>
-                <a:latin typeface="Consolas" panose="020B0609020204030204" pitchFamily="49" charset="0"/>
-              </a:rPr>
-              <a:t>delay</a:t>
-            </a:r>
-            <a:r>
-              <a:rPr lang="es-MX" dirty="0">
-                <a:solidFill>
-                  <a:srgbClr val="D4D4D4"/>
-                </a:solidFill>
-                <a:latin typeface="Consolas" panose="020B0609020204030204" pitchFamily="49" charset="0"/>
-              </a:rPr>
-              <a:t>(</a:t>
-            </a:r>
-            <a:r>
-              <a:rPr lang="es-MX" dirty="0">
-                <a:solidFill>
-                  <a:srgbClr val="B5CEA8"/>
-                </a:solidFill>
-                <a:latin typeface="Consolas" panose="020B0609020204030204" pitchFamily="49" charset="0"/>
-              </a:rPr>
-              <a:t>100</a:t>
-            </a:r>
-            <a:r>
-              <a:rPr lang="es-MX" dirty="0">
-                <a:solidFill>
-                  <a:srgbClr val="D4D4D4"/>
-                </a:solidFill>
-                <a:latin typeface="Consolas" panose="020B0609020204030204" pitchFamily="49" charset="0"/>
-              </a:rPr>
-              <a:t>);</a:t>
-            </a:r>
-          </a:p>
-          <a:p>
-            <a:r>
-              <a:rPr lang="es-MX" dirty="0">
-                <a:solidFill>
-                  <a:srgbClr val="D4D4D4"/>
-                </a:solidFill>
-                <a:latin typeface="Consolas" panose="020B0609020204030204" pitchFamily="49" charset="0"/>
-              </a:rPr>
-              <a:t>}</a:t>
-            </a:r>
-            <a:endParaRPr lang="es-MX" b="0" dirty="0">
-              <a:solidFill>
-                <a:srgbClr val="D4D4D4"/>
-              </a:solidFill>
-              <a:effectLst/>
-              <a:latin typeface="Consolas" panose="020B0609020204030204" pitchFamily="49" charset="0"/>
-            </a:endParaRPr>
-          </a:p>
-        </p:txBody>
-      </p:sp>
+      <p:pic>
+        <p:nvPicPr>
+          <p:cNvPr id="5" name="Imagen 4"/>
+          <p:cNvPicPr>
+            <a:picLocks noChangeAspect="1"/>
+          </p:cNvPicPr>
+          <p:nvPr/>
+        </p:nvPicPr>
+        <p:blipFill rotWithShape="1">
+          <a:blip r:embed="rId4"/>
+          <a:srcRect l="14694" t="10016" r="68253" b="59629"/>
+          <a:stretch/>
+        </p:blipFill>
+        <p:spPr>
+          <a:xfrm>
+            <a:off x="896137" y="1620352"/>
+            <a:ext cx="4470237" cy="4475794"/>
+          </a:xfrm>
+          <a:prstGeom prst="rect">
+            <a:avLst/>
+          </a:prstGeom>
+        </p:spPr>
+      </p:pic>
     </p:spTree>
     <p:extLst>
       <p:ext uri="{BB962C8B-B14F-4D97-AF65-F5344CB8AC3E}">
@@ -5376,17 +4663,7 @@
                 <a:latin typeface="Roboto Slab" pitchFamily="2" charset="0"/>
                 <a:ea typeface="Roboto Slab" pitchFamily="2" charset="0"/>
               </a:rPr>
-              <a:t>Ejercicio </a:t>
-            </a:r>
-            <a:r>
-              <a:rPr lang="es-MX" sz="2800" dirty="0" smtClean="0">
-                <a:solidFill>
-                  <a:srgbClr val="042252"/>
-                </a:solidFill>
-                <a:latin typeface="Roboto Slab" pitchFamily="2" charset="0"/>
-                <a:ea typeface="Roboto Slab" pitchFamily="2" charset="0"/>
-              </a:rPr>
-              <a:t>02</a:t>
+              <a:t>Ejercicio 02</a:t>
             </a:r>
             <a:endParaRPr lang="es-MX" sz="2800" dirty="0">
               <a:solidFill>
@@ -5583,8 +4860,31 @@
         </p:blipFill>
         <p:spPr>
           <a:xfrm>
-            <a:off x="2503975" y="1907001"/>
-            <a:ext cx="6264798" cy="3895921"/>
+            <a:off x="6865663" y="1880184"/>
+            <a:ext cx="5096603" cy="3169450"/>
+          </a:xfrm>
+          <a:prstGeom prst="rect">
+            <a:avLst/>
+          </a:prstGeom>
+        </p:spPr>
+      </p:pic>
+      <p:pic>
+        <p:nvPicPr>
+          <p:cNvPr id="3" name="Imagen 2"/>
+          <p:cNvPicPr>
+            <a:picLocks noChangeAspect="1"/>
+          </p:cNvPicPr>
+          <p:nvPr/>
+        </p:nvPicPr>
+        <p:blipFill rotWithShape="1">
+          <a:blip r:embed="rId5"/>
+          <a:srcRect l="14538" t="9781" r="60934" b="27142"/>
+          <a:stretch/>
+        </p:blipFill>
+        <p:spPr>
+          <a:xfrm>
+            <a:off x="959638" y="1463152"/>
+            <a:ext cx="3292322" cy="4762679"/>
           </a:xfrm>
           <a:prstGeom prst="rect">
             <a:avLst/>
@@ -5595,6 +4895,3377 @@
     <p:extLst>
       <p:ext uri="{BB962C8B-B14F-4D97-AF65-F5344CB8AC3E}">
         <p14:creationId xmlns:p14="http://schemas.microsoft.com/office/powerpoint/2010/main" val="4231450824"/>
+      </p:ext>
+    </p:extLst>
+  </p:cSld>
+  <p:clrMapOvr>
+    <a:masterClrMapping/>
+  </p:clrMapOvr>
+  <p:timing>
+    <p:tnLst>
+      <p:par>
+        <p:cTn id="1" dur="indefinite" restart="never" nodeType="tmRoot"/>
+      </p:par>
+    </p:tnLst>
+  </p:timing>
+</p:sld>
+</file>
+
+<file path=ppt/slides/slide13.xml><?xml version="1.0" encoding="utf-8"?>
+<p:sld xmlns:a="http://schemas.openxmlformats.org/drawingml/2006/main" xmlns:r="http://schemas.openxmlformats.org/officeDocument/2006/relationships" xmlns:p="http://schemas.openxmlformats.org/presentationml/2006/main">
+  <p:cSld>
+    <p:spTree>
+      <p:nvGrpSpPr>
+        <p:cNvPr id="1" name=""/>
+        <p:cNvGrpSpPr/>
+        <p:nvPr/>
+      </p:nvGrpSpPr>
+      <p:grpSpPr>
+        <a:xfrm>
+          <a:off x="0" y="0"/>
+          <a:ext cx="0" cy="0"/>
+          <a:chOff x="0" y="0"/>
+          <a:chExt cx="0" cy="0"/>
+        </a:xfrm>
+      </p:grpSpPr>
+      <p:sp>
+        <p:nvSpPr>
+          <p:cNvPr id="2" name="CuadroTexto 1"/>
+          <p:cNvSpPr txBox="1"/>
+          <p:nvPr/>
+        </p:nvSpPr>
+        <p:spPr>
+          <a:xfrm>
+            <a:off x="273465" y="212168"/>
+            <a:ext cx="7598535" cy="646331"/>
+          </a:xfrm>
+          <a:prstGeom prst="rect">
+            <a:avLst/>
+          </a:prstGeom>
+          <a:noFill/>
+        </p:spPr>
+        <p:txBody>
+          <a:bodyPr wrap="square" rtlCol="0">
+            <a:spAutoFit/>
+          </a:bodyPr>
+          <a:lstStyle/>
+          <a:p>
+            <a:r>
+              <a:rPr lang="es-ES" sz="3600" dirty="0" smtClean="0">
+                <a:latin typeface="Roboto" panose="02000000000000000000" pitchFamily="2" charset="0"/>
+                <a:ea typeface="Roboto" panose="02000000000000000000" pitchFamily="2" charset="0"/>
+              </a:rPr>
+              <a:t>Introducción </a:t>
+            </a:r>
+            <a:r>
+              <a:rPr lang="es-ES" sz="3600" dirty="0">
+                <a:latin typeface="Roboto" panose="02000000000000000000" pitchFamily="2" charset="0"/>
+                <a:ea typeface="Roboto" panose="02000000000000000000" pitchFamily="2" charset="0"/>
+              </a:rPr>
+              <a:t>a Microsoft </a:t>
+            </a:r>
+            <a:r>
+              <a:rPr lang="es-ES" sz="3600" dirty="0" err="1">
+                <a:latin typeface="Roboto" panose="02000000000000000000" pitchFamily="2" charset="0"/>
+                <a:ea typeface="Roboto" panose="02000000000000000000" pitchFamily="2" charset="0"/>
+              </a:rPr>
+              <a:t>Azure</a:t>
+            </a:r>
+            <a:r>
+              <a:rPr lang="es-ES" sz="3600" dirty="0">
+                <a:latin typeface="Roboto" panose="02000000000000000000" pitchFamily="2" charset="0"/>
+                <a:ea typeface="Roboto" panose="02000000000000000000" pitchFamily="2" charset="0"/>
+              </a:rPr>
+              <a:t> </a:t>
+            </a:r>
+            <a:r>
+              <a:rPr lang="es-ES" sz="3600" dirty="0" err="1">
+                <a:latin typeface="Roboto" panose="02000000000000000000" pitchFamily="2" charset="0"/>
+                <a:ea typeface="Roboto" panose="02000000000000000000" pitchFamily="2" charset="0"/>
+              </a:rPr>
+              <a:t>IoT</a:t>
+            </a:r>
+            <a:endParaRPr lang="es-MX" sz="3600" dirty="0">
+              <a:latin typeface="Roboto" panose="02000000000000000000" pitchFamily="2" charset="0"/>
+              <a:ea typeface="Roboto" panose="02000000000000000000" pitchFamily="2" charset="0"/>
+            </a:endParaRPr>
+          </a:p>
+        </p:txBody>
+      </p:sp>
+      <p:sp>
+        <p:nvSpPr>
+          <p:cNvPr id="10" name="CuadroTexto 9"/>
+          <p:cNvSpPr txBox="1"/>
+          <p:nvPr/>
+        </p:nvSpPr>
+        <p:spPr>
+          <a:xfrm>
+            <a:off x="346617" y="992762"/>
+            <a:ext cx="11265818" cy="523220"/>
+          </a:xfrm>
+          <a:prstGeom prst="rect">
+            <a:avLst/>
+          </a:prstGeom>
+          <a:noFill/>
+        </p:spPr>
+        <p:txBody>
+          <a:bodyPr wrap="square" rtlCol="0">
+            <a:spAutoFit/>
+          </a:bodyPr>
+          <a:lstStyle/>
+          <a:p>
+            <a:r>
+              <a:rPr lang="es-MX" sz="2800" dirty="0" smtClean="0">
+                <a:solidFill>
+                  <a:srgbClr val="042252"/>
+                </a:solidFill>
+                <a:latin typeface="Roboto Slab" pitchFamily="2" charset="0"/>
+                <a:ea typeface="Roboto Slab" pitchFamily="2" charset="0"/>
+              </a:rPr>
+              <a:t>Ejercicio 03</a:t>
+            </a:r>
+            <a:endParaRPr lang="es-MX" sz="2800" dirty="0">
+              <a:solidFill>
+                <a:srgbClr val="042252"/>
+              </a:solidFill>
+              <a:latin typeface="Roboto Slab" pitchFamily="2" charset="0"/>
+              <a:ea typeface="Roboto Slab" pitchFamily="2" charset="0"/>
+            </a:endParaRPr>
+          </a:p>
+        </p:txBody>
+      </p:sp>
+      <p:sp>
+        <p:nvSpPr>
+          <p:cNvPr id="11" name="Rectángulo 10"/>
+          <p:cNvSpPr/>
+          <p:nvPr/>
+        </p:nvSpPr>
+        <p:spPr>
+          <a:xfrm>
+            <a:off x="7872000" y="0"/>
+            <a:ext cx="4320000" cy="720000"/>
+          </a:xfrm>
+          <a:prstGeom prst="rect">
+            <a:avLst/>
+          </a:prstGeom>
+          <a:solidFill>
+            <a:srgbClr val="042252"/>
+          </a:solidFill>
+          <a:ln>
+            <a:noFill/>
+          </a:ln>
+        </p:spPr>
+        <p:style>
+          <a:lnRef idx="2">
+            <a:schemeClr val="accent1">
+              <a:shade val="50000"/>
+            </a:schemeClr>
+          </a:lnRef>
+          <a:fillRef idx="1">
+            <a:schemeClr val="accent1"/>
+          </a:fillRef>
+          <a:effectRef idx="0">
+            <a:schemeClr val="accent1"/>
+          </a:effectRef>
+          <a:fontRef idx="minor">
+            <a:schemeClr val="lt1"/>
+          </a:fontRef>
+        </p:style>
+        <p:txBody>
+          <a:bodyPr rtlCol="0" anchor="ctr"/>
+          <a:lstStyle/>
+          <a:p>
+            <a:pPr algn="r"/>
+            <a:fld id="{A7FA9133-ACFE-4DD5-9EEB-90E0F3C4BA55}" type="slidenum">
+              <a:rPr lang="es-MX" smtClean="0">
+                <a:latin typeface="Roboto" panose="02000000000000000000" pitchFamily="2" charset="0"/>
+                <a:ea typeface="Roboto" panose="02000000000000000000" pitchFamily="2" charset="0"/>
+              </a:rPr>
+              <a:pPr algn="r"/>
+              <a:t>13</a:t>
+            </a:fld>
+            <a:endParaRPr lang="es-MX" dirty="0">
+              <a:latin typeface="Roboto" panose="02000000000000000000" pitchFamily="2" charset="0"/>
+              <a:ea typeface="Roboto" panose="02000000000000000000" pitchFamily="2" charset="0"/>
+            </a:endParaRPr>
+          </a:p>
+        </p:txBody>
+      </p:sp>
+      <p:sp>
+        <p:nvSpPr>
+          <p:cNvPr id="13" name="Rectángulo 12"/>
+          <p:cNvSpPr/>
+          <p:nvPr/>
+        </p:nvSpPr>
+        <p:spPr>
+          <a:xfrm>
+            <a:off x="0" y="6138000"/>
+            <a:ext cx="4320000" cy="720000"/>
+          </a:xfrm>
+          <a:prstGeom prst="rect">
+            <a:avLst/>
+          </a:prstGeom>
+          <a:solidFill>
+            <a:srgbClr val="042252"/>
+          </a:solidFill>
+          <a:ln>
+            <a:noFill/>
+          </a:ln>
+        </p:spPr>
+        <p:style>
+          <a:lnRef idx="2">
+            <a:schemeClr val="accent1">
+              <a:shade val="50000"/>
+            </a:schemeClr>
+          </a:lnRef>
+          <a:fillRef idx="1">
+            <a:schemeClr val="accent1"/>
+          </a:fillRef>
+          <a:effectRef idx="0">
+            <a:schemeClr val="accent1"/>
+          </a:effectRef>
+          <a:fontRef idx="minor">
+            <a:schemeClr val="lt1"/>
+          </a:fontRef>
+        </p:style>
+        <p:txBody>
+          <a:bodyPr rtlCol="0" anchor="ctr"/>
+          <a:lstStyle/>
+          <a:p>
+            <a:pPr algn="ctr"/>
+            <a:endParaRPr lang="es-MX"/>
+          </a:p>
+        </p:txBody>
+      </p:sp>
+      <p:pic>
+        <p:nvPicPr>
+          <p:cNvPr id="17" name="Imagen 16"/>
+          <p:cNvPicPr>
+            <a:picLocks noChangeAspect="1"/>
+          </p:cNvPicPr>
+          <p:nvPr/>
+        </p:nvPicPr>
+        <p:blipFill>
+          <a:blip r:embed="rId2" cstate="print">
+            <a:extLst>
+              <a:ext uri="{28A0092B-C50C-407E-A947-70E740481C1C}">
+                <a14:useLocalDpi xmlns:a14="http://schemas.microsoft.com/office/drawing/2010/main" val="0"/>
+              </a:ext>
+            </a:extLst>
+          </a:blip>
+          <a:stretch>
+            <a:fillRect/>
+          </a:stretch>
+        </p:blipFill>
+        <p:spPr>
+          <a:xfrm>
+            <a:off x="4653497" y="6230167"/>
+            <a:ext cx="535665" cy="535665"/>
+          </a:xfrm>
+          <a:prstGeom prst="rect">
+            <a:avLst/>
+          </a:prstGeom>
+        </p:spPr>
+      </p:pic>
+      <p:pic>
+        <p:nvPicPr>
+          <p:cNvPr id="8" name="Imagen 7"/>
+          <p:cNvPicPr>
+            <a:picLocks noChangeAspect="1"/>
+          </p:cNvPicPr>
+          <p:nvPr/>
+        </p:nvPicPr>
+        <p:blipFill>
+          <a:blip r:embed="rId3" cstate="print">
+            <a:extLst>
+              <a:ext uri="{28A0092B-C50C-407E-A947-70E740481C1C}">
+                <a14:useLocalDpi xmlns:a14="http://schemas.microsoft.com/office/drawing/2010/main" val="0"/>
+              </a:ext>
+            </a:extLst>
+          </a:blip>
+          <a:stretch>
+            <a:fillRect/>
+          </a:stretch>
+        </p:blipFill>
+        <p:spPr>
+          <a:xfrm>
+            <a:off x="5366374" y="6225832"/>
+            <a:ext cx="540000" cy="540000"/>
+          </a:xfrm>
+          <a:prstGeom prst="rect">
+            <a:avLst/>
+          </a:prstGeom>
+        </p:spPr>
+      </p:pic>
+      <p:pic>
+        <p:nvPicPr>
+          <p:cNvPr id="3" name="Imagen 2"/>
+          <p:cNvPicPr>
+            <a:picLocks noChangeAspect="1"/>
+          </p:cNvPicPr>
+          <p:nvPr/>
+        </p:nvPicPr>
+        <p:blipFill>
+          <a:blip r:embed="rId4" cstate="print">
+            <a:extLst>
+              <a:ext uri="{28A0092B-C50C-407E-A947-70E740481C1C}">
+                <a14:useLocalDpi xmlns:a14="http://schemas.microsoft.com/office/drawing/2010/main" val="0"/>
+              </a:ext>
+            </a:extLst>
+          </a:blip>
+          <a:stretch>
+            <a:fillRect/>
+          </a:stretch>
+        </p:blipFill>
+        <p:spPr>
+          <a:xfrm>
+            <a:off x="7723544" y="858499"/>
+            <a:ext cx="3660736" cy="5250753"/>
+          </a:xfrm>
+          <a:prstGeom prst="rect">
+            <a:avLst/>
+          </a:prstGeom>
+        </p:spPr>
+      </p:pic>
+      <p:pic>
+        <p:nvPicPr>
+          <p:cNvPr id="6" name="Imagen 5"/>
+          <p:cNvPicPr>
+            <a:picLocks noChangeAspect="1"/>
+          </p:cNvPicPr>
+          <p:nvPr/>
+        </p:nvPicPr>
+        <p:blipFill rotWithShape="1">
+          <a:blip r:embed="rId5"/>
+          <a:srcRect l="14749" t="9489" r="64859" b="38095"/>
+          <a:stretch/>
+        </p:blipFill>
+        <p:spPr>
+          <a:xfrm>
+            <a:off x="1591056" y="1422911"/>
+            <a:ext cx="3264408" cy="4719877"/>
+          </a:xfrm>
+          <a:prstGeom prst="rect">
+            <a:avLst/>
+          </a:prstGeom>
+        </p:spPr>
+      </p:pic>
+    </p:spTree>
+    <p:extLst>
+      <p:ext uri="{BB962C8B-B14F-4D97-AF65-F5344CB8AC3E}">
+        <p14:creationId xmlns:p14="http://schemas.microsoft.com/office/powerpoint/2010/main" val="3261641418"/>
+      </p:ext>
+    </p:extLst>
+  </p:cSld>
+  <p:clrMapOvr>
+    <a:masterClrMapping/>
+  </p:clrMapOvr>
+  <p:timing>
+    <p:tnLst>
+      <p:par>
+        <p:cTn id="1" dur="indefinite" restart="never" nodeType="tmRoot"/>
+      </p:par>
+    </p:tnLst>
+  </p:timing>
+</p:sld>
+</file>
+
+<file path=ppt/slides/slide14.xml><?xml version="1.0" encoding="utf-8"?>
+<p:sld xmlns:a="http://schemas.openxmlformats.org/drawingml/2006/main" xmlns:r="http://schemas.openxmlformats.org/officeDocument/2006/relationships" xmlns:p="http://schemas.openxmlformats.org/presentationml/2006/main">
+  <p:cSld>
+    <p:spTree>
+      <p:nvGrpSpPr>
+        <p:cNvPr id="1" name=""/>
+        <p:cNvGrpSpPr/>
+        <p:nvPr/>
+      </p:nvGrpSpPr>
+      <p:grpSpPr>
+        <a:xfrm>
+          <a:off x="0" y="0"/>
+          <a:ext cx="0" cy="0"/>
+          <a:chOff x="0" y="0"/>
+          <a:chExt cx="0" cy="0"/>
+        </a:xfrm>
+      </p:grpSpPr>
+      <p:sp>
+        <p:nvSpPr>
+          <p:cNvPr id="2" name="CuadroTexto 1"/>
+          <p:cNvSpPr txBox="1"/>
+          <p:nvPr/>
+        </p:nvSpPr>
+        <p:spPr>
+          <a:xfrm>
+            <a:off x="273465" y="212168"/>
+            <a:ext cx="7598535" cy="646331"/>
+          </a:xfrm>
+          <a:prstGeom prst="rect">
+            <a:avLst/>
+          </a:prstGeom>
+          <a:noFill/>
+        </p:spPr>
+        <p:txBody>
+          <a:bodyPr wrap="square" rtlCol="0">
+            <a:spAutoFit/>
+          </a:bodyPr>
+          <a:lstStyle/>
+          <a:p>
+            <a:r>
+              <a:rPr lang="es-ES" sz="3600" dirty="0" smtClean="0">
+                <a:latin typeface="Roboto" panose="02000000000000000000" pitchFamily="2" charset="0"/>
+                <a:ea typeface="Roboto" panose="02000000000000000000" pitchFamily="2" charset="0"/>
+              </a:rPr>
+              <a:t>Introducción </a:t>
+            </a:r>
+            <a:r>
+              <a:rPr lang="es-ES" sz="3600" dirty="0">
+                <a:latin typeface="Roboto" panose="02000000000000000000" pitchFamily="2" charset="0"/>
+                <a:ea typeface="Roboto" panose="02000000000000000000" pitchFamily="2" charset="0"/>
+              </a:rPr>
+              <a:t>a Microsoft </a:t>
+            </a:r>
+            <a:r>
+              <a:rPr lang="es-ES" sz="3600" dirty="0" err="1">
+                <a:latin typeface="Roboto" panose="02000000000000000000" pitchFamily="2" charset="0"/>
+                <a:ea typeface="Roboto" panose="02000000000000000000" pitchFamily="2" charset="0"/>
+              </a:rPr>
+              <a:t>Azure</a:t>
+            </a:r>
+            <a:r>
+              <a:rPr lang="es-ES" sz="3600" dirty="0">
+                <a:latin typeface="Roboto" panose="02000000000000000000" pitchFamily="2" charset="0"/>
+                <a:ea typeface="Roboto" panose="02000000000000000000" pitchFamily="2" charset="0"/>
+              </a:rPr>
+              <a:t> </a:t>
+            </a:r>
+            <a:r>
+              <a:rPr lang="es-ES" sz="3600" dirty="0" err="1">
+                <a:latin typeface="Roboto" panose="02000000000000000000" pitchFamily="2" charset="0"/>
+                <a:ea typeface="Roboto" panose="02000000000000000000" pitchFamily="2" charset="0"/>
+              </a:rPr>
+              <a:t>IoT</a:t>
+            </a:r>
+            <a:endParaRPr lang="es-MX" sz="3600" dirty="0">
+              <a:latin typeface="Roboto" panose="02000000000000000000" pitchFamily="2" charset="0"/>
+              <a:ea typeface="Roboto" panose="02000000000000000000" pitchFamily="2" charset="0"/>
+            </a:endParaRPr>
+          </a:p>
+        </p:txBody>
+      </p:sp>
+      <p:sp>
+        <p:nvSpPr>
+          <p:cNvPr id="10" name="CuadroTexto 9"/>
+          <p:cNvSpPr txBox="1"/>
+          <p:nvPr/>
+        </p:nvSpPr>
+        <p:spPr>
+          <a:xfrm>
+            <a:off x="346617" y="992762"/>
+            <a:ext cx="11265818" cy="523220"/>
+          </a:xfrm>
+          <a:prstGeom prst="rect">
+            <a:avLst/>
+          </a:prstGeom>
+          <a:noFill/>
+        </p:spPr>
+        <p:txBody>
+          <a:bodyPr wrap="square" rtlCol="0">
+            <a:spAutoFit/>
+          </a:bodyPr>
+          <a:lstStyle/>
+          <a:p>
+            <a:r>
+              <a:rPr lang="es-MX" sz="2800" dirty="0" smtClean="0">
+                <a:solidFill>
+                  <a:srgbClr val="042252"/>
+                </a:solidFill>
+                <a:latin typeface="Roboto Slab" pitchFamily="2" charset="0"/>
+                <a:ea typeface="Roboto Slab" pitchFamily="2" charset="0"/>
+              </a:rPr>
+              <a:t>Ejercicio </a:t>
+            </a:r>
+            <a:r>
+              <a:rPr lang="es-MX" sz="2800" dirty="0" smtClean="0">
+                <a:solidFill>
+                  <a:srgbClr val="042252"/>
+                </a:solidFill>
+                <a:latin typeface="Roboto Slab" pitchFamily="2" charset="0"/>
+                <a:ea typeface="Roboto Slab" pitchFamily="2" charset="0"/>
+              </a:rPr>
+              <a:t>04</a:t>
+            </a:r>
+            <a:endParaRPr lang="es-MX" sz="2800" dirty="0">
+              <a:solidFill>
+                <a:srgbClr val="042252"/>
+              </a:solidFill>
+              <a:latin typeface="Roboto Slab" pitchFamily="2" charset="0"/>
+              <a:ea typeface="Roboto Slab" pitchFamily="2" charset="0"/>
+            </a:endParaRPr>
+          </a:p>
+        </p:txBody>
+      </p:sp>
+      <p:sp>
+        <p:nvSpPr>
+          <p:cNvPr id="11" name="Rectángulo 10"/>
+          <p:cNvSpPr/>
+          <p:nvPr/>
+        </p:nvSpPr>
+        <p:spPr>
+          <a:xfrm>
+            <a:off x="7872000" y="0"/>
+            <a:ext cx="4320000" cy="720000"/>
+          </a:xfrm>
+          <a:prstGeom prst="rect">
+            <a:avLst/>
+          </a:prstGeom>
+          <a:solidFill>
+            <a:srgbClr val="042252"/>
+          </a:solidFill>
+          <a:ln>
+            <a:noFill/>
+          </a:ln>
+        </p:spPr>
+        <p:style>
+          <a:lnRef idx="2">
+            <a:schemeClr val="accent1">
+              <a:shade val="50000"/>
+            </a:schemeClr>
+          </a:lnRef>
+          <a:fillRef idx="1">
+            <a:schemeClr val="accent1"/>
+          </a:fillRef>
+          <a:effectRef idx="0">
+            <a:schemeClr val="accent1"/>
+          </a:effectRef>
+          <a:fontRef idx="minor">
+            <a:schemeClr val="lt1"/>
+          </a:fontRef>
+        </p:style>
+        <p:txBody>
+          <a:bodyPr rtlCol="0" anchor="ctr"/>
+          <a:lstStyle/>
+          <a:p>
+            <a:pPr algn="r"/>
+            <a:fld id="{A7FA9133-ACFE-4DD5-9EEB-90E0F3C4BA55}" type="slidenum">
+              <a:rPr lang="es-MX" smtClean="0">
+                <a:latin typeface="Roboto" panose="02000000000000000000" pitchFamily="2" charset="0"/>
+                <a:ea typeface="Roboto" panose="02000000000000000000" pitchFamily="2" charset="0"/>
+              </a:rPr>
+              <a:pPr algn="r"/>
+              <a:t>14</a:t>
+            </a:fld>
+            <a:endParaRPr lang="es-MX" dirty="0">
+              <a:latin typeface="Roboto" panose="02000000000000000000" pitchFamily="2" charset="0"/>
+              <a:ea typeface="Roboto" panose="02000000000000000000" pitchFamily="2" charset="0"/>
+            </a:endParaRPr>
+          </a:p>
+        </p:txBody>
+      </p:sp>
+      <p:sp>
+        <p:nvSpPr>
+          <p:cNvPr id="13" name="Rectángulo 12"/>
+          <p:cNvSpPr/>
+          <p:nvPr/>
+        </p:nvSpPr>
+        <p:spPr>
+          <a:xfrm>
+            <a:off x="0" y="6138000"/>
+            <a:ext cx="4320000" cy="720000"/>
+          </a:xfrm>
+          <a:prstGeom prst="rect">
+            <a:avLst/>
+          </a:prstGeom>
+          <a:solidFill>
+            <a:srgbClr val="042252"/>
+          </a:solidFill>
+          <a:ln>
+            <a:noFill/>
+          </a:ln>
+        </p:spPr>
+        <p:style>
+          <a:lnRef idx="2">
+            <a:schemeClr val="accent1">
+              <a:shade val="50000"/>
+            </a:schemeClr>
+          </a:lnRef>
+          <a:fillRef idx="1">
+            <a:schemeClr val="accent1"/>
+          </a:fillRef>
+          <a:effectRef idx="0">
+            <a:schemeClr val="accent1"/>
+          </a:effectRef>
+          <a:fontRef idx="minor">
+            <a:schemeClr val="lt1"/>
+          </a:fontRef>
+        </p:style>
+        <p:txBody>
+          <a:bodyPr rtlCol="0" anchor="ctr"/>
+          <a:lstStyle/>
+          <a:p>
+            <a:pPr algn="ctr"/>
+            <a:endParaRPr lang="es-MX"/>
+          </a:p>
+        </p:txBody>
+      </p:sp>
+      <p:pic>
+        <p:nvPicPr>
+          <p:cNvPr id="17" name="Imagen 16"/>
+          <p:cNvPicPr>
+            <a:picLocks noChangeAspect="1"/>
+          </p:cNvPicPr>
+          <p:nvPr/>
+        </p:nvPicPr>
+        <p:blipFill>
+          <a:blip r:embed="rId2" cstate="print">
+            <a:extLst>
+              <a:ext uri="{28A0092B-C50C-407E-A947-70E740481C1C}">
+                <a14:useLocalDpi xmlns:a14="http://schemas.microsoft.com/office/drawing/2010/main" val="0"/>
+              </a:ext>
+            </a:extLst>
+          </a:blip>
+          <a:stretch>
+            <a:fillRect/>
+          </a:stretch>
+        </p:blipFill>
+        <p:spPr>
+          <a:xfrm>
+            <a:off x="4653497" y="6230167"/>
+            <a:ext cx="535665" cy="535665"/>
+          </a:xfrm>
+          <a:prstGeom prst="rect">
+            <a:avLst/>
+          </a:prstGeom>
+        </p:spPr>
+      </p:pic>
+      <p:pic>
+        <p:nvPicPr>
+          <p:cNvPr id="8" name="Imagen 7"/>
+          <p:cNvPicPr>
+            <a:picLocks noChangeAspect="1"/>
+          </p:cNvPicPr>
+          <p:nvPr/>
+        </p:nvPicPr>
+        <p:blipFill>
+          <a:blip r:embed="rId3" cstate="print">
+            <a:extLst>
+              <a:ext uri="{28A0092B-C50C-407E-A947-70E740481C1C}">
+                <a14:useLocalDpi xmlns:a14="http://schemas.microsoft.com/office/drawing/2010/main" val="0"/>
+              </a:ext>
+            </a:extLst>
+          </a:blip>
+          <a:stretch>
+            <a:fillRect/>
+          </a:stretch>
+        </p:blipFill>
+        <p:spPr>
+          <a:xfrm>
+            <a:off x="5366374" y="6225832"/>
+            <a:ext cx="540000" cy="540000"/>
+          </a:xfrm>
+          <a:prstGeom prst="rect">
+            <a:avLst/>
+          </a:prstGeom>
+        </p:spPr>
+      </p:pic>
+      <p:pic>
+        <p:nvPicPr>
+          <p:cNvPr id="4" name="Imagen 3"/>
+          <p:cNvPicPr>
+            <a:picLocks noChangeAspect="1"/>
+          </p:cNvPicPr>
+          <p:nvPr/>
+        </p:nvPicPr>
+        <p:blipFill>
+          <a:blip r:embed="rId4" cstate="print">
+            <a:extLst>
+              <a:ext uri="{28A0092B-C50C-407E-A947-70E740481C1C}">
+                <a14:useLocalDpi xmlns:a14="http://schemas.microsoft.com/office/drawing/2010/main" val="0"/>
+              </a:ext>
+            </a:extLst>
+          </a:blip>
+          <a:stretch>
+            <a:fillRect/>
+          </a:stretch>
+        </p:blipFill>
+        <p:spPr>
+          <a:xfrm>
+            <a:off x="4072732" y="1131261"/>
+            <a:ext cx="4609717" cy="4966809"/>
+          </a:xfrm>
+          <a:prstGeom prst="rect">
+            <a:avLst/>
+          </a:prstGeom>
+        </p:spPr>
+      </p:pic>
+    </p:spTree>
+    <p:extLst>
+      <p:ext uri="{BB962C8B-B14F-4D97-AF65-F5344CB8AC3E}">
+        <p14:creationId xmlns:p14="http://schemas.microsoft.com/office/powerpoint/2010/main" val="3240989269"/>
+      </p:ext>
+    </p:extLst>
+  </p:cSld>
+  <p:clrMapOvr>
+    <a:masterClrMapping/>
+  </p:clrMapOvr>
+  <p:timing>
+    <p:tnLst>
+      <p:par>
+        <p:cTn id="1" dur="indefinite" restart="never" nodeType="tmRoot"/>
+      </p:par>
+    </p:tnLst>
+  </p:timing>
+</p:sld>
+</file>
+
+<file path=ppt/slides/slide15.xml><?xml version="1.0" encoding="utf-8"?>
+<p:sld xmlns:a="http://schemas.openxmlformats.org/drawingml/2006/main" xmlns:r="http://schemas.openxmlformats.org/officeDocument/2006/relationships" xmlns:p="http://schemas.openxmlformats.org/presentationml/2006/main">
+  <p:cSld>
+    <p:spTree>
+      <p:nvGrpSpPr>
+        <p:cNvPr id="1" name=""/>
+        <p:cNvGrpSpPr/>
+        <p:nvPr/>
+      </p:nvGrpSpPr>
+      <p:grpSpPr>
+        <a:xfrm>
+          <a:off x="0" y="0"/>
+          <a:ext cx="0" cy="0"/>
+          <a:chOff x="0" y="0"/>
+          <a:chExt cx="0" cy="0"/>
+        </a:xfrm>
+      </p:grpSpPr>
+      <p:sp>
+        <p:nvSpPr>
+          <p:cNvPr id="2" name="CuadroTexto 1"/>
+          <p:cNvSpPr txBox="1"/>
+          <p:nvPr/>
+        </p:nvSpPr>
+        <p:spPr>
+          <a:xfrm>
+            <a:off x="273465" y="212168"/>
+            <a:ext cx="7598535" cy="646331"/>
+          </a:xfrm>
+          <a:prstGeom prst="rect">
+            <a:avLst/>
+          </a:prstGeom>
+          <a:noFill/>
+        </p:spPr>
+        <p:txBody>
+          <a:bodyPr wrap="square" rtlCol="0">
+            <a:spAutoFit/>
+          </a:bodyPr>
+          <a:lstStyle/>
+          <a:p>
+            <a:r>
+              <a:rPr lang="es-ES" sz="3600" dirty="0" smtClean="0">
+                <a:latin typeface="Roboto" panose="02000000000000000000" pitchFamily="2" charset="0"/>
+                <a:ea typeface="Roboto" panose="02000000000000000000" pitchFamily="2" charset="0"/>
+              </a:rPr>
+              <a:t>Introducción </a:t>
+            </a:r>
+            <a:r>
+              <a:rPr lang="es-ES" sz="3600" dirty="0">
+                <a:latin typeface="Roboto" panose="02000000000000000000" pitchFamily="2" charset="0"/>
+                <a:ea typeface="Roboto" panose="02000000000000000000" pitchFamily="2" charset="0"/>
+              </a:rPr>
+              <a:t>a Microsoft </a:t>
+            </a:r>
+            <a:r>
+              <a:rPr lang="es-ES" sz="3600" dirty="0" err="1">
+                <a:latin typeface="Roboto" panose="02000000000000000000" pitchFamily="2" charset="0"/>
+                <a:ea typeface="Roboto" panose="02000000000000000000" pitchFamily="2" charset="0"/>
+              </a:rPr>
+              <a:t>Azure</a:t>
+            </a:r>
+            <a:r>
+              <a:rPr lang="es-ES" sz="3600" dirty="0">
+                <a:latin typeface="Roboto" panose="02000000000000000000" pitchFamily="2" charset="0"/>
+                <a:ea typeface="Roboto" panose="02000000000000000000" pitchFamily="2" charset="0"/>
+              </a:rPr>
+              <a:t> </a:t>
+            </a:r>
+            <a:r>
+              <a:rPr lang="es-ES" sz="3600" dirty="0" err="1">
+                <a:latin typeface="Roboto" panose="02000000000000000000" pitchFamily="2" charset="0"/>
+                <a:ea typeface="Roboto" panose="02000000000000000000" pitchFamily="2" charset="0"/>
+              </a:rPr>
+              <a:t>IoT</a:t>
+            </a:r>
+            <a:endParaRPr lang="es-MX" sz="3600" dirty="0">
+              <a:latin typeface="Roboto" panose="02000000000000000000" pitchFamily="2" charset="0"/>
+              <a:ea typeface="Roboto" panose="02000000000000000000" pitchFamily="2" charset="0"/>
+            </a:endParaRPr>
+          </a:p>
+        </p:txBody>
+      </p:sp>
+      <p:sp>
+        <p:nvSpPr>
+          <p:cNvPr id="10" name="CuadroTexto 9"/>
+          <p:cNvSpPr txBox="1"/>
+          <p:nvPr/>
+        </p:nvSpPr>
+        <p:spPr>
+          <a:xfrm>
+            <a:off x="346617" y="992762"/>
+            <a:ext cx="11265818" cy="523220"/>
+          </a:xfrm>
+          <a:prstGeom prst="rect">
+            <a:avLst/>
+          </a:prstGeom>
+          <a:noFill/>
+        </p:spPr>
+        <p:txBody>
+          <a:bodyPr wrap="square" rtlCol="0">
+            <a:spAutoFit/>
+          </a:bodyPr>
+          <a:lstStyle/>
+          <a:p>
+            <a:r>
+              <a:rPr lang="es-MX" sz="2800" dirty="0" smtClean="0">
+                <a:solidFill>
+                  <a:srgbClr val="042252"/>
+                </a:solidFill>
+                <a:latin typeface="Roboto Slab" pitchFamily="2" charset="0"/>
+                <a:ea typeface="Roboto Slab" pitchFamily="2" charset="0"/>
+              </a:rPr>
+              <a:t>Crear Recurso </a:t>
+            </a:r>
+            <a:r>
+              <a:rPr lang="es-MX" sz="2800" dirty="0" err="1" smtClean="0">
+                <a:solidFill>
+                  <a:srgbClr val="042252"/>
+                </a:solidFill>
+                <a:latin typeface="Roboto Slab" pitchFamily="2" charset="0"/>
+                <a:ea typeface="Roboto Slab" pitchFamily="2" charset="0"/>
+              </a:rPr>
+              <a:t>IoT</a:t>
+            </a:r>
+            <a:r>
+              <a:rPr lang="es-MX" sz="2800" dirty="0" smtClean="0">
+                <a:solidFill>
+                  <a:srgbClr val="042252"/>
+                </a:solidFill>
+                <a:latin typeface="Roboto Slab" pitchFamily="2" charset="0"/>
+                <a:ea typeface="Roboto Slab" pitchFamily="2" charset="0"/>
+              </a:rPr>
+              <a:t> </a:t>
+            </a:r>
+            <a:r>
+              <a:rPr lang="es-MX" sz="2800" dirty="0" err="1" smtClean="0">
+                <a:solidFill>
+                  <a:srgbClr val="042252"/>
+                </a:solidFill>
+                <a:latin typeface="Roboto Slab" pitchFamily="2" charset="0"/>
+                <a:ea typeface="Roboto Slab" pitchFamily="2" charset="0"/>
+              </a:rPr>
+              <a:t>Hub</a:t>
+            </a:r>
+            <a:endParaRPr lang="es-MX" sz="2800" dirty="0">
+              <a:solidFill>
+                <a:srgbClr val="042252"/>
+              </a:solidFill>
+              <a:latin typeface="Roboto Slab" pitchFamily="2" charset="0"/>
+              <a:ea typeface="Roboto Slab" pitchFamily="2" charset="0"/>
+            </a:endParaRPr>
+          </a:p>
+        </p:txBody>
+      </p:sp>
+      <p:sp>
+        <p:nvSpPr>
+          <p:cNvPr id="11" name="Rectángulo 10"/>
+          <p:cNvSpPr/>
+          <p:nvPr/>
+        </p:nvSpPr>
+        <p:spPr>
+          <a:xfrm>
+            <a:off x="7872000" y="0"/>
+            <a:ext cx="4320000" cy="720000"/>
+          </a:xfrm>
+          <a:prstGeom prst="rect">
+            <a:avLst/>
+          </a:prstGeom>
+          <a:solidFill>
+            <a:srgbClr val="042252"/>
+          </a:solidFill>
+          <a:ln>
+            <a:noFill/>
+          </a:ln>
+        </p:spPr>
+        <p:style>
+          <a:lnRef idx="2">
+            <a:schemeClr val="accent1">
+              <a:shade val="50000"/>
+            </a:schemeClr>
+          </a:lnRef>
+          <a:fillRef idx="1">
+            <a:schemeClr val="accent1"/>
+          </a:fillRef>
+          <a:effectRef idx="0">
+            <a:schemeClr val="accent1"/>
+          </a:effectRef>
+          <a:fontRef idx="minor">
+            <a:schemeClr val="lt1"/>
+          </a:fontRef>
+        </p:style>
+        <p:txBody>
+          <a:bodyPr rtlCol="0" anchor="ctr"/>
+          <a:lstStyle/>
+          <a:p>
+            <a:pPr algn="r"/>
+            <a:fld id="{A7FA9133-ACFE-4DD5-9EEB-90E0F3C4BA55}" type="slidenum">
+              <a:rPr lang="es-MX" smtClean="0">
+                <a:latin typeface="Roboto" panose="02000000000000000000" pitchFamily="2" charset="0"/>
+                <a:ea typeface="Roboto" panose="02000000000000000000" pitchFamily="2" charset="0"/>
+              </a:rPr>
+              <a:pPr algn="r"/>
+              <a:t>15</a:t>
+            </a:fld>
+            <a:endParaRPr lang="es-MX" dirty="0">
+              <a:latin typeface="Roboto" panose="02000000000000000000" pitchFamily="2" charset="0"/>
+              <a:ea typeface="Roboto" panose="02000000000000000000" pitchFamily="2" charset="0"/>
+            </a:endParaRPr>
+          </a:p>
+        </p:txBody>
+      </p:sp>
+      <p:sp>
+        <p:nvSpPr>
+          <p:cNvPr id="13" name="Rectángulo 12"/>
+          <p:cNvSpPr/>
+          <p:nvPr/>
+        </p:nvSpPr>
+        <p:spPr>
+          <a:xfrm>
+            <a:off x="0" y="6138000"/>
+            <a:ext cx="4320000" cy="720000"/>
+          </a:xfrm>
+          <a:prstGeom prst="rect">
+            <a:avLst/>
+          </a:prstGeom>
+          <a:solidFill>
+            <a:srgbClr val="042252"/>
+          </a:solidFill>
+          <a:ln>
+            <a:noFill/>
+          </a:ln>
+        </p:spPr>
+        <p:style>
+          <a:lnRef idx="2">
+            <a:schemeClr val="accent1">
+              <a:shade val="50000"/>
+            </a:schemeClr>
+          </a:lnRef>
+          <a:fillRef idx="1">
+            <a:schemeClr val="accent1"/>
+          </a:fillRef>
+          <a:effectRef idx="0">
+            <a:schemeClr val="accent1"/>
+          </a:effectRef>
+          <a:fontRef idx="minor">
+            <a:schemeClr val="lt1"/>
+          </a:fontRef>
+        </p:style>
+        <p:txBody>
+          <a:bodyPr rtlCol="0" anchor="ctr"/>
+          <a:lstStyle/>
+          <a:p>
+            <a:pPr algn="ctr"/>
+            <a:endParaRPr lang="es-MX"/>
+          </a:p>
+        </p:txBody>
+      </p:sp>
+      <p:pic>
+        <p:nvPicPr>
+          <p:cNvPr id="17" name="Imagen 16"/>
+          <p:cNvPicPr>
+            <a:picLocks noChangeAspect="1"/>
+          </p:cNvPicPr>
+          <p:nvPr/>
+        </p:nvPicPr>
+        <p:blipFill>
+          <a:blip r:embed="rId2" cstate="print">
+            <a:extLst>
+              <a:ext uri="{28A0092B-C50C-407E-A947-70E740481C1C}">
+                <a14:useLocalDpi xmlns:a14="http://schemas.microsoft.com/office/drawing/2010/main" val="0"/>
+              </a:ext>
+            </a:extLst>
+          </a:blip>
+          <a:stretch>
+            <a:fillRect/>
+          </a:stretch>
+        </p:blipFill>
+        <p:spPr>
+          <a:xfrm>
+            <a:off x="4653497" y="6230167"/>
+            <a:ext cx="535665" cy="535665"/>
+          </a:xfrm>
+          <a:prstGeom prst="rect">
+            <a:avLst/>
+          </a:prstGeom>
+        </p:spPr>
+      </p:pic>
+      <p:pic>
+        <p:nvPicPr>
+          <p:cNvPr id="8" name="Imagen 7"/>
+          <p:cNvPicPr>
+            <a:picLocks noChangeAspect="1"/>
+          </p:cNvPicPr>
+          <p:nvPr/>
+        </p:nvPicPr>
+        <p:blipFill>
+          <a:blip r:embed="rId3" cstate="print">
+            <a:extLst>
+              <a:ext uri="{28A0092B-C50C-407E-A947-70E740481C1C}">
+                <a14:useLocalDpi xmlns:a14="http://schemas.microsoft.com/office/drawing/2010/main" val="0"/>
+              </a:ext>
+            </a:extLst>
+          </a:blip>
+          <a:stretch>
+            <a:fillRect/>
+          </a:stretch>
+        </p:blipFill>
+        <p:spPr>
+          <a:xfrm>
+            <a:off x="5366374" y="6225832"/>
+            <a:ext cx="540000" cy="540000"/>
+          </a:xfrm>
+          <a:prstGeom prst="rect">
+            <a:avLst/>
+          </a:prstGeom>
+        </p:spPr>
+      </p:pic>
+      <p:pic>
+        <p:nvPicPr>
+          <p:cNvPr id="3" name="Imagen 2"/>
+          <p:cNvPicPr>
+            <a:picLocks noChangeAspect="1"/>
+          </p:cNvPicPr>
+          <p:nvPr/>
+        </p:nvPicPr>
+        <p:blipFill rotWithShape="1">
+          <a:blip r:embed="rId4"/>
+          <a:srcRect t="24509" r="45583" b="33158"/>
+          <a:stretch/>
+        </p:blipFill>
+        <p:spPr>
+          <a:xfrm>
+            <a:off x="1481124" y="1679600"/>
+            <a:ext cx="9107628" cy="3800917"/>
+          </a:xfrm>
+          <a:prstGeom prst="rect">
+            <a:avLst/>
+          </a:prstGeom>
+        </p:spPr>
+      </p:pic>
+    </p:spTree>
+    <p:extLst>
+      <p:ext uri="{BB962C8B-B14F-4D97-AF65-F5344CB8AC3E}">
+        <p14:creationId xmlns:p14="http://schemas.microsoft.com/office/powerpoint/2010/main" val="963699464"/>
+      </p:ext>
+    </p:extLst>
+  </p:cSld>
+  <p:clrMapOvr>
+    <a:masterClrMapping/>
+  </p:clrMapOvr>
+  <p:timing>
+    <p:tnLst>
+      <p:par>
+        <p:cTn id="1" dur="indefinite" restart="never" nodeType="tmRoot"/>
+      </p:par>
+    </p:tnLst>
+  </p:timing>
+</p:sld>
+</file>
+
+<file path=ppt/slides/slide16.xml><?xml version="1.0" encoding="utf-8"?>
+<p:sld xmlns:a="http://schemas.openxmlformats.org/drawingml/2006/main" xmlns:r="http://schemas.openxmlformats.org/officeDocument/2006/relationships" xmlns:p="http://schemas.openxmlformats.org/presentationml/2006/main">
+  <p:cSld>
+    <p:spTree>
+      <p:nvGrpSpPr>
+        <p:cNvPr id="1" name=""/>
+        <p:cNvGrpSpPr/>
+        <p:nvPr/>
+      </p:nvGrpSpPr>
+      <p:grpSpPr>
+        <a:xfrm>
+          <a:off x="0" y="0"/>
+          <a:ext cx="0" cy="0"/>
+          <a:chOff x="0" y="0"/>
+          <a:chExt cx="0" cy="0"/>
+        </a:xfrm>
+      </p:grpSpPr>
+      <p:sp>
+        <p:nvSpPr>
+          <p:cNvPr id="2" name="CuadroTexto 1"/>
+          <p:cNvSpPr txBox="1"/>
+          <p:nvPr/>
+        </p:nvSpPr>
+        <p:spPr>
+          <a:xfrm>
+            <a:off x="273465" y="212168"/>
+            <a:ext cx="7598535" cy="646331"/>
+          </a:xfrm>
+          <a:prstGeom prst="rect">
+            <a:avLst/>
+          </a:prstGeom>
+          <a:noFill/>
+        </p:spPr>
+        <p:txBody>
+          <a:bodyPr wrap="square" rtlCol="0">
+            <a:spAutoFit/>
+          </a:bodyPr>
+          <a:lstStyle/>
+          <a:p>
+            <a:r>
+              <a:rPr lang="es-ES" sz="3600" dirty="0" smtClean="0">
+                <a:latin typeface="Roboto" panose="02000000000000000000" pitchFamily="2" charset="0"/>
+                <a:ea typeface="Roboto" panose="02000000000000000000" pitchFamily="2" charset="0"/>
+              </a:rPr>
+              <a:t>Introducción </a:t>
+            </a:r>
+            <a:r>
+              <a:rPr lang="es-ES" sz="3600" dirty="0">
+                <a:latin typeface="Roboto" panose="02000000000000000000" pitchFamily="2" charset="0"/>
+                <a:ea typeface="Roboto" panose="02000000000000000000" pitchFamily="2" charset="0"/>
+              </a:rPr>
+              <a:t>a Microsoft </a:t>
+            </a:r>
+            <a:r>
+              <a:rPr lang="es-ES" sz="3600" dirty="0" err="1">
+                <a:latin typeface="Roboto" panose="02000000000000000000" pitchFamily="2" charset="0"/>
+                <a:ea typeface="Roboto" panose="02000000000000000000" pitchFamily="2" charset="0"/>
+              </a:rPr>
+              <a:t>Azure</a:t>
+            </a:r>
+            <a:r>
+              <a:rPr lang="es-ES" sz="3600" dirty="0">
+                <a:latin typeface="Roboto" panose="02000000000000000000" pitchFamily="2" charset="0"/>
+                <a:ea typeface="Roboto" panose="02000000000000000000" pitchFamily="2" charset="0"/>
+              </a:rPr>
+              <a:t> </a:t>
+            </a:r>
+            <a:r>
+              <a:rPr lang="es-ES" sz="3600" dirty="0" err="1">
+                <a:latin typeface="Roboto" panose="02000000000000000000" pitchFamily="2" charset="0"/>
+                <a:ea typeface="Roboto" panose="02000000000000000000" pitchFamily="2" charset="0"/>
+              </a:rPr>
+              <a:t>IoT</a:t>
+            </a:r>
+            <a:endParaRPr lang="es-MX" sz="3600" dirty="0">
+              <a:latin typeface="Roboto" panose="02000000000000000000" pitchFamily="2" charset="0"/>
+              <a:ea typeface="Roboto" panose="02000000000000000000" pitchFamily="2" charset="0"/>
+            </a:endParaRPr>
+          </a:p>
+        </p:txBody>
+      </p:sp>
+      <p:sp>
+        <p:nvSpPr>
+          <p:cNvPr id="10" name="CuadroTexto 9"/>
+          <p:cNvSpPr txBox="1"/>
+          <p:nvPr/>
+        </p:nvSpPr>
+        <p:spPr>
+          <a:xfrm>
+            <a:off x="346617" y="992762"/>
+            <a:ext cx="11265818" cy="523220"/>
+          </a:xfrm>
+          <a:prstGeom prst="rect">
+            <a:avLst/>
+          </a:prstGeom>
+          <a:noFill/>
+        </p:spPr>
+        <p:txBody>
+          <a:bodyPr wrap="square" rtlCol="0">
+            <a:spAutoFit/>
+          </a:bodyPr>
+          <a:lstStyle/>
+          <a:p>
+            <a:r>
+              <a:rPr lang="es-MX" sz="2800" dirty="0" smtClean="0">
+                <a:solidFill>
+                  <a:srgbClr val="042252"/>
+                </a:solidFill>
+                <a:latin typeface="Roboto Slab" pitchFamily="2" charset="0"/>
+                <a:ea typeface="Roboto Slab" pitchFamily="2" charset="0"/>
+              </a:rPr>
+              <a:t>Crear Recurso </a:t>
+            </a:r>
+            <a:r>
+              <a:rPr lang="es-MX" sz="2800" dirty="0" err="1" smtClean="0">
+                <a:solidFill>
+                  <a:srgbClr val="042252"/>
+                </a:solidFill>
+                <a:latin typeface="Roboto Slab" pitchFamily="2" charset="0"/>
+                <a:ea typeface="Roboto Slab" pitchFamily="2" charset="0"/>
+              </a:rPr>
+              <a:t>IoT</a:t>
+            </a:r>
+            <a:r>
+              <a:rPr lang="es-MX" sz="2800" dirty="0" smtClean="0">
+                <a:solidFill>
+                  <a:srgbClr val="042252"/>
+                </a:solidFill>
+                <a:latin typeface="Roboto Slab" pitchFamily="2" charset="0"/>
+                <a:ea typeface="Roboto Slab" pitchFamily="2" charset="0"/>
+              </a:rPr>
+              <a:t> </a:t>
+            </a:r>
+            <a:r>
+              <a:rPr lang="es-MX" sz="2800" dirty="0" err="1" smtClean="0">
+                <a:solidFill>
+                  <a:srgbClr val="042252"/>
+                </a:solidFill>
+                <a:latin typeface="Roboto Slab" pitchFamily="2" charset="0"/>
+                <a:ea typeface="Roboto Slab" pitchFamily="2" charset="0"/>
+              </a:rPr>
+              <a:t>Hub</a:t>
+            </a:r>
+            <a:endParaRPr lang="es-MX" sz="2800" dirty="0">
+              <a:solidFill>
+                <a:srgbClr val="042252"/>
+              </a:solidFill>
+              <a:latin typeface="Roboto Slab" pitchFamily="2" charset="0"/>
+              <a:ea typeface="Roboto Slab" pitchFamily="2" charset="0"/>
+            </a:endParaRPr>
+          </a:p>
+        </p:txBody>
+      </p:sp>
+      <p:sp>
+        <p:nvSpPr>
+          <p:cNvPr id="11" name="Rectángulo 10"/>
+          <p:cNvSpPr/>
+          <p:nvPr/>
+        </p:nvSpPr>
+        <p:spPr>
+          <a:xfrm>
+            <a:off x="7872000" y="0"/>
+            <a:ext cx="4320000" cy="720000"/>
+          </a:xfrm>
+          <a:prstGeom prst="rect">
+            <a:avLst/>
+          </a:prstGeom>
+          <a:solidFill>
+            <a:srgbClr val="042252"/>
+          </a:solidFill>
+          <a:ln>
+            <a:noFill/>
+          </a:ln>
+        </p:spPr>
+        <p:style>
+          <a:lnRef idx="2">
+            <a:schemeClr val="accent1">
+              <a:shade val="50000"/>
+            </a:schemeClr>
+          </a:lnRef>
+          <a:fillRef idx="1">
+            <a:schemeClr val="accent1"/>
+          </a:fillRef>
+          <a:effectRef idx="0">
+            <a:schemeClr val="accent1"/>
+          </a:effectRef>
+          <a:fontRef idx="minor">
+            <a:schemeClr val="lt1"/>
+          </a:fontRef>
+        </p:style>
+        <p:txBody>
+          <a:bodyPr rtlCol="0" anchor="ctr"/>
+          <a:lstStyle/>
+          <a:p>
+            <a:pPr algn="r"/>
+            <a:fld id="{A7FA9133-ACFE-4DD5-9EEB-90E0F3C4BA55}" type="slidenum">
+              <a:rPr lang="es-MX" smtClean="0">
+                <a:latin typeface="Roboto" panose="02000000000000000000" pitchFamily="2" charset="0"/>
+                <a:ea typeface="Roboto" panose="02000000000000000000" pitchFamily="2" charset="0"/>
+              </a:rPr>
+              <a:pPr algn="r"/>
+              <a:t>16</a:t>
+            </a:fld>
+            <a:endParaRPr lang="es-MX" dirty="0">
+              <a:latin typeface="Roboto" panose="02000000000000000000" pitchFamily="2" charset="0"/>
+              <a:ea typeface="Roboto" panose="02000000000000000000" pitchFamily="2" charset="0"/>
+            </a:endParaRPr>
+          </a:p>
+        </p:txBody>
+      </p:sp>
+      <p:sp>
+        <p:nvSpPr>
+          <p:cNvPr id="13" name="Rectángulo 12"/>
+          <p:cNvSpPr/>
+          <p:nvPr/>
+        </p:nvSpPr>
+        <p:spPr>
+          <a:xfrm>
+            <a:off x="0" y="6138000"/>
+            <a:ext cx="4320000" cy="720000"/>
+          </a:xfrm>
+          <a:prstGeom prst="rect">
+            <a:avLst/>
+          </a:prstGeom>
+          <a:solidFill>
+            <a:srgbClr val="042252"/>
+          </a:solidFill>
+          <a:ln>
+            <a:noFill/>
+          </a:ln>
+        </p:spPr>
+        <p:style>
+          <a:lnRef idx="2">
+            <a:schemeClr val="accent1">
+              <a:shade val="50000"/>
+            </a:schemeClr>
+          </a:lnRef>
+          <a:fillRef idx="1">
+            <a:schemeClr val="accent1"/>
+          </a:fillRef>
+          <a:effectRef idx="0">
+            <a:schemeClr val="accent1"/>
+          </a:effectRef>
+          <a:fontRef idx="minor">
+            <a:schemeClr val="lt1"/>
+          </a:fontRef>
+        </p:style>
+        <p:txBody>
+          <a:bodyPr rtlCol="0" anchor="ctr"/>
+          <a:lstStyle/>
+          <a:p>
+            <a:pPr algn="ctr"/>
+            <a:endParaRPr lang="es-MX"/>
+          </a:p>
+        </p:txBody>
+      </p:sp>
+      <p:pic>
+        <p:nvPicPr>
+          <p:cNvPr id="17" name="Imagen 16"/>
+          <p:cNvPicPr>
+            <a:picLocks noChangeAspect="1"/>
+          </p:cNvPicPr>
+          <p:nvPr/>
+        </p:nvPicPr>
+        <p:blipFill>
+          <a:blip r:embed="rId2" cstate="print">
+            <a:extLst>
+              <a:ext uri="{28A0092B-C50C-407E-A947-70E740481C1C}">
+                <a14:useLocalDpi xmlns:a14="http://schemas.microsoft.com/office/drawing/2010/main" val="0"/>
+              </a:ext>
+            </a:extLst>
+          </a:blip>
+          <a:stretch>
+            <a:fillRect/>
+          </a:stretch>
+        </p:blipFill>
+        <p:spPr>
+          <a:xfrm>
+            <a:off x="4653497" y="6230167"/>
+            <a:ext cx="535665" cy="535665"/>
+          </a:xfrm>
+          <a:prstGeom prst="rect">
+            <a:avLst/>
+          </a:prstGeom>
+        </p:spPr>
+      </p:pic>
+      <p:pic>
+        <p:nvPicPr>
+          <p:cNvPr id="8" name="Imagen 7"/>
+          <p:cNvPicPr>
+            <a:picLocks noChangeAspect="1"/>
+          </p:cNvPicPr>
+          <p:nvPr/>
+        </p:nvPicPr>
+        <p:blipFill>
+          <a:blip r:embed="rId3" cstate="print">
+            <a:extLst>
+              <a:ext uri="{28A0092B-C50C-407E-A947-70E740481C1C}">
+                <a14:useLocalDpi xmlns:a14="http://schemas.microsoft.com/office/drawing/2010/main" val="0"/>
+              </a:ext>
+            </a:extLst>
+          </a:blip>
+          <a:stretch>
+            <a:fillRect/>
+          </a:stretch>
+        </p:blipFill>
+        <p:spPr>
+          <a:xfrm>
+            <a:off x="5366374" y="6225832"/>
+            <a:ext cx="540000" cy="540000"/>
+          </a:xfrm>
+          <a:prstGeom prst="rect">
+            <a:avLst/>
+          </a:prstGeom>
+        </p:spPr>
+      </p:pic>
+      <p:pic>
+        <p:nvPicPr>
+          <p:cNvPr id="4" name="Imagen 3"/>
+          <p:cNvPicPr>
+            <a:picLocks noChangeAspect="1"/>
+          </p:cNvPicPr>
+          <p:nvPr/>
+        </p:nvPicPr>
+        <p:blipFill rotWithShape="1">
+          <a:blip r:embed="rId4"/>
+          <a:srcRect t="24132" r="43940" b="16547"/>
+          <a:stretch/>
+        </p:blipFill>
+        <p:spPr>
+          <a:xfrm>
+            <a:off x="1522972" y="1457406"/>
+            <a:ext cx="8226804" cy="4670111"/>
+          </a:xfrm>
+          <a:prstGeom prst="rect">
+            <a:avLst/>
+          </a:prstGeom>
+        </p:spPr>
+      </p:pic>
+    </p:spTree>
+    <p:extLst>
+      <p:ext uri="{BB962C8B-B14F-4D97-AF65-F5344CB8AC3E}">
+        <p14:creationId xmlns:p14="http://schemas.microsoft.com/office/powerpoint/2010/main" val="1900756637"/>
+      </p:ext>
+    </p:extLst>
+  </p:cSld>
+  <p:clrMapOvr>
+    <a:masterClrMapping/>
+  </p:clrMapOvr>
+  <p:timing>
+    <p:tnLst>
+      <p:par>
+        <p:cTn id="1" dur="indefinite" restart="never" nodeType="tmRoot"/>
+      </p:par>
+    </p:tnLst>
+  </p:timing>
+</p:sld>
+</file>
+
+<file path=ppt/slides/slide17.xml><?xml version="1.0" encoding="utf-8"?>
+<p:sld xmlns:a="http://schemas.openxmlformats.org/drawingml/2006/main" xmlns:r="http://schemas.openxmlformats.org/officeDocument/2006/relationships" xmlns:p="http://schemas.openxmlformats.org/presentationml/2006/main">
+  <p:cSld>
+    <p:spTree>
+      <p:nvGrpSpPr>
+        <p:cNvPr id="1" name=""/>
+        <p:cNvGrpSpPr/>
+        <p:nvPr/>
+      </p:nvGrpSpPr>
+      <p:grpSpPr>
+        <a:xfrm>
+          <a:off x="0" y="0"/>
+          <a:ext cx="0" cy="0"/>
+          <a:chOff x="0" y="0"/>
+          <a:chExt cx="0" cy="0"/>
+        </a:xfrm>
+      </p:grpSpPr>
+      <p:sp>
+        <p:nvSpPr>
+          <p:cNvPr id="2" name="CuadroTexto 1"/>
+          <p:cNvSpPr txBox="1"/>
+          <p:nvPr/>
+        </p:nvSpPr>
+        <p:spPr>
+          <a:xfrm>
+            <a:off x="273465" y="212168"/>
+            <a:ext cx="7598535" cy="646331"/>
+          </a:xfrm>
+          <a:prstGeom prst="rect">
+            <a:avLst/>
+          </a:prstGeom>
+          <a:noFill/>
+        </p:spPr>
+        <p:txBody>
+          <a:bodyPr wrap="square" rtlCol="0">
+            <a:spAutoFit/>
+          </a:bodyPr>
+          <a:lstStyle/>
+          <a:p>
+            <a:r>
+              <a:rPr lang="es-ES" sz="3600" dirty="0" smtClean="0">
+                <a:latin typeface="Roboto" panose="02000000000000000000" pitchFamily="2" charset="0"/>
+                <a:ea typeface="Roboto" panose="02000000000000000000" pitchFamily="2" charset="0"/>
+              </a:rPr>
+              <a:t>Introducción </a:t>
+            </a:r>
+            <a:r>
+              <a:rPr lang="es-ES" sz="3600" dirty="0">
+                <a:latin typeface="Roboto" panose="02000000000000000000" pitchFamily="2" charset="0"/>
+                <a:ea typeface="Roboto" panose="02000000000000000000" pitchFamily="2" charset="0"/>
+              </a:rPr>
+              <a:t>a Microsoft </a:t>
+            </a:r>
+            <a:r>
+              <a:rPr lang="es-ES" sz="3600" dirty="0" err="1">
+                <a:latin typeface="Roboto" panose="02000000000000000000" pitchFamily="2" charset="0"/>
+                <a:ea typeface="Roboto" panose="02000000000000000000" pitchFamily="2" charset="0"/>
+              </a:rPr>
+              <a:t>Azure</a:t>
+            </a:r>
+            <a:r>
+              <a:rPr lang="es-ES" sz="3600" dirty="0">
+                <a:latin typeface="Roboto" panose="02000000000000000000" pitchFamily="2" charset="0"/>
+                <a:ea typeface="Roboto" panose="02000000000000000000" pitchFamily="2" charset="0"/>
+              </a:rPr>
+              <a:t> </a:t>
+            </a:r>
+            <a:r>
+              <a:rPr lang="es-ES" sz="3600" dirty="0" err="1">
+                <a:latin typeface="Roboto" panose="02000000000000000000" pitchFamily="2" charset="0"/>
+                <a:ea typeface="Roboto" panose="02000000000000000000" pitchFamily="2" charset="0"/>
+              </a:rPr>
+              <a:t>IoT</a:t>
+            </a:r>
+            <a:endParaRPr lang="es-MX" sz="3600" dirty="0">
+              <a:latin typeface="Roboto" panose="02000000000000000000" pitchFamily="2" charset="0"/>
+              <a:ea typeface="Roboto" panose="02000000000000000000" pitchFamily="2" charset="0"/>
+            </a:endParaRPr>
+          </a:p>
+        </p:txBody>
+      </p:sp>
+      <p:sp>
+        <p:nvSpPr>
+          <p:cNvPr id="10" name="CuadroTexto 9"/>
+          <p:cNvSpPr txBox="1"/>
+          <p:nvPr/>
+        </p:nvSpPr>
+        <p:spPr>
+          <a:xfrm>
+            <a:off x="346617" y="992762"/>
+            <a:ext cx="11265818" cy="523220"/>
+          </a:xfrm>
+          <a:prstGeom prst="rect">
+            <a:avLst/>
+          </a:prstGeom>
+          <a:noFill/>
+        </p:spPr>
+        <p:txBody>
+          <a:bodyPr wrap="square" rtlCol="0">
+            <a:spAutoFit/>
+          </a:bodyPr>
+          <a:lstStyle/>
+          <a:p>
+            <a:r>
+              <a:rPr lang="es-MX" sz="2800" dirty="0" smtClean="0">
+                <a:solidFill>
+                  <a:srgbClr val="042252"/>
+                </a:solidFill>
+                <a:latin typeface="Roboto Slab" pitchFamily="2" charset="0"/>
+                <a:ea typeface="Roboto Slab" pitchFamily="2" charset="0"/>
+              </a:rPr>
+              <a:t>Crear Recurso </a:t>
+            </a:r>
+            <a:r>
+              <a:rPr lang="es-MX" sz="2800" dirty="0" err="1" smtClean="0">
+                <a:solidFill>
+                  <a:srgbClr val="042252"/>
+                </a:solidFill>
+                <a:latin typeface="Roboto Slab" pitchFamily="2" charset="0"/>
+                <a:ea typeface="Roboto Slab" pitchFamily="2" charset="0"/>
+              </a:rPr>
+              <a:t>IoT</a:t>
+            </a:r>
+            <a:r>
+              <a:rPr lang="es-MX" sz="2800" dirty="0" smtClean="0">
+                <a:solidFill>
+                  <a:srgbClr val="042252"/>
+                </a:solidFill>
+                <a:latin typeface="Roboto Slab" pitchFamily="2" charset="0"/>
+                <a:ea typeface="Roboto Slab" pitchFamily="2" charset="0"/>
+              </a:rPr>
+              <a:t> </a:t>
+            </a:r>
+            <a:r>
+              <a:rPr lang="es-MX" sz="2800" dirty="0" err="1" smtClean="0">
+                <a:solidFill>
+                  <a:srgbClr val="042252"/>
+                </a:solidFill>
+                <a:latin typeface="Roboto Slab" pitchFamily="2" charset="0"/>
+                <a:ea typeface="Roboto Slab" pitchFamily="2" charset="0"/>
+              </a:rPr>
+              <a:t>Hub</a:t>
+            </a:r>
+            <a:r>
+              <a:rPr lang="es-MX" sz="2800" dirty="0" smtClean="0">
+                <a:solidFill>
+                  <a:srgbClr val="042252"/>
+                </a:solidFill>
+                <a:latin typeface="Roboto Slab" pitchFamily="2" charset="0"/>
+                <a:ea typeface="Roboto Slab" pitchFamily="2" charset="0"/>
+              </a:rPr>
+              <a:t> (</a:t>
+            </a:r>
+            <a:r>
+              <a:rPr lang="es-MX" sz="2800" dirty="0" err="1" smtClean="0">
+                <a:solidFill>
+                  <a:srgbClr val="042252"/>
+                </a:solidFill>
+                <a:latin typeface="Roboto Slab" pitchFamily="2" charset="0"/>
+                <a:ea typeface="Roboto Slab" pitchFamily="2" charset="0"/>
+              </a:rPr>
+              <a:t>Azure</a:t>
+            </a:r>
+            <a:r>
+              <a:rPr lang="es-MX" sz="2800" dirty="0" smtClean="0">
+                <a:solidFill>
+                  <a:srgbClr val="042252"/>
+                </a:solidFill>
+                <a:latin typeface="Roboto Slab" pitchFamily="2" charset="0"/>
+                <a:ea typeface="Roboto Slab" pitchFamily="2" charset="0"/>
+              </a:rPr>
+              <a:t> CLI)</a:t>
+            </a:r>
+            <a:endParaRPr lang="es-MX" sz="2800" dirty="0">
+              <a:solidFill>
+                <a:srgbClr val="042252"/>
+              </a:solidFill>
+              <a:latin typeface="Roboto Slab" pitchFamily="2" charset="0"/>
+              <a:ea typeface="Roboto Slab" pitchFamily="2" charset="0"/>
+            </a:endParaRPr>
+          </a:p>
+        </p:txBody>
+      </p:sp>
+      <p:sp>
+        <p:nvSpPr>
+          <p:cNvPr id="11" name="Rectángulo 10"/>
+          <p:cNvSpPr/>
+          <p:nvPr/>
+        </p:nvSpPr>
+        <p:spPr>
+          <a:xfrm>
+            <a:off x="7872000" y="0"/>
+            <a:ext cx="4320000" cy="720000"/>
+          </a:xfrm>
+          <a:prstGeom prst="rect">
+            <a:avLst/>
+          </a:prstGeom>
+          <a:solidFill>
+            <a:srgbClr val="042252"/>
+          </a:solidFill>
+          <a:ln>
+            <a:noFill/>
+          </a:ln>
+        </p:spPr>
+        <p:style>
+          <a:lnRef idx="2">
+            <a:schemeClr val="accent1">
+              <a:shade val="50000"/>
+            </a:schemeClr>
+          </a:lnRef>
+          <a:fillRef idx="1">
+            <a:schemeClr val="accent1"/>
+          </a:fillRef>
+          <a:effectRef idx="0">
+            <a:schemeClr val="accent1"/>
+          </a:effectRef>
+          <a:fontRef idx="minor">
+            <a:schemeClr val="lt1"/>
+          </a:fontRef>
+        </p:style>
+        <p:txBody>
+          <a:bodyPr rtlCol="0" anchor="ctr"/>
+          <a:lstStyle/>
+          <a:p>
+            <a:pPr algn="r"/>
+            <a:fld id="{A7FA9133-ACFE-4DD5-9EEB-90E0F3C4BA55}" type="slidenum">
+              <a:rPr lang="es-MX" smtClean="0">
+                <a:latin typeface="Roboto" panose="02000000000000000000" pitchFamily="2" charset="0"/>
+                <a:ea typeface="Roboto" panose="02000000000000000000" pitchFamily="2" charset="0"/>
+              </a:rPr>
+              <a:pPr algn="r"/>
+              <a:t>17</a:t>
+            </a:fld>
+            <a:endParaRPr lang="es-MX" dirty="0">
+              <a:latin typeface="Roboto" panose="02000000000000000000" pitchFamily="2" charset="0"/>
+              <a:ea typeface="Roboto" panose="02000000000000000000" pitchFamily="2" charset="0"/>
+            </a:endParaRPr>
+          </a:p>
+        </p:txBody>
+      </p:sp>
+      <p:sp>
+        <p:nvSpPr>
+          <p:cNvPr id="13" name="Rectángulo 12"/>
+          <p:cNvSpPr/>
+          <p:nvPr/>
+        </p:nvSpPr>
+        <p:spPr>
+          <a:xfrm>
+            <a:off x="0" y="6138000"/>
+            <a:ext cx="4320000" cy="720000"/>
+          </a:xfrm>
+          <a:prstGeom prst="rect">
+            <a:avLst/>
+          </a:prstGeom>
+          <a:solidFill>
+            <a:srgbClr val="042252"/>
+          </a:solidFill>
+          <a:ln>
+            <a:noFill/>
+          </a:ln>
+        </p:spPr>
+        <p:style>
+          <a:lnRef idx="2">
+            <a:schemeClr val="accent1">
+              <a:shade val="50000"/>
+            </a:schemeClr>
+          </a:lnRef>
+          <a:fillRef idx="1">
+            <a:schemeClr val="accent1"/>
+          </a:fillRef>
+          <a:effectRef idx="0">
+            <a:schemeClr val="accent1"/>
+          </a:effectRef>
+          <a:fontRef idx="minor">
+            <a:schemeClr val="lt1"/>
+          </a:fontRef>
+        </p:style>
+        <p:txBody>
+          <a:bodyPr rtlCol="0" anchor="ctr"/>
+          <a:lstStyle/>
+          <a:p>
+            <a:pPr algn="ctr"/>
+            <a:endParaRPr lang="es-MX"/>
+          </a:p>
+        </p:txBody>
+      </p:sp>
+      <p:pic>
+        <p:nvPicPr>
+          <p:cNvPr id="17" name="Imagen 16"/>
+          <p:cNvPicPr>
+            <a:picLocks noChangeAspect="1"/>
+          </p:cNvPicPr>
+          <p:nvPr/>
+        </p:nvPicPr>
+        <p:blipFill>
+          <a:blip r:embed="rId2" cstate="print">
+            <a:extLst>
+              <a:ext uri="{28A0092B-C50C-407E-A947-70E740481C1C}">
+                <a14:useLocalDpi xmlns:a14="http://schemas.microsoft.com/office/drawing/2010/main" val="0"/>
+              </a:ext>
+            </a:extLst>
+          </a:blip>
+          <a:stretch>
+            <a:fillRect/>
+          </a:stretch>
+        </p:blipFill>
+        <p:spPr>
+          <a:xfrm>
+            <a:off x="4653497" y="6230167"/>
+            <a:ext cx="535665" cy="535665"/>
+          </a:xfrm>
+          <a:prstGeom prst="rect">
+            <a:avLst/>
+          </a:prstGeom>
+        </p:spPr>
+      </p:pic>
+      <p:pic>
+        <p:nvPicPr>
+          <p:cNvPr id="8" name="Imagen 7"/>
+          <p:cNvPicPr>
+            <a:picLocks noChangeAspect="1"/>
+          </p:cNvPicPr>
+          <p:nvPr/>
+        </p:nvPicPr>
+        <p:blipFill>
+          <a:blip r:embed="rId3" cstate="print">
+            <a:extLst>
+              <a:ext uri="{28A0092B-C50C-407E-A947-70E740481C1C}">
+                <a14:useLocalDpi xmlns:a14="http://schemas.microsoft.com/office/drawing/2010/main" val="0"/>
+              </a:ext>
+            </a:extLst>
+          </a:blip>
+          <a:stretch>
+            <a:fillRect/>
+          </a:stretch>
+        </p:blipFill>
+        <p:spPr>
+          <a:xfrm>
+            <a:off x="5366374" y="6225832"/>
+            <a:ext cx="540000" cy="540000"/>
+          </a:xfrm>
+          <a:prstGeom prst="rect">
+            <a:avLst/>
+          </a:prstGeom>
+        </p:spPr>
+      </p:pic>
+      <p:sp>
+        <p:nvSpPr>
+          <p:cNvPr id="9" name="Google Shape;106;p15"/>
+          <p:cNvSpPr txBox="1"/>
+          <p:nvPr/>
+        </p:nvSpPr>
+        <p:spPr>
+          <a:xfrm>
+            <a:off x="281959" y="1578498"/>
+            <a:ext cx="9883200" cy="4215812"/>
+          </a:xfrm>
+          <a:prstGeom prst="rect">
+            <a:avLst/>
+          </a:prstGeom>
+          <a:noFill/>
+          <a:ln>
+            <a:noFill/>
+          </a:ln>
+        </p:spPr>
+        <p:txBody>
+          <a:bodyPr spcFirstLastPara="1" wrap="square" lIns="91425" tIns="91425" rIns="91425" bIns="91425" anchor="t" anchorCtr="0">
+            <a:noAutofit/>
+          </a:bodyPr>
+          <a:lstStyle/>
+          <a:p>
+            <a:pPr marL="285750" lvl="0" indent="-285750">
+              <a:lnSpc>
+                <a:spcPct val="115000"/>
+              </a:lnSpc>
+              <a:buFont typeface="Arial" panose="020B0604020202020204" pitchFamily="34" charset="0"/>
+              <a:buChar char="•"/>
+            </a:pPr>
+            <a:r>
+              <a:rPr lang="es-MX" dirty="0">
+                <a:solidFill>
+                  <a:srgbClr val="737373"/>
+                </a:solidFill>
+                <a:latin typeface="Roboto"/>
+                <a:ea typeface="Roboto"/>
+                <a:cs typeface="Roboto"/>
+                <a:sym typeface="Roboto"/>
+              </a:rPr>
+              <a:t>a</a:t>
+            </a:r>
+            <a:r>
+              <a:rPr lang="es-MX" dirty="0" smtClean="0">
+                <a:solidFill>
+                  <a:srgbClr val="737373"/>
+                </a:solidFill>
+                <a:latin typeface="Roboto"/>
+                <a:ea typeface="Roboto"/>
+                <a:cs typeface="Roboto"/>
+                <a:sym typeface="Roboto"/>
+              </a:rPr>
+              <a:t>z </a:t>
+            </a:r>
+            <a:r>
+              <a:rPr lang="es-MX" dirty="0" err="1" smtClean="0">
+                <a:solidFill>
+                  <a:srgbClr val="737373"/>
+                </a:solidFill>
+                <a:latin typeface="Roboto"/>
+                <a:ea typeface="Roboto"/>
+                <a:cs typeface="Roboto"/>
+                <a:sym typeface="Roboto"/>
+              </a:rPr>
+              <a:t>login</a:t>
+            </a:r>
+            <a:endParaRPr lang="es-MX" dirty="0" smtClean="0">
+              <a:solidFill>
+                <a:srgbClr val="737373"/>
+              </a:solidFill>
+              <a:latin typeface="Roboto"/>
+              <a:ea typeface="Roboto"/>
+              <a:cs typeface="Roboto"/>
+              <a:sym typeface="Roboto"/>
+            </a:endParaRPr>
+          </a:p>
+          <a:p>
+            <a:pPr marL="285750" lvl="0" indent="-285750">
+              <a:lnSpc>
+                <a:spcPct val="115000"/>
+              </a:lnSpc>
+              <a:buFont typeface="Arial" panose="020B0604020202020204" pitchFamily="34" charset="0"/>
+              <a:buChar char="•"/>
+            </a:pPr>
+            <a:r>
+              <a:rPr lang="es-MX" dirty="0">
+                <a:solidFill>
+                  <a:srgbClr val="737373"/>
+                </a:solidFill>
+                <a:latin typeface="Roboto"/>
+                <a:ea typeface="Roboto"/>
+                <a:cs typeface="Roboto"/>
+                <a:sym typeface="Roboto"/>
+              </a:rPr>
+              <a:t>az </a:t>
+            </a:r>
+            <a:r>
+              <a:rPr lang="es-MX" dirty="0" err="1">
+                <a:solidFill>
+                  <a:srgbClr val="737373"/>
+                </a:solidFill>
+                <a:latin typeface="Roboto"/>
+                <a:ea typeface="Roboto"/>
+                <a:cs typeface="Roboto"/>
+                <a:sym typeface="Roboto"/>
+              </a:rPr>
+              <a:t>iot</a:t>
+            </a:r>
+            <a:r>
+              <a:rPr lang="es-MX" dirty="0">
+                <a:solidFill>
+                  <a:srgbClr val="737373"/>
+                </a:solidFill>
+                <a:latin typeface="Roboto"/>
+                <a:ea typeface="Roboto"/>
+                <a:cs typeface="Roboto"/>
+                <a:sym typeface="Roboto"/>
+              </a:rPr>
+              <a:t> </a:t>
+            </a:r>
+            <a:r>
+              <a:rPr lang="es-MX" dirty="0" err="1">
+                <a:solidFill>
+                  <a:srgbClr val="737373"/>
+                </a:solidFill>
+                <a:latin typeface="Roboto"/>
+                <a:ea typeface="Roboto"/>
+                <a:cs typeface="Roboto"/>
+                <a:sym typeface="Roboto"/>
+              </a:rPr>
+              <a:t>hub</a:t>
+            </a:r>
+            <a:r>
+              <a:rPr lang="es-MX" dirty="0">
+                <a:solidFill>
+                  <a:srgbClr val="737373"/>
+                </a:solidFill>
+                <a:latin typeface="Roboto"/>
+                <a:ea typeface="Roboto"/>
+                <a:cs typeface="Roboto"/>
+                <a:sym typeface="Roboto"/>
+              </a:rPr>
+              <a:t> </a:t>
+            </a:r>
+            <a:r>
+              <a:rPr lang="es-MX" dirty="0" err="1">
+                <a:solidFill>
+                  <a:srgbClr val="737373"/>
+                </a:solidFill>
+                <a:latin typeface="Roboto"/>
+                <a:ea typeface="Roboto"/>
+                <a:cs typeface="Roboto"/>
+                <a:sym typeface="Roboto"/>
+              </a:rPr>
+              <a:t>delete</a:t>
+            </a:r>
+            <a:r>
+              <a:rPr lang="es-MX" dirty="0">
+                <a:solidFill>
+                  <a:srgbClr val="737373"/>
+                </a:solidFill>
+                <a:latin typeface="Roboto"/>
+                <a:ea typeface="Roboto"/>
+                <a:cs typeface="Roboto"/>
+                <a:sym typeface="Roboto"/>
+              </a:rPr>
+              <a:t> --</a:t>
+            </a:r>
+            <a:r>
+              <a:rPr lang="es-MX" dirty="0" err="1">
+                <a:solidFill>
+                  <a:srgbClr val="737373"/>
+                </a:solidFill>
+                <a:latin typeface="Roboto"/>
+                <a:ea typeface="Roboto"/>
+                <a:cs typeface="Roboto"/>
+                <a:sym typeface="Roboto"/>
+              </a:rPr>
+              <a:t>name</a:t>
+            </a:r>
+            <a:r>
+              <a:rPr lang="es-MX" dirty="0">
+                <a:solidFill>
+                  <a:srgbClr val="737373"/>
+                </a:solidFill>
+                <a:latin typeface="Roboto"/>
+                <a:ea typeface="Roboto"/>
+                <a:cs typeface="Roboto"/>
+                <a:sym typeface="Roboto"/>
+              </a:rPr>
+              <a:t> {</a:t>
+            </a:r>
+            <a:r>
+              <a:rPr lang="es-MX" dirty="0" err="1">
+                <a:solidFill>
+                  <a:srgbClr val="737373"/>
+                </a:solidFill>
+                <a:latin typeface="Roboto"/>
+                <a:ea typeface="Roboto"/>
+                <a:cs typeface="Roboto"/>
+                <a:sym typeface="Roboto"/>
+              </a:rPr>
+              <a:t>name</a:t>
+            </a:r>
+            <a:r>
+              <a:rPr lang="es-MX" dirty="0">
+                <a:solidFill>
+                  <a:srgbClr val="737373"/>
+                </a:solidFill>
+                <a:latin typeface="Roboto"/>
+                <a:ea typeface="Roboto"/>
+                <a:cs typeface="Roboto"/>
+                <a:sym typeface="Roboto"/>
+              </a:rPr>
+              <a:t>} --</a:t>
+            </a:r>
+            <a:r>
+              <a:rPr lang="es-MX" dirty="0" err="1">
+                <a:solidFill>
+                  <a:srgbClr val="737373"/>
+                </a:solidFill>
+                <a:latin typeface="Roboto"/>
+                <a:ea typeface="Roboto"/>
+                <a:cs typeface="Roboto"/>
+                <a:sym typeface="Roboto"/>
+              </a:rPr>
+              <a:t>resource-group</a:t>
+            </a:r>
+            <a:r>
+              <a:rPr lang="es-MX" dirty="0">
+                <a:solidFill>
+                  <a:srgbClr val="737373"/>
+                </a:solidFill>
+                <a:latin typeface="Roboto"/>
+                <a:ea typeface="Roboto"/>
+                <a:cs typeface="Roboto"/>
+                <a:sym typeface="Roboto"/>
+              </a:rPr>
+              <a:t> {</a:t>
+            </a:r>
+            <a:r>
+              <a:rPr lang="es-MX" dirty="0" err="1">
+                <a:solidFill>
+                  <a:srgbClr val="737373"/>
+                </a:solidFill>
+                <a:latin typeface="Roboto"/>
+                <a:ea typeface="Roboto"/>
+                <a:cs typeface="Roboto"/>
+                <a:sym typeface="Roboto"/>
+              </a:rPr>
+              <a:t>resource-group</a:t>
+            </a:r>
+            <a:r>
+              <a:rPr lang="es-MX" dirty="0" smtClean="0">
+                <a:solidFill>
+                  <a:srgbClr val="737373"/>
+                </a:solidFill>
+                <a:latin typeface="Roboto"/>
+                <a:ea typeface="Roboto"/>
+                <a:cs typeface="Roboto"/>
+                <a:sym typeface="Roboto"/>
+              </a:rPr>
+              <a:t>}</a:t>
+            </a:r>
+          </a:p>
+          <a:p>
+            <a:pPr marL="285750" lvl="0" indent="-285750">
+              <a:lnSpc>
+                <a:spcPct val="115000"/>
+              </a:lnSpc>
+              <a:buFont typeface="Arial" panose="020B0604020202020204" pitchFamily="34" charset="0"/>
+              <a:buChar char="•"/>
+            </a:pPr>
+            <a:r>
+              <a:rPr lang="es-MX" dirty="0">
+                <a:solidFill>
+                  <a:srgbClr val="737373"/>
+                </a:solidFill>
+                <a:latin typeface="Roboto"/>
+                <a:ea typeface="Roboto"/>
+                <a:cs typeface="Roboto"/>
+                <a:sym typeface="Roboto"/>
+              </a:rPr>
+              <a:t>az </a:t>
+            </a:r>
+            <a:r>
+              <a:rPr lang="es-MX" dirty="0" err="1">
+                <a:solidFill>
+                  <a:srgbClr val="737373"/>
+                </a:solidFill>
+                <a:latin typeface="Roboto"/>
+                <a:ea typeface="Roboto"/>
+                <a:cs typeface="Roboto"/>
+                <a:sym typeface="Roboto"/>
+              </a:rPr>
+              <a:t>iot</a:t>
+            </a:r>
+            <a:r>
+              <a:rPr lang="es-MX" dirty="0">
+                <a:solidFill>
+                  <a:srgbClr val="737373"/>
+                </a:solidFill>
+                <a:latin typeface="Roboto"/>
+                <a:ea typeface="Roboto"/>
+                <a:cs typeface="Roboto"/>
+                <a:sym typeface="Roboto"/>
+              </a:rPr>
+              <a:t> </a:t>
+            </a:r>
+            <a:r>
+              <a:rPr lang="es-MX" dirty="0" err="1">
+                <a:solidFill>
+                  <a:srgbClr val="737373"/>
+                </a:solidFill>
+                <a:latin typeface="Roboto"/>
+                <a:ea typeface="Roboto"/>
+                <a:cs typeface="Roboto"/>
+                <a:sym typeface="Roboto"/>
+              </a:rPr>
+              <a:t>hub</a:t>
+            </a:r>
+            <a:r>
+              <a:rPr lang="es-MX" dirty="0">
+                <a:solidFill>
+                  <a:srgbClr val="737373"/>
+                </a:solidFill>
+                <a:latin typeface="Roboto"/>
+                <a:ea typeface="Roboto"/>
+                <a:cs typeface="Roboto"/>
+                <a:sym typeface="Roboto"/>
+              </a:rPr>
+              <a:t> </a:t>
+            </a:r>
+            <a:r>
+              <a:rPr lang="es-MX" dirty="0" err="1">
+                <a:solidFill>
+                  <a:srgbClr val="737373"/>
+                </a:solidFill>
+                <a:latin typeface="Roboto"/>
+                <a:ea typeface="Roboto"/>
+                <a:cs typeface="Roboto"/>
+                <a:sym typeface="Roboto"/>
+              </a:rPr>
+              <a:t>create</a:t>
+            </a:r>
+            <a:r>
+              <a:rPr lang="es-MX" dirty="0">
+                <a:solidFill>
+                  <a:srgbClr val="737373"/>
+                </a:solidFill>
+                <a:latin typeface="Roboto"/>
+                <a:ea typeface="Roboto"/>
+                <a:cs typeface="Roboto"/>
+                <a:sym typeface="Roboto"/>
+              </a:rPr>
+              <a:t> --</a:t>
+            </a:r>
+            <a:r>
+              <a:rPr lang="es-MX" dirty="0" err="1">
+                <a:solidFill>
+                  <a:srgbClr val="737373"/>
+                </a:solidFill>
+                <a:latin typeface="Roboto"/>
+                <a:ea typeface="Roboto"/>
+                <a:cs typeface="Roboto"/>
+                <a:sym typeface="Roboto"/>
+              </a:rPr>
+              <a:t>resource-group</a:t>
+            </a:r>
+            <a:r>
+              <a:rPr lang="es-MX" dirty="0">
+                <a:solidFill>
+                  <a:srgbClr val="737373"/>
+                </a:solidFill>
+                <a:latin typeface="Roboto"/>
+                <a:ea typeface="Roboto"/>
+                <a:cs typeface="Roboto"/>
+                <a:sym typeface="Roboto"/>
+              </a:rPr>
+              <a:t> {</a:t>
+            </a:r>
+            <a:r>
+              <a:rPr lang="es-MX" dirty="0" err="1">
+                <a:solidFill>
+                  <a:srgbClr val="737373"/>
+                </a:solidFill>
+                <a:latin typeface="Roboto"/>
+                <a:ea typeface="Roboto"/>
+                <a:cs typeface="Roboto"/>
+                <a:sym typeface="Roboto"/>
+              </a:rPr>
+              <a:t>resourceGroup</a:t>
+            </a:r>
+            <a:r>
+              <a:rPr lang="es-MX" dirty="0">
+                <a:solidFill>
+                  <a:srgbClr val="737373"/>
+                </a:solidFill>
+                <a:latin typeface="Roboto"/>
+                <a:ea typeface="Roboto"/>
+                <a:cs typeface="Roboto"/>
+                <a:sym typeface="Roboto"/>
+              </a:rPr>
+              <a:t>} --</a:t>
+            </a:r>
+            <a:r>
+              <a:rPr lang="es-MX" dirty="0" err="1">
+                <a:solidFill>
+                  <a:srgbClr val="737373"/>
+                </a:solidFill>
+                <a:latin typeface="Roboto"/>
+                <a:ea typeface="Roboto"/>
+                <a:cs typeface="Roboto"/>
+                <a:sym typeface="Roboto"/>
+              </a:rPr>
+              <a:t>name</a:t>
+            </a:r>
+            <a:r>
+              <a:rPr lang="es-MX" dirty="0">
+                <a:solidFill>
+                  <a:srgbClr val="737373"/>
+                </a:solidFill>
+                <a:latin typeface="Roboto"/>
+                <a:ea typeface="Roboto"/>
+                <a:cs typeface="Roboto"/>
+                <a:sym typeface="Roboto"/>
+              </a:rPr>
+              <a:t> {</a:t>
+            </a:r>
+            <a:r>
+              <a:rPr lang="es-MX" dirty="0" err="1">
+                <a:solidFill>
+                  <a:srgbClr val="737373"/>
+                </a:solidFill>
+                <a:latin typeface="Roboto"/>
+                <a:ea typeface="Roboto"/>
+                <a:cs typeface="Roboto"/>
+                <a:sym typeface="Roboto"/>
+              </a:rPr>
+              <a:t>name</a:t>
+            </a:r>
+            <a:r>
+              <a:rPr lang="es-MX" dirty="0">
+                <a:solidFill>
+                  <a:srgbClr val="737373"/>
+                </a:solidFill>
+                <a:latin typeface="Roboto"/>
+                <a:ea typeface="Roboto"/>
+                <a:cs typeface="Roboto"/>
+                <a:sym typeface="Roboto"/>
+              </a:rPr>
+              <a:t>} --</a:t>
+            </a:r>
+            <a:r>
+              <a:rPr lang="es-MX" dirty="0" err="1">
+                <a:solidFill>
+                  <a:srgbClr val="737373"/>
+                </a:solidFill>
+                <a:latin typeface="Roboto"/>
+                <a:ea typeface="Roboto"/>
+                <a:cs typeface="Roboto"/>
+                <a:sym typeface="Roboto"/>
+              </a:rPr>
+              <a:t>location</a:t>
+            </a:r>
+            <a:r>
+              <a:rPr lang="es-MX" dirty="0">
+                <a:solidFill>
+                  <a:srgbClr val="737373"/>
+                </a:solidFill>
+                <a:latin typeface="Roboto"/>
+                <a:ea typeface="Roboto"/>
+                <a:cs typeface="Roboto"/>
+                <a:sym typeface="Roboto"/>
+              </a:rPr>
+              <a:t> {</a:t>
+            </a:r>
+            <a:r>
+              <a:rPr lang="es-MX" dirty="0" err="1">
+                <a:solidFill>
+                  <a:srgbClr val="737373"/>
+                </a:solidFill>
+                <a:latin typeface="Roboto"/>
+                <a:ea typeface="Roboto"/>
+                <a:cs typeface="Roboto"/>
+                <a:sym typeface="Roboto"/>
+              </a:rPr>
+              <a:t>location</a:t>
+            </a:r>
+            <a:r>
+              <a:rPr lang="es-MX" dirty="0" smtClean="0">
+                <a:solidFill>
+                  <a:srgbClr val="737373"/>
+                </a:solidFill>
+                <a:latin typeface="Roboto"/>
+                <a:ea typeface="Roboto"/>
+                <a:cs typeface="Roboto"/>
+                <a:sym typeface="Roboto"/>
+              </a:rPr>
+              <a:t>} –</a:t>
+            </a:r>
+            <a:r>
+              <a:rPr lang="es-MX" dirty="0" err="1" smtClean="0">
+                <a:solidFill>
+                  <a:srgbClr val="737373"/>
+                </a:solidFill>
+                <a:latin typeface="Roboto"/>
+                <a:ea typeface="Roboto"/>
+                <a:cs typeface="Roboto"/>
+                <a:sym typeface="Roboto"/>
+              </a:rPr>
+              <a:t>partition-count</a:t>
+            </a:r>
+            <a:r>
+              <a:rPr lang="es-MX" dirty="0" smtClean="0">
+                <a:solidFill>
+                  <a:srgbClr val="737373"/>
+                </a:solidFill>
+                <a:latin typeface="Roboto"/>
+                <a:ea typeface="Roboto"/>
+                <a:cs typeface="Roboto"/>
+                <a:sym typeface="Roboto"/>
+              </a:rPr>
+              <a:t> {</a:t>
+            </a:r>
+            <a:r>
+              <a:rPr lang="es-MX" dirty="0" err="1" smtClean="0">
+                <a:solidFill>
+                  <a:srgbClr val="737373"/>
+                </a:solidFill>
+                <a:latin typeface="Roboto"/>
+                <a:ea typeface="Roboto"/>
+                <a:cs typeface="Roboto"/>
+                <a:sym typeface="Roboto"/>
+              </a:rPr>
+              <a:t>Partitition</a:t>
+            </a:r>
+            <a:r>
+              <a:rPr lang="es-MX" dirty="0" smtClean="0">
+                <a:solidFill>
+                  <a:srgbClr val="737373"/>
+                </a:solidFill>
+                <a:latin typeface="Roboto"/>
+                <a:ea typeface="Roboto"/>
+                <a:cs typeface="Roboto"/>
+                <a:sym typeface="Roboto"/>
+              </a:rPr>
+              <a:t> </a:t>
+            </a:r>
+            <a:r>
+              <a:rPr lang="es-MX" dirty="0" err="1" smtClean="0">
+                <a:solidFill>
+                  <a:srgbClr val="737373"/>
+                </a:solidFill>
+                <a:latin typeface="Roboto"/>
+                <a:ea typeface="Roboto"/>
+                <a:cs typeface="Roboto"/>
+                <a:sym typeface="Roboto"/>
+              </a:rPr>
+              <a:t>Count</a:t>
+            </a:r>
+            <a:r>
+              <a:rPr lang="es-MX" dirty="0" smtClean="0">
+                <a:solidFill>
+                  <a:srgbClr val="737373"/>
+                </a:solidFill>
+                <a:latin typeface="Roboto"/>
+                <a:ea typeface="Roboto"/>
+                <a:cs typeface="Roboto"/>
+                <a:sym typeface="Roboto"/>
+              </a:rPr>
+              <a:t>}</a:t>
+            </a:r>
+          </a:p>
+          <a:p>
+            <a:pPr marL="285750" lvl="0" indent="-285750">
+              <a:lnSpc>
+                <a:spcPct val="115000"/>
+              </a:lnSpc>
+              <a:buFont typeface="Arial" panose="020B0604020202020204" pitchFamily="34" charset="0"/>
+              <a:buChar char="•"/>
+            </a:pPr>
+            <a:endParaRPr sz="1800" dirty="0">
+              <a:solidFill>
+                <a:srgbClr val="737373"/>
+              </a:solidFill>
+              <a:latin typeface="Roboto"/>
+              <a:ea typeface="Roboto"/>
+              <a:cs typeface="Roboto"/>
+              <a:sym typeface="Roboto"/>
+            </a:endParaRPr>
+          </a:p>
+        </p:txBody>
+      </p:sp>
+    </p:spTree>
+    <p:extLst>
+      <p:ext uri="{BB962C8B-B14F-4D97-AF65-F5344CB8AC3E}">
+        <p14:creationId xmlns:p14="http://schemas.microsoft.com/office/powerpoint/2010/main" val="1349463423"/>
+      </p:ext>
+    </p:extLst>
+  </p:cSld>
+  <p:clrMapOvr>
+    <a:masterClrMapping/>
+  </p:clrMapOvr>
+  <p:timing>
+    <p:tnLst>
+      <p:par>
+        <p:cTn id="1" dur="indefinite" restart="never" nodeType="tmRoot"/>
+      </p:par>
+    </p:tnLst>
+  </p:timing>
+</p:sld>
+</file>
+
+<file path=ppt/slides/slide18.xml><?xml version="1.0" encoding="utf-8"?>
+<p:sld xmlns:a="http://schemas.openxmlformats.org/drawingml/2006/main" xmlns:r="http://schemas.openxmlformats.org/officeDocument/2006/relationships" xmlns:p="http://schemas.openxmlformats.org/presentationml/2006/main">
+  <p:cSld>
+    <p:spTree>
+      <p:nvGrpSpPr>
+        <p:cNvPr id="1" name=""/>
+        <p:cNvGrpSpPr/>
+        <p:nvPr/>
+      </p:nvGrpSpPr>
+      <p:grpSpPr>
+        <a:xfrm>
+          <a:off x="0" y="0"/>
+          <a:ext cx="0" cy="0"/>
+          <a:chOff x="0" y="0"/>
+          <a:chExt cx="0" cy="0"/>
+        </a:xfrm>
+      </p:grpSpPr>
+      <p:sp>
+        <p:nvSpPr>
+          <p:cNvPr id="2" name="CuadroTexto 1"/>
+          <p:cNvSpPr txBox="1"/>
+          <p:nvPr/>
+        </p:nvSpPr>
+        <p:spPr>
+          <a:xfrm>
+            <a:off x="273465" y="212168"/>
+            <a:ext cx="7598535" cy="646331"/>
+          </a:xfrm>
+          <a:prstGeom prst="rect">
+            <a:avLst/>
+          </a:prstGeom>
+          <a:noFill/>
+        </p:spPr>
+        <p:txBody>
+          <a:bodyPr wrap="square" rtlCol="0">
+            <a:spAutoFit/>
+          </a:bodyPr>
+          <a:lstStyle/>
+          <a:p>
+            <a:r>
+              <a:rPr lang="es-ES" sz="3600" dirty="0" smtClean="0">
+                <a:latin typeface="Roboto" panose="02000000000000000000" pitchFamily="2" charset="0"/>
+                <a:ea typeface="Roboto" panose="02000000000000000000" pitchFamily="2" charset="0"/>
+              </a:rPr>
+              <a:t>Introducción </a:t>
+            </a:r>
+            <a:r>
+              <a:rPr lang="es-ES" sz="3600" dirty="0">
+                <a:latin typeface="Roboto" panose="02000000000000000000" pitchFamily="2" charset="0"/>
+                <a:ea typeface="Roboto" panose="02000000000000000000" pitchFamily="2" charset="0"/>
+              </a:rPr>
+              <a:t>a Microsoft </a:t>
+            </a:r>
+            <a:r>
+              <a:rPr lang="es-ES" sz="3600" dirty="0" err="1">
+                <a:latin typeface="Roboto" panose="02000000000000000000" pitchFamily="2" charset="0"/>
+                <a:ea typeface="Roboto" panose="02000000000000000000" pitchFamily="2" charset="0"/>
+              </a:rPr>
+              <a:t>Azure</a:t>
+            </a:r>
+            <a:r>
+              <a:rPr lang="es-ES" sz="3600" dirty="0">
+                <a:latin typeface="Roboto" panose="02000000000000000000" pitchFamily="2" charset="0"/>
+                <a:ea typeface="Roboto" panose="02000000000000000000" pitchFamily="2" charset="0"/>
+              </a:rPr>
+              <a:t> </a:t>
+            </a:r>
+            <a:r>
+              <a:rPr lang="es-ES" sz="3600" dirty="0" err="1">
+                <a:latin typeface="Roboto" panose="02000000000000000000" pitchFamily="2" charset="0"/>
+                <a:ea typeface="Roboto" panose="02000000000000000000" pitchFamily="2" charset="0"/>
+              </a:rPr>
+              <a:t>IoT</a:t>
+            </a:r>
+            <a:endParaRPr lang="es-MX" sz="3600" dirty="0">
+              <a:latin typeface="Roboto" panose="02000000000000000000" pitchFamily="2" charset="0"/>
+              <a:ea typeface="Roboto" panose="02000000000000000000" pitchFamily="2" charset="0"/>
+            </a:endParaRPr>
+          </a:p>
+        </p:txBody>
+      </p:sp>
+      <p:sp>
+        <p:nvSpPr>
+          <p:cNvPr id="10" name="CuadroTexto 9"/>
+          <p:cNvSpPr txBox="1"/>
+          <p:nvPr/>
+        </p:nvSpPr>
+        <p:spPr>
+          <a:xfrm>
+            <a:off x="346617" y="992762"/>
+            <a:ext cx="11265818" cy="523220"/>
+          </a:xfrm>
+          <a:prstGeom prst="rect">
+            <a:avLst/>
+          </a:prstGeom>
+          <a:noFill/>
+        </p:spPr>
+        <p:txBody>
+          <a:bodyPr wrap="square" rtlCol="0">
+            <a:spAutoFit/>
+          </a:bodyPr>
+          <a:lstStyle/>
+          <a:p>
+            <a:r>
+              <a:rPr lang="es-MX" sz="2800" dirty="0" smtClean="0">
+                <a:solidFill>
+                  <a:srgbClr val="042252"/>
+                </a:solidFill>
+                <a:latin typeface="Roboto Slab" pitchFamily="2" charset="0"/>
+                <a:ea typeface="Roboto Slab" pitchFamily="2" charset="0"/>
+              </a:rPr>
+              <a:t>Crear Dispositivo</a:t>
+            </a:r>
+            <a:endParaRPr lang="es-MX" sz="2800" dirty="0">
+              <a:solidFill>
+                <a:srgbClr val="042252"/>
+              </a:solidFill>
+              <a:latin typeface="Roboto Slab" pitchFamily="2" charset="0"/>
+              <a:ea typeface="Roboto Slab" pitchFamily="2" charset="0"/>
+            </a:endParaRPr>
+          </a:p>
+        </p:txBody>
+      </p:sp>
+      <p:sp>
+        <p:nvSpPr>
+          <p:cNvPr id="11" name="Rectángulo 10"/>
+          <p:cNvSpPr/>
+          <p:nvPr/>
+        </p:nvSpPr>
+        <p:spPr>
+          <a:xfrm>
+            <a:off x="7872000" y="0"/>
+            <a:ext cx="4320000" cy="720000"/>
+          </a:xfrm>
+          <a:prstGeom prst="rect">
+            <a:avLst/>
+          </a:prstGeom>
+          <a:solidFill>
+            <a:srgbClr val="042252"/>
+          </a:solidFill>
+          <a:ln>
+            <a:noFill/>
+          </a:ln>
+        </p:spPr>
+        <p:style>
+          <a:lnRef idx="2">
+            <a:schemeClr val="accent1">
+              <a:shade val="50000"/>
+            </a:schemeClr>
+          </a:lnRef>
+          <a:fillRef idx="1">
+            <a:schemeClr val="accent1"/>
+          </a:fillRef>
+          <a:effectRef idx="0">
+            <a:schemeClr val="accent1"/>
+          </a:effectRef>
+          <a:fontRef idx="minor">
+            <a:schemeClr val="lt1"/>
+          </a:fontRef>
+        </p:style>
+        <p:txBody>
+          <a:bodyPr rtlCol="0" anchor="ctr"/>
+          <a:lstStyle/>
+          <a:p>
+            <a:pPr algn="r"/>
+            <a:fld id="{A7FA9133-ACFE-4DD5-9EEB-90E0F3C4BA55}" type="slidenum">
+              <a:rPr lang="es-MX" smtClean="0">
+                <a:latin typeface="Roboto" panose="02000000000000000000" pitchFamily="2" charset="0"/>
+                <a:ea typeface="Roboto" panose="02000000000000000000" pitchFamily="2" charset="0"/>
+              </a:rPr>
+              <a:pPr algn="r"/>
+              <a:t>18</a:t>
+            </a:fld>
+            <a:endParaRPr lang="es-MX" dirty="0">
+              <a:latin typeface="Roboto" panose="02000000000000000000" pitchFamily="2" charset="0"/>
+              <a:ea typeface="Roboto" panose="02000000000000000000" pitchFamily="2" charset="0"/>
+            </a:endParaRPr>
+          </a:p>
+        </p:txBody>
+      </p:sp>
+      <p:sp>
+        <p:nvSpPr>
+          <p:cNvPr id="13" name="Rectángulo 12"/>
+          <p:cNvSpPr/>
+          <p:nvPr/>
+        </p:nvSpPr>
+        <p:spPr>
+          <a:xfrm>
+            <a:off x="0" y="6138000"/>
+            <a:ext cx="4320000" cy="720000"/>
+          </a:xfrm>
+          <a:prstGeom prst="rect">
+            <a:avLst/>
+          </a:prstGeom>
+          <a:solidFill>
+            <a:srgbClr val="042252"/>
+          </a:solidFill>
+          <a:ln>
+            <a:noFill/>
+          </a:ln>
+        </p:spPr>
+        <p:style>
+          <a:lnRef idx="2">
+            <a:schemeClr val="accent1">
+              <a:shade val="50000"/>
+            </a:schemeClr>
+          </a:lnRef>
+          <a:fillRef idx="1">
+            <a:schemeClr val="accent1"/>
+          </a:fillRef>
+          <a:effectRef idx="0">
+            <a:schemeClr val="accent1"/>
+          </a:effectRef>
+          <a:fontRef idx="minor">
+            <a:schemeClr val="lt1"/>
+          </a:fontRef>
+        </p:style>
+        <p:txBody>
+          <a:bodyPr rtlCol="0" anchor="ctr"/>
+          <a:lstStyle/>
+          <a:p>
+            <a:pPr algn="ctr"/>
+            <a:endParaRPr lang="es-MX"/>
+          </a:p>
+        </p:txBody>
+      </p:sp>
+      <p:pic>
+        <p:nvPicPr>
+          <p:cNvPr id="17" name="Imagen 16"/>
+          <p:cNvPicPr>
+            <a:picLocks noChangeAspect="1"/>
+          </p:cNvPicPr>
+          <p:nvPr/>
+        </p:nvPicPr>
+        <p:blipFill>
+          <a:blip r:embed="rId2" cstate="print">
+            <a:extLst>
+              <a:ext uri="{28A0092B-C50C-407E-A947-70E740481C1C}">
+                <a14:useLocalDpi xmlns:a14="http://schemas.microsoft.com/office/drawing/2010/main" val="0"/>
+              </a:ext>
+            </a:extLst>
+          </a:blip>
+          <a:stretch>
+            <a:fillRect/>
+          </a:stretch>
+        </p:blipFill>
+        <p:spPr>
+          <a:xfrm>
+            <a:off x="4653497" y="6230167"/>
+            <a:ext cx="535665" cy="535665"/>
+          </a:xfrm>
+          <a:prstGeom prst="rect">
+            <a:avLst/>
+          </a:prstGeom>
+        </p:spPr>
+      </p:pic>
+      <p:pic>
+        <p:nvPicPr>
+          <p:cNvPr id="8" name="Imagen 7"/>
+          <p:cNvPicPr>
+            <a:picLocks noChangeAspect="1"/>
+          </p:cNvPicPr>
+          <p:nvPr/>
+        </p:nvPicPr>
+        <p:blipFill>
+          <a:blip r:embed="rId3" cstate="print">
+            <a:extLst>
+              <a:ext uri="{28A0092B-C50C-407E-A947-70E740481C1C}">
+                <a14:useLocalDpi xmlns:a14="http://schemas.microsoft.com/office/drawing/2010/main" val="0"/>
+              </a:ext>
+            </a:extLst>
+          </a:blip>
+          <a:stretch>
+            <a:fillRect/>
+          </a:stretch>
+        </p:blipFill>
+        <p:spPr>
+          <a:xfrm>
+            <a:off x="5366374" y="6225832"/>
+            <a:ext cx="540000" cy="540000"/>
+          </a:xfrm>
+          <a:prstGeom prst="rect">
+            <a:avLst/>
+          </a:prstGeom>
+        </p:spPr>
+      </p:pic>
+      <p:pic>
+        <p:nvPicPr>
+          <p:cNvPr id="3" name="Imagen 2"/>
+          <p:cNvPicPr>
+            <a:picLocks noChangeAspect="1"/>
+          </p:cNvPicPr>
+          <p:nvPr/>
+        </p:nvPicPr>
+        <p:blipFill rotWithShape="1">
+          <a:blip r:embed="rId4"/>
+          <a:srcRect t="17625" r="63530" b="3959"/>
+          <a:stretch/>
+        </p:blipFill>
+        <p:spPr>
+          <a:xfrm>
+            <a:off x="3913915" y="1254372"/>
+            <a:ext cx="4131222" cy="4765251"/>
+          </a:xfrm>
+          <a:prstGeom prst="rect">
+            <a:avLst/>
+          </a:prstGeom>
+        </p:spPr>
+      </p:pic>
+    </p:spTree>
+    <p:extLst>
+      <p:ext uri="{BB962C8B-B14F-4D97-AF65-F5344CB8AC3E}">
+        <p14:creationId xmlns:p14="http://schemas.microsoft.com/office/powerpoint/2010/main" val="171465513"/>
+      </p:ext>
+    </p:extLst>
+  </p:cSld>
+  <p:clrMapOvr>
+    <a:masterClrMapping/>
+  </p:clrMapOvr>
+  <p:timing>
+    <p:tnLst>
+      <p:par>
+        <p:cTn id="1" dur="indefinite" restart="never" nodeType="tmRoot"/>
+      </p:par>
+    </p:tnLst>
+  </p:timing>
+</p:sld>
+</file>
+
+<file path=ppt/slides/slide19.xml><?xml version="1.0" encoding="utf-8"?>
+<p:sld xmlns:a="http://schemas.openxmlformats.org/drawingml/2006/main" xmlns:r="http://schemas.openxmlformats.org/officeDocument/2006/relationships" xmlns:p="http://schemas.openxmlformats.org/presentationml/2006/main">
+  <p:cSld>
+    <p:spTree>
+      <p:nvGrpSpPr>
+        <p:cNvPr id="1" name=""/>
+        <p:cNvGrpSpPr/>
+        <p:nvPr/>
+      </p:nvGrpSpPr>
+      <p:grpSpPr>
+        <a:xfrm>
+          <a:off x="0" y="0"/>
+          <a:ext cx="0" cy="0"/>
+          <a:chOff x="0" y="0"/>
+          <a:chExt cx="0" cy="0"/>
+        </a:xfrm>
+      </p:grpSpPr>
+      <p:sp>
+        <p:nvSpPr>
+          <p:cNvPr id="2" name="CuadroTexto 1"/>
+          <p:cNvSpPr txBox="1"/>
+          <p:nvPr/>
+        </p:nvSpPr>
+        <p:spPr>
+          <a:xfrm>
+            <a:off x="273465" y="212168"/>
+            <a:ext cx="7598535" cy="646331"/>
+          </a:xfrm>
+          <a:prstGeom prst="rect">
+            <a:avLst/>
+          </a:prstGeom>
+          <a:noFill/>
+        </p:spPr>
+        <p:txBody>
+          <a:bodyPr wrap="square" rtlCol="0">
+            <a:spAutoFit/>
+          </a:bodyPr>
+          <a:lstStyle/>
+          <a:p>
+            <a:r>
+              <a:rPr lang="es-ES" sz="3600" dirty="0" smtClean="0">
+                <a:latin typeface="Roboto" panose="02000000000000000000" pitchFamily="2" charset="0"/>
+                <a:ea typeface="Roboto" panose="02000000000000000000" pitchFamily="2" charset="0"/>
+              </a:rPr>
+              <a:t>Introducción </a:t>
+            </a:r>
+            <a:r>
+              <a:rPr lang="es-ES" sz="3600" dirty="0">
+                <a:latin typeface="Roboto" panose="02000000000000000000" pitchFamily="2" charset="0"/>
+                <a:ea typeface="Roboto" panose="02000000000000000000" pitchFamily="2" charset="0"/>
+              </a:rPr>
+              <a:t>a Microsoft </a:t>
+            </a:r>
+            <a:r>
+              <a:rPr lang="es-ES" sz="3600" dirty="0" err="1">
+                <a:latin typeface="Roboto" panose="02000000000000000000" pitchFamily="2" charset="0"/>
+                <a:ea typeface="Roboto" panose="02000000000000000000" pitchFamily="2" charset="0"/>
+              </a:rPr>
+              <a:t>Azure</a:t>
+            </a:r>
+            <a:r>
+              <a:rPr lang="es-ES" sz="3600" dirty="0">
+                <a:latin typeface="Roboto" panose="02000000000000000000" pitchFamily="2" charset="0"/>
+                <a:ea typeface="Roboto" panose="02000000000000000000" pitchFamily="2" charset="0"/>
+              </a:rPr>
+              <a:t> </a:t>
+            </a:r>
+            <a:r>
+              <a:rPr lang="es-ES" sz="3600" dirty="0" err="1">
+                <a:latin typeface="Roboto" panose="02000000000000000000" pitchFamily="2" charset="0"/>
+                <a:ea typeface="Roboto" panose="02000000000000000000" pitchFamily="2" charset="0"/>
+              </a:rPr>
+              <a:t>IoT</a:t>
+            </a:r>
+            <a:endParaRPr lang="es-MX" sz="3600" dirty="0">
+              <a:latin typeface="Roboto" panose="02000000000000000000" pitchFamily="2" charset="0"/>
+              <a:ea typeface="Roboto" panose="02000000000000000000" pitchFamily="2" charset="0"/>
+            </a:endParaRPr>
+          </a:p>
+        </p:txBody>
+      </p:sp>
+      <p:sp>
+        <p:nvSpPr>
+          <p:cNvPr id="10" name="CuadroTexto 9"/>
+          <p:cNvSpPr txBox="1"/>
+          <p:nvPr/>
+        </p:nvSpPr>
+        <p:spPr>
+          <a:xfrm>
+            <a:off x="346617" y="992762"/>
+            <a:ext cx="11265818" cy="523220"/>
+          </a:xfrm>
+          <a:prstGeom prst="rect">
+            <a:avLst/>
+          </a:prstGeom>
+          <a:noFill/>
+        </p:spPr>
+        <p:txBody>
+          <a:bodyPr wrap="square" rtlCol="0">
+            <a:spAutoFit/>
+          </a:bodyPr>
+          <a:lstStyle/>
+          <a:p>
+            <a:r>
+              <a:rPr lang="es-MX" sz="2800" dirty="0" smtClean="0">
+                <a:solidFill>
+                  <a:srgbClr val="042252"/>
+                </a:solidFill>
+                <a:latin typeface="Roboto Slab" pitchFamily="2" charset="0"/>
+                <a:ea typeface="Roboto Slab" pitchFamily="2" charset="0"/>
+              </a:rPr>
+              <a:t>Crear Dispositivo (</a:t>
+            </a:r>
+            <a:r>
+              <a:rPr lang="es-MX" sz="2800" dirty="0" err="1" smtClean="0">
+                <a:solidFill>
+                  <a:srgbClr val="042252"/>
+                </a:solidFill>
+                <a:latin typeface="Roboto Slab" pitchFamily="2" charset="0"/>
+                <a:ea typeface="Roboto Slab" pitchFamily="2" charset="0"/>
+              </a:rPr>
+              <a:t>Azure</a:t>
+            </a:r>
+            <a:r>
+              <a:rPr lang="es-MX" sz="2800" dirty="0" smtClean="0">
+                <a:solidFill>
+                  <a:srgbClr val="042252"/>
+                </a:solidFill>
+                <a:latin typeface="Roboto Slab" pitchFamily="2" charset="0"/>
+                <a:ea typeface="Roboto Slab" pitchFamily="2" charset="0"/>
+              </a:rPr>
+              <a:t> CLI)</a:t>
+            </a:r>
+            <a:endParaRPr lang="es-MX" sz="2800" dirty="0">
+              <a:solidFill>
+                <a:srgbClr val="042252"/>
+              </a:solidFill>
+              <a:latin typeface="Roboto Slab" pitchFamily="2" charset="0"/>
+              <a:ea typeface="Roboto Slab" pitchFamily="2" charset="0"/>
+            </a:endParaRPr>
+          </a:p>
+        </p:txBody>
+      </p:sp>
+      <p:sp>
+        <p:nvSpPr>
+          <p:cNvPr id="11" name="Rectángulo 10"/>
+          <p:cNvSpPr/>
+          <p:nvPr/>
+        </p:nvSpPr>
+        <p:spPr>
+          <a:xfrm>
+            <a:off x="7872000" y="0"/>
+            <a:ext cx="4320000" cy="720000"/>
+          </a:xfrm>
+          <a:prstGeom prst="rect">
+            <a:avLst/>
+          </a:prstGeom>
+          <a:solidFill>
+            <a:srgbClr val="042252"/>
+          </a:solidFill>
+          <a:ln>
+            <a:noFill/>
+          </a:ln>
+        </p:spPr>
+        <p:style>
+          <a:lnRef idx="2">
+            <a:schemeClr val="accent1">
+              <a:shade val="50000"/>
+            </a:schemeClr>
+          </a:lnRef>
+          <a:fillRef idx="1">
+            <a:schemeClr val="accent1"/>
+          </a:fillRef>
+          <a:effectRef idx="0">
+            <a:schemeClr val="accent1"/>
+          </a:effectRef>
+          <a:fontRef idx="minor">
+            <a:schemeClr val="lt1"/>
+          </a:fontRef>
+        </p:style>
+        <p:txBody>
+          <a:bodyPr rtlCol="0" anchor="ctr"/>
+          <a:lstStyle/>
+          <a:p>
+            <a:pPr algn="r"/>
+            <a:fld id="{A7FA9133-ACFE-4DD5-9EEB-90E0F3C4BA55}" type="slidenum">
+              <a:rPr lang="es-MX" smtClean="0">
+                <a:latin typeface="Roboto" panose="02000000000000000000" pitchFamily="2" charset="0"/>
+                <a:ea typeface="Roboto" panose="02000000000000000000" pitchFamily="2" charset="0"/>
+              </a:rPr>
+              <a:pPr algn="r"/>
+              <a:t>19</a:t>
+            </a:fld>
+            <a:endParaRPr lang="es-MX" dirty="0">
+              <a:latin typeface="Roboto" panose="02000000000000000000" pitchFamily="2" charset="0"/>
+              <a:ea typeface="Roboto" panose="02000000000000000000" pitchFamily="2" charset="0"/>
+            </a:endParaRPr>
+          </a:p>
+        </p:txBody>
+      </p:sp>
+      <p:sp>
+        <p:nvSpPr>
+          <p:cNvPr id="13" name="Rectángulo 12"/>
+          <p:cNvSpPr/>
+          <p:nvPr/>
+        </p:nvSpPr>
+        <p:spPr>
+          <a:xfrm>
+            <a:off x="0" y="6138000"/>
+            <a:ext cx="4320000" cy="720000"/>
+          </a:xfrm>
+          <a:prstGeom prst="rect">
+            <a:avLst/>
+          </a:prstGeom>
+          <a:solidFill>
+            <a:srgbClr val="042252"/>
+          </a:solidFill>
+          <a:ln>
+            <a:noFill/>
+          </a:ln>
+        </p:spPr>
+        <p:style>
+          <a:lnRef idx="2">
+            <a:schemeClr val="accent1">
+              <a:shade val="50000"/>
+            </a:schemeClr>
+          </a:lnRef>
+          <a:fillRef idx="1">
+            <a:schemeClr val="accent1"/>
+          </a:fillRef>
+          <a:effectRef idx="0">
+            <a:schemeClr val="accent1"/>
+          </a:effectRef>
+          <a:fontRef idx="minor">
+            <a:schemeClr val="lt1"/>
+          </a:fontRef>
+        </p:style>
+        <p:txBody>
+          <a:bodyPr rtlCol="0" anchor="ctr"/>
+          <a:lstStyle/>
+          <a:p>
+            <a:pPr algn="ctr"/>
+            <a:endParaRPr lang="es-MX"/>
+          </a:p>
+        </p:txBody>
+      </p:sp>
+      <p:pic>
+        <p:nvPicPr>
+          <p:cNvPr id="17" name="Imagen 16"/>
+          <p:cNvPicPr>
+            <a:picLocks noChangeAspect="1"/>
+          </p:cNvPicPr>
+          <p:nvPr/>
+        </p:nvPicPr>
+        <p:blipFill>
+          <a:blip r:embed="rId2" cstate="print">
+            <a:extLst>
+              <a:ext uri="{28A0092B-C50C-407E-A947-70E740481C1C}">
+                <a14:useLocalDpi xmlns:a14="http://schemas.microsoft.com/office/drawing/2010/main" val="0"/>
+              </a:ext>
+            </a:extLst>
+          </a:blip>
+          <a:stretch>
+            <a:fillRect/>
+          </a:stretch>
+        </p:blipFill>
+        <p:spPr>
+          <a:xfrm>
+            <a:off x="4653497" y="6230167"/>
+            <a:ext cx="535665" cy="535665"/>
+          </a:xfrm>
+          <a:prstGeom prst="rect">
+            <a:avLst/>
+          </a:prstGeom>
+        </p:spPr>
+      </p:pic>
+      <p:pic>
+        <p:nvPicPr>
+          <p:cNvPr id="8" name="Imagen 7"/>
+          <p:cNvPicPr>
+            <a:picLocks noChangeAspect="1"/>
+          </p:cNvPicPr>
+          <p:nvPr/>
+        </p:nvPicPr>
+        <p:blipFill>
+          <a:blip r:embed="rId3" cstate="print">
+            <a:extLst>
+              <a:ext uri="{28A0092B-C50C-407E-A947-70E740481C1C}">
+                <a14:useLocalDpi xmlns:a14="http://schemas.microsoft.com/office/drawing/2010/main" val="0"/>
+              </a:ext>
+            </a:extLst>
+          </a:blip>
+          <a:stretch>
+            <a:fillRect/>
+          </a:stretch>
+        </p:blipFill>
+        <p:spPr>
+          <a:xfrm>
+            <a:off x="5366374" y="6225832"/>
+            <a:ext cx="540000" cy="540000"/>
+          </a:xfrm>
+          <a:prstGeom prst="rect">
+            <a:avLst/>
+          </a:prstGeom>
+        </p:spPr>
+      </p:pic>
+      <p:sp>
+        <p:nvSpPr>
+          <p:cNvPr id="9" name="Google Shape;106;p15"/>
+          <p:cNvSpPr txBox="1"/>
+          <p:nvPr/>
+        </p:nvSpPr>
+        <p:spPr>
+          <a:xfrm>
+            <a:off x="281959" y="1578498"/>
+            <a:ext cx="9883200" cy="4215812"/>
+          </a:xfrm>
+          <a:prstGeom prst="rect">
+            <a:avLst/>
+          </a:prstGeom>
+          <a:noFill/>
+          <a:ln>
+            <a:noFill/>
+          </a:ln>
+        </p:spPr>
+        <p:txBody>
+          <a:bodyPr spcFirstLastPara="1" wrap="square" lIns="91425" tIns="91425" rIns="91425" bIns="91425" anchor="t" anchorCtr="0">
+            <a:noAutofit/>
+          </a:bodyPr>
+          <a:lstStyle/>
+          <a:p>
+            <a:pPr marL="285750" lvl="0" indent="-285750">
+              <a:lnSpc>
+                <a:spcPct val="115000"/>
+              </a:lnSpc>
+              <a:buFont typeface="Arial" panose="020B0604020202020204" pitchFamily="34" charset="0"/>
+              <a:buChar char="•"/>
+            </a:pPr>
+            <a:r>
+              <a:rPr lang="es-MX" dirty="0">
+                <a:solidFill>
+                  <a:srgbClr val="737373"/>
+                </a:solidFill>
+                <a:latin typeface="Roboto"/>
+                <a:ea typeface="Roboto"/>
+                <a:cs typeface="Roboto"/>
+                <a:sym typeface="Roboto"/>
+              </a:rPr>
+              <a:t>az </a:t>
+            </a:r>
+            <a:r>
+              <a:rPr lang="es-MX" dirty="0" err="1">
+                <a:solidFill>
+                  <a:srgbClr val="737373"/>
+                </a:solidFill>
+                <a:latin typeface="Roboto"/>
+                <a:ea typeface="Roboto"/>
+                <a:cs typeface="Roboto"/>
+                <a:sym typeface="Roboto"/>
+              </a:rPr>
+              <a:t>iot</a:t>
+            </a:r>
+            <a:r>
+              <a:rPr lang="es-MX" dirty="0">
+                <a:solidFill>
+                  <a:srgbClr val="737373"/>
+                </a:solidFill>
+                <a:latin typeface="Roboto"/>
+                <a:ea typeface="Roboto"/>
+                <a:cs typeface="Roboto"/>
+                <a:sym typeface="Roboto"/>
+              </a:rPr>
+              <a:t> </a:t>
+            </a:r>
+            <a:r>
+              <a:rPr lang="es-MX" dirty="0" err="1">
+                <a:solidFill>
+                  <a:srgbClr val="737373"/>
+                </a:solidFill>
+                <a:latin typeface="Roboto"/>
+                <a:ea typeface="Roboto"/>
+                <a:cs typeface="Roboto"/>
+                <a:sym typeface="Roboto"/>
+              </a:rPr>
+              <a:t>hub</a:t>
+            </a:r>
+            <a:r>
+              <a:rPr lang="es-MX" dirty="0">
+                <a:solidFill>
+                  <a:srgbClr val="737373"/>
+                </a:solidFill>
+                <a:latin typeface="Roboto"/>
+                <a:ea typeface="Roboto"/>
+                <a:cs typeface="Roboto"/>
+                <a:sym typeface="Roboto"/>
+              </a:rPr>
+              <a:t> </a:t>
+            </a:r>
+            <a:r>
+              <a:rPr lang="es-MX" dirty="0" err="1">
+                <a:solidFill>
+                  <a:srgbClr val="737373"/>
+                </a:solidFill>
+                <a:latin typeface="Roboto"/>
+                <a:ea typeface="Roboto"/>
+                <a:cs typeface="Roboto"/>
+                <a:sym typeface="Roboto"/>
+              </a:rPr>
+              <a:t>device-identity</a:t>
+            </a:r>
+            <a:r>
+              <a:rPr lang="es-MX" dirty="0">
+                <a:solidFill>
+                  <a:srgbClr val="737373"/>
+                </a:solidFill>
+                <a:latin typeface="Roboto"/>
+                <a:ea typeface="Roboto"/>
+                <a:cs typeface="Roboto"/>
+                <a:sym typeface="Roboto"/>
+              </a:rPr>
+              <a:t> </a:t>
+            </a:r>
+            <a:r>
+              <a:rPr lang="es-MX" dirty="0" err="1">
+                <a:solidFill>
+                  <a:srgbClr val="737373"/>
+                </a:solidFill>
+                <a:latin typeface="Roboto"/>
+                <a:ea typeface="Roboto"/>
+                <a:cs typeface="Roboto"/>
+                <a:sym typeface="Roboto"/>
+              </a:rPr>
+              <a:t>create</a:t>
+            </a:r>
+            <a:r>
+              <a:rPr lang="es-MX" dirty="0">
+                <a:solidFill>
+                  <a:srgbClr val="737373"/>
+                </a:solidFill>
+                <a:latin typeface="Roboto"/>
+                <a:ea typeface="Roboto"/>
+                <a:cs typeface="Roboto"/>
+                <a:sym typeface="Roboto"/>
+              </a:rPr>
+              <a:t> -n </a:t>
+            </a:r>
+            <a:r>
+              <a:rPr lang="es-MX" dirty="0" smtClean="0">
+                <a:solidFill>
+                  <a:srgbClr val="737373"/>
+                </a:solidFill>
+                <a:latin typeface="Roboto"/>
+                <a:ea typeface="Roboto"/>
+                <a:cs typeface="Roboto"/>
+                <a:sym typeface="Roboto"/>
+              </a:rPr>
+              <a:t>{</a:t>
+            </a:r>
+            <a:r>
+              <a:rPr lang="es-MX" dirty="0" err="1" smtClean="0">
+                <a:solidFill>
+                  <a:srgbClr val="737373"/>
+                </a:solidFill>
+                <a:latin typeface="Roboto"/>
+                <a:ea typeface="Roboto"/>
+                <a:cs typeface="Roboto"/>
+                <a:sym typeface="Roboto"/>
+              </a:rPr>
+              <a:t>IoT</a:t>
+            </a:r>
+            <a:r>
+              <a:rPr lang="es-MX" dirty="0" smtClean="0">
+                <a:solidFill>
+                  <a:srgbClr val="737373"/>
+                </a:solidFill>
+                <a:latin typeface="Roboto"/>
+                <a:ea typeface="Roboto"/>
+                <a:cs typeface="Roboto"/>
+                <a:sym typeface="Roboto"/>
+              </a:rPr>
+              <a:t> </a:t>
+            </a:r>
+            <a:r>
+              <a:rPr lang="es-MX" dirty="0" err="1" smtClean="0">
+                <a:solidFill>
+                  <a:srgbClr val="737373"/>
+                </a:solidFill>
+                <a:latin typeface="Roboto"/>
+                <a:ea typeface="Roboto"/>
+                <a:cs typeface="Roboto"/>
+                <a:sym typeface="Roboto"/>
+              </a:rPr>
+              <a:t>Hub</a:t>
+            </a:r>
+            <a:r>
+              <a:rPr lang="es-MX" dirty="0" smtClean="0">
+                <a:solidFill>
+                  <a:srgbClr val="737373"/>
+                </a:solidFill>
+                <a:latin typeface="Roboto"/>
+                <a:ea typeface="Roboto"/>
+                <a:cs typeface="Roboto"/>
+                <a:sym typeface="Roboto"/>
+              </a:rPr>
+              <a:t> </a:t>
+            </a:r>
+            <a:r>
+              <a:rPr lang="es-MX" dirty="0" err="1" smtClean="0">
+                <a:solidFill>
+                  <a:srgbClr val="737373"/>
+                </a:solidFill>
+                <a:latin typeface="Roboto"/>
+                <a:ea typeface="Roboto"/>
+                <a:cs typeface="Roboto"/>
+                <a:sym typeface="Roboto"/>
+              </a:rPr>
+              <a:t>Name</a:t>
+            </a:r>
+            <a:r>
+              <a:rPr lang="es-MX" dirty="0" smtClean="0">
+                <a:solidFill>
+                  <a:srgbClr val="737373"/>
+                </a:solidFill>
+                <a:latin typeface="Roboto"/>
+                <a:ea typeface="Roboto"/>
+                <a:cs typeface="Roboto"/>
+                <a:sym typeface="Roboto"/>
+              </a:rPr>
+              <a:t>} </a:t>
+            </a:r>
+            <a:r>
+              <a:rPr lang="es-MX" dirty="0">
+                <a:solidFill>
+                  <a:srgbClr val="737373"/>
+                </a:solidFill>
+                <a:latin typeface="Roboto"/>
+                <a:ea typeface="Roboto"/>
+                <a:cs typeface="Roboto"/>
+                <a:sym typeface="Roboto"/>
+              </a:rPr>
+              <a:t>-d </a:t>
+            </a:r>
+            <a:r>
+              <a:rPr lang="es-MX" dirty="0" smtClean="0">
+                <a:solidFill>
+                  <a:srgbClr val="737373"/>
+                </a:solidFill>
+                <a:latin typeface="Roboto"/>
+                <a:ea typeface="Roboto"/>
+                <a:cs typeface="Roboto"/>
+                <a:sym typeface="Roboto"/>
+              </a:rPr>
+              <a:t>{</a:t>
+            </a:r>
+            <a:r>
+              <a:rPr lang="es-MX" dirty="0" err="1" smtClean="0">
+                <a:solidFill>
+                  <a:srgbClr val="737373"/>
+                </a:solidFill>
+                <a:latin typeface="Roboto"/>
+                <a:ea typeface="Roboto"/>
+                <a:cs typeface="Roboto"/>
+                <a:sym typeface="Roboto"/>
+              </a:rPr>
+              <a:t>Device</a:t>
+            </a:r>
+            <a:r>
+              <a:rPr lang="es-MX" dirty="0" smtClean="0">
+                <a:solidFill>
+                  <a:srgbClr val="737373"/>
+                </a:solidFill>
+                <a:latin typeface="Roboto"/>
+                <a:ea typeface="Roboto"/>
+                <a:cs typeface="Roboto"/>
+                <a:sym typeface="Roboto"/>
+              </a:rPr>
+              <a:t> </a:t>
+            </a:r>
+            <a:r>
+              <a:rPr lang="es-MX" dirty="0" err="1" smtClean="0">
+                <a:solidFill>
+                  <a:srgbClr val="737373"/>
+                </a:solidFill>
+                <a:latin typeface="Roboto"/>
+                <a:ea typeface="Roboto"/>
+                <a:cs typeface="Roboto"/>
+                <a:sym typeface="Roboto"/>
+              </a:rPr>
+              <a:t>name</a:t>
+            </a:r>
+            <a:r>
+              <a:rPr lang="es-MX" dirty="0" smtClean="0">
+                <a:solidFill>
+                  <a:srgbClr val="737373"/>
+                </a:solidFill>
+                <a:latin typeface="Roboto"/>
+                <a:ea typeface="Roboto"/>
+                <a:cs typeface="Roboto"/>
+                <a:sym typeface="Roboto"/>
+              </a:rPr>
+              <a:t>}</a:t>
+            </a:r>
+            <a:endParaRPr sz="1800" dirty="0">
+              <a:solidFill>
+                <a:srgbClr val="737373"/>
+              </a:solidFill>
+              <a:latin typeface="Roboto"/>
+              <a:ea typeface="Roboto"/>
+              <a:cs typeface="Roboto"/>
+              <a:sym typeface="Roboto"/>
+            </a:endParaRPr>
+          </a:p>
+        </p:txBody>
+      </p:sp>
+      <p:pic>
+        <p:nvPicPr>
+          <p:cNvPr id="4" name="Imagen 3"/>
+          <p:cNvPicPr>
+            <a:picLocks noChangeAspect="1"/>
+          </p:cNvPicPr>
+          <p:nvPr/>
+        </p:nvPicPr>
+        <p:blipFill rotWithShape="1">
+          <a:blip r:embed="rId4"/>
+          <a:srcRect t="38804" b="9373"/>
+          <a:stretch/>
+        </p:blipFill>
+        <p:spPr>
+          <a:xfrm>
+            <a:off x="366929" y="2441448"/>
+            <a:ext cx="11380313" cy="3163824"/>
+          </a:xfrm>
+          <a:prstGeom prst="rect">
+            <a:avLst/>
+          </a:prstGeom>
+        </p:spPr>
+      </p:pic>
+    </p:spTree>
+    <p:extLst>
+      <p:ext uri="{BB962C8B-B14F-4D97-AF65-F5344CB8AC3E}">
+        <p14:creationId xmlns:p14="http://schemas.microsoft.com/office/powerpoint/2010/main" val="2278094903"/>
       </p:ext>
     </p:extLst>
   </p:cSld>
@@ -6005,6 +8676,695 @@
     <p:extLst>
       <p:ext uri="{BB962C8B-B14F-4D97-AF65-F5344CB8AC3E}">
         <p14:creationId xmlns:p14="http://schemas.microsoft.com/office/powerpoint/2010/main" val="1681886212"/>
+      </p:ext>
+    </p:extLst>
+  </p:cSld>
+  <p:clrMapOvr>
+    <a:masterClrMapping/>
+  </p:clrMapOvr>
+  <p:timing>
+    <p:tnLst>
+      <p:par>
+        <p:cTn id="1" dur="indefinite" restart="never" nodeType="tmRoot"/>
+      </p:par>
+    </p:tnLst>
+  </p:timing>
+</p:sld>
+</file>
+
+<file path=ppt/slides/slide20.xml><?xml version="1.0" encoding="utf-8"?>
+<p:sld xmlns:a="http://schemas.openxmlformats.org/drawingml/2006/main" xmlns:r="http://schemas.openxmlformats.org/officeDocument/2006/relationships" xmlns:p="http://schemas.openxmlformats.org/presentationml/2006/main">
+  <p:cSld>
+    <p:spTree>
+      <p:nvGrpSpPr>
+        <p:cNvPr id="1" name=""/>
+        <p:cNvGrpSpPr/>
+        <p:nvPr/>
+      </p:nvGrpSpPr>
+      <p:grpSpPr>
+        <a:xfrm>
+          <a:off x="0" y="0"/>
+          <a:ext cx="0" cy="0"/>
+          <a:chOff x="0" y="0"/>
+          <a:chExt cx="0" cy="0"/>
+        </a:xfrm>
+      </p:grpSpPr>
+      <p:sp>
+        <p:nvSpPr>
+          <p:cNvPr id="2" name="CuadroTexto 1"/>
+          <p:cNvSpPr txBox="1"/>
+          <p:nvPr/>
+        </p:nvSpPr>
+        <p:spPr>
+          <a:xfrm>
+            <a:off x="273465" y="212168"/>
+            <a:ext cx="7598535" cy="646331"/>
+          </a:xfrm>
+          <a:prstGeom prst="rect">
+            <a:avLst/>
+          </a:prstGeom>
+          <a:noFill/>
+        </p:spPr>
+        <p:txBody>
+          <a:bodyPr wrap="square" rtlCol="0">
+            <a:spAutoFit/>
+          </a:bodyPr>
+          <a:lstStyle/>
+          <a:p>
+            <a:r>
+              <a:rPr lang="es-ES" sz="3600" dirty="0" smtClean="0">
+                <a:latin typeface="Roboto" panose="02000000000000000000" pitchFamily="2" charset="0"/>
+                <a:ea typeface="Roboto" panose="02000000000000000000" pitchFamily="2" charset="0"/>
+              </a:rPr>
+              <a:t>Introducción </a:t>
+            </a:r>
+            <a:r>
+              <a:rPr lang="es-ES" sz="3600" dirty="0">
+                <a:latin typeface="Roboto" panose="02000000000000000000" pitchFamily="2" charset="0"/>
+                <a:ea typeface="Roboto" panose="02000000000000000000" pitchFamily="2" charset="0"/>
+              </a:rPr>
+              <a:t>a Microsoft </a:t>
+            </a:r>
+            <a:r>
+              <a:rPr lang="es-ES" sz="3600" dirty="0" err="1">
+                <a:latin typeface="Roboto" panose="02000000000000000000" pitchFamily="2" charset="0"/>
+                <a:ea typeface="Roboto" panose="02000000000000000000" pitchFamily="2" charset="0"/>
+              </a:rPr>
+              <a:t>Azure</a:t>
+            </a:r>
+            <a:r>
+              <a:rPr lang="es-ES" sz="3600" dirty="0">
+                <a:latin typeface="Roboto" panose="02000000000000000000" pitchFamily="2" charset="0"/>
+                <a:ea typeface="Roboto" panose="02000000000000000000" pitchFamily="2" charset="0"/>
+              </a:rPr>
+              <a:t> </a:t>
+            </a:r>
+            <a:r>
+              <a:rPr lang="es-ES" sz="3600" dirty="0" err="1">
+                <a:latin typeface="Roboto" panose="02000000000000000000" pitchFamily="2" charset="0"/>
+                <a:ea typeface="Roboto" panose="02000000000000000000" pitchFamily="2" charset="0"/>
+              </a:rPr>
+              <a:t>IoT</a:t>
+            </a:r>
+            <a:endParaRPr lang="es-MX" sz="3600" dirty="0">
+              <a:latin typeface="Roboto" panose="02000000000000000000" pitchFamily="2" charset="0"/>
+              <a:ea typeface="Roboto" panose="02000000000000000000" pitchFamily="2" charset="0"/>
+            </a:endParaRPr>
+          </a:p>
+        </p:txBody>
+      </p:sp>
+      <p:sp>
+        <p:nvSpPr>
+          <p:cNvPr id="10" name="CuadroTexto 9"/>
+          <p:cNvSpPr txBox="1"/>
+          <p:nvPr/>
+        </p:nvSpPr>
+        <p:spPr>
+          <a:xfrm>
+            <a:off x="346617" y="992762"/>
+            <a:ext cx="11265818" cy="523220"/>
+          </a:xfrm>
+          <a:prstGeom prst="rect">
+            <a:avLst/>
+          </a:prstGeom>
+          <a:noFill/>
+        </p:spPr>
+        <p:txBody>
+          <a:bodyPr wrap="square" rtlCol="0">
+            <a:spAutoFit/>
+          </a:bodyPr>
+          <a:lstStyle/>
+          <a:p>
+            <a:r>
+              <a:rPr lang="es-MX" sz="2800" dirty="0" smtClean="0">
+                <a:solidFill>
+                  <a:srgbClr val="042252"/>
+                </a:solidFill>
+                <a:latin typeface="Roboto Slab" pitchFamily="2" charset="0"/>
+                <a:ea typeface="Roboto Slab" pitchFamily="2" charset="0"/>
+              </a:rPr>
+              <a:t>Conectando Dispositivo con </a:t>
+            </a:r>
+            <a:r>
+              <a:rPr lang="es-MX" sz="2800" dirty="0" err="1" smtClean="0">
+                <a:solidFill>
+                  <a:srgbClr val="042252"/>
+                </a:solidFill>
+                <a:latin typeface="Roboto Slab" pitchFamily="2" charset="0"/>
+                <a:ea typeface="Roboto Slab" pitchFamily="2" charset="0"/>
+              </a:rPr>
+              <a:t>IoT</a:t>
+            </a:r>
+            <a:r>
+              <a:rPr lang="es-MX" sz="2800" dirty="0" smtClean="0">
+                <a:solidFill>
+                  <a:srgbClr val="042252"/>
+                </a:solidFill>
+                <a:latin typeface="Roboto Slab" pitchFamily="2" charset="0"/>
+                <a:ea typeface="Roboto Slab" pitchFamily="2" charset="0"/>
+              </a:rPr>
+              <a:t> HUB</a:t>
+            </a:r>
+            <a:endParaRPr lang="es-MX" sz="2800" dirty="0">
+              <a:solidFill>
+                <a:srgbClr val="042252"/>
+              </a:solidFill>
+              <a:latin typeface="Roboto Slab" pitchFamily="2" charset="0"/>
+              <a:ea typeface="Roboto Slab" pitchFamily="2" charset="0"/>
+            </a:endParaRPr>
+          </a:p>
+        </p:txBody>
+      </p:sp>
+      <p:sp>
+        <p:nvSpPr>
+          <p:cNvPr id="11" name="Rectángulo 10"/>
+          <p:cNvSpPr/>
+          <p:nvPr/>
+        </p:nvSpPr>
+        <p:spPr>
+          <a:xfrm>
+            <a:off x="7872000" y="0"/>
+            <a:ext cx="4320000" cy="720000"/>
+          </a:xfrm>
+          <a:prstGeom prst="rect">
+            <a:avLst/>
+          </a:prstGeom>
+          <a:solidFill>
+            <a:srgbClr val="042252"/>
+          </a:solidFill>
+          <a:ln>
+            <a:noFill/>
+          </a:ln>
+        </p:spPr>
+        <p:style>
+          <a:lnRef idx="2">
+            <a:schemeClr val="accent1">
+              <a:shade val="50000"/>
+            </a:schemeClr>
+          </a:lnRef>
+          <a:fillRef idx="1">
+            <a:schemeClr val="accent1"/>
+          </a:fillRef>
+          <a:effectRef idx="0">
+            <a:schemeClr val="accent1"/>
+          </a:effectRef>
+          <a:fontRef idx="minor">
+            <a:schemeClr val="lt1"/>
+          </a:fontRef>
+        </p:style>
+        <p:txBody>
+          <a:bodyPr rtlCol="0" anchor="ctr"/>
+          <a:lstStyle/>
+          <a:p>
+            <a:pPr algn="r"/>
+            <a:fld id="{A7FA9133-ACFE-4DD5-9EEB-90E0F3C4BA55}" type="slidenum">
+              <a:rPr lang="es-MX" smtClean="0">
+                <a:latin typeface="Roboto" panose="02000000000000000000" pitchFamily="2" charset="0"/>
+                <a:ea typeface="Roboto" panose="02000000000000000000" pitchFamily="2" charset="0"/>
+              </a:rPr>
+              <a:pPr algn="r"/>
+              <a:t>20</a:t>
+            </a:fld>
+            <a:endParaRPr lang="es-MX" dirty="0">
+              <a:latin typeface="Roboto" panose="02000000000000000000" pitchFamily="2" charset="0"/>
+              <a:ea typeface="Roboto" panose="02000000000000000000" pitchFamily="2" charset="0"/>
+            </a:endParaRPr>
+          </a:p>
+        </p:txBody>
+      </p:sp>
+      <p:sp>
+        <p:nvSpPr>
+          <p:cNvPr id="13" name="Rectángulo 12"/>
+          <p:cNvSpPr/>
+          <p:nvPr/>
+        </p:nvSpPr>
+        <p:spPr>
+          <a:xfrm>
+            <a:off x="0" y="6138000"/>
+            <a:ext cx="4320000" cy="720000"/>
+          </a:xfrm>
+          <a:prstGeom prst="rect">
+            <a:avLst/>
+          </a:prstGeom>
+          <a:solidFill>
+            <a:srgbClr val="042252"/>
+          </a:solidFill>
+          <a:ln>
+            <a:noFill/>
+          </a:ln>
+        </p:spPr>
+        <p:style>
+          <a:lnRef idx="2">
+            <a:schemeClr val="accent1">
+              <a:shade val="50000"/>
+            </a:schemeClr>
+          </a:lnRef>
+          <a:fillRef idx="1">
+            <a:schemeClr val="accent1"/>
+          </a:fillRef>
+          <a:effectRef idx="0">
+            <a:schemeClr val="accent1"/>
+          </a:effectRef>
+          <a:fontRef idx="minor">
+            <a:schemeClr val="lt1"/>
+          </a:fontRef>
+        </p:style>
+        <p:txBody>
+          <a:bodyPr rtlCol="0" anchor="ctr"/>
+          <a:lstStyle/>
+          <a:p>
+            <a:pPr algn="ctr"/>
+            <a:endParaRPr lang="es-MX"/>
+          </a:p>
+        </p:txBody>
+      </p:sp>
+      <p:pic>
+        <p:nvPicPr>
+          <p:cNvPr id="17" name="Imagen 16"/>
+          <p:cNvPicPr>
+            <a:picLocks noChangeAspect="1"/>
+          </p:cNvPicPr>
+          <p:nvPr/>
+        </p:nvPicPr>
+        <p:blipFill>
+          <a:blip r:embed="rId2" cstate="print">
+            <a:extLst>
+              <a:ext uri="{28A0092B-C50C-407E-A947-70E740481C1C}">
+                <a14:useLocalDpi xmlns:a14="http://schemas.microsoft.com/office/drawing/2010/main" val="0"/>
+              </a:ext>
+            </a:extLst>
+          </a:blip>
+          <a:stretch>
+            <a:fillRect/>
+          </a:stretch>
+        </p:blipFill>
+        <p:spPr>
+          <a:xfrm>
+            <a:off x="4653497" y="6230167"/>
+            <a:ext cx="535665" cy="535665"/>
+          </a:xfrm>
+          <a:prstGeom prst="rect">
+            <a:avLst/>
+          </a:prstGeom>
+        </p:spPr>
+      </p:pic>
+      <p:pic>
+        <p:nvPicPr>
+          <p:cNvPr id="8" name="Imagen 7"/>
+          <p:cNvPicPr>
+            <a:picLocks noChangeAspect="1"/>
+          </p:cNvPicPr>
+          <p:nvPr/>
+        </p:nvPicPr>
+        <p:blipFill>
+          <a:blip r:embed="rId3" cstate="print">
+            <a:extLst>
+              <a:ext uri="{28A0092B-C50C-407E-A947-70E740481C1C}">
+                <a14:useLocalDpi xmlns:a14="http://schemas.microsoft.com/office/drawing/2010/main" val="0"/>
+              </a:ext>
+            </a:extLst>
+          </a:blip>
+          <a:stretch>
+            <a:fillRect/>
+          </a:stretch>
+        </p:blipFill>
+        <p:spPr>
+          <a:xfrm>
+            <a:off x="5366374" y="6225832"/>
+            <a:ext cx="540000" cy="540000"/>
+          </a:xfrm>
+          <a:prstGeom prst="rect">
+            <a:avLst/>
+          </a:prstGeom>
+        </p:spPr>
+      </p:pic>
+      <p:pic>
+        <p:nvPicPr>
+          <p:cNvPr id="3" name="Imagen 2"/>
+          <p:cNvPicPr>
+            <a:picLocks noChangeAspect="1"/>
+          </p:cNvPicPr>
+          <p:nvPr/>
+        </p:nvPicPr>
+        <p:blipFill>
+          <a:blip r:embed="rId4"/>
+          <a:stretch>
+            <a:fillRect/>
+          </a:stretch>
+        </p:blipFill>
+        <p:spPr>
+          <a:xfrm>
+            <a:off x="3135033" y="1515982"/>
+            <a:ext cx="5002681" cy="4319327"/>
+          </a:xfrm>
+          <a:prstGeom prst="rect">
+            <a:avLst/>
+          </a:prstGeom>
+        </p:spPr>
+      </p:pic>
+    </p:spTree>
+    <p:extLst>
+      <p:ext uri="{BB962C8B-B14F-4D97-AF65-F5344CB8AC3E}">
+        <p14:creationId xmlns:p14="http://schemas.microsoft.com/office/powerpoint/2010/main" val="3067077850"/>
+      </p:ext>
+    </p:extLst>
+  </p:cSld>
+  <p:clrMapOvr>
+    <a:masterClrMapping/>
+  </p:clrMapOvr>
+  <p:timing>
+    <p:tnLst>
+      <p:par>
+        <p:cTn id="1" dur="indefinite" restart="never" nodeType="tmRoot"/>
+      </p:par>
+    </p:tnLst>
+  </p:timing>
+</p:sld>
+</file>
+
+<file path=ppt/slides/slide21.xml><?xml version="1.0" encoding="utf-8"?>
+<p:sld xmlns:a="http://schemas.openxmlformats.org/drawingml/2006/main" xmlns:r="http://schemas.openxmlformats.org/officeDocument/2006/relationships" xmlns:p="http://schemas.openxmlformats.org/presentationml/2006/main">
+  <p:cSld>
+    <p:spTree>
+      <p:nvGrpSpPr>
+        <p:cNvPr id="1" name=""/>
+        <p:cNvGrpSpPr/>
+        <p:nvPr/>
+      </p:nvGrpSpPr>
+      <p:grpSpPr>
+        <a:xfrm>
+          <a:off x="0" y="0"/>
+          <a:ext cx="0" cy="0"/>
+          <a:chOff x="0" y="0"/>
+          <a:chExt cx="0" cy="0"/>
+        </a:xfrm>
+      </p:grpSpPr>
+      <p:sp>
+        <p:nvSpPr>
+          <p:cNvPr id="2" name="CuadroTexto 1"/>
+          <p:cNvSpPr txBox="1"/>
+          <p:nvPr/>
+        </p:nvSpPr>
+        <p:spPr>
+          <a:xfrm>
+            <a:off x="273465" y="212168"/>
+            <a:ext cx="7598535" cy="646331"/>
+          </a:xfrm>
+          <a:prstGeom prst="rect">
+            <a:avLst/>
+          </a:prstGeom>
+          <a:noFill/>
+        </p:spPr>
+        <p:txBody>
+          <a:bodyPr wrap="square" rtlCol="0">
+            <a:spAutoFit/>
+          </a:bodyPr>
+          <a:lstStyle/>
+          <a:p>
+            <a:r>
+              <a:rPr lang="es-ES" sz="3600" dirty="0" smtClean="0">
+                <a:latin typeface="Roboto" panose="02000000000000000000" pitchFamily="2" charset="0"/>
+                <a:ea typeface="Roboto" panose="02000000000000000000" pitchFamily="2" charset="0"/>
+              </a:rPr>
+              <a:t>Introducción </a:t>
+            </a:r>
+            <a:r>
+              <a:rPr lang="es-ES" sz="3600" dirty="0">
+                <a:latin typeface="Roboto" panose="02000000000000000000" pitchFamily="2" charset="0"/>
+                <a:ea typeface="Roboto" panose="02000000000000000000" pitchFamily="2" charset="0"/>
+              </a:rPr>
+              <a:t>a Microsoft </a:t>
+            </a:r>
+            <a:r>
+              <a:rPr lang="es-ES" sz="3600" dirty="0" err="1">
+                <a:latin typeface="Roboto" panose="02000000000000000000" pitchFamily="2" charset="0"/>
+                <a:ea typeface="Roboto" panose="02000000000000000000" pitchFamily="2" charset="0"/>
+              </a:rPr>
+              <a:t>Azure</a:t>
+            </a:r>
+            <a:r>
+              <a:rPr lang="es-ES" sz="3600" dirty="0">
+                <a:latin typeface="Roboto" panose="02000000000000000000" pitchFamily="2" charset="0"/>
+                <a:ea typeface="Roboto" panose="02000000000000000000" pitchFamily="2" charset="0"/>
+              </a:rPr>
+              <a:t> </a:t>
+            </a:r>
+            <a:r>
+              <a:rPr lang="es-ES" sz="3600" dirty="0" err="1">
+                <a:latin typeface="Roboto" panose="02000000000000000000" pitchFamily="2" charset="0"/>
+                <a:ea typeface="Roboto" panose="02000000000000000000" pitchFamily="2" charset="0"/>
+              </a:rPr>
+              <a:t>IoT</a:t>
+            </a:r>
+            <a:endParaRPr lang="es-MX" sz="3600" dirty="0">
+              <a:latin typeface="Roboto" panose="02000000000000000000" pitchFamily="2" charset="0"/>
+              <a:ea typeface="Roboto" panose="02000000000000000000" pitchFamily="2" charset="0"/>
+            </a:endParaRPr>
+          </a:p>
+        </p:txBody>
+      </p:sp>
+      <p:sp>
+        <p:nvSpPr>
+          <p:cNvPr id="10" name="CuadroTexto 9"/>
+          <p:cNvSpPr txBox="1"/>
+          <p:nvPr/>
+        </p:nvSpPr>
+        <p:spPr>
+          <a:xfrm>
+            <a:off x="346617" y="992762"/>
+            <a:ext cx="11265818" cy="523220"/>
+          </a:xfrm>
+          <a:prstGeom prst="rect">
+            <a:avLst/>
+          </a:prstGeom>
+          <a:noFill/>
+        </p:spPr>
+        <p:txBody>
+          <a:bodyPr wrap="square" rtlCol="0">
+            <a:spAutoFit/>
+          </a:bodyPr>
+          <a:lstStyle/>
+          <a:p>
+            <a:r>
+              <a:rPr lang="es-MX" sz="2800" dirty="0" smtClean="0">
+                <a:solidFill>
+                  <a:srgbClr val="042252"/>
+                </a:solidFill>
+                <a:latin typeface="Roboto Slab" pitchFamily="2" charset="0"/>
+                <a:ea typeface="Roboto Slab" pitchFamily="2" charset="0"/>
+              </a:rPr>
+              <a:t>Generando </a:t>
+            </a:r>
+            <a:r>
+              <a:rPr lang="es-MX" sz="2800" dirty="0" err="1" smtClean="0">
+                <a:solidFill>
+                  <a:srgbClr val="042252"/>
+                </a:solidFill>
+                <a:latin typeface="Roboto Slab" pitchFamily="2" charset="0"/>
+                <a:ea typeface="Roboto Slab" pitchFamily="2" charset="0"/>
+              </a:rPr>
+              <a:t>Tokens</a:t>
+            </a:r>
+            <a:endParaRPr lang="es-MX" sz="2800" dirty="0">
+              <a:solidFill>
+                <a:srgbClr val="042252"/>
+              </a:solidFill>
+              <a:latin typeface="Roboto Slab" pitchFamily="2" charset="0"/>
+              <a:ea typeface="Roboto Slab" pitchFamily="2" charset="0"/>
+            </a:endParaRPr>
+          </a:p>
+        </p:txBody>
+      </p:sp>
+      <p:sp>
+        <p:nvSpPr>
+          <p:cNvPr id="11" name="Rectángulo 10"/>
+          <p:cNvSpPr/>
+          <p:nvPr/>
+        </p:nvSpPr>
+        <p:spPr>
+          <a:xfrm>
+            <a:off x="7872000" y="0"/>
+            <a:ext cx="4320000" cy="720000"/>
+          </a:xfrm>
+          <a:prstGeom prst="rect">
+            <a:avLst/>
+          </a:prstGeom>
+          <a:solidFill>
+            <a:srgbClr val="042252"/>
+          </a:solidFill>
+          <a:ln>
+            <a:noFill/>
+          </a:ln>
+        </p:spPr>
+        <p:style>
+          <a:lnRef idx="2">
+            <a:schemeClr val="accent1">
+              <a:shade val="50000"/>
+            </a:schemeClr>
+          </a:lnRef>
+          <a:fillRef idx="1">
+            <a:schemeClr val="accent1"/>
+          </a:fillRef>
+          <a:effectRef idx="0">
+            <a:schemeClr val="accent1"/>
+          </a:effectRef>
+          <a:fontRef idx="minor">
+            <a:schemeClr val="lt1"/>
+          </a:fontRef>
+        </p:style>
+        <p:txBody>
+          <a:bodyPr rtlCol="0" anchor="ctr"/>
+          <a:lstStyle/>
+          <a:p>
+            <a:pPr algn="r"/>
+            <a:fld id="{A7FA9133-ACFE-4DD5-9EEB-90E0F3C4BA55}" type="slidenum">
+              <a:rPr lang="es-MX" smtClean="0">
+                <a:latin typeface="Roboto" panose="02000000000000000000" pitchFamily="2" charset="0"/>
+                <a:ea typeface="Roboto" panose="02000000000000000000" pitchFamily="2" charset="0"/>
+              </a:rPr>
+              <a:pPr algn="r"/>
+              <a:t>21</a:t>
+            </a:fld>
+            <a:endParaRPr lang="es-MX" dirty="0">
+              <a:latin typeface="Roboto" panose="02000000000000000000" pitchFamily="2" charset="0"/>
+              <a:ea typeface="Roboto" panose="02000000000000000000" pitchFamily="2" charset="0"/>
+            </a:endParaRPr>
+          </a:p>
+        </p:txBody>
+      </p:sp>
+      <p:sp>
+        <p:nvSpPr>
+          <p:cNvPr id="13" name="Rectángulo 12"/>
+          <p:cNvSpPr/>
+          <p:nvPr/>
+        </p:nvSpPr>
+        <p:spPr>
+          <a:xfrm>
+            <a:off x="0" y="6138000"/>
+            <a:ext cx="4320000" cy="720000"/>
+          </a:xfrm>
+          <a:prstGeom prst="rect">
+            <a:avLst/>
+          </a:prstGeom>
+          <a:solidFill>
+            <a:srgbClr val="042252"/>
+          </a:solidFill>
+          <a:ln>
+            <a:noFill/>
+          </a:ln>
+        </p:spPr>
+        <p:style>
+          <a:lnRef idx="2">
+            <a:schemeClr val="accent1">
+              <a:shade val="50000"/>
+            </a:schemeClr>
+          </a:lnRef>
+          <a:fillRef idx="1">
+            <a:schemeClr val="accent1"/>
+          </a:fillRef>
+          <a:effectRef idx="0">
+            <a:schemeClr val="accent1"/>
+          </a:effectRef>
+          <a:fontRef idx="minor">
+            <a:schemeClr val="lt1"/>
+          </a:fontRef>
+        </p:style>
+        <p:txBody>
+          <a:bodyPr rtlCol="0" anchor="ctr"/>
+          <a:lstStyle/>
+          <a:p>
+            <a:pPr algn="ctr"/>
+            <a:endParaRPr lang="es-MX"/>
+          </a:p>
+        </p:txBody>
+      </p:sp>
+      <p:pic>
+        <p:nvPicPr>
+          <p:cNvPr id="17" name="Imagen 16"/>
+          <p:cNvPicPr>
+            <a:picLocks noChangeAspect="1"/>
+          </p:cNvPicPr>
+          <p:nvPr/>
+        </p:nvPicPr>
+        <p:blipFill>
+          <a:blip r:embed="rId2" cstate="print">
+            <a:extLst>
+              <a:ext uri="{28A0092B-C50C-407E-A947-70E740481C1C}">
+                <a14:useLocalDpi xmlns:a14="http://schemas.microsoft.com/office/drawing/2010/main" val="0"/>
+              </a:ext>
+            </a:extLst>
+          </a:blip>
+          <a:stretch>
+            <a:fillRect/>
+          </a:stretch>
+        </p:blipFill>
+        <p:spPr>
+          <a:xfrm>
+            <a:off x="4653497" y="6230167"/>
+            <a:ext cx="535665" cy="535665"/>
+          </a:xfrm>
+          <a:prstGeom prst="rect">
+            <a:avLst/>
+          </a:prstGeom>
+        </p:spPr>
+      </p:pic>
+      <p:pic>
+        <p:nvPicPr>
+          <p:cNvPr id="8" name="Imagen 7"/>
+          <p:cNvPicPr>
+            <a:picLocks noChangeAspect="1"/>
+          </p:cNvPicPr>
+          <p:nvPr/>
+        </p:nvPicPr>
+        <p:blipFill>
+          <a:blip r:embed="rId3" cstate="print">
+            <a:extLst>
+              <a:ext uri="{28A0092B-C50C-407E-A947-70E740481C1C}">
+                <a14:useLocalDpi xmlns:a14="http://schemas.microsoft.com/office/drawing/2010/main" val="0"/>
+              </a:ext>
+            </a:extLst>
+          </a:blip>
+          <a:stretch>
+            <a:fillRect/>
+          </a:stretch>
+        </p:blipFill>
+        <p:spPr>
+          <a:xfrm>
+            <a:off x="5366374" y="6225832"/>
+            <a:ext cx="540000" cy="540000"/>
+          </a:xfrm>
+          <a:prstGeom prst="rect">
+            <a:avLst/>
+          </a:prstGeom>
+        </p:spPr>
+      </p:pic>
+      <p:pic>
+        <p:nvPicPr>
+          <p:cNvPr id="4" name="Imagen 3"/>
+          <p:cNvPicPr>
+            <a:picLocks noChangeAspect="1"/>
+          </p:cNvPicPr>
+          <p:nvPr/>
+        </p:nvPicPr>
+        <p:blipFill rotWithShape="1">
+          <a:blip r:embed="rId4"/>
+          <a:srcRect l="27619" t="13151" r="20644" b="7809"/>
+          <a:stretch/>
+        </p:blipFill>
+        <p:spPr>
+          <a:xfrm>
+            <a:off x="3240897" y="1418357"/>
+            <a:ext cx="5330953" cy="4581144"/>
+          </a:xfrm>
+          <a:prstGeom prst="rect">
+            <a:avLst/>
+          </a:prstGeom>
+        </p:spPr>
+      </p:pic>
+    </p:spTree>
+    <p:extLst>
+      <p:ext uri="{BB962C8B-B14F-4D97-AF65-F5344CB8AC3E}">
+        <p14:creationId xmlns:p14="http://schemas.microsoft.com/office/powerpoint/2010/main" val="1544102448"/>
       </p:ext>
     </p:extLst>
   </p:cSld>
@@ -7993,6 +11353,46 @@
               </a:rPr>
               <a:t>electrónico</a:t>
             </a:r>
+          </a:p>
+          <a:p>
+            <a:pPr marL="520700" lvl="0" indent="-457200" algn="l" rtl="0">
+              <a:lnSpc>
+                <a:spcPct val="115000"/>
+              </a:lnSpc>
+              <a:spcBef>
+                <a:spcPts val="1600"/>
+              </a:spcBef>
+              <a:spcAft>
+                <a:spcPts val="0"/>
+              </a:spcAft>
+              <a:buClr>
+                <a:srgbClr val="737373"/>
+              </a:buClr>
+              <a:buSzPts val="2600"/>
+              <a:buFont typeface="Arial" panose="020B0604020202020204" pitchFamily="34" charset="0"/>
+              <a:buChar char="•"/>
+            </a:pPr>
+            <a:r>
+              <a:rPr lang="es-MX" dirty="0" smtClean="0">
+                <a:solidFill>
+                  <a:srgbClr val="737373"/>
+                </a:solidFill>
+                <a:latin typeface="Roboto"/>
+                <a:ea typeface="Roboto"/>
+                <a:cs typeface="Roboto"/>
+                <a:sym typeface="Roboto"/>
+              </a:rPr>
+              <a:t>Número de Teléfono Celular</a:t>
+            </a:r>
+            <a:endParaRPr lang="es-MX" dirty="0" smtClean="0">
+              <a:solidFill>
+                <a:srgbClr val="737373"/>
+              </a:solidFill>
+              <a:latin typeface="Roboto"/>
+              <a:ea typeface="Roboto"/>
+              <a:cs typeface="Roboto"/>
+              <a:sym typeface="Roboto"/>
+            </a:endParaRPr>
           </a:p>
           <a:p>
             <a:pPr marL="520700" lvl="0" indent="-457200" algn="l" rtl="0">

--- a/Introducción a Microsoft Azure IoT.pptx
+++ b/Introducción a Microsoft Azure IoT.pptx
@@ -5,10 +5,10 @@
     <p:sldMasterId id="2147483648" r:id="rId1"/>
   </p:sldMasterIdLst>
   <p:notesMasterIdLst>
-    <p:notesMasterId r:id="rId23"/>
+    <p:notesMasterId r:id="rId26"/>
   </p:notesMasterIdLst>
   <p:handoutMasterIdLst>
-    <p:handoutMasterId r:id="rId24"/>
+    <p:handoutMasterId r:id="rId27"/>
   </p:handoutMasterIdLst>
   <p:sldIdLst>
     <p:sldId id="256" r:id="rId2"/>
@@ -25,13 +25,16 @@
     <p:sldId id="288" r:id="rId13"/>
     <p:sldId id="289" r:id="rId14"/>
     <p:sldId id="290" r:id="rId15"/>
-    <p:sldId id="291" r:id="rId16"/>
-    <p:sldId id="292" r:id="rId17"/>
-    <p:sldId id="293" r:id="rId18"/>
-    <p:sldId id="294" r:id="rId19"/>
-    <p:sldId id="295" r:id="rId20"/>
-    <p:sldId id="297" r:id="rId21"/>
-    <p:sldId id="298" r:id="rId22"/>
+    <p:sldId id="301" r:id="rId16"/>
+    <p:sldId id="291" r:id="rId17"/>
+    <p:sldId id="292" r:id="rId18"/>
+    <p:sldId id="300" r:id="rId19"/>
+    <p:sldId id="293" r:id="rId20"/>
+    <p:sldId id="294" r:id="rId21"/>
+    <p:sldId id="295" r:id="rId22"/>
+    <p:sldId id="297" r:id="rId23"/>
+    <p:sldId id="298" r:id="rId24"/>
+    <p:sldId id="299" r:id="rId25"/>
   </p:sldIdLst>
   <p:sldSz cx="12192000" cy="6858000"/>
   <p:notesSz cx="6858000" cy="9144000"/>
@@ -231,7 +234,7 @@
           <a:p>
             <a:fld id="{BFAD595D-6ADA-47EC-8AFF-E42DEE086B53}" type="datetimeFigureOut">
               <a:rPr lang="es-MX" smtClean="0"/>
-              <a:t>26/01/2020</a:t>
+              <a:t>27/01/2020</a:t>
             </a:fld>
             <a:endParaRPr lang="es-MX"/>
           </a:p>
@@ -397,7 +400,7 @@
           <a:p>
             <a:fld id="{5296A91E-C94D-49A9-9B2B-E0C2416869C8}" type="datetimeFigureOut">
               <a:rPr lang="es-MX" smtClean="0"/>
-              <a:t>26/01/2020</a:t>
+              <a:t>27/01/2020</a:t>
             </a:fld>
             <a:endParaRPr lang="es-MX"/>
           </a:p>
@@ -900,7 +903,7 @@
           <a:p>
             <a:fld id="{E539E36A-411C-47D8-ACCE-3C164CD9D6AA}" type="datetime1">
               <a:rPr lang="es-MX" smtClean="0"/>
-              <a:t>26/01/2020</a:t>
+              <a:t>27/01/2020</a:t>
             </a:fld>
             <a:endParaRPr lang="es-MX"/>
           </a:p>
@@ -1070,7 +1073,7 @@
           <a:p>
             <a:fld id="{BDDF864D-821F-42FA-835B-45DC17C68805}" type="datetime1">
               <a:rPr lang="es-MX" smtClean="0"/>
-              <a:t>26/01/2020</a:t>
+              <a:t>27/01/2020</a:t>
             </a:fld>
             <a:endParaRPr lang="es-MX"/>
           </a:p>
@@ -1250,7 +1253,7 @@
           <a:p>
             <a:fld id="{E2E9A792-0025-4CF2-8934-47BE6364F86A}" type="datetime1">
               <a:rPr lang="es-MX" smtClean="0"/>
-              <a:t>26/01/2020</a:t>
+              <a:t>27/01/2020</a:t>
             </a:fld>
             <a:endParaRPr lang="es-MX"/>
           </a:p>
@@ -1420,7 +1423,7 @@
           <a:p>
             <a:fld id="{24420AD3-9CA8-416C-A5B1-ED9046883CFE}" type="datetime1">
               <a:rPr lang="es-MX" smtClean="0"/>
-              <a:t>26/01/2020</a:t>
+              <a:t>27/01/2020</a:t>
             </a:fld>
             <a:endParaRPr lang="es-MX"/>
           </a:p>
@@ -1666,7 +1669,7 @@
           <a:p>
             <a:fld id="{EE096DF2-A570-4A38-BB2D-BC3C65B33F9B}" type="datetime1">
               <a:rPr lang="es-MX" smtClean="0"/>
-              <a:t>26/01/2020</a:t>
+              <a:t>27/01/2020</a:t>
             </a:fld>
             <a:endParaRPr lang="es-MX"/>
           </a:p>
@@ -1898,7 +1901,7 @@
           <a:p>
             <a:fld id="{B0A55884-5635-4B1E-A887-34B4E794DA22}" type="datetime1">
               <a:rPr lang="es-MX" smtClean="0"/>
-              <a:t>26/01/2020</a:t>
+              <a:t>27/01/2020</a:t>
             </a:fld>
             <a:endParaRPr lang="es-MX"/>
           </a:p>
@@ -2265,7 +2268,7 @@
           <a:p>
             <a:fld id="{0492F442-030F-459C-9563-0116AD35CEFF}" type="datetime1">
               <a:rPr lang="es-MX" smtClean="0"/>
-              <a:t>26/01/2020</a:t>
+              <a:t>27/01/2020</a:t>
             </a:fld>
             <a:endParaRPr lang="es-MX"/>
           </a:p>
@@ -2383,7 +2386,7 @@
           <a:p>
             <a:fld id="{687311F3-FCC4-4DE7-B673-A5E2117FFF23}" type="datetime1">
               <a:rPr lang="es-MX" smtClean="0"/>
-              <a:t>26/01/2020</a:t>
+              <a:t>27/01/2020</a:t>
             </a:fld>
             <a:endParaRPr lang="es-MX"/>
           </a:p>
@@ -2478,7 +2481,7 @@
           <a:p>
             <a:fld id="{E1FFDF76-F74B-498A-8DC5-EE25277D9DA4}" type="datetime1">
               <a:rPr lang="es-MX" smtClean="0"/>
-              <a:t>26/01/2020</a:t>
+              <a:t>27/01/2020</a:t>
             </a:fld>
             <a:endParaRPr lang="es-MX"/>
           </a:p>
@@ -2755,7 +2758,7 @@
           <a:p>
             <a:fld id="{D98E60DA-2C31-4493-A7ED-6E75817DA356}" type="datetime1">
               <a:rPr lang="es-MX" smtClean="0"/>
-              <a:t>26/01/2020</a:t>
+              <a:t>27/01/2020</a:t>
             </a:fld>
             <a:endParaRPr lang="es-MX"/>
           </a:p>
@@ -3008,7 +3011,7 @@
           <a:p>
             <a:fld id="{FCD57F4F-5B61-4FA5-A365-99ABB13024F5}" type="datetime1">
               <a:rPr lang="es-MX" smtClean="0"/>
-              <a:t>26/01/2020</a:t>
+              <a:t>27/01/2020</a:t>
             </a:fld>
             <a:endParaRPr lang="es-MX"/>
           </a:p>
@@ -3221,7 +3224,7 @@
           <a:p>
             <a:fld id="{10C31552-5C4C-415B-872B-81200BCFD054}" type="datetime1">
               <a:rPr lang="es-MX" smtClean="0"/>
-              <a:t>26/01/2020</a:t>
+              <a:t>27/01/2020</a:t>
             </a:fld>
             <a:endParaRPr lang="es-MX"/>
           </a:p>
@@ -5381,17 +5384,7 @@
                 <a:latin typeface="Roboto Slab" pitchFamily="2" charset="0"/>
                 <a:ea typeface="Roboto Slab" pitchFamily="2" charset="0"/>
               </a:rPr>
-              <a:t>Ejercicio </a:t>
-            </a:r>
-            <a:r>
-              <a:rPr lang="es-MX" sz="2800" dirty="0" smtClean="0">
-                <a:solidFill>
-                  <a:srgbClr val="042252"/>
-                </a:solidFill>
-                <a:latin typeface="Roboto Slab" pitchFamily="2" charset="0"/>
-                <a:ea typeface="Roboto Slab" pitchFamily="2" charset="0"/>
-              </a:rPr>
-              <a:t>04</a:t>
+              <a:t>Ejercicio 04</a:t>
             </a:r>
             <a:endParaRPr lang="es-MX" sz="2800" dirty="0">
               <a:solidFill>
@@ -5727,37 +5720,17 @@
                 <a:latin typeface="Roboto Slab" pitchFamily="2" charset="0"/>
                 <a:ea typeface="Roboto Slab" pitchFamily="2" charset="0"/>
               </a:rPr>
-              <a:t>Crear Recurso </a:t>
-            </a:r>
-            <a:r>
-              <a:rPr lang="es-MX" sz="2800" dirty="0" err="1" smtClean="0">
+              <a:t>Crear </a:t>
+            </a:r>
+            <a:r>
+              <a:rPr lang="es-MX" sz="2800" dirty="0" smtClean="0">
                 <a:solidFill>
                   <a:srgbClr val="042252"/>
                 </a:solidFill>
                 <a:latin typeface="Roboto Slab" pitchFamily="2" charset="0"/>
                 <a:ea typeface="Roboto Slab" pitchFamily="2" charset="0"/>
               </a:rPr>
-              <a:t>IoT</a:t>
-            </a:r>
-            <a:r>
-              <a:rPr lang="es-MX" sz="2800" dirty="0" smtClean="0">
-                <a:solidFill>
-                  <a:srgbClr val="042252"/>
-                </a:solidFill>
-                <a:latin typeface="Roboto Slab" pitchFamily="2" charset="0"/>
-                <a:ea typeface="Roboto Slab" pitchFamily="2" charset="0"/>
-              </a:rPr>
-              <a:t> </a:t>
-            </a:r>
-            <a:r>
-              <a:rPr lang="es-MX" sz="2800" dirty="0" err="1" smtClean="0">
-                <a:solidFill>
-                  <a:srgbClr val="042252"/>
-                </a:solidFill>
-                <a:latin typeface="Roboto Slab" pitchFamily="2" charset="0"/>
-                <a:ea typeface="Roboto Slab" pitchFamily="2" charset="0"/>
-              </a:rPr>
-              <a:t>Hub</a:t>
+              <a:t>Grupo de Recursos</a:t>
             </a:r>
             <a:endParaRPr lang="es-MX" sz="2800" dirty="0">
               <a:solidFill>
@@ -5934,7 +5907,7 @@
       </p:pic>
       <p:pic>
         <p:nvPicPr>
-          <p:cNvPr id="3" name="Imagen 2"/>
+          <p:cNvPr id="4" name="Imagen 3"/>
           <p:cNvPicPr>
             <a:picLocks noChangeAspect="1"/>
           </p:cNvPicPr>
@@ -5942,13 +5915,13 @@
         </p:nvPicPr>
         <p:blipFill rotWithShape="1">
           <a:blip r:embed="rId4"/>
-          <a:srcRect t="24509" r="45583" b="33158"/>
+          <a:srcRect t="24598" r="51421" b="3820"/>
           <a:stretch/>
         </p:blipFill>
         <p:spPr>
           <a:xfrm>
-            <a:off x="1481124" y="1679600"/>
-            <a:ext cx="9107628" cy="3800917"/>
+            <a:off x="4186564" y="1515982"/>
+            <a:ext cx="5387204" cy="4258538"/>
           </a:xfrm>
           <a:prstGeom prst="rect">
             <a:avLst/>
@@ -5958,7 +5931,7 @@
     </p:spTree>
     <p:extLst>
       <p:ext uri="{BB962C8B-B14F-4D97-AF65-F5344CB8AC3E}">
-        <p14:creationId xmlns:p14="http://schemas.microsoft.com/office/powerpoint/2010/main" val="963699464"/>
+        <p14:creationId xmlns:p14="http://schemas.microsoft.com/office/powerpoint/2010/main" val="3743142147"/>
       </p:ext>
     </p:extLst>
   </p:cSld>
@@ -6086,7 +6059,17 @@
                 <a:latin typeface="Roboto Slab" pitchFamily="2" charset="0"/>
                 <a:ea typeface="Roboto Slab" pitchFamily="2" charset="0"/>
               </a:rPr>
-              <a:t>Crear Recurso </a:t>
+              <a:t>Crear </a:t>
+            </a:r>
+            <a:r>
+              <a:rPr lang="es-MX" sz="2800" dirty="0" smtClean="0">
+                <a:solidFill>
+                  <a:srgbClr val="042252"/>
+                </a:solidFill>
+                <a:latin typeface="Roboto Slab" pitchFamily="2" charset="0"/>
+                <a:ea typeface="Roboto Slab" pitchFamily="2" charset="0"/>
+              </a:rPr>
+              <a:t>Recurso </a:t>
             </a:r>
             <a:r>
               <a:rPr lang="es-MX" sz="2800" dirty="0" err="1" smtClean="0">
@@ -6293,7 +6276,7 @@
       </p:pic>
       <p:pic>
         <p:nvPicPr>
-          <p:cNvPr id="4" name="Imagen 3"/>
+          <p:cNvPr id="3" name="Imagen 2"/>
           <p:cNvPicPr>
             <a:picLocks noChangeAspect="1"/>
           </p:cNvPicPr>
@@ -6301,13 +6284,13 @@
         </p:nvPicPr>
         <p:blipFill rotWithShape="1">
           <a:blip r:embed="rId4"/>
-          <a:srcRect t="24132" r="43940" b="16547"/>
+          <a:srcRect t="24509" r="45583" b="33158"/>
           <a:stretch/>
         </p:blipFill>
         <p:spPr>
           <a:xfrm>
-            <a:off x="1522972" y="1457406"/>
-            <a:ext cx="8226804" cy="4670111"/>
+            <a:off x="1481124" y="1679600"/>
+            <a:ext cx="9107628" cy="3800917"/>
           </a:xfrm>
           <a:prstGeom prst="rect">
             <a:avLst/>
@@ -6317,7 +6300,7 @@
     </p:spTree>
     <p:extLst>
       <p:ext uri="{BB962C8B-B14F-4D97-AF65-F5344CB8AC3E}">
-        <p14:creationId xmlns:p14="http://schemas.microsoft.com/office/powerpoint/2010/main" val="1900756637"/>
+        <p14:creationId xmlns:p14="http://schemas.microsoft.com/office/powerpoint/2010/main" val="963699464"/>
       </p:ext>
     </p:extLst>
   </p:cSld>
@@ -6477,36 +6460,6 @@
               </a:rPr>
               <a:t>Hub</a:t>
             </a:r>
-            <a:r>
-              <a:rPr lang="es-MX" sz="2800" dirty="0" smtClean="0">
-                <a:solidFill>
-                  <a:srgbClr val="042252"/>
-                </a:solidFill>
-                <a:latin typeface="Roboto Slab" pitchFamily="2" charset="0"/>
-                <a:ea typeface="Roboto Slab" pitchFamily="2" charset="0"/>
-              </a:rPr>
-              <a:t> (</a:t>
-            </a:r>
-            <a:r>
-              <a:rPr lang="es-MX" sz="2800" dirty="0" err="1" smtClean="0">
-                <a:solidFill>
-                  <a:srgbClr val="042252"/>
-                </a:solidFill>
-                <a:latin typeface="Roboto Slab" pitchFamily="2" charset="0"/>
-                <a:ea typeface="Roboto Slab" pitchFamily="2" charset="0"/>
-              </a:rPr>
-              <a:t>Azure</a:t>
-            </a:r>
-            <a:r>
-              <a:rPr lang="es-MX" sz="2800" dirty="0" smtClean="0">
-                <a:solidFill>
-                  <a:srgbClr val="042252"/>
-                </a:solidFill>
-                <a:latin typeface="Roboto Slab" pitchFamily="2" charset="0"/>
-                <a:ea typeface="Roboto Slab" pitchFamily="2" charset="0"/>
-              </a:rPr>
-              <a:t> CLI)</a:t>
-            </a:r>
             <a:endParaRPr lang="es-MX" sz="2800" dirty="0">
               <a:solidFill>
                 <a:srgbClr val="042252"/>
@@ -6680,606 +6633,33 @@
           </a:prstGeom>
         </p:spPr>
       </p:pic>
-      <p:sp>
-        <p:nvSpPr>
-          <p:cNvPr id="9" name="Google Shape;106;p15"/>
-          <p:cNvSpPr txBox="1"/>
-          <p:nvPr/>
-        </p:nvSpPr>
-        <p:spPr>
-          <a:xfrm>
-            <a:off x="281959" y="1578498"/>
-            <a:ext cx="9883200" cy="4215812"/>
-          </a:xfrm>
-          <a:prstGeom prst="rect">
-            <a:avLst/>
-          </a:prstGeom>
-          <a:noFill/>
-          <a:ln>
-            <a:noFill/>
-          </a:ln>
-        </p:spPr>
-        <p:txBody>
-          <a:bodyPr spcFirstLastPara="1" wrap="square" lIns="91425" tIns="91425" rIns="91425" bIns="91425" anchor="t" anchorCtr="0">
-            <a:noAutofit/>
-          </a:bodyPr>
-          <a:lstStyle/>
-          <a:p>
-            <a:pPr marL="285750" lvl="0" indent="-285750">
-              <a:lnSpc>
-                <a:spcPct val="115000"/>
-              </a:lnSpc>
-              <a:buFont typeface="Arial" panose="020B0604020202020204" pitchFamily="34" charset="0"/>
-              <a:buChar char="•"/>
-            </a:pPr>
-            <a:r>
-              <a:rPr lang="es-MX" dirty="0">
-                <a:solidFill>
-                  <a:srgbClr val="737373"/>
-                </a:solidFill>
-                <a:latin typeface="Roboto"/>
-                <a:ea typeface="Roboto"/>
-                <a:cs typeface="Roboto"/>
-                <a:sym typeface="Roboto"/>
-              </a:rPr>
-              <a:t>a</a:t>
-            </a:r>
-            <a:r>
-              <a:rPr lang="es-MX" dirty="0" smtClean="0">
-                <a:solidFill>
-                  <a:srgbClr val="737373"/>
-                </a:solidFill>
-                <a:latin typeface="Roboto"/>
-                <a:ea typeface="Roboto"/>
-                <a:cs typeface="Roboto"/>
-                <a:sym typeface="Roboto"/>
-              </a:rPr>
-              <a:t>z </a:t>
-            </a:r>
-            <a:r>
-              <a:rPr lang="es-MX" dirty="0" err="1" smtClean="0">
-                <a:solidFill>
-                  <a:srgbClr val="737373"/>
-                </a:solidFill>
-                <a:latin typeface="Roboto"/>
-                <a:ea typeface="Roboto"/>
-                <a:cs typeface="Roboto"/>
-                <a:sym typeface="Roboto"/>
-              </a:rPr>
-              <a:t>login</a:t>
-            </a:r>
-            <a:endParaRPr lang="es-MX" dirty="0" smtClean="0">
-              <a:solidFill>
-                <a:srgbClr val="737373"/>
-              </a:solidFill>
-              <a:latin typeface="Roboto"/>
-              <a:ea typeface="Roboto"/>
-              <a:cs typeface="Roboto"/>
-              <a:sym typeface="Roboto"/>
-            </a:endParaRPr>
-          </a:p>
-          <a:p>
-            <a:pPr marL="285750" lvl="0" indent="-285750">
-              <a:lnSpc>
-                <a:spcPct val="115000"/>
-              </a:lnSpc>
-              <a:buFont typeface="Arial" panose="020B0604020202020204" pitchFamily="34" charset="0"/>
-              <a:buChar char="•"/>
-            </a:pPr>
-            <a:r>
-              <a:rPr lang="es-MX" dirty="0">
-                <a:solidFill>
-                  <a:srgbClr val="737373"/>
-                </a:solidFill>
-                <a:latin typeface="Roboto"/>
-                <a:ea typeface="Roboto"/>
-                <a:cs typeface="Roboto"/>
-                <a:sym typeface="Roboto"/>
-              </a:rPr>
-              <a:t>az </a:t>
-            </a:r>
-            <a:r>
-              <a:rPr lang="es-MX" dirty="0" err="1">
-                <a:solidFill>
-                  <a:srgbClr val="737373"/>
-                </a:solidFill>
-                <a:latin typeface="Roboto"/>
-                <a:ea typeface="Roboto"/>
-                <a:cs typeface="Roboto"/>
-                <a:sym typeface="Roboto"/>
-              </a:rPr>
-              <a:t>iot</a:t>
-            </a:r>
-            <a:r>
-              <a:rPr lang="es-MX" dirty="0">
-                <a:solidFill>
-                  <a:srgbClr val="737373"/>
-                </a:solidFill>
-                <a:latin typeface="Roboto"/>
-                <a:ea typeface="Roboto"/>
-                <a:cs typeface="Roboto"/>
-                <a:sym typeface="Roboto"/>
-              </a:rPr>
-              <a:t> </a:t>
-            </a:r>
-            <a:r>
-              <a:rPr lang="es-MX" dirty="0" err="1">
-                <a:solidFill>
-                  <a:srgbClr val="737373"/>
-                </a:solidFill>
-                <a:latin typeface="Roboto"/>
-                <a:ea typeface="Roboto"/>
-                <a:cs typeface="Roboto"/>
-                <a:sym typeface="Roboto"/>
-              </a:rPr>
-              <a:t>hub</a:t>
-            </a:r>
-            <a:r>
-              <a:rPr lang="es-MX" dirty="0">
-                <a:solidFill>
-                  <a:srgbClr val="737373"/>
-                </a:solidFill>
-                <a:latin typeface="Roboto"/>
-                <a:ea typeface="Roboto"/>
-                <a:cs typeface="Roboto"/>
-                <a:sym typeface="Roboto"/>
-              </a:rPr>
-              <a:t> </a:t>
-            </a:r>
-            <a:r>
-              <a:rPr lang="es-MX" dirty="0" err="1">
-                <a:solidFill>
-                  <a:srgbClr val="737373"/>
-                </a:solidFill>
-                <a:latin typeface="Roboto"/>
-                <a:ea typeface="Roboto"/>
-                <a:cs typeface="Roboto"/>
-                <a:sym typeface="Roboto"/>
-              </a:rPr>
-              <a:t>delete</a:t>
-            </a:r>
-            <a:r>
-              <a:rPr lang="es-MX" dirty="0">
-                <a:solidFill>
-                  <a:srgbClr val="737373"/>
-                </a:solidFill>
-                <a:latin typeface="Roboto"/>
-                <a:ea typeface="Roboto"/>
-                <a:cs typeface="Roboto"/>
-                <a:sym typeface="Roboto"/>
-              </a:rPr>
-              <a:t> --</a:t>
-            </a:r>
-            <a:r>
-              <a:rPr lang="es-MX" dirty="0" err="1">
-                <a:solidFill>
-                  <a:srgbClr val="737373"/>
-                </a:solidFill>
-                <a:latin typeface="Roboto"/>
-                <a:ea typeface="Roboto"/>
-                <a:cs typeface="Roboto"/>
-                <a:sym typeface="Roboto"/>
-              </a:rPr>
-              <a:t>name</a:t>
-            </a:r>
-            <a:r>
-              <a:rPr lang="es-MX" dirty="0">
-                <a:solidFill>
-                  <a:srgbClr val="737373"/>
-                </a:solidFill>
-                <a:latin typeface="Roboto"/>
-                <a:ea typeface="Roboto"/>
-                <a:cs typeface="Roboto"/>
-                <a:sym typeface="Roboto"/>
-              </a:rPr>
-              <a:t> {</a:t>
-            </a:r>
-            <a:r>
-              <a:rPr lang="es-MX" dirty="0" err="1">
-                <a:solidFill>
-                  <a:srgbClr val="737373"/>
-                </a:solidFill>
-                <a:latin typeface="Roboto"/>
-                <a:ea typeface="Roboto"/>
-                <a:cs typeface="Roboto"/>
-                <a:sym typeface="Roboto"/>
-              </a:rPr>
-              <a:t>name</a:t>
-            </a:r>
-            <a:r>
-              <a:rPr lang="es-MX" dirty="0">
-                <a:solidFill>
-                  <a:srgbClr val="737373"/>
-                </a:solidFill>
-                <a:latin typeface="Roboto"/>
-                <a:ea typeface="Roboto"/>
-                <a:cs typeface="Roboto"/>
-                <a:sym typeface="Roboto"/>
-              </a:rPr>
-              <a:t>} --</a:t>
-            </a:r>
-            <a:r>
-              <a:rPr lang="es-MX" dirty="0" err="1">
-                <a:solidFill>
-                  <a:srgbClr val="737373"/>
-                </a:solidFill>
-                <a:latin typeface="Roboto"/>
-                <a:ea typeface="Roboto"/>
-                <a:cs typeface="Roboto"/>
-                <a:sym typeface="Roboto"/>
-              </a:rPr>
-              <a:t>resource-group</a:t>
-            </a:r>
-            <a:r>
-              <a:rPr lang="es-MX" dirty="0">
-                <a:solidFill>
-                  <a:srgbClr val="737373"/>
-                </a:solidFill>
-                <a:latin typeface="Roboto"/>
-                <a:ea typeface="Roboto"/>
-                <a:cs typeface="Roboto"/>
-                <a:sym typeface="Roboto"/>
-              </a:rPr>
-              <a:t> {</a:t>
-            </a:r>
-            <a:r>
-              <a:rPr lang="es-MX" dirty="0" err="1">
-                <a:solidFill>
-                  <a:srgbClr val="737373"/>
-                </a:solidFill>
-                <a:latin typeface="Roboto"/>
-                <a:ea typeface="Roboto"/>
-                <a:cs typeface="Roboto"/>
-                <a:sym typeface="Roboto"/>
-              </a:rPr>
-              <a:t>resource-group</a:t>
-            </a:r>
-            <a:r>
-              <a:rPr lang="es-MX" dirty="0" smtClean="0">
-                <a:solidFill>
-                  <a:srgbClr val="737373"/>
-                </a:solidFill>
-                <a:latin typeface="Roboto"/>
-                <a:ea typeface="Roboto"/>
-                <a:cs typeface="Roboto"/>
-                <a:sym typeface="Roboto"/>
-              </a:rPr>
-              <a:t>}</a:t>
-            </a:r>
-          </a:p>
-          <a:p>
-            <a:pPr marL="285750" lvl="0" indent="-285750">
-              <a:lnSpc>
-                <a:spcPct val="115000"/>
-              </a:lnSpc>
-              <a:buFont typeface="Arial" panose="020B0604020202020204" pitchFamily="34" charset="0"/>
-              <a:buChar char="•"/>
-            </a:pPr>
-            <a:r>
-              <a:rPr lang="es-MX" dirty="0">
-                <a:solidFill>
-                  <a:srgbClr val="737373"/>
-                </a:solidFill>
-                <a:latin typeface="Roboto"/>
-                <a:ea typeface="Roboto"/>
-                <a:cs typeface="Roboto"/>
-                <a:sym typeface="Roboto"/>
-              </a:rPr>
-              <a:t>az </a:t>
-            </a:r>
-            <a:r>
-              <a:rPr lang="es-MX" dirty="0" err="1">
-                <a:solidFill>
-                  <a:srgbClr val="737373"/>
-                </a:solidFill>
-                <a:latin typeface="Roboto"/>
-                <a:ea typeface="Roboto"/>
-                <a:cs typeface="Roboto"/>
-                <a:sym typeface="Roboto"/>
-              </a:rPr>
-              <a:t>iot</a:t>
-            </a:r>
-            <a:r>
-              <a:rPr lang="es-MX" dirty="0">
-                <a:solidFill>
-                  <a:srgbClr val="737373"/>
-                </a:solidFill>
-                <a:latin typeface="Roboto"/>
-                <a:ea typeface="Roboto"/>
-                <a:cs typeface="Roboto"/>
-                <a:sym typeface="Roboto"/>
-              </a:rPr>
-              <a:t> </a:t>
-            </a:r>
-            <a:r>
-              <a:rPr lang="es-MX" dirty="0" err="1">
-                <a:solidFill>
-                  <a:srgbClr val="737373"/>
-                </a:solidFill>
-                <a:latin typeface="Roboto"/>
-                <a:ea typeface="Roboto"/>
-                <a:cs typeface="Roboto"/>
-                <a:sym typeface="Roboto"/>
-              </a:rPr>
-              <a:t>hub</a:t>
-            </a:r>
-            <a:r>
-              <a:rPr lang="es-MX" dirty="0">
-                <a:solidFill>
-                  <a:srgbClr val="737373"/>
-                </a:solidFill>
-                <a:latin typeface="Roboto"/>
-                <a:ea typeface="Roboto"/>
-                <a:cs typeface="Roboto"/>
-                <a:sym typeface="Roboto"/>
-              </a:rPr>
-              <a:t> </a:t>
-            </a:r>
-            <a:r>
-              <a:rPr lang="es-MX" dirty="0" err="1">
-                <a:solidFill>
-                  <a:srgbClr val="737373"/>
-                </a:solidFill>
-                <a:latin typeface="Roboto"/>
-                <a:ea typeface="Roboto"/>
-                <a:cs typeface="Roboto"/>
-                <a:sym typeface="Roboto"/>
-              </a:rPr>
-              <a:t>create</a:t>
-            </a:r>
-            <a:r>
-              <a:rPr lang="es-MX" dirty="0">
-                <a:solidFill>
-                  <a:srgbClr val="737373"/>
-                </a:solidFill>
-                <a:latin typeface="Roboto"/>
-                <a:ea typeface="Roboto"/>
-                <a:cs typeface="Roboto"/>
-                <a:sym typeface="Roboto"/>
-              </a:rPr>
-              <a:t> --</a:t>
-            </a:r>
-            <a:r>
-              <a:rPr lang="es-MX" dirty="0" err="1">
-                <a:solidFill>
-                  <a:srgbClr val="737373"/>
-                </a:solidFill>
-                <a:latin typeface="Roboto"/>
-                <a:ea typeface="Roboto"/>
-                <a:cs typeface="Roboto"/>
-                <a:sym typeface="Roboto"/>
-              </a:rPr>
-              <a:t>resource-group</a:t>
-            </a:r>
-            <a:r>
-              <a:rPr lang="es-MX" dirty="0">
-                <a:solidFill>
-                  <a:srgbClr val="737373"/>
-                </a:solidFill>
-                <a:latin typeface="Roboto"/>
-                <a:ea typeface="Roboto"/>
-                <a:cs typeface="Roboto"/>
-                <a:sym typeface="Roboto"/>
-              </a:rPr>
-              <a:t> {</a:t>
-            </a:r>
-            <a:r>
-              <a:rPr lang="es-MX" dirty="0" err="1">
-                <a:solidFill>
-                  <a:srgbClr val="737373"/>
-                </a:solidFill>
-                <a:latin typeface="Roboto"/>
-                <a:ea typeface="Roboto"/>
-                <a:cs typeface="Roboto"/>
-                <a:sym typeface="Roboto"/>
-              </a:rPr>
-              <a:t>resourceGroup</a:t>
-            </a:r>
-            <a:r>
-              <a:rPr lang="es-MX" dirty="0">
-                <a:solidFill>
-                  <a:srgbClr val="737373"/>
-                </a:solidFill>
-                <a:latin typeface="Roboto"/>
-                <a:ea typeface="Roboto"/>
-                <a:cs typeface="Roboto"/>
-                <a:sym typeface="Roboto"/>
-              </a:rPr>
-              <a:t>} --</a:t>
-            </a:r>
-            <a:r>
-              <a:rPr lang="es-MX" dirty="0" err="1">
-                <a:solidFill>
-                  <a:srgbClr val="737373"/>
-                </a:solidFill>
-                <a:latin typeface="Roboto"/>
-                <a:ea typeface="Roboto"/>
-                <a:cs typeface="Roboto"/>
-                <a:sym typeface="Roboto"/>
-              </a:rPr>
-              <a:t>name</a:t>
-            </a:r>
-            <a:r>
-              <a:rPr lang="es-MX" dirty="0">
-                <a:solidFill>
-                  <a:srgbClr val="737373"/>
-                </a:solidFill>
-                <a:latin typeface="Roboto"/>
-                <a:ea typeface="Roboto"/>
-                <a:cs typeface="Roboto"/>
-                <a:sym typeface="Roboto"/>
-              </a:rPr>
-              <a:t> {</a:t>
-            </a:r>
-            <a:r>
-              <a:rPr lang="es-MX" dirty="0" err="1">
-                <a:solidFill>
-                  <a:srgbClr val="737373"/>
-                </a:solidFill>
-                <a:latin typeface="Roboto"/>
-                <a:ea typeface="Roboto"/>
-                <a:cs typeface="Roboto"/>
-                <a:sym typeface="Roboto"/>
-              </a:rPr>
-              <a:t>name</a:t>
-            </a:r>
-            <a:r>
-              <a:rPr lang="es-MX" dirty="0">
-                <a:solidFill>
-                  <a:srgbClr val="737373"/>
-                </a:solidFill>
-                <a:latin typeface="Roboto"/>
-                <a:ea typeface="Roboto"/>
-                <a:cs typeface="Roboto"/>
-                <a:sym typeface="Roboto"/>
-              </a:rPr>
-              <a:t>} --</a:t>
-            </a:r>
-            <a:r>
-              <a:rPr lang="es-MX" dirty="0" err="1">
-                <a:solidFill>
-                  <a:srgbClr val="737373"/>
-                </a:solidFill>
-                <a:latin typeface="Roboto"/>
-                <a:ea typeface="Roboto"/>
-                <a:cs typeface="Roboto"/>
-                <a:sym typeface="Roboto"/>
-              </a:rPr>
-              <a:t>location</a:t>
-            </a:r>
-            <a:r>
-              <a:rPr lang="es-MX" dirty="0">
-                <a:solidFill>
-                  <a:srgbClr val="737373"/>
-                </a:solidFill>
-                <a:latin typeface="Roboto"/>
-                <a:ea typeface="Roboto"/>
-                <a:cs typeface="Roboto"/>
-                <a:sym typeface="Roboto"/>
-              </a:rPr>
-              <a:t> {</a:t>
-            </a:r>
-            <a:r>
-              <a:rPr lang="es-MX" dirty="0" err="1">
-                <a:solidFill>
-                  <a:srgbClr val="737373"/>
-                </a:solidFill>
-                <a:latin typeface="Roboto"/>
-                <a:ea typeface="Roboto"/>
-                <a:cs typeface="Roboto"/>
-                <a:sym typeface="Roboto"/>
-              </a:rPr>
-              <a:t>location</a:t>
-            </a:r>
-            <a:r>
-              <a:rPr lang="es-MX" dirty="0" smtClean="0">
-                <a:solidFill>
-                  <a:srgbClr val="737373"/>
-                </a:solidFill>
-                <a:latin typeface="Roboto"/>
-                <a:ea typeface="Roboto"/>
-                <a:cs typeface="Roboto"/>
-                <a:sym typeface="Roboto"/>
-              </a:rPr>
-              <a:t>} –</a:t>
-            </a:r>
-            <a:r>
-              <a:rPr lang="es-MX" dirty="0" err="1" smtClean="0">
-                <a:solidFill>
-                  <a:srgbClr val="737373"/>
-                </a:solidFill>
-                <a:latin typeface="Roboto"/>
-                <a:ea typeface="Roboto"/>
-                <a:cs typeface="Roboto"/>
-                <a:sym typeface="Roboto"/>
-              </a:rPr>
-              <a:t>partition-count</a:t>
-            </a:r>
-            <a:r>
-              <a:rPr lang="es-MX" dirty="0" smtClean="0">
-                <a:solidFill>
-                  <a:srgbClr val="737373"/>
-                </a:solidFill>
-                <a:latin typeface="Roboto"/>
-                <a:ea typeface="Roboto"/>
-                <a:cs typeface="Roboto"/>
-                <a:sym typeface="Roboto"/>
-              </a:rPr>
-              <a:t> {</a:t>
-            </a:r>
-            <a:r>
-              <a:rPr lang="es-MX" dirty="0" err="1" smtClean="0">
-                <a:solidFill>
-                  <a:srgbClr val="737373"/>
-                </a:solidFill>
-                <a:latin typeface="Roboto"/>
-                <a:ea typeface="Roboto"/>
-                <a:cs typeface="Roboto"/>
-                <a:sym typeface="Roboto"/>
-              </a:rPr>
-              <a:t>Partitition</a:t>
-            </a:r>
-            <a:r>
-              <a:rPr lang="es-MX" dirty="0" smtClean="0">
-                <a:solidFill>
-                  <a:srgbClr val="737373"/>
-                </a:solidFill>
-                <a:latin typeface="Roboto"/>
-                <a:ea typeface="Roboto"/>
-                <a:cs typeface="Roboto"/>
-                <a:sym typeface="Roboto"/>
-              </a:rPr>
-              <a:t> </a:t>
-            </a:r>
-            <a:r>
-              <a:rPr lang="es-MX" dirty="0" err="1" smtClean="0">
-                <a:solidFill>
-                  <a:srgbClr val="737373"/>
-                </a:solidFill>
-                <a:latin typeface="Roboto"/>
-                <a:ea typeface="Roboto"/>
-                <a:cs typeface="Roboto"/>
-                <a:sym typeface="Roboto"/>
-              </a:rPr>
-              <a:t>Count</a:t>
-            </a:r>
-            <a:r>
-              <a:rPr lang="es-MX" dirty="0" smtClean="0">
-                <a:solidFill>
-                  <a:srgbClr val="737373"/>
-                </a:solidFill>
-                <a:latin typeface="Roboto"/>
-                <a:ea typeface="Roboto"/>
-                <a:cs typeface="Roboto"/>
-                <a:sym typeface="Roboto"/>
-              </a:rPr>
-              <a:t>}</a:t>
-            </a:r>
-          </a:p>
-          <a:p>
-            <a:pPr marL="285750" lvl="0" indent="-285750">
-              <a:lnSpc>
-                <a:spcPct val="115000"/>
-              </a:lnSpc>
-              <a:buFont typeface="Arial" panose="020B0604020202020204" pitchFamily="34" charset="0"/>
-              <a:buChar char="•"/>
-            </a:pPr>
-            <a:endParaRPr sz="1800" dirty="0">
-              <a:solidFill>
-                <a:srgbClr val="737373"/>
-              </a:solidFill>
-              <a:latin typeface="Roboto"/>
-              <a:ea typeface="Roboto"/>
-              <a:cs typeface="Roboto"/>
-              <a:sym typeface="Roboto"/>
-            </a:endParaRPr>
-          </a:p>
-        </p:txBody>
-      </p:sp>
+      <p:pic>
+        <p:nvPicPr>
+          <p:cNvPr id="4" name="Imagen 3"/>
+          <p:cNvPicPr>
+            <a:picLocks noChangeAspect="1"/>
+          </p:cNvPicPr>
+          <p:nvPr/>
+        </p:nvPicPr>
+        <p:blipFill rotWithShape="1">
+          <a:blip r:embed="rId4"/>
+          <a:srcRect t="24132" r="43940" b="16547"/>
+          <a:stretch/>
+        </p:blipFill>
+        <p:spPr>
+          <a:xfrm>
+            <a:off x="1522972" y="1457406"/>
+            <a:ext cx="8226804" cy="4670111"/>
+          </a:xfrm>
+          <a:prstGeom prst="rect">
+            <a:avLst/>
+          </a:prstGeom>
+        </p:spPr>
+      </p:pic>
     </p:spTree>
     <p:extLst>
       <p:ext uri="{BB962C8B-B14F-4D97-AF65-F5344CB8AC3E}">
-        <p14:creationId xmlns:p14="http://schemas.microsoft.com/office/powerpoint/2010/main" val="1349463423"/>
+        <p14:creationId xmlns:p14="http://schemas.microsoft.com/office/powerpoint/2010/main" val="1900756637"/>
       </p:ext>
     </p:extLst>
   </p:cSld>
@@ -7407,7 +6787,37 @@
                 <a:latin typeface="Roboto Slab" pitchFamily="2" charset="0"/>
                 <a:ea typeface="Roboto Slab" pitchFamily="2" charset="0"/>
               </a:rPr>
-              <a:t>Crear Dispositivo</a:t>
+              <a:t>Crear Recurso </a:t>
+            </a:r>
+            <a:r>
+              <a:rPr lang="es-MX" sz="2800" dirty="0" err="1" smtClean="0">
+                <a:solidFill>
+                  <a:srgbClr val="042252"/>
+                </a:solidFill>
+                <a:latin typeface="Roboto Slab" pitchFamily="2" charset="0"/>
+                <a:ea typeface="Roboto Slab" pitchFamily="2" charset="0"/>
+              </a:rPr>
+              <a:t>IoT</a:t>
+            </a:r>
+            <a:r>
+              <a:rPr lang="es-MX" sz="2800" dirty="0" smtClean="0">
+                <a:solidFill>
+                  <a:srgbClr val="042252"/>
+                </a:solidFill>
+                <a:latin typeface="Roboto Slab" pitchFamily="2" charset="0"/>
+                <a:ea typeface="Roboto Slab" pitchFamily="2" charset="0"/>
+              </a:rPr>
+              <a:t> </a:t>
+            </a:r>
+            <a:r>
+              <a:rPr lang="es-MX" sz="2800" dirty="0" err="1" smtClean="0">
+                <a:solidFill>
+                  <a:srgbClr val="042252"/>
+                </a:solidFill>
+                <a:latin typeface="Roboto Slab" pitchFamily="2" charset="0"/>
+                <a:ea typeface="Roboto Slab" pitchFamily="2" charset="0"/>
+              </a:rPr>
+              <a:t>Hub</a:t>
             </a:r>
             <a:endParaRPr lang="es-MX" sz="2800" dirty="0">
               <a:solidFill>
@@ -7582,33 +6992,606 @@
           </a:prstGeom>
         </p:spPr>
       </p:pic>
-      <p:pic>
-        <p:nvPicPr>
-          <p:cNvPr id="3" name="Imagen 2"/>
-          <p:cNvPicPr>
-            <a:picLocks noChangeAspect="1"/>
-          </p:cNvPicPr>
-          <p:nvPr/>
-        </p:nvPicPr>
-        <p:blipFill rotWithShape="1">
-          <a:blip r:embed="rId4"/>
-          <a:srcRect t="17625" r="63530" b="3959"/>
-          <a:stretch/>
-        </p:blipFill>
-        <p:spPr>
-          <a:xfrm>
-            <a:off x="3913915" y="1254372"/>
-            <a:ext cx="4131222" cy="4765251"/>
-          </a:xfrm>
-          <a:prstGeom prst="rect">
-            <a:avLst/>
-          </a:prstGeom>
-        </p:spPr>
-      </p:pic>
+      <p:sp>
+        <p:nvSpPr>
+          <p:cNvPr id="9" name="Google Shape;106;p15"/>
+          <p:cNvSpPr txBox="1"/>
+          <p:nvPr/>
+        </p:nvSpPr>
+        <p:spPr>
+          <a:xfrm>
+            <a:off x="281959" y="1578498"/>
+            <a:ext cx="9883200" cy="4215812"/>
+          </a:xfrm>
+          <a:prstGeom prst="rect">
+            <a:avLst/>
+          </a:prstGeom>
+          <a:noFill/>
+          <a:ln>
+            <a:noFill/>
+          </a:ln>
+        </p:spPr>
+        <p:txBody>
+          <a:bodyPr spcFirstLastPara="1" wrap="square" lIns="91425" tIns="91425" rIns="91425" bIns="91425" anchor="t" anchorCtr="0">
+            <a:noAutofit/>
+          </a:bodyPr>
+          <a:lstStyle/>
+          <a:p>
+            <a:pPr marL="285750" lvl="0" indent="-285750">
+              <a:lnSpc>
+                <a:spcPct val="115000"/>
+              </a:lnSpc>
+              <a:buFont typeface="Arial" panose="020B0604020202020204" pitchFamily="34" charset="0"/>
+              <a:buChar char="•"/>
+            </a:pPr>
+            <a:r>
+              <a:rPr lang="es-MX" dirty="0">
+                <a:solidFill>
+                  <a:srgbClr val="737373"/>
+                </a:solidFill>
+                <a:latin typeface="Roboto"/>
+                <a:ea typeface="Roboto"/>
+                <a:cs typeface="Roboto"/>
+                <a:sym typeface="Roboto"/>
+              </a:rPr>
+              <a:t>a</a:t>
+            </a:r>
+            <a:r>
+              <a:rPr lang="es-MX" dirty="0" smtClean="0">
+                <a:solidFill>
+                  <a:srgbClr val="737373"/>
+                </a:solidFill>
+                <a:latin typeface="Roboto"/>
+                <a:ea typeface="Roboto"/>
+                <a:cs typeface="Roboto"/>
+                <a:sym typeface="Roboto"/>
+              </a:rPr>
+              <a:t>z </a:t>
+            </a:r>
+            <a:r>
+              <a:rPr lang="es-MX" dirty="0" err="1" smtClean="0">
+                <a:solidFill>
+                  <a:srgbClr val="737373"/>
+                </a:solidFill>
+                <a:latin typeface="Roboto"/>
+                <a:ea typeface="Roboto"/>
+                <a:cs typeface="Roboto"/>
+                <a:sym typeface="Roboto"/>
+              </a:rPr>
+              <a:t>login</a:t>
+            </a:r>
+            <a:endParaRPr lang="es-MX" dirty="0" smtClean="0">
+              <a:solidFill>
+                <a:srgbClr val="737373"/>
+              </a:solidFill>
+              <a:latin typeface="Roboto"/>
+              <a:ea typeface="Roboto"/>
+              <a:cs typeface="Roboto"/>
+              <a:sym typeface="Roboto"/>
+            </a:endParaRPr>
+          </a:p>
+          <a:p>
+            <a:pPr marL="285750" lvl="0" indent="-285750">
+              <a:lnSpc>
+                <a:spcPct val="115000"/>
+              </a:lnSpc>
+              <a:buFont typeface="Arial" panose="020B0604020202020204" pitchFamily="34" charset="0"/>
+              <a:buChar char="•"/>
+            </a:pPr>
+            <a:r>
+              <a:rPr lang="es-MX" dirty="0">
+                <a:solidFill>
+                  <a:srgbClr val="737373"/>
+                </a:solidFill>
+                <a:latin typeface="Roboto"/>
+                <a:ea typeface="Roboto"/>
+                <a:cs typeface="Roboto"/>
+                <a:sym typeface="Roboto"/>
+              </a:rPr>
+              <a:t>az </a:t>
+            </a:r>
+            <a:r>
+              <a:rPr lang="es-MX" dirty="0" err="1">
+                <a:solidFill>
+                  <a:srgbClr val="737373"/>
+                </a:solidFill>
+                <a:latin typeface="Roboto"/>
+                <a:ea typeface="Roboto"/>
+                <a:cs typeface="Roboto"/>
+                <a:sym typeface="Roboto"/>
+              </a:rPr>
+              <a:t>iot</a:t>
+            </a:r>
+            <a:r>
+              <a:rPr lang="es-MX" dirty="0">
+                <a:solidFill>
+                  <a:srgbClr val="737373"/>
+                </a:solidFill>
+                <a:latin typeface="Roboto"/>
+                <a:ea typeface="Roboto"/>
+                <a:cs typeface="Roboto"/>
+                <a:sym typeface="Roboto"/>
+              </a:rPr>
+              <a:t> </a:t>
+            </a:r>
+            <a:r>
+              <a:rPr lang="es-MX" dirty="0" err="1">
+                <a:solidFill>
+                  <a:srgbClr val="737373"/>
+                </a:solidFill>
+                <a:latin typeface="Roboto"/>
+                <a:ea typeface="Roboto"/>
+                <a:cs typeface="Roboto"/>
+                <a:sym typeface="Roboto"/>
+              </a:rPr>
+              <a:t>hub</a:t>
+            </a:r>
+            <a:r>
+              <a:rPr lang="es-MX" dirty="0">
+                <a:solidFill>
+                  <a:srgbClr val="737373"/>
+                </a:solidFill>
+                <a:latin typeface="Roboto"/>
+                <a:ea typeface="Roboto"/>
+                <a:cs typeface="Roboto"/>
+                <a:sym typeface="Roboto"/>
+              </a:rPr>
+              <a:t> </a:t>
+            </a:r>
+            <a:r>
+              <a:rPr lang="es-MX" dirty="0" err="1">
+                <a:solidFill>
+                  <a:srgbClr val="737373"/>
+                </a:solidFill>
+                <a:latin typeface="Roboto"/>
+                <a:ea typeface="Roboto"/>
+                <a:cs typeface="Roboto"/>
+                <a:sym typeface="Roboto"/>
+              </a:rPr>
+              <a:t>delete</a:t>
+            </a:r>
+            <a:r>
+              <a:rPr lang="es-MX" dirty="0">
+                <a:solidFill>
+                  <a:srgbClr val="737373"/>
+                </a:solidFill>
+                <a:latin typeface="Roboto"/>
+                <a:ea typeface="Roboto"/>
+                <a:cs typeface="Roboto"/>
+                <a:sym typeface="Roboto"/>
+              </a:rPr>
+              <a:t> --</a:t>
+            </a:r>
+            <a:r>
+              <a:rPr lang="es-MX" dirty="0" err="1">
+                <a:solidFill>
+                  <a:srgbClr val="737373"/>
+                </a:solidFill>
+                <a:latin typeface="Roboto"/>
+                <a:ea typeface="Roboto"/>
+                <a:cs typeface="Roboto"/>
+                <a:sym typeface="Roboto"/>
+              </a:rPr>
+              <a:t>name</a:t>
+            </a:r>
+            <a:r>
+              <a:rPr lang="es-MX" dirty="0">
+                <a:solidFill>
+                  <a:srgbClr val="737373"/>
+                </a:solidFill>
+                <a:latin typeface="Roboto"/>
+                <a:ea typeface="Roboto"/>
+                <a:cs typeface="Roboto"/>
+                <a:sym typeface="Roboto"/>
+              </a:rPr>
+              <a:t> {</a:t>
+            </a:r>
+            <a:r>
+              <a:rPr lang="es-MX" dirty="0" err="1">
+                <a:solidFill>
+                  <a:srgbClr val="737373"/>
+                </a:solidFill>
+                <a:latin typeface="Roboto"/>
+                <a:ea typeface="Roboto"/>
+                <a:cs typeface="Roboto"/>
+                <a:sym typeface="Roboto"/>
+              </a:rPr>
+              <a:t>name</a:t>
+            </a:r>
+            <a:r>
+              <a:rPr lang="es-MX" dirty="0">
+                <a:solidFill>
+                  <a:srgbClr val="737373"/>
+                </a:solidFill>
+                <a:latin typeface="Roboto"/>
+                <a:ea typeface="Roboto"/>
+                <a:cs typeface="Roboto"/>
+                <a:sym typeface="Roboto"/>
+              </a:rPr>
+              <a:t>} --</a:t>
+            </a:r>
+            <a:r>
+              <a:rPr lang="es-MX" dirty="0" err="1">
+                <a:solidFill>
+                  <a:srgbClr val="737373"/>
+                </a:solidFill>
+                <a:latin typeface="Roboto"/>
+                <a:ea typeface="Roboto"/>
+                <a:cs typeface="Roboto"/>
+                <a:sym typeface="Roboto"/>
+              </a:rPr>
+              <a:t>resource-group</a:t>
+            </a:r>
+            <a:r>
+              <a:rPr lang="es-MX" dirty="0">
+                <a:solidFill>
+                  <a:srgbClr val="737373"/>
+                </a:solidFill>
+                <a:latin typeface="Roboto"/>
+                <a:ea typeface="Roboto"/>
+                <a:cs typeface="Roboto"/>
+                <a:sym typeface="Roboto"/>
+              </a:rPr>
+              <a:t> {</a:t>
+            </a:r>
+            <a:r>
+              <a:rPr lang="es-MX" dirty="0" err="1">
+                <a:solidFill>
+                  <a:srgbClr val="737373"/>
+                </a:solidFill>
+                <a:latin typeface="Roboto"/>
+                <a:ea typeface="Roboto"/>
+                <a:cs typeface="Roboto"/>
+                <a:sym typeface="Roboto"/>
+              </a:rPr>
+              <a:t>resource-group</a:t>
+            </a:r>
+            <a:r>
+              <a:rPr lang="es-MX" dirty="0" smtClean="0">
+                <a:solidFill>
+                  <a:srgbClr val="737373"/>
+                </a:solidFill>
+                <a:latin typeface="Roboto"/>
+                <a:ea typeface="Roboto"/>
+                <a:cs typeface="Roboto"/>
+                <a:sym typeface="Roboto"/>
+              </a:rPr>
+              <a:t>}</a:t>
+            </a:r>
+          </a:p>
+          <a:p>
+            <a:pPr marL="285750" lvl="0" indent="-285750">
+              <a:lnSpc>
+                <a:spcPct val="115000"/>
+              </a:lnSpc>
+              <a:buFont typeface="Arial" panose="020B0604020202020204" pitchFamily="34" charset="0"/>
+              <a:buChar char="•"/>
+            </a:pPr>
+            <a:r>
+              <a:rPr lang="es-MX" dirty="0">
+                <a:solidFill>
+                  <a:srgbClr val="737373"/>
+                </a:solidFill>
+                <a:latin typeface="Roboto"/>
+                <a:ea typeface="Roboto"/>
+                <a:cs typeface="Roboto"/>
+                <a:sym typeface="Roboto"/>
+              </a:rPr>
+              <a:t>az </a:t>
+            </a:r>
+            <a:r>
+              <a:rPr lang="es-MX" dirty="0" err="1">
+                <a:solidFill>
+                  <a:srgbClr val="737373"/>
+                </a:solidFill>
+                <a:latin typeface="Roboto"/>
+                <a:ea typeface="Roboto"/>
+                <a:cs typeface="Roboto"/>
+                <a:sym typeface="Roboto"/>
+              </a:rPr>
+              <a:t>iot</a:t>
+            </a:r>
+            <a:r>
+              <a:rPr lang="es-MX" dirty="0">
+                <a:solidFill>
+                  <a:srgbClr val="737373"/>
+                </a:solidFill>
+                <a:latin typeface="Roboto"/>
+                <a:ea typeface="Roboto"/>
+                <a:cs typeface="Roboto"/>
+                <a:sym typeface="Roboto"/>
+              </a:rPr>
+              <a:t> </a:t>
+            </a:r>
+            <a:r>
+              <a:rPr lang="es-MX" dirty="0" err="1">
+                <a:solidFill>
+                  <a:srgbClr val="737373"/>
+                </a:solidFill>
+                <a:latin typeface="Roboto"/>
+                <a:ea typeface="Roboto"/>
+                <a:cs typeface="Roboto"/>
+                <a:sym typeface="Roboto"/>
+              </a:rPr>
+              <a:t>hub</a:t>
+            </a:r>
+            <a:r>
+              <a:rPr lang="es-MX" dirty="0">
+                <a:solidFill>
+                  <a:srgbClr val="737373"/>
+                </a:solidFill>
+                <a:latin typeface="Roboto"/>
+                <a:ea typeface="Roboto"/>
+                <a:cs typeface="Roboto"/>
+                <a:sym typeface="Roboto"/>
+              </a:rPr>
+              <a:t> </a:t>
+            </a:r>
+            <a:r>
+              <a:rPr lang="es-MX" dirty="0" err="1">
+                <a:solidFill>
+                  <a:srgbClr val="737373"/>
+                </a:solidFill>
+                <a:latin typeface="Roboto"/>
+                <a:ea typeface="Roboto"/>
+                <a:cs typeface="Roboto"/>
+                <a:sym typeface="Roboto"/>
+              </a:rPr>
+              <a:t>create</a:t>
+            </a:r>
+            <a:r>
+              <a:rPr lang="es-MX" dirty="0">
+                <a:solidFill>
+                  <a:srgbClr val="737373"/>
+                </a:solidFill>
+                <a:latin typeface="Roboto"/>
+                <a:ea typeface="Roboto"/>
+                <a:cs typeface="Roboto"/>
+                <a:sym typeface="Roboto"/>
+              </a:rPr>
+              <a:t> --</a:t>
+            </a:r>
+            <a:r>
+              <a:rPr lang="es-MX" dirty="0" err="1">
+                <a:solidFill>
+                  <a:srgbClr val="737373"/>
+                </a:solidFill>
+                <a:latin typeface="Roboto"/>
+                <a:ea typeface="Roboto"/>
+                <a:cs typeface="Roboto"/>
+                <a:sym typeface="Roboto"/>
+              </a:rPr>
+              <a:t>resource-group</a:t>
+            </a:r>
+            <a:r>
+              <a:rPr lang="es-MX" dirty="0">
+                <a:solidFill>
+                  <a:srgbClr val="737373"/>
+                </a:solidFill>
+                <a:latin typeface="Roboto"/>
+                <a:ea typeface="Roboto"/>
+                <a:cs typeface="Roboto"/>
+                <a:sym typeface="Roboto"/>
+              </a:rPr>
+              <a:t> {</a:t>
+            </a:r>
+            <a:r>
+              <a:rPr lang="es-MX" dirty="0" err="1">
+                <a:solidFill>
+                  <a:srgbClr val="737373"/>
+                </a:solidFill>
+                <a:latin typeface="Roboto"/>
+                <a:ea typeface="Roboto"/>
+                <a:cs typeface="Roboto"/>
+                <a:sym typeface="Roboto"/>
+              </a:rPr>
+              <a:t>resourceGroup</a:t>
+            </a:r>
+            <a:r>
+              <a:rPr lang="es-MX" dirty="0">
+                <a:solidFill>
+                  <a:srgbClr val="737373"/>
+                </a:solidFill>
+                <a:latin typeface="Roboto"/>
+                <a:ea typeface="Roboto"/>
+                <a:cs typeface="Roboto"/>
+                <a:sym typeface="Roboto"/>
+              </a:rPr>
+              <a:t>} --</a:t>
+            </a:r>
+            <a:r>
+              <a:rPr lang="es-MX" dirty="0" err="1">
+                <a:solidFill>
+                  <a:srgbClr val="737373"/>
+                </a:solidFill>
+                <a:latin typeface="Roboto"/>
+                <a:ea typeface="Roboto"/>
+                <a:cs typeface="Roboto"/>
+                <a:sym typeface="Roboto"/>
+              </a:rPr>
+              <a:t>name</a:t>
+            </a:r>
+            <a:r>
+              <a:rPr lang="es-MX" dirty="0">
+                <a:solidFill>
+                  <a:srgbClr val="737373"/>
+                </a:solidFill>
+                <a:latin typeface="Roboto"/>
+                <a:ea typeface="Roboto"/>
+                <a:cs typeface="Roboto"/>
+                <a:sym typeface="Roboto"/>
+              </a:rPr>
+              <a:t> {</a:t>
+            </a:r>
+            <a:r>
+              <a:rPr lang="es-MX" dirty="0" err="1">
+                <a:solidFill>
+                  <a:srgbClr val="737373"/>
+                </a:solidFill>
+                <a:latin typeface="Roboto"/>
+                <a:ea typeface="Roboto"/>
+                <a:cs typeface="Roboto"/>
+                <a:sym typeface="Roboto"/>
+              </a:rPr>
+              <a:t>name</a:t>
+            </a:r>
+            <a:r>
+              <a:rPr lang="es-MX" dirty="0">
+                <a:solidFill>
+                  <a:srgbClr val="737373"/>
+                </a:solidFill>
+                <a:latin typeface="Roboto"/>
+                <a:ea typeface="Roboto"/>
+                <a:cs typeface="Roboto"/>
+                <a:sym typeface="Roboto"/>
+              </a:rPr>
+              <a:t>} --</a:t>
+            </a:r>
+            <a:r>
+              <a:rPr lang="es-MX" dirty="0" err="1">
+                <a:solidFill>
+                  <a:srgbClr val="737373"/>
+                </a:solidFill>
+                <a:latin typeface="Roboto"/>
+                <a:ea typeface="Roboto"/>
+                <a:cs typeface="Roboto"/>
+                <a:sym typeface="Roboto"/>
+              </a:rPr>
+              <a:t>location</a:t>
+            </a:r>
+            <a:r>
+              <a:rPr lang="es-MX" dirty="0">
+                <a:solidFill>
+                  <a:srgbClr val="737373"/>
+                </a:solidFill>
+                <a:latin typeface="Roboto"/>
+                <a:ea typeface="Roboto"/>
+                <a:cs typeface="Roboto"/>
+                <a:sym typeface="Roboto"/>
+              </a:rPr>
+              <a:t> {</a:t>
+            </a:r>
+            <a:r>
+              <a:rPr lang="es-MX" dirty="0" err="1">
+                <a:solidFill>
+                  <a:srgbClr val="737373"/>
+                </a:solidFill>
+                <a:latin typeface="Roboto"/>
+                <a:ea typeface="Roboto"/>
+                <a:cs typeface="Roboto"/>
+                <a:sym typeface="Roboto"/>
+              </a:rPr>
+              <a:t>location</a:t>
+            </a:r>
+            <a:r>
+              <a:rPr lang="es-MX" dirty="0" smtClean="0">
+                <a:solidFill>
+                  <a:srgbClr val="737373"/>
+                </a:solidFill>
+                <a:latin typeface="Roboto"/>
+                <a:ea typeface="Roboto"/>
+                <a:cs typeface="Roboto"/>
+                <a:sym typeface="Roboto"/>
+              </a:rPr>
+              <a:t>} –</a:t>
+            </a:r>
+            <a:r>
+              <a:rPr lang="es-MX" dirty="0" err="1" smtClean="0">
+                <a:solidFill>
+                  <a:srgbClr val="737373"/>
+                </a:solidFill>
+                <a:latin typeface="Roboto"/>
+                <a:ea typeface="Roboto"/>
+                <a:cs typeface="Roboto"/>
+                <a:sym typeface="Roboto"/>
+              </a:rPr>
+              <a:t>partition-count</a:t>
+            </a:r>
+            <a:r>
+              <a:rPr lang="es-MX" dirty="0" smtClean="0">
+                <a:solidFill>
+                  <a:srgbClr val="737373"/>
+                </a:solidFill>
+                <a:latin typeface="Roboto"/>
+                <a:ea typeface="Roboto"/>
+                <a:cs typeface="Roboto"/>
+                <a:sym typeface="Roboto"/>
+              </a:rPr>
+              <a:t> {</a:t>
+            </a:r>
+            <a:r>
+              <a:rPr lang="es-MX" dirty="0" err="1" smtClean="0">
+                <a:solidFill>
+                  <a:srgbClr val="737373"/>
+                </a:solidFill>
+                <a:latin typeface="Roboto"/>
+                <a:ea typeface="Roboto"/>
+                <a:cs typeface="Roboto"/>
+                <a:sym typeface="Roboto"/>
+              </a:rPr>
+              <a:t>Partitition</a:t>
+            </a:r>
+            <a:r>
+              <a:rPr lang="es-MX" dirty="0" smtClean="0">
+                <a:solidFill>
+                  <a:srgbClr val="737373"/>
+                </a:solidFill>
+                <a:latin typeface="Roboto"/>
+                <a:ea typeface="Roboto"/>
+                <a:cs typeface="Roboto"/>
+                <a:sym typeface="Roboto"/>
+              </a:rPr>
+              <a:t> </a:t>
+            </a:r>
+            <a:r>
+              <a:rPr lang="es-MX" dirty="0" err="1" smtClean="0">
+                <a:solidFill>
+                  <a:srgbClr val="737373"/>
+                </a:solidFill>
+                <a:latin typeface="Roboto"/>
+                <a:ea typeface="Roboto"/>
+                <a:cs typeface="Roboto"/>
+                <a:sym typeface="Roboto"/>
+              </a:rPr>
+              <a:t>Count</a:t>
+            </a:r>
+            <a:r>
+              <a:rPr lang="es-MX" dirty="0" smtClean="0">
+                <a:solidFill>
+                  <a:srgbClr val="737373"/>
+                </a:solidFill>
+                <a:latin typeface="Roboto"/>
+                <a:ea typeface="Roboto"/>
+                <a:cs typeface="Roboto"/>
+                <a:sym typeface="Roboto"/>
+              </a:rPr>
+              <a:t>}</a:t>
+            </a:r>
+          </a:p>
+          <a:p>
+            <a:pPr marL="285750" lvl="0" indent="-285750">
+              <a:lnSpc>
+                <a:spcPct val="115000"/>
+              </a:lnSpc>
+              <a:buFont typeface="Arial" panose="020B0604020202020204" pitchFamily="34" charset="0"/>
+              <a:buChar char="•"/>
+            </a:pPr>
+            <a:endParaRPr sz="1800" dirty="0">
+              <a:solidFill>
+                <a:srgbClr val="737373"/>
+              </a:solidFill>
+              <a:latin typeface="Roboto"/>
+              <a:ea typeface="Roboto"/>
+              <a:cs typeface="Roboto"/>
+              <a:sym typeface="Roboto"/>
+            </a:endParaRPr>
+          </a:p>
+        </p:txBody>
+      </p:sp>
     </p:spTree>
     <p:extLst>
       <p:ext uri="{BB962C8B-B14F-4D97-AF65-F5344CB8AC3E}">
-        <p14:creationId xmlns:p14="http://schemas.microsoft.com/office/powerpoint/2010/main" val="171465513"/>
+        <p14:creationId xmlns:p14="http://schemas.microsoft.com/office/powerpoint/2010/main" val="2013950192"/>
       </p:ext>
     </p:extLst>
   </p:cSld>
@@ -7736,7 +7719,47 @@
                 <a:latin typeface="Roboto Slab" pitchFamily="2" charset="0"/>
                 <a:ea typeface="Roboto Slab" pitchFamily="2" charset="0"/>
               </a:rPr>
-              <a:t>Crear Dispositivo (</a:t>
+              <a:t>Crear Recurso </a:t>
+            </a:r>
+            <a:r>
+              <a:rPr lang="es-MX" sz="2800" dirty="0" err="1" smtClean="0">
+                <a:solidFill>
+                  <a:srgbClr val="042252"/>
+                </a:solidFill>
+                <a:latin typeface="Roboto Slab" pitchFamily="2" charset="0"/>
+                <a:ea typeface="Roboto Slab" pitchFamily="2" charset="0"/>
+              </a:rPr>
+              <a:t>IoT</a:t>
+            </a:r>
+            <a:r>
+              <a:rPr lang="es-MX" sz="2800" dirty="0" smtClean="0">
+                <a:solidFill>
+                  <a:srgbClr val="042252"/>
+                </a:solidFill>
+                <a:latin typeface="Roboto Slab" pitchFamily="2" charset="0"/>
+                <a:ea typeface="Roboto Slab" pitchFamily="2" charset="0"/>
+              </a:rPr>
+              <a:t> </a:t>
+            </a:r>
+            <a:r>
+              <a:rPr lang="es-MX" sz="2800" dirty="0" err="1" smtClean="0">
+                <a:solidFill>
+                  <a:srgbClr val="042252"/>
+                </a:solidFill>
+                <a:latin typeface="Roboto Slab" pitchFamily="2" charset="0"/>
+                <a:ea typeface="Roboto Slab" pitchFamily="2" charset="0"/>
+              </a:rPr>
+              <a:t>Hub</a:t>
+            </a:r>
+            <a:r>
+              <a:rPr lang="es-MX" sz="2800" dirty="0" smtClean="0">
+                <a:solidFill>
+                  <a:srgbClr val="042252"/>
+                </a:solidFill>
+                <a:latin typeface="Roboto Slab" pitchFamily="2" charset="0"/>
+                <a:ea typeface="Roboto Slab" pitchFamily="2" charset="0"/>
+              </a:rPr>
+              <a:t> (</a:t>
             </a:r>
             <a:r>
               <a:rPr lang="es-MX" sz="2800" dirty="0" err="1" smtClean="0">
@@ -7964,6 +7987,150 @@
               <a:buChar char="•"/>
             </a:pPr>
             <a:r>
+              <a:rPr lang="es-MX" dirty="0" err="1">
+                <a:solidFill>
+                  <a:srgbClr val="737373"/>
+                </a:solidFill>
+                <a:latin typeface="Roboto"/>
+                <a:ea typeface="Roboto"/>
+                <a:cs typeface="Roboto"/>
+                <a:sym typeface="Roboto"/>
+              </a:rPr>
+              <a:t>a</a:t>
+            </a:r>
+            <a:r>
+              <a:rPr lang="es-MX" dirty="0" err="1" smtClean="0">
+                <a:solidFill>
+                  <a:srgbClr val="737373"/>
+                </a:solidFill>
+                <a:latin typeface="Roboto"/>
+                <a:ea typeface="Roboto"/>
+                <a:cs typeface="Roboto"/>
+                <a:sym typeface="Roboto"/>
+              </a:rPr>
+              <a:t>z</a:t>
+            </a:r>
+            <a:r>
+              <a:rPr lang="es-MX" dirty="0" smtClean="0">
+                <a:solidFill>
+                  <a:srgbClr val="737373"/>
+                </a:solidFill>
+                <a:latin typeface="Roboto"/>
+                <a:ea typeface="Roboto"/>
+                <a:cs typeface="Roboto"/>
+                <a:sym typeface="Roboto"/>
+              </a:rPr>
+              <a:t> </a:t>
+            </a:r>
+            <a:r>
+              <a:rPr lang="es-MX" dirty="0" err="1" smtClean="0">
+                <a:solidFill>
+                  <a:srgbClr val="737373"/>
+                </a:solidFill>
+                <a:latin typeface="Roboto"/>
+                <a:ea typeface="Roboto"/>
+                <a:cs typeface="Roboto"/>
+                <a:sym typeface="Roboto"/>
+              </a:rPr>
+              <a:t>login</a:t>
+            </a:r>
+            <a:endParaRPr lang="es-MX" dirty="0" smtClean="0">
+              <a:solidFill>
+                <a:srgbClr val="737373"/>
+              </a:solidFill>
+              <a:latin typeface="Roboto"/>
+              <a:ea typeface="Roboto"/>
+              <a:cs typeface="Roboto"/>
+              <a:sym typeface="Roboto"/>
+            </a:endParaRPr>
+          </a:p>
+          <a:p>
+            <a:pPr marL="285750" lvl="0" indent="-285750">
+              <a:lnSpc>
+                <a:spcPct val="115000"/>
+              </a:lnSpc>
+              <a:buFont typeface="Arial" panose="020B0604020202020204" pitchFamily="34" charset="0"/>
+              <a:buChar char="•"/>
+            </a:pPr>
+            <a:r>
+              <a:rPr lang="en-US" dirty="0" err="1">
+                <a:solidFill>
+                  <a:srgbClr val="737373"/>
+                </a:solidFill>
+                <a:latin typeface="Roboto"/>
+                <a:ea typeface="Roboto"/>
+                <a:cs typeface="Roboto"/>
+                <a:sym typeface="Roboto"/>
+              </a:rPr>
+              <a:t>az</a:t>
+            </a:r>
+            <a:r>
+              <a:rPr lang="en-US" dirty="0">
+                <a:solidFill>
+                  <a:srgbClr val="737373"/>
+                </a:solidFill>
+                <a:latin typeface="Roboto"/>
+                <a:ea typeface="Roboto"/>
+                <a:cs typeface="Roboto"/>
+                <a:sym typeface="Roboto"/>
+              </a:rPr>
+              <a:t> extension add --name azure-cli-</a:t>
+            </a:r>
+            <a:r>
+              <a:rPr lang="en-US" dirty="0" err="1">
+                <a:solidFill>
+                  <a:srgbClr val="737373"/>
+                </a:solidFill>
+                <a:latin typeface="Roboto"/>
+                <a:ea typeface="Roboto"/>
+                <a:cs typeface="Roboto"/>
+                <a:sym typeface="Roboto"/>
+              </a:rPr>
+              <a:t>iot</a:t>
+            </a:r>
+            <a:r>
+              <a:rPr lang="en-US" dirty="0">
+                <a:solidFill>
+                  <a:srgbClr val="737373"/>
+                </a:solidFill>
+                <a:latin typeface="Roboto"/>
+                <a:ea typeface="Roboto"/>
+                <a:cs typeface="Roboto"/>
+                <a:sym typeface="Roboto"/>
+              </a:rPr>
+              <a:t>-</a:t>
+            </a:r>
+            <a:r>
+              <a:rPr lang="en-US" dirty="0" err="1">
+                <a:solidFill>
+                  <a:srgbClr val="737373"/>
+                </a:solidFill>
+                <a:latin typeface="Roboto"/>
+                <a:ea typeface="Roboto"/>
+                <a:cs typeface="Roboto"/>
+                <a:sym typeface="Roboto"/>
+              </a:rPr>
+              <a:t>ext</a:t>
+            </a:r>
+            <a:endParaRPr lang="es-MX" dirty="0" smtClean="0">
+              <a:solidFill>
+                <a:srgbClr val="737373"/>
+              </a:solidFill>
+              <a:latin typeface="Roboto"/>
+              <a:ea typeface="Roboto"/>
+              <a:cs typeface="Roboto"/>
+              <a:sym typeface="Roboto"/>
+            </a:endParaRPr>
+          </a:p>
+          <a:p>
+            <a:pPr marL="285750" lvl="0" indent="-285750">
+              <a:lnSpc>
+                <a:spcPct val="115000"/>
+              </a:lnSpc>
+              <a:buFont typeface="Arial" panose="020B0604020202020204" pitchFamily="34" charset="0"/>
+              <a:buChar char="•"/>
+            </a:pPr>
+            <a:r>
               <a:rPr lang="es-MX" dirty="0">
                 <a:solidFill>
                   <a:srgbClr val="737373"/>
@@ -8033,7 +8200,7 @@
                 <a:cs typeface="Roboto"/>
                 <a:sym typeface="Roboto"/>
               </a:rPr>
-              <a:t>device-identity</a:t>
+              <a:t>delete</a:t>
             </a:r>
             <a:r>
               <a:rPr lang="es-MX" dirty="0">
@@ -8045,6 +8212,147 @@
                 <a:cs typeface="Roboto"/>
                 <a:sym typeface="Roboto"/>
               </a:rPr>
+              <a:t> --</a:t>
+            </a:r>
+            <a:r>
+              <a:rPr lang="es-MX" dirty="0" err="1">
+                <a:solidFill>
+                  <a:srgbClr val="737373"/>
+                </a:solidFill>
+                <a:latin typeface="Roboto"/>
+                <a:ea typeface="Roboto"/>
+                <a:cs typeface="Roboto"/>
+                <a:sym typeface="Roboto"/>
+              </a:rPr>
+              <a:t>name</a:t>
+            </a:r>
+            <a:r>
+              <a:rPr lang="es-MX" dirty="0">
+                <a:solidFill>
+                  <a:srgbClr val="737373"/>
+                </a:solidFill>
+                <a:latin typeface="Roboto"/>
+                <a:ea typeface="Roboto"/>
+                <a:cs typeface="Roboto"/>
+                <a:sym typeface="Roboto"/>
+              </a:rPr>
+              <a:t> {</a:t>
+            </a:r>
+            <a:r>
+              <a:rPr lang="es-MX" dirty="0" err="1">
+                <a:solidFill>
+                  <a:srgbClr val="737373"/>
+                </a:solidFill>
+                <a:latin typeface="Roboto"/>
+                <a:ea typeface="Roboto"/>
+                <a:cs typeface="Roboto"/>
+                <a:sym typeface="Roboto"/>
+              </a:rPr>
+              <a:t>name</a:t>
+            </a:r>
+            <a:r>
+              <a:rPr lang="es-MX" dirty="0">
+                <a:solidFill>
+                  <a:srgbClr val="737373"/>
+                </a:solidFill>
+                <a:latin typeface="Roboto"/>
+                <a:ea typeface="Roboto"/>
+                <a:cs typeface="Roboto"/>
+                <a:sym typeface="Roboto"/>
+              </a:rPr>
+              <a:t>} --</a:t>
+            </a:r>
+            <a:r>
+              <a:rPr lang="es-MX" dirty="0" err="1">
+                <a:solidFill>
+                  <a:srgbClr val="737373"/>
+                </a:solidFill>
+                <a:latin typeface="Roboto"/>
+                <a:ea typeface="Roboto"/>
+                <a:cs typeface="Roboto"/>
+                <a:sym typeface="Roboto"/>
+              </a:rPr>
+              <a:t>resource-group</a:t>
+            </a:r>
+            <a:r>
+              <a:rPr lang="es-MX" dirty="0">
+                <a:solidFill>
+                  <a:srgbClr val="737373"/>
+                </a:solidFill>
+                <a:latin typeface="Roboto"/>
+                <a:ea typeface="Roboto"/>
+                <a:cs typeface="Roboto"/>
+                <a:sym typeface="Roboto"/>
+              </a:rPr>
+              <a:t> {</a:t>
+            </a:r>
+            <a:r>
+              <a:rPr lang="es-MX" dirty="0" err="1">
+                <a:solidFill>
+                  <a:srgbClr val="737373"/>
+                </a:solidFill>
+                <a:latin typeface="Roboto"/>
+                <a:ea typeface="Roboto"/>
+                <a:cs typeface="Roboto"/>
+                <a:sym typeface="Roboto"/>
+              </a:rPr>
+              <a:t>resource-group</a:t>
+            </a:r>
+            <a:r>
+              <a:rPr lang="es-MX" dirty="0" smtClean="0">
+                <a:solidFill>
+                  <a:srgbClr val="737373"/>
+                </a:solidFill>
+                <a:latin typeface="Roboto"/>
+                <a:ea typeface="Roboto"/>
+                <a:cs typeface="Roboto"/>
+                <a:sym typeface="Roboto"/>
+              </a:rPr>
+              <a:t>}</a:t>
+            </a:r>
+          </a:p>
+          <a:p>
+            <a:pPr marL="285750" lvl="0" indent="-285750">
+              <a:lnSpc>
+                <a:spcPct val="115000"/>
+              </a:lnSpc>
+              <a:buFont typeface="Arial" panose="020B0604020202020204" pitchFamily="34" charset="0"/>
+              <a:buChar char="•"/>
+            </a:pPr>
+            <a:r>
+              <a:rPr lang="es-MX" dirty="0">
+                <a:solidFill>
+                  <a:srgbClr val="737373"/>
+                </a:solidFill>
+                <a:latin typeface="Roboto"/>
+                <a:ea typeface="Roboto"/>
+                <a:cs typeface="Roboto"/>
+                <a:sym typeface="Roboto"/>
+              </a:rPr>
+              <a:t>az </a:t>
+            </a:r>
+            <a:r>
+              <a:rPr lang="es-MX" dirty="0" err="1">
+                <a:solidFill>
+                  <a:srgbClr val="737373"/>
+                </a:solidFill>
+                <a:latin typeface="Roboto"/>
+                <a:ea typeface="Roboto"/>
+                <a:cs typeface="Roboto"/>
+                <a:sym typeface="Roboto"/>
+              </a:rPr>
+              <a:t>iot</a:t>
+            </a:r>
+            <a:r>
+              <a:rPr lang="es-MX" dirty="0">
+                <a:solidFill>
+                  <a:srgbClr val="737373"/>
+                </a:solidFill>
+                <a:latin typeface="Roboto"/>
+                <a:ea typeface="Roboto"/>
+                <a:cs typeface="Roboto"/>
+                <a:sym typeface="Roboto"/>
+              </a:rPr>
               <a:t> </a:t>
             </a:r>
             <a:r>
@@ -8057,6 +8365,30 @@
                 <a:cs typeface="Roboto"/>
                 <a:sym typeface="Roboto"/>
               </a:rPr>
+              <a:t>hub</a:t>
+            </a:r>
+            <a:r>
+              <a:rPr lang="es-MX" dirty="0">
+                <a:solidFill>
+                  <a:srgbClr val="737373"/>
+                </a:solidFill>
+                <a:latin typeface="Roboto"/>
+                <a:ea typeface="Roboto"/>
+                <a:cs typeface="Roboto"/>
+                <a:sym typeface="Roboto"/>
+              </a:rPr>
+              <a:t> </a:t>
+            </a:r>
+            <a:r>
+              <a:rPr lang="es-MX" dirty="0" err="1">
+                <a:solidFill>
+                  <a:srgbClr val="737373"/>
+                </a:solidFill>
+                <a:latin typeface="Roboto"/>
+                <a:ea typeface="Roboto"/>
+                <a:cs typeface="Roboto"/>
+                <a:sym typeface="Roboto"/>
+              </a:rPr>
               <a:t>create</a:t>
             </a:r>
             <a:r>
@@ -8069,7 +8401,139 @@
                 <a:cs typeface="Roboto"/>
                 <a:sym typeface="Roboto"/>
               </a:rPr>
-              <a:t> -n </a:t>
+              <a:t> --</a:t>
+            </a:r>
+            <a:r>
+              <a:rPr lang="es-MX" dirty="0" err="1">
+                <a:solidFill>
+                  <a:srgbClr val="737373"/>
+                </a:solidFill>
+                <a:latin typeface="Roboto"/>
+                <a:ea typeface="Roboto"/>
+                <a:cs typeface="Roboto"/>
+                <a:sym typeface="Roboto"/>
+              </a:rPr>
+              <a:t>resource-group</a:t>
+            </a:r>
+            <a:r>
+              <a:rPr lang="es-MX" dirty="0">
+                <a:solidFill>
+                  <a:srgbClr val="737373"/>
+                </a:solidFill>
+                <a:latin typeface="Roboto"/>
+                <a:ea typeface="Roboto"/>
+                <a:cs typeface="Roboto"/>
+                <a:sym typeface="Roboto"/>
+              </a:rPr>
+              <a:t> {</a:t>
+            </a:r>
+            <a:r>
+              <a:rPr lang="es-MX" dirty="0" err="1">
+                <a:solidFill>
+                  <a:srgbClr val="737373"/>
+                </a:solidFill>
+                <a:latin typeface="Roboto"/>
+                <a:ea typeface="Roboto"/>
+                <a:cs typeface="Roboto"/>
+                <a:sym typeface="Roboto"/>
+              </a:rPr>
+              <a:t>resourceGroup</a:t>
+            </a:r>
+            <a:r>
+              <a:rPr lang="es-MX" dirty="0">
+                <a:solidFill>
+                  <a:srgbClr val="737373"/>
+                </a:solidFill>
+                <a:latin typeface="Roboto"/>
+                <a:ea typeface="Roboto"/>
+                <a:cs typeface="Roboto"/>
+                <a:sym typeface="Roboto"/>
+              </a:rPr>
+              <a:t>} --</a:t>
+            </a:r>
+            <a:r>
+              <a:rPr lang="es-MX" dirty="0" err="1">
+                <a:solidFill>
+                  <a:srgbClr val="737373"/>
+                </a:solidFill>
+                <a:latin typeface="Roboto"/>
+                <a:ea typeface="Roboto"/>
+                <a:cs typeface="Roboto"/>
+                <a:sym typeface="Roboto"/>
+              </a:rPr>
+              <a:t>name</a:t>
+            </a:r>
+            <a:r>
+              <a:rPr lang="es-MX" dirty="0">
+                <a:solidFill>
+                  <a:srgbClr val="737373"/>
+                </a:solidFill>
+                <a:latin typeface="Roboto"/>
+                <a:ea typeface="Roboto"/>
+                <a:cs typeface="Roboto"/>
+                <a:sym typeface="Roboto"/>
+              </a:rPr>
+              <a:t> {</a:t>
+            </a:r>
+            <a:r>
+              <a:rPr lang="es-MX" dirty="0" err="1">
+                <a:solidFill>
+                  <a:srgbClr val="737373"/>
+                </a:solidFill>
+                <a:latin typeface="Roboto"/>
+                <a:ea typeface="Roboto"/>
+                <a:cs typeface="Roboto"/>
+                <a:sym typeface="Roboto"/>
+              </a:rPr>
+              <a:t>name</a:t>
+            </a:r>
+            <a:r>
+              <a:rPr lang="es-MX" dirty="0">
+                <a:solidFill>
+                  <a:srgbClr val="737373"/>
+                </a:solidFill>
+                <a:latin typeface="Roboto"/>
+                <a:ea typeface="Roboto"/>
+                <a:cs typeface="Roboto"/>
+                <a:sym typeface="Roboto"/>
+              </a:rPr>
+              <a:t>} --</a:t>
+            </a:r>
+            <a:r>
+              <a:rPr lang="es-MX" dirty="0" err="1">
+                <a:solidFill>
+                  <a:srgbClr val="737373"/>
+                </a:solidFill>
+                <a:latin typeface="Roboto"/>
+                <a:ea typeface="Roboto"/>
+                <a:cs typeface="Roboto"/>
+                <a:sym typeface="Roboto"/>
+              </a:rPr>
+              <a:t>location</a:t>
+            </a:r>
+            <a:r>
+              <a:rPr lang="es-MX" dirty="0">
+                <a:solidFill>
+                  <a:srgbClr val="737373"/>
+                </a:solidFill>
+                <a:latin typeface="Roboto"/>
+                <a:ea typeface="Roboto"/>
+                <a:cs typeface="Roboto"/>
+                <a:sym typeface="Roboto"/>
+              </a:rPr>
+              <a:t> {</a:t>
+            </a:r>
+            <a:r>
+              <a:rPr lang="es-MX" dirty="0" err="1">
+                <a:solidFill>
+                  <a:srgbClr val="737373"/>
+                </a:solidFill>
+                <a:latin typeface="Roboto"/>
+                <a:ea typeface="Roboto"/>
+                <a:cs typeface="Roboto"/>
+                <a:sym typeface="Roboto"/>
+              </a:rPr>
+              <a:t>location</a:t>
             </a:r>
             <a:r>
               <a:rPr lang="es-MX" dirty="0" smtClean="0">
@@ -8081,7 +8545,7 @@
                 <a:cs typeface="Roboto"/>
                 <a:sym typeface="Roboto"/>
               </a:rPr>
-              <a:t>{</a:t>
+              <a:t>} –</a:t>
             </a:r>
             <a:r>
               <a:rPr lang="es-MX" dirty="0" err="1" smtClean="0">
@@ -8093,7 +8557,7 @@
                 <a:cs typeface="Roboto"/>
                 <a:sym typeface="Roboto"/>
               </a:rPr>
-              <a:t>IoT</a:t>
+              <a:t>partition-count</a:t>
             </a:r>
             <a:r>
               <a:rPr lang="es-MX" dirty="0" smtClean="0">
@@ -8105,6 +8569,30 @@
                 <a:cs typeface="Roboto"/>
                 <a:sym typeface="Roboto"/>
               </a:rPr>
+              <a:t> {</a:t>
+            </a:r>
+            <a:r>
+              <a:rPr lang="es-MX" dirty="0" err="1" smtClean="0">
+                <a:solidFill>
+                  <a:srgbClr val="737373"/>
+                </a:solidFill>
+                <a:latin typeface="Roboto"/>
+                <a:ea typeface="Roboto"/>
+                <a:cs typeface="Roboto"/>
+                <a:sym typeface="Roboto"/>
+              </a:rPr>
+              <a:t>Partitition</a:t>
+            </a:r>
+            <a:r>
+              <a:rPr lang="es-MX" dirty="0" smtClean="0">
+                <a:solidFill>
+                  <a:srgbClr val="737373"/>
+                </a:solidFill>
+                <a:latin typeface="Roboto"/>
+                <a:ea typeface="Roboto"/>
+                <a:cs typeface="Roboto"/>
+                <a:sym typeface="Roboto"/>
+              </a:rPr>
               <a:t> </a:t>
             </a:r>
             <a:r>
@@ -8117,7 +8605,7 @@
                 <a:cs typeface="Roboto"/>
                 <a:sym typeface="Roboto"/>
               </a:rPr>
-              <a:t>Hub</a:t>
+              <a:t>Count</a:t>
             </a:r>
             <a:r>
               <a:rPr lang="es-MX" dirty="0" smtClean="0">
@@ -8129,104 +8617,17 @@
                 <a:cs typeface="Roboto"/>
                 <a:sym typeface="Roboto"/>
               </a:rPr>
-              <a:t> </a:t>
-            </a:r>
-            <a:r>
-              <a:rPr lang="es-MX" dirty="0" err="1" smtClean="0">
-                <a:solidFill>
-                  <a:srgbClr val="737373"/>
-                </a:solidFill>
-                <a:latin typeface="Roboto"/>
-                <a:ea typeface="Roboto"/>
-                <a:cs typeface="Roboto"/>
-                <a:sym typeface="Roboto"/>
-              </a:rPr>
-              <a:t>Name</a:t>
-            </a:r>
-            <a:r>
-              <a:rPr lang="es-MX" dirty="0" smtClean="0">
-                <a:solidFill>
-                  <a:srgbClr val="737373"/>
-                </a:solidFill>
-                <a:latin typeface="Roboto"/>
-                <a:ea typeface="Roboto"/>
-                <a:cs typeface="Roboto"/>
-                <a:sym typeface="Roboto"/>
-              </a:rPr>
-              <a:t>} </a:t>
-            </a:r>
-            <a:r>
-              <a:rPr lang="es-MX" dirty="0">
-                <a:solidFill>
-                  <a:srgbClr val="737373"/>
-                </a:solidFill>
-                <a:latin typeface="Roboto"/>
-                <a:ea typeface="Roboto"/>
-                <a:cs typeface="Roboto"/>
-                <a:sym typeface="Roboto"/>
-              </a:rPr>
-              <a:t>-d </a:t>
-            </a:r>
-            <a:r>
-              <a:rPr lang="es-MX" dirty="0" smtClean="0">
-                <a:solidFill>
-                  <a:srgbClr val="737373"/>
-                </a:solidFill>
-                <a:latin typeface="Roboto"/>
-                <a:ea typeface="Roboto"/>
-                <a:cs typeface="Roboto"/>
-                <a:sym typeface="Roboto"/>
-              </a:rPr>
-              <a:t>{</a:t>
-            </a:r>
-            <a:r>
-              <a:rPr lang="es-MX" dirty="0" err="1" smtClean="0">
-                <a:solidFill>
-                  <a:srgbClr val="737373"/>
-                </a:solidFill>
-                <a:latin typeface="Roboto"/>
-                <a:ea typeface="Roboto"/>
-                <a:cs typeface="Roboto"/>
-                <a:sym typeface="Roboto"/>
-              </a:rPr>
-              <a:t>Device</a:t>
-            </a:r>
-            <a:r>
-              <a:rPr lang="es-MX" dirty="0" smtClean="0">
-                <a:solidFill>
-                  <a:srgbClr val="737373"/>
-                </a:solidFill>
-                <a:latin typeface="Roboto"/>
-                <a:ea typeface="Roboto"/>
-                <a:cs typeface="Roboto"/>
-                <a:sym typeface="Roboto"/>
-              </a:rPr>
-              <a:t> </a:t>
-            </a:r>
-            <a:r>
-              <a:rPr lang="es-MX" dirty="0" err="1" smtClean="0">
-                <a:solidFill>
-                  <a:srgbClr val="737373"/>
-                </a:solidFill>
-                <a:latin typeface="Roboto"/>
-                <a:ea typeface="Roboto"/>
-                <a:cs typeface="Roboto"/>
-                <a:sym typeface="Roboto"/>
-              </a:rPr>
-              <a:t>name</a:t>
-            </a:r>
-            <a:r>
-              <a:rPr lang="es-MX" dirty="0" smtClean="0">
-                <a:solidFill>
-                  <a:srgbClr val="737373"/>
-                </a:solidFill>
-                <a:latin typeface="Roboto"/>
-                <a:ea typeface="Roboto"/>
-                <a:cs typeface="Roboto"/>
-                <a:sym typeface="Roboto"/>
-              </a:rPr>
               <a:t>}</a:t>
             </a:r>
+          </a:p>
+          <a:p>
+            <a:pPr marL="285750" lvl="0" indent="-285750">
+              <a:lnSpc>
+                <a:spcPct val="115000"/>
+              </a:lnSpc>
+              <a:buFont typeface="Arial" panose="020B0604020202020204" pitchFamily="34" charset="0"/>
+              <a:buChar char="•"/>
+            </a:pPr>
             <a:endParaRPr sz="1800" dirty="0">
               <a:solidFill>
                 <a:srgbClr val="737373"/>
@@ -8239,33 +8640,10 @@
           </a:p>
         </p:txBody>
       </p:sp>
-      <p:pic>
-        <p:nvPicPr>
-          <p:cNvPr id="4" name="Imagen 3"/>
-          <p:cNvPicPr>
-            <a:picLocks noChangeAspect="1"/>
-          </p:cNvPicPr>
-          <p:nvPr/>
-        </p:nvPicPr>
-        <p:blipFill rotWithShape="1">
-          <a:blip r:embed="rId4"/>
-          <a:srcRect t="38804" b="9373"/>
-          <a:stretch/>
-        </p:blipFill>
-        <p:spPr>
-          <a:xfrm>
-            <a:off x="366929" y="2441448"/>
-            <a:ext cx="11380313" cy="3163824"/>
-          </a:xfrm>
-          <a:prstGeom prst="rect">
-            <a:avLst/>
-          </a:prstGeom>
-        </p:spPr>
-      </p:pic>
     </p:spTree>
     <p:extLst>
       <p:ext uri="{BB962C8B-B14F-4D97-AF65-F5344CB8AC3E}">
-        <p14:creationId xmlns:p14="http://schemas.microsoft.com/office/powerpoint/2010/main" val="2278094903"/>
+        <p14:creationId xmlns:p14="http://schemas.microsoft.com/office/powerpoint/2010/main" val="1349463423"/>
       </p:ext>
     </p:extLst>
   </p:cSld>
@@ -8803,27 +9181,7 @@
                 <a:latin typeface="Roboto Slab" pitchFamily="2" charset="0"/>
                 <a:ea typeface="Roboto Slab" pitchFamily="2" charset="0"/>
               </a:rPr>
-              <a:t>Conectando Dispositivo con </a:t>
-            </a:r>
-            <a:r>
-              <a:rPr lang="es-MX" sz="2800" dirty="0" err="1" smtClean="0">
-                <a:solidFill>
-                  <a:srgbClr val="042252"/>
-                </a:solidFill>
-                <a:latin typeface="Roboto Slab" pitchFamily="2" charset="0"/>
-                <a:ea typeface="Roboto Slab" pitchFamily="2" charset="0"/>
-              </a:rPr>
-              <a:t>IoT</a:t>
-            </a:r>
-            <a:r>
-              <a:rPr lang="es-MX" sz="2800" dirty="0" smtClean="0">
-                <a:solidFill>
-                  <a:srgbClr val="042252"/>
-                </a:solidFill>
-                <a:latin typeface="Roboto Slab" pitchFamily="2" charset="0"/>
-                <a:ea typeface="Roboto Slab" pitchFamily="2" charset="0"/>
-              </a:rPr>
-              <a:t> HUB</a:t>
+              <a:t>Crear Dispositivo</a:t>
             </a:r>
             <a:endParaRPr lang="es-MX" sz="2800" dirty="0">
               <a:solidFill>
@@ -9006,16 +9364,15 @@
           </p:cNvPicPr>
           <p:nvPr/>
         </p:nvPicPr>
-        <p:blipFill>
+        <p:blipFill rotWithShape="1">
           <a:blip r:embed="rId4"/>
-          <a:stretch>
-            <a:fillRect/>
-          </a:stretch>
+          <a:srcRect t="17625" r="63530" b="3959"/>
+          <a:stretch/>
         </p:blipFill>
         <p:spPr>
           <a:xfrm>
-            <a:off x="3135033" y="1515982"/>
-            <a:ext cx="5002681" cy="4319327"/>
+            <a:off x="3913915" y="1254372"/>
+            <a:ext cx="4131222" cy="4765251"/>
           </a:xfrm>
           <a:prstGeom prst="rect">
             <a:avLst/>
@@ -9025,7 +9382,7 @@
     </p:spTree>
     <p:extLst>
       <p:ext uri="{BB962C8B-B14F-4D97-AF65-F5344CB8AC3E}">
-        <p14:creationId xmlns:p14="http://schemas.microsoft.com/office/powerpoint/2010/main" val="3067077850"/>
+        <p14:creationId xmlns:p14="http://schemas.microsoft.com/office/powerpoint/2010/main" val="171465513"/>
       </p:ext>
     </p:extLst>
   </p:cSld>
@@ -9153,7 +9510,7 @@
                 <a:latin typeface="Roboto Slab" pitchFamily="2" charset="0"/>
                 <a:ea typeface="Roboto Slab" pitchFamily="2" charset="0"/>
               </a:rPr>
-              <a:t>Generando </a:t>
+              <a:t>Crear Dispositivo (</a:t>
             </a:r>
             <a:r>
               <a:rPr lang="es-MX" sz="2800" dirty="0" err="1" smtClean="0">
@@ -9163,7 +9520,17 @@
                 <a:latin typeface="Roboto Slab" pitchFamily="2" charset="0"/>
                 <a:ea typeface="Roboto Slab" pitchFamily="2" charset="0"/>
               </a:rPr>
-              <a:t>Tokens</a:t>
+              <a:t>Azure</a:t>
+            </a:r>
+            <a:r>
+              <a:rPr lang="es-MX" sz="2800" dirty="0" smtClean="0">
+                <a:solidFill>
+                  <a:srgbClr val="042252"/>
+                </a:solidFill>
+                <a:latin typeface="Roboto Slab" pitchFamily="2" charset="0"/>
+                <a:ea typeface="Roboto Slab" pitchFamily="2" charset="0"/>
+              </a:rPr>
+              <a:t> CLI)</a:t>
             </a:r>
             <a:endParaRPr lang="es-MX" sz="2800" dirty="0">
               <a:solidFill>
@@ -9338,6 +9705,314 @@
           </a:prstGeom>
         </p:spPr>
       </p:pic>
+      <p:sp>
+        <p:nvSpPr>
+          <p:cNvPr id="9" name="Google Shape;106;p15"/>
+          <p:cNvSpPr txBox="1"/>
+          <p:nvPr/>
+        </p:nvSpPr>
+        <p:spPr>
+          <a:xfrm>
+            <a:off x="281959" y="1578498"/>
+            <a:ext cx="9883200" cy="4215812"/>
+          </a:xfrm>
+          <a:prstGeom prst="rect">
+            <a:avLst/>
+          </a:prstGeom>
+          <a:noFill/>
+          <a:ln>
+            <a:noFill/>
+          </a:ln>
+        </p:spPr>
+        <p:txBody>
+          <a:bodyPr spcFirstLastPara="1" wrap="square" lIns="91425" tIns="91425" rIns="91425" bIns="91425" anchor="t" anchorCtr="0">
+            <a:noAutofit/>
+          </a:bodyPr>
+          <a:lstStyle/>
+          <a:p>
+            <a:pPr marL="285750" lvl="0" indent="-285750">
+              <a:lnSpc>
+                <a:spcPct val="115000"/>
+              </a:lnSpc>
+              <a:buFont typeface="Arial" panose="020B0604020202020204" pitchFamily="34" charset="0"/>
+              <a:buChar char="•"/>
+            </a:pPr>
+            <a:r>
+              <a:rPr lang="es-MX" dirty="0">
+                <a:solidFill>
+                  <a:srgbClr val="737373"/>
+                </a:solidFill>
+                <a:latin typeface="Roboto"/>
+                <a:ea typeface="Roboto"/>
+                <a:cs typeface="Roboto"/>
+                <a:sym typeface="Roboto"/>
+              </a:rPr>
+              <a:t>az </a:t>
+            </a:r>
+            <a:r>
+              <a:rPr lang="es-MX" dirty="0" err="1">
+                <a:solidFill>
+                  <a:srgbClr val="737373"/>
+                </a:solidFill>
+                <a:latin typeface="Roboto"/>
+                <a:ea typeface="Roboto"/>
+                <a:cs typeface="Roboto"/>
+                <a:sym typeface="Roboto"/>
+              </a:rPr>
+              <a:t>iot</a:t>
+            </a:r>
+            <a:r>
+              <a:rPr lang="es-MX" dirty="0">
+                <a:solidFill>
+                  <a:srgbClr val="737373"/>
+                </a:solidFill>
+                <a:latin typeface="Roboto"/>
+                <a:ea typeface="Roboto"/>
+                <a:cs typeface="Roboto"/>
+                <a:sym typeface="Roboto"/>
+              </a:rPr>
+              <a:t> </a:t>
+            </a:r>
+            <a:r>
+              <a:rPr lang="es-MX" dirty="0" err="1">
+                <a:solidFill>
+                  <a:srgbClr val="737373"/>
+                </a:solidFill>
+                <a:latin typeface="Roboto"/>
+                <a:ea typeface="Roboto"/>
+                <a:cs typeface="Roboto"/>
+                <a:sym typeface="Roboto"/>
+              </a:rPr>
+              <a:t>hub</a:t>
+            </a:r>
+            <a:r>
+              <a:rPr lang="es-MX" dirty="0">
+                <a:solidFill>
+                  <a:srgbClr val="737373"/>
+                </a:solidFill>
+                <a:latin typeface="Roboto"/>
+                <a:ea typeface="Roboto"/>
+                <a:cs typeface="Roboto"/>
+                <a:sym typeface="Roboto"/>
+              </a:rPr>
+              <a:t> </a:t>
+            </a:r>
+            <a:r>
+              <a:rPr lang="es-MX" dirty="0" err="1">
+                <a:solidFill>
+                  <a:srgbClr val="737373"/>
+                </a:solidFill>
+                <a:latin typeface="Roboto"/>
+                <a:ea typeface="Roboto"/>
+                <a:cs typeface="Roboto"/>
+                <a:sym typeface="Roboto"/>
+              </a:rPr>
+              <a:t>device-identity</a:t>
+            </a:r>
+            <a:r>
+              <a:rPr lang="es-MX" dirty="0">
+                <a:solidFill>
+                  <a:srgbClr val="737373"/>
+                </a:solidFill>
+                <a:latin typeface="Roboto"/>
+                <a:ea typeface="Roboto"/>
+                <a:cs typeface="Roboto"/>
+                <a:sym typeface="Roboto"/>
+              </a:rPr>
+              <a:t> </a:t>
+            </a:r>
+            <a:r>
+              <a:rPr lang="es-MX" dirty="0" err="1">
+                <a:solidFill>
+                  <a:srgbClr val="737373"/>
+                </a:solidFill>
+                <a:latin typeface="Roboto"/>
+                <a:ea typeface="Roboto"/>
+                <a:cs typeface="Roboto"/>
+                <a:sym typeface="Roboto"/>
+              </a:rPr>
+              <a:t>create</a:t>
+            </a:r>
+            <a:r>
+              <a:rPr lang="es-MX" dirty="0">
+                <a:solidFill>
+                  <a:srgbClr val="737373"/>
+                </a:solidFill>
+                <a:latin typeface="Roboto"/>
+                <a:ea typeface="Roboto"/>
+                <a:cs typeface="Roboto"/>
+                <a:sym typeface="Roboto"/>
+              </a:rPr>
+              <a:t> -n </a:t>
+            </a:r>
+            <a:r>
+              <a:rPr lang="es-MX" dirty="0" smtClean="0">
+                <a:solidFill>
+                  <a:srgbClr val="737373"/>
+                </a:solidFill>
+                <a:latin typeface="Roboto"/>
+                <a:ea typeface="Roboto"/>
+                <a:cs typeface="Roboto"/>
+                <a:sym typeface="Roboto"/>
+              </a:rPr>
+              <a:t>{</a:t>
+            </a:r>
+            <a:r>
+              <a:rPr lang="es-MX" dirty="0" err="1" smtClean="0">
+                <a:solidFill>
+                  <a:srgbClr val="737373"/>
+                </a:solidFill>
+                <a:latin typeface="Roboto"/>
+                <a:ea typeface="Roboto"/>
+                <a:cs typeface="Roboto"/>
+                <a:sym typeface="Roboto"/>
+              </a:rPr>
+              <a:t>IoT</a:t>
+            </a:r>
+            <a:r>
+              <a:rPr lang="es-MX" dirty="0" smtClean="0">
+                <a:solidFill>
+                  <a:srgbClr val="737373"/>
+                </a:solidFill>
+                <a:latin typeface="Roboto"/>
+                <a:ea typeface="Roboto"/>
+                <a:cs typeface="Roboto"/>
+                <a:sym typeface="Roboto"/>
+              </a:rPr>
+              <a:t> </a:t>
+            </a:r>
+            <a:r>
+              <a:rPr lang="es-MX" dirty="0" err="1" smtClean="0">
+                <a:solidFill>
+                  <a:srgbClr val="737373"/>
+                </a:solidFill>
+                <a:latin typeface="Roboto"/>
+                <a:ea typeface="Roboto"/>
+                <a:cs typeface="Roboto"/>
+                <a:sym typeface="Roboto"/>
+              </a:rPr>
+              <a:t>Hub</a:t>
+            </a:r>
+            <a:r>
+              <a:rPr lang="es-MX" dirty="0" smtClean="0">
+                <a:solidFill>
+                  <a:srgbClr val="737373"/>
+                </a:solidFill>
+                <a:latin typeface="Roboto"/>
+                <a:ea typeface="Roboto"/>
+                <a:cs typeface="Roboto"/>
+                <a:sym typeface="Roboto"/>
+              </a:rPr>
+              <a:t> </a:t>
+            </a:r>
+            <a:r>
+              <a:rPr lang="es-MX" dirty="0" err="1" smtClean="0">
+                <a:solidFill>
+                  <a:srgbClr val="737373"/>
+                </a:solidFill>
+                <a:latin typeface="Roboto"/>
+                <a:ea typeface="Roboto"/>
+                <a:cs typeface="Roboto"/>
+                <a:sym typeface="Roboto"/>
+              </a:rPr>
+              <a:t>Name</a:t>
+            </a:r>
+            <a:r>
+              <a:rPr lang="es-MX" dirty="0" smtClean="0">
+                <a:solidFill>
+                  <a:srgbClr val="737373"/>
+                </a:solidFill>
+                <a:latin typeface="Roboto"/>
+                <a:ea typeface="Roboto"/>
+                <a:cs typeface="Roboto"/>
+                <a:sym typeface="Roboto"/>
+              </a:rPr>
+              <a:t>} </a:t>
+            </a:r>
+            <a:r>
+              <a:rPr lang="es-MX" dirty="0">
+                <a:solidFill>
+                  <a:srgbClr val="737373"/>
+                </a:solidFill>
+                <a:latin typeface="Roboto"/>
+                <a:ea typeface="Roboto"/>
+                <a:cs typeface="Roboto"/>
+                <a:sym typeface="Roboto"/>
+              </a:rPr>
+              <a:t>-d </a:t>
+            </a:r>
+            <a:r>
+              <a:rPr lang="es-MX" dirty="0" smtClean="0">
+                <a:solidFill>
+                  <a:srgbClr val="737373"/>
+                </a:solidFill>
+                <a:latin typeface="Roboto"/>
+                <a:ea typeface="Roboto"/>
+                <a:cs typeface="Roboto"/>
+                <a:sym typeface="Roboto"/>
+              </a:rPr>
+              <a:t>{</a:t>
+            </a:r>
+            <a:r>
+              <a:rPr lang="es-MX" dirty="0" err="1" smtClean="0">
+                <a:solidFill>
+                  <a:srgbClr val="737373"/>
+                </a:solidFill>
+                <a:latin typeface="Roboto"/>
+                <a:ea typeface="Roboto"/>
+                <a:cs typeface="Roboto"/>
+                <a:sym typeface="Roboto"/>
+              </a:rPr>
+              <a:t>Device</a:t>
+            </a:r>
+            <a:r>
+              <a:rPr lang="es-MX" dirty="0" smtClean="0">
+                <a:solidFill>
+                  <a:srgbClr val="737373"/>
+                </a:solidFill>
+                <a:latin typeface="Roboto"/>
+                <a:ea typeface="Roboto"/>
+                <a:cs typeface="Roboto"/>
+                <a:sym typeface="Roboto"/>
+              </a:rPr>
+              <a:t> </a:t>
+            </a:r>
+            <a:r>
+              <a:rPr lang="es-MX" dirty="0" err="1" smtClean="0">
+                <a:solidFill>
+                  <a:srgbClr val="737373"/>
+                </a:solidFill>
+                <a:latin typeface="Roboto"/>
+                <a:ea typeface="Roboto"/>
+                <a:cs typeface="Roboto"/>
+                <a:sym typeface="Roboto"/>
+              </a:rPr>
+              <a:t>name</a:t>
+            </a:r>
+            <a:r>
+              <a:rPr lang="es-MX" dirty="0" smtClean="0">
+                <a:solidFill>
+                  <a:srgbClr val="737373"/>
+                </a:solidFill>
+                <a:latin typeface="Roboto"/>
+                <a:ea typeface="Roboto"/>
+                <a:cs typeface="Roboto"/>
+                <a:sym typeface="Roboto"/>
+              </a:rPr>
+              <a:t>}</a:t>
+            </a:r>
+            <a:endParaRPr sz="1800" dirty="0">
+              <a:solidFill>
+                <a:srgbClr val="737373"/>
+              </a:solidFill>
+              <a:latin typeface="Roboto"/>
+              <a:ea typeface="Roboto"/>
+              <a:cs typeface="Roboto"/>
+              <a:sym typeface="Roboto"/>
+            </a:endParaRPr>
+          </a:p>
+        </p:txBody>
+      </p:sp>
       <p:pic>
         <p:nvPicPr>
           <p:cNvPr id="4" name="Imagen 3"/>
@@ -9348,6 +10023,695 @@
         </p:nvPicPr>
         <p:blipFill rotWithShape="1">
           <a:blip r:embed="rId4"/>
+          <a:srcRect t="38804" b="9373"/>
+          <a:stretch/>
+        </p:blipFill>
+        <p:spPr>
+          <a:xfrm>
+            <a:off x="366929" y="2441448"/>
+            <a:ext cx="11380313" cy="3163824"/>
+          </a:xfrm>
+          <a:prstGeom prst="rect">
+            <a:avLst/>
+          </a:prstGeom>
+        </p:spPr>
+      </p:pic>
+    </p:spTree>
+    <p:extLst>
+      <p:ext uri="{BB962C8B-B14F-4D97-AF65-F5344CB8AC3E}">
+        <p14:creationId xmlns:p14="http://schemas.microsoft.com/office/powerpoint/2010/main" val="2278094903"/>
+      </p:ext>
+    </p:extLst>
+  </p:cSld>
+  <p:clrMapOvr>
+    <a:masterClrMapping/>
+  </p:clrMapOvr>
+  <p:timing>
+    <p:tnLst>
+      <p:par>
+        <p:cTn id="1" dur="indefinite" restart="never" nodeType="tmRoot"/>
+      </p:par>
+    </p:tnLst>
+  </p:timing>
+</p:sld>
+</file>
+
+<file path=ppt/slides/slide22.xml><?xml version="1.0" encoding="utf-8"?>
+<p:sld xmlns:a="http://schemas.openxmlformats.org/drawingml/2006/main" xmlns:r="http://schemas.openxmlformats.org/officeDocument/2006/relationships" xmlns:p="http://schemas.openxmlformats.org/presentationml/2006/main">
+  <p:cSld>
+    <p:spTree>
+      <p:nvGrpSpPr>
+        <p:cNvPr id="1" name=""/>
+        <p:cNvGrpSpPr/>
+        <p:nvPr/>
+      </p:nvGrpSpPr>
+      <p:grpSpPr>
+        <a:xfrm>
+          <a:off x="0" y="0"/>
+          <a:ext cx="0" cy="0"/>
+          <a:chOff x="0" y="0"/>
+          <a:chExt cx="0" cy="0"/>
+        </a:xfrm>
+      </p:grpSpPr>
+      <p:sp>
+        <p:nvSpPr>
+          <p:cNvPr id="2" name="CuadroTexto 1"/>
+          <p:cNvSpPr txBox="1"/>
+          <p:nvPr/>
+        </p:nvSpPr>
+        <p:spPr>
+          <a:xfrm>
+            <a:off x="273465" y="212168"/>
+            <a:ext cx="7598535" cy="646331"/>
+          </a:xfrm>
+          <a:prstGeom prst="rect">
+            <a:avLst/>
+          </a:prstGeom>
+          <a:noFill/>
+        </p:spPr>
+        <p:txBody>
+          <a:bodyPr wrap="square" rtlCol="0">
+            <a:spAutoFit/>
+          </a:bodyPr>
+          <a:lstStyle/>
+          <a:p>
+            <a:r>
+              <a:rPr lang="es-ES" sz="3600" dirty="0" smtClean="0">
+                <a:latin typeface="Roboto" panose="02000000000000000000" pitchFamily="2" charset="0"/>
+                <a:ea typeface="Roboto" panose="02000000000000000000" pitchFamily="2" charset="0"/>
+              </a:rPr>
+              <a:t>Introducción </a:t>
+            </a:r>
+            <a:r>
+              <a:rPr lang="es-ES" sz="3600" dirty="0">
+                <a:latin typeface="Roboto" panose="02000000000000000000" pitchFamily="2" charset="0"/>
+                <a:ea typeface="Roboto" panose="02000000000000000000" pitchFamily="2" charset="0"/>
+              </a:rPr>
+              <a:t>a Microsoft </a:t>
+            </a:r>
+            <a:r>
+              <a:rPr lang="es-ES" sz="3600" dirty="0" err="1">
+                <a:latin typeface="Roboto" panose="02000000000000000000" pitchFamily="2" charset="0"/>
+                <a:ea typeface="Roboto" panose="02000000000000000000" pitchFamily="2" charset="0"/>
+              </a:rPr>
+              <a:t>Azure</a:t>
+            </a:r>
+            <a:r>
+              <a:rPr lang="es-ES" sz="3600" dirty="0">
+                <a:latin typeface="Roboto" panose="02000000000000000000" pitchFamily="2" charset="0"/>
+                <a:ea typeface="Roboto" panose="02000000000000000000" pitchFamily="2" charset="0"/>
+              </a:rPr>
+              <a:t> </a:t>
+            </a:r>
+            <a:r>
+              <a:rPr lang="es-ES" sz="3600" dirty="0" err="1">
+                <a:latin typeface="Roboto" panose="02000000000000000000" pitchFamily="2" charset="0"/>
+                <a:ea typeface="Roboto" panose="02000000000000000000" pitchFamily="2" charset="0"/>
+              </a:rPr>
+              <a:t>IoT</a:t>
+            </a:r>
+            <a:endParaRPr lang="es-MX" sz="3600" dirty="0">
+              <a:latin typeface="Roboto" panose="02000000000000000000" pitchFamily="2" charset="0"/>
+              <a:ea typeface="Roboto" panose="02000000000000000000" pitchFamily="2" charset="0"/>
+            </a:endParaRPr>
+          </a:p>
+        </p:txBody>
+      </p:sp>
+      <p:sp>
+        <p:nvSpPr>
+          <p:cNvPr id="10" name="CuadroTexto 9"/>
+          <p:cNvSpPr txBox="1"/>
+          <p:nvPr/>
+        </p:nvSpPr>
+        <p:spPr>
+          <a:xfrm>
+            <a:off x="346617" y="992762"/>
+            <a:ext cx="11265818" cy="523220"/>
+          </a:xfrm>
+          <a:prstGeom prst="rect">
+            <a:avLst/>
+          </a:prstGeom>
+          <a:noFill/>
+        </p:spPr>
+        <p:txBody>
+          <a:bodyPr wrap="square" rtlCol="0">
+            <a:spAutoFit/>
+          </a:bodyPr>
+          <a:lstStyle/>
+          <a:p>
+            <a:r>
+              <a:rPr lang="es-MX" sz="2800" dirty="0" smtClean="0">
+                <a:solidFill>
+                  <a:srgbClr val="042252"/>
+                </a:solidFill>
+                <a:latin typeface="Roboto Slab" pitchFamily="2" charset="0"/>
+                <a:ea typeface="Roboto Slab" pitchFamily="2" charset="0"/>
+              </a:rPr>
+              <a:t>Conectando Dispositivo con </a:t>
+            </a:r>
+            <a:r>
+              <a:rPr lang="es-MX" sz="2800" dirty="0" err="1" smtClean="0">
+                <a:solidFill>
+                  <a:srgbClr val="042252"/>
+                </a:solidFill>
+                <a:latin typeface="Roboto Slab" pitchFamily="2" charset="0"/>
+                <a:ea typeface="Roboto Slab" pitchFamily="2" charset="0"/>
+              </a:rPr>
+              <a:t>IoT</a:t>
+            </a:r>
+            <a:r>
+              <a:rPr lang="es-MX" sz="2800" dirty="0" smtClean="0">
+                <a:solidFill>
+                  <a:srgbClr val="042252"/>
+                </a:solidFill>
+                <a:latin typeface="Roboto Slab" pitchFamily="2" charset="0"/>
+                <a:ea typeface="Roboto Slab" pitchFamily="2" charset="0"/>
+              </a:rPr>
+              <a:t> HUB</a:t>
+            </a:r>
+            <a:endParaRPr lang="es-MX" sz="2800" dirty="0">
+              <a:solidFill>
+                <a:srgbClr val="042252"/>
+              </a:solidFill>
+              <a:latin typeface="Roboto Slab" pitchFamily="2" charset="0"/>
+              <a:ea typeface="Roboto Slab" pitchFamily="2" charset="0"/>
+            </a:endParaRPr>
+          </a:p>
+        </p:txBody>
+      </p:sp>
+      <p:sp>
+        <p:nvSpPr>
+          <p:cNvPr id="11" name="Rectángulo 10"/>
+          <p:cNvSpPr/>
+          <p:nvPr/>
+        </p:nvSpPr>
+        <p:spPr>
+          <a:xfrm>
+            <a:off x="7872000" y="0"/>
+            <a:ext cx="4320000" cy="720000"/>
+          </a:xfrm>
+          <a:prstGeom prst="rect">
+            <a:avLst/>
+          </a:prstGeom>
+          <a:solidFill>
+            <a:srgbClr val="042252"/>
+          </a:solidFill>
+          <a:ln>
+            <a:noFill/>
+          </a:ln>
+        </p:spPr>
+        <p:style>
+          <a:lnRef idx="2">
+            <a:schemeClr val="accent1">
+              <a:shade val="50000"/>
+            </a:schemeClr>
+          </a:lnRef>
+          <a:fillRef idx="1">
+            <a:schemeClr val="accent1"/>
+          </a:fillRef>
+          <a:effectRef idx="0">
+            <a:schemeClr val="accent1"/>
+          </a:effectRef>
+          <a:fontRef idx="minor">
+            <a:schemeClr val="lt1"/>
+          </a:fontRef>
+        </p:style>
+        <p:txBody>
+          <a:bodyPr rtlCol="0" anchor="ctr"/>
+          <a:lstStyle/>
+          <a:p>
+            <a:pPr algn="r"/>
+            <a:fld id="{A7FA9133-ACFE-4DD5-9EEB-90E0F3C4BA55}" type="slidenum">
+              <a:rPr lang="es-MX" smtClean="0">
+                <a:latin typeface="Roboto" panose="02000000000000000000" pitchFamily="2" charset="0"/>
+                <a:ea typeface="Roboto" panose="02000000000000000000" pitchFamily="2" charset="0"/>
+              </a:rPr>
+              <a:pPr algn="r"/>
+              <a:t>22</a:t>
+            </a:fld>
+            <a:endParaRPr lang="es-MX" dirty="0">
+              <a:latin typeface="Roboto" panose="02000000000000000000" pitchFamily="2" charset="0"/>
+              <a:ea typeface="Roboto" panose="02000000000000000000" pitchFamily="2" charset="0"/>
+            </a:endParaRPr>
+          </a:p>
+        </p:txBody>
+      </p:sp>
+      <p:sp>
+        <p:nvSpPr>
+          <p:cNvPr id="13" name="Rectángulo 12"/>
+          <p:cNvSpPr/>
+          <p:nvPr/>
+        </p:nvSpPr>
+        <p:spPr>
+          <a:xfrm>
+            <a:off x="0" y="6138000"/>
+            <a:ext cx="4320000" cy="720000"/>
+          </a:xfrm>
+          <a:prstGeom prst="rect">
+            <a:avLst/>
+          </a:prstGeom>
+          <a:solidFill>
+            <a:srgbClr val="042252"/>
+          </a:solidFill>
+          <a:ln>
+            <a:noFill/>
+          </a:ln>
+        </p:spPr>
+        <p:style>
+          <a:lnRef idx="2">
+            <a:schemeClr val="accent1">
+              <a:shade val="50000"/>
+            </a:schemeClr>
+          </a:lnRef>
+          <a:fillRef idx="1">
+            <a:schemeClr val="accent1"/>
+          </a:fillRef>
+          <a:effectRef idx="0">
+            <a:schemeClr val="accent1"/>
+          </a:effectRef>
+          <a:fontRef idx="minor">
+            <a:schemeClr val="lt1"/>
+          </a:fontRef>
+        </p:style>
+        <p:txBody>
+          <a:bodyPr rtlCol="0" anchor="ctr"/>
+          <a:lstStyle/>
+          <a:p>
+            <a:pPr algn="ctr"/>
+            <a:endParaRPr lang="es-MX"/>
+          </a:p>
+        </p:txBody>
+      </p:sp>
+      <p:pic>
+        <p:nvPicPr>
+          <p:cNvPr id="17" name="Imagen 16"/>
+          <p:cNvPicPr>
+            <a:picLocks noChangeAspect="1"/>
+          </p:cNvPicPr>
+          <p:nvPr/>
+        </p:nvPicPr>
+        <p:blipFill>
+          <a:blip r:embed="rId2" cstate="print">
+            <a:extLst>
+              <a:ext uri="{28A0092B-C50C-407E-A947-70E740481C1C}">
+                <a14:useLocalDpi xmlns:a14="http://schemas.microsoft.com/office/drawing/2010/main" val="0"/>
+              </a:ext>
+            </a:extLst>
+          </a:blip>
+          <a:stretch>
+            <a:fillRect/>
+          </a:stretch>
+        </p:blipFill>
+        <p:spPr>
+          <a:xfrm>
+            <a:off x="4653497" y="6230167"/>
+            <a:ext cx="535665" cy="535665"/>
+          </a:xfrm>
+          <a:prstGeom prst="rect">
+            <a:avLst/>
+          </a:prstGeom>
+        </p:spPr>
+      </p:pic>
+      <p:pic>
+        <p:nvPicPr>
+          <p:cNvPr id="8" name="Imagen 7"/>
+          <p:cNvPicPr>
+            <a:picLocks noChangeAspect="1"/>
+          </p:cNvPicPr>
+          <p:nvPr/>
+        </p:nvPicPr>
+        <p:blipFill>
+          <a:blip r:embed="rId3" cstate="print">
+            <a:extLst>
+              <a:ext uri="{28A0092B-C50C-407E-A947-70E740481C1C}">
+                <a14:useLocalDpi xmlns:a14="http://schemas.microsoft.com/office/drawing/2010/main" val="0"/>
+              </a:ext>
+            </a:extLst>
+          </a:blip>
+          <a:stretch>
+            <a:fillRect/>
+          </a:stretch>
+        </p:blipFill>
+        <p:spPr>
+          <a:xfrm>
+            <a:off x="5366374" y="6225832"/>
+            <a:ext cx="540000" cy="540000"/>
+          </a:xfrm>
+          <a:prstGeom prst="rect">
+            <a:avLst/>
+          </a:prstGeom>
+        </p:spPr>
+      </p:pic>
+      <p:pic>
+        <p:nvPicPr>
+          <p:cNvPr id="3" name="Imagen 2"/>
+          <p:cNvPicPr>
+            <a:picLocks noChangeAspect="1"/>
+          </p:cNvPicPr>
+          <p:nvPr/>
+        </p:nvPicPr>
+        <p:blipFill>
+          <a:blip r:embed="rId4"/>
+          <a:stretch>
+            <a:fillRect/>
+          </a:stretch>
+        </p:blipFill>
+        <p:spPr>
+          <a:xfrm>
+            <a:off x="3135033" y="1515982"/>
+            <a:ext cx="5002681" cy="4319327"/>
+          </a:xfrm>
+          <a:prstGeom prst="rect">
+            <a:avLst/>
+          </a:prstGeom>
+        </p:spPr>
+      </p:pic>
+    </p:spTree>
+    <p:extLst>
+      <p:ext uri="{BB962C8B-B14F-4D97-AF65-F5344CB8AC3E}">
+        <p14:creationId xmlns:p14="http://schemas.microsoft.com/office/powerpoint/2010/main" val="3067077850"/>
+      </p:ext>
+    </p:extLst>
+  </p:cSld>
+  <p:clrMapOvr>
+    <a:masterClrMapping/>
+  </p:clrMapOvr>
+  <p:timing>
+    <p:tnLst>
+      <p:par>
+        <p:cTn id="1" dur="indefinite" restart="never" nodeType="tmRoot"/>
+      </p:par>
+    </p:tnLst>
+  </p:timing>
+</p:sld>
+</file>
+
+<file path=ppt/slides/slide23.xml><?xml version="1.0" encoding="utf-8"?>
+<p:sld xmlns:a="http://schemas.openxmlformats.org/drawingml/2006/main" xmlns:r="http://schemas.openxmlformats.org/officeDocument/2006/relationships" xmlns:p="http://schemas.openxmlformats.org/presentationml/2006/main">
+  <p:cSld>
+    <p:spTree>
+      <p:nvGrpSpPr>
+        <p:cNvPr id="1" name=""/>
+        <p:cNvGrpSpPr/>
+        <p:nvPr/>
+      </p:nvGrpSpPr>
+      <p:grpSpPr>
+        <a:xfrm>
+          <a:off x="0" y="0"/>
+          <a:ext cx="0" cy="0"/>
+          <a:chOff x="0" y="0"/>
+          <a:chExt cx="0" cy="0"/>
+        </a:xfrm>
+      </p:grpSpPr>
+      <p:sp>
+        <p:nvSpPr>
+          <p:cNvPr id="2" name="CuadroTexto 1"/>
+          <p:cNvSpPr txBox="1"/>
+          <p:nvPr/>
+        </p:nvSpPr>
+        <p:spPr>
+          <a:xfrm>
+            <a:off x="273465" y="212168"/>
+            <a:ext cx="7598535" cy="646331"/>
+          </a:xfrm>
+          <a:prstGeom prst="rect">
+            <a:avLst/>
+          </a:prstGeom>
+          <a:noFill/>
+        </p:spPr>
+        <p:txBody>
+          <a:bodyPr wrap="square" rtlCol="0">
+            <a:spAutoFit/>
+          </a:bodyPr>
+          <a:lstStyle/>
+          <a:p>
+            <a:r>
+              <a:rPr lang="es-ES" sz="3600" dirty="0" smtClean="0">
+                <a:latin typeface="Roboto" panose="02000000000000000000" pitchFamily="2" charset="0"/>
+                <a:ea typeface="Roboto" panose="02000000000000000000" pitchFamily="2" charset="0"/>
+              </a:rPr>
+              <a:t>Introducción </a:t>
+            </a:r>
+            <a:r>
+              <a:rPr lang="es-ES" sz="3600" dirty="0">
+                <a:latin typeface="Roboto" panose="02000000000000000000" pitchFamily="2" charset="0"/>
+                <a:ea typeface="Roboto" panose="02000000000000000000" pitchFamily="2" charset="0"/>
+              </a:rPr>
+              <a:t>a Microsoft </a:t>
+            </a:r>
+            <a:r>
+              <a:rPr lang="es-ES" sz="3600" dirty="0" err="1">
+                <a:latin typeface="Roboto" panose="02000000000000000000" pitchFamily="2" charset="0"/>
+                <a:ea typeface="Roboto" panose="02000000000000000000" pitchFamily="2" charset="0"/>
+              </a:rPr>
+              <a:t>Azure</a:t>
+            </a:r>
+            <a:r>
+              <a:rPr lang="es-ES" sz="3600" dirty="0">
+                <a:latin typeface="Roboto" panose="02000000000000000000" pitchFamily="2" charset="0"/>
+                <a:ea typeface="Roboto" panose="02000000000000000000" pitchFamily="2" charset="0"/>
+              </a:rPr>
+              <a:t> </a:t>
+            </a:r>
+            <a:r>
+              <a:rPr lang="es-ES" sz="3600" dirty="0" err="1">
+                <a:latin typeface="Roboto" panose="02000000000000000000" pitchFamily="2" charset="0"/>
+                <a:ea typeface="Roboto" panose="02000000000000000000" pitchFamily="2" charset="0"/>
+              </a:rPr>
+              <a:t>IoT</a:t>
+            </a:r>
+            <a:endParaRPr lang="es-MX" sz="3600" dirty="0">
+              <a:latin typeface="Roboto" panose="02000000000000000000" pitchFamily="2" charset="0"/>
+              <a:ea typeface="Roboto" panose="02000000000000000000" pitchFamily="2" charset="0"/>
+            </a:endParaRPr>
+          </a:p>
+        </p:txBody>
+      </p:sp>
+      <p:sp>
+        <p:nvSpPr>
+          <p:cNvPr id="10" name="CuadroTexto 9"/>
+          <p:cNvSpPr txBox="1"/>
+          <p:nvPr/>
+        </p:nvSpPr>
+        <p:spPr>
+          <a:xfrm>
+            <a:off x="346617" y="992762"/>
+            <a:ext cx="11265818" cy="523220"/>
+          </a:xfrm>
+          <a:prstGeom prst="rect">
+            <a:avLst/>
+          </a:prstGeom>
+          <a:noFill/>
+        </p:spPr>
+        <p:txBody>
+          <a:bodyPr wrap="square" rtlCol="0">
+            <a:spAutoFit/>
+          </a:bodyPr>
+          <a:lstStyle/>
+          <a:p>
+            <a:r>
+              <a:rPr lang="es-MX" sz="2800" dirty="0" smtClean="0">
+                <a:solidFill>
+                  <a:srgbClr val="042252"/>
+                </a:solidFill>
+                <a:latin typeface="Roboto Slab" pitchFamily="2" charset="0"/>
+                <a:ea typeface="Roboto Slab" pitchFamily="2" charset="0"/>
+              </a:rPr>
+              <a:t>Generando </a:t>
+            </a:r>
+            <a:r>
+              <a:rPr lang="es-MX" sz="2800" dirty="0" err="1" smtClean="0">
+                <a:solidFill>
+                  <a:srgbClr val="042252"/>
+                </a:solidFill>
+                <a:latin typeface="Roboto Slab" pitchFamily="2" charset="0"/>
+                <a:ea typeface="Roboto Slab" pitchFamily="2" charset="0"/>
+              </a:rPr>
+              <a:t>Tokens</a:t>
+            </a:r>
+            <a:endParaRPr lang="es-MX" sz="2800" dirty="0">
+              <a:solidFill>
+                <a:srgbClr val="042252"/>
+              </a:solidFill>
+              <a:latin typeface="Roboto Slab" pitchFamily="2" charset="0"/>
+              <a:ea typeface="Roboto Slab" pitchFamily="2" charset="0"/>
+            </a:endParaRPr>
+          </a:p>
+        </p:txBody>
+      </p:sp>
+      <p:sp>
+        <p:nvSpPr>
+          <p:cNvPr id="11" name="Rectángulo 10"/>
+          <p:cNvSpPr/>
+          <p:nvPr/>
+        </p:nvSpPr>
+        <p:spPr>
+          <a:xfrm>
+            <a:off x="7872000" y="0"/>
+            <a:ext cx="4320000" cy="720000"/>
+          </a:xfrm>
+          <a:prstGeom prst="rect">
+            <a:avLst/>
+          </a:prstGeom>
+          <a:solidFill>
+            <a:srgbClr val="042252"/>
+          </a:solidFill>
+          <a:ln>
+            <a:noFill/>
+          </a:ln>
+        </p:spPr>
+        <p:style>
+          <a:lnRef idx="2">
+            <a:schemeClr val="accent1">
+              <a:shade val="50000"/>
+            </a:schemeClr>
+          </a:lnRef>
+          <a:fillRef idx="1">
+            <a:schemeClr val="accent1"/>
+          </a:fillRef>
+          <a:effectRef idx="0">
+            <a:schemeClr val="accent1"/>
+          </a:effectRef>
+          <a:fontRef idx="minor">
+            <a:schemeClr val="lt1"/>
+          </a:fontRef>
+        </p:style>
+        <p:txBody>
+          <a:bodyPr rtlCol="0" anchor="ctr"/>
+          <a:lstStyle/>
+          <a:p>
+            <a:pPr algn="r"/>
+            <a:fld id="{A7FA9133-ACFE-4DD5-9EEB-90E0F3C4BA55}" type="slidenum">
+              <a:rPr lang="es-MX" smtClean="0">
+                <a:latin typeface="Roboto" panose="02000000000000000000" pitchFamily="2" charset="0"/>
+                <a:ea typeface="Roboto" panose="02000000000000000000" pitchFamily="2" charset="0"/>
+              </a:rPr>
+              <a:pPr algn="r"/>
+              <a:t>23</a:t>
+            </a:fld>
+            <a:endParaRPr lang="es-MX" dirty="0">
+              <a:latin typeface="Roboto" panose="02000000000000000000" pitchFamily="2" charset="0"/>
+              <a:ea typeface="Roboto" panose="02000000000000000000" pitchFamily="2" charset="0"/>
+            </a:endParaRPr>
+          </a:p>
+        </p:txBody>
+      </p:sp>
+      <p:sp>
+        <p:nvSpPr>
+          <p:cNvPr id="13" name="Rectángulo 12"/>
+          <p:cNvSpPr/>
+          <p:nvPr/>
+        </p:nvSpPr>
+        <p:spPr>
+          <a:xfrm>
+            <a:off x="0" y="6138000"/>
+            <a:ext cx="4320000" cy="720000"/>
+          </a:xfrm>
+          <a:prstGeom prst="rect">
+            <a:avLst/>
+          </a:prstGeom>
+          <a:solidFill>
+            <a:srgbClr val="042252"/>
+          </a:solidFill>
+          <a:ln>
+            <a:noFill/>
+          </a:ln>
+        </p:spPr>
+        <p:style>
+          <a:lnRef idx="2">
+            <a:schemeClr val="accent1">
+              <a:shade val="50000"/>
+            </a:schemeClr>
+          </a:lnRef>
+          <a:fillRef idx="1">
+            <a:schemeClr val="accent1"/>
+          </a:fillRef>
+          <a:effectRef idx="0">
+            <a:schemeClr val="accent1"/>
+          </a:effectRef>
+          <a:fontRef idx="minor">
+            <a:schemeClr val="lt1"/>
+          </a:fontRef>
+        </p:style>
+        <p:txBody>
+          <a:bodyPr rtlCol="0" anchor="ctr"/>
+          <a:lstStyle/>
+          <a:p>
+            <a:pPr algn="ctr"/>
+            <a:endParaRPr lang="es-MX"/>
+          </a:p>
+        </p:txBody>
+      </p:sp>
+      <p:pic>
+        <p:nvPicPr>
+          <p:cNvPr id="17" name="Imagen 16"/>
+          <p:cNvPicPr>
+            <a:picLocks noChangeAspect="1"/>
+          </p:cNvPicPr>
+          <p:nvPr/>
+        </p:nvPicPr>
+        <p:blipFill>
+          <a:blip r:embed="rId2" cstate="print">
+            <a:extLst>
+              <a:ext uri="{28A0092B-C50C-407E-A947-70E740481C1C}">
+                <a14:useLocalDpi xmlns:a14="http://schemas.microsoft.com/office/drawing/2010/main" val="0"/>
+              </a:ext>
+            </a:extLst>
+          </a:blip>
+          <a:stretch>
+            <a:fillRect/>
+          </a:stretch>
+        </p:blipFill>
+        <p:spPr>
+          <a:xfrm>
+            <a:off x="4653497" y="6230167"/>
+            <a:ext cx="535665" cy="535665"/>
+          </a:xfrm>
+          <a:prstGeom prst="rect">
+            <a:avLst/>
+          </a:prstGeom>
+        </p:spPr>
+      </p:pic>
+      <p:pic>
+        <p:nvPicPr>
+          <p:cNvPr id="8" name="Imagen 7"/>
+          <p:cNvPicPr>
+            <a:picLocks noChangeAspect="1"/>
+          </p:cNvPicPr>
+          <p:nvPr/>
+        </p:nvPicPr>
+        <p:blipFill>
+          <a:blip r:embed="rId3" cstate="print">
+            <a:extLst>
+              <a:ext uri="{28A0092B-C50C-407E-A947-70E740481C1C}">
+                <a14:useLocalDpi xmlns:a14="http://schemas.microsoft.com/office/drawing/2010/main" val="0"/>
+              </a:ext>
+            </a:extLst>
+          </a:blip>
+          <a:stretch>
+            <a:fillRect/>
+          </a:stretch>
+        </p:blipFill>
+        <p:spPr>
+          <a:xfrm>
+            <a:off x="5366374" y="6225832"/>
+            <a:ext cx="540000" cy="540000"/>
+          </a:xfrm>
+          <a:prstGeom prst="rect">
+            <a:avLst/>
+          </a:prstGeom>
+        </p:spPr>
+      </p:pic>
+      <p:pic>
+        <p:nvPicPr>
+          <p:cNvPr id="4" name="Imagen 3"/>
+          <p:cNvPicPr>
+            <a:picLocks noChangeAspect="1"/>
+          </p:cNvPicPr>
+          <p:nvPr/>
+        </p:nvPicPr>
+        <p:blipFill rotWithShape="1">
+          <a:blip r:embed="rId4"/>
           <a:srcRect l="27619" t="13151" r="20644" b="7809"/>
           <a:stretch/>
         </p:blipFill>
@@ -9365,6 +10729,424 @@
     <p:extLst>
       <p:ext uri="{BB962C8B-B14F-4D97-AF65-F5344CB8AC3E}">
         <p14:creationId xmlns:p14="http://schemas.microsoft.com/office/powerpoint/2010/main" val="1544102448"/>
+      </p:ext>
+    </p:extLst>
+  </p:cSld>
+  <p:clrMapOvr>
+    <a:masterClrMapping/>
+  </p:clrMapOvr>
+  <p:timing>
+    <p:tnLst>
+      <p:par>
+        <p:cTn id="1" dur="indefinite" restart="never" nodeType="tmRoot"/>
+      </p:par>
+    </p:tnLst>
+  </p:timing>
+</p:sld>
+</file>
+
+<file path=ppt/slides/slide24.xml><?xml version="1.0" encoding="utf-8"?>
+<p:sld xmlns:a="http://schemas.openxmlformats.org/drawingml/2006/main" xmlns:r="http://schemas.openxmlformats.org/officeDocument/2006/relationships" xmlns:p="http://schemas.openxmlformats.org/presentationml/2006/main">
+  <p:cSld>
+    <p:spTree>
+      <p:nvGrpSpPr>
+        <p:cNvPr id="1" name=""/>
+        <p:cNvGrpSpPr/>
+        <p:nvPr/>
+      </p:nvGrpSpPr>
+      <p:grpSpPr>
+        <a:xfrm>
+          <a:off x="0" y="0"/>
+          <a:ext cx="0" cy="0"/>
+          <a:chOff x="0" y="0"/>
+          <a:chExt cx="0" cy="0"/>
+        </a:xfrm>
+      </p:grpSpPr>
+      <p:sp>
+        <p:nvSpPr>
+          <p:cNvPr id="2" name="CuadroTexto 1"/>
+          <p:cNvSpPr txBox="1"/>
+          <p:nvPr/>
+        </p:nvSpPr>
+        <p:spPr>
+          <a:xfrm>
+            <a:off x="273465" y="212168"/>
+            <a:ext cx="7598535" cy="646331"/>
+          </a:xfrm>
+          <a:prstGeom prst="rect">
+            <a:avLst/>
+          </a:prstGeom>
+          <a:noFill/>
+        </p:spPr>
+        <p:txBody>
+          <a:bodyPr wrap="square" rtlCol="0">
+            <a:spAutoFit/>
+          </a:bodyPr>
+          <a:lstStyle/>
+          <a:p>
+            <a:r>
+              <a:rPr lang="es-ES" sz="3600" dirty="0" smtClean="0">
+                <a:latin typeface="Roboto" panose="02000000000000000000" pitchFamily="2" charset="0"/>
+                <a:ea typeface="Roboto" panose="02000000000000000000" pitchFamily="2" charset="0"/>
+              </a:rPr>
+              <a:t>Introducción </a:t>
+            </a:r>
+            <a:r>
+              <a:rPr lang="es-ES" sz="3600" dirty="0">
+                <a:latin typeface="Roboto" panose="02000000000000000000" pitchFamily="2" charset="0"/>
+                <a:ea typeface="Roboto" panose="02000000000000000000" pitchFamily="2" charset="0"/>
+              </a:rPr>
+              <a:t>a Microsoft </a:t>
+            </a:r>
+            <a:r>
+              <a:rPr lang="es-ES" sz="3600" dirty="0" err="1">
+                <a:latin typeface="Roboto" panose="02000000000000000000" pitchFamily="2" charset="0"/>
+                <a:ea typeface="Roboto" panose="02000000000000000000" pitchFamily="2" charset="0"/>
+              </a:rPr>
+              <a:t>Azure</a:t>
+            </a:r>
+            <a:r>
+              <a:rPr lang="es-ES" sz="3600" dirty="0">
+                <a:latin typeface="Roboto" panose="02000000000000000000" pitchFamily="2" charset="0"/>
+                <a:ea typeface="Roboto" panose="02000000000000000000" pitchFamily="2" charset="0"/>
+              </a:rPr>
+              <a:t> </a:t>
+            </a:r>
+            <a:r>
+              <a:rPr lang="es-ES" sz="3600" dirty="0" err="1">
+                <a:latin typeface="Roboto" panose="02000000000000000000" pitchFamily="2" charset="0"/>
+                <a:ea typeface="Roboto" panose="02000000000000000000" pitchFamily="2" charset="0"/>
+              </a:rPr>
+              <a:t>IoT</a:t>
+            </a:r>
+            <a:endParaRPr lang="es-MX" sz="3600" dirty="0">
+              <a:latin typeface="Roboto" panose="02000000000000000000" pitchFamily="2" charset="0"/>
+              <a:ea typeface="Roboto" panose="02000000000000000000" pitchFamily="2" charset="0"/>
+            </a:endParaRPr>
+          </a:p>
+        </p:txBody>
+      </p:sp>
+      <p:sp>
+        <p:nvSpPr>
+          <p:cNvPr id="10" name="CuadroTexto 9"/>
+          <p:cNvSpPr txBox="1"/>
+          <p:nvPr/>
+        </p:nvSpPr>
+        <p:spPr>
+          <a:xfrm>
+            <a:off x="346617" y="992762"/>
+            <a:ext cx="11265818" cy="523220"/>
+          </a:xfrm>
+          <a:prstGeom prst="rect">
+            <a:avLst/>
+          </a:prstGeom>
+          <a:noFill/>
+        </p:spPr>
+        <p:txBody>
+          <a:bodyPr wrap="square" rtlCol="0">
+            <a:spAutoFit/>
+          </a:bodyPr>
+          <a:lstStyle/>
+          <a:p>
+            <a:r>
+              <a:rPr lang="es-MX" sz="2800" dirty="0" smtClean="0">
+                <a:solidFill>
+                  <a:srgbClr val="042252"/>
+                </a:solidFill>
+                <a:latin typeface="Roboto Slab" pitchFamily="2" charset="0"/>
+                <a:ea typeface="Roboto Slab" pitchFamily="2" charset="0"/>
+              </a:rPr>
+              <a:t>Código de Ejemplo</a:t>
+            </a:r>
+            <a:endParaRPr lang="es-MX" sz="2800" dirty="0">
+              <a:solidFill>
+                <a:srgbClr val="042252"/>
+              </a:solidFill>
+              <a:latin typeface="Roboto Slab" pitchFamily="2" charset="0"/>
+              <a:ea typeface="Roboto Slab" pitchFamily="2" charset="0"/>
+            </a:endParaRPr>
+          </a:p>
+        </p:txBody>
+      </p:sp>
+      <p:sp>
+        <p:nvSpPr>
+          <p:cNvPr id="11" name="Rectángulo 10"/>
+          <p:cNvSpPr/>
+          <p:nvPr/>
+        </p:nvSpPr>
+        <p:spPr>
+          <a:xfrm>
+            <a:off x="7872000" y="0"/>
+            <a:ext cx="4320000" cy="720000"/>
+          </a:xfrm>
+          <a:prstGeom prst="rect">
+            <a:avLst/>
+          </a:prstGeom>
+          <a:solidFill>
+            <a:srgbClr val="042252"/>
+          </a:solidFill>
+          <a:ln>
+            <a:noFill/>
+          </a:ln>
+        </p:spPr>
+        <p:style>
+          <a:lnRef idx="2">
+            <a:schemeClr val="accent1">
+              <a:shade val="50000"/>
+            </a:schemeClr>
+          </a:lnRef>
+          <a:fillRef idx="1">
+            <a:schemeClr val="accent1"/>
+          </a:fillRef>
+          <a:effectRef idx="0">
+            <a:schemeClr val="accent1"/>
+          </a:effectRef>
+          <a:fontRef idx="minor">
+            <a:schemeClr val="lt1"/>
+          </a:fontRef>
+        </p:style>
+        <p:txBody>
+          <a:bodyPr rtlCol="0" anchor="ctr"/>
+          <a:lstStyle/>
+          <a:p>
+            <a:pPr algn="r"/>
+            <a:fld id="{A7FA9133-ACFE-4DD5-9EEB-90E0F3C4BA55}" type="slidenum">
+              <a:rPr lang="es-MX" smtClean="0">
+                <a:latin typeface="Roboto" panose="02000000000000000000" pitchFamily="2" charset="0"/>
+                <a:ea typeface="Roboto" panose="02000000000000000000" pitchFamily="2" charset="0"/>
+              </a:rPr>
+              <a:pPr algn="r"/>
+              <a:t>24</a:t>
+            </a:fld>
+            <a:endParaRPr lang="es-MX" dirty="0">
+              <a:latin typeface="Roboto" panose="02000000000000000000" pitchFamily="2" charset="0"/>
+              <a:ea typeface="Roboto" panose="02000000000000000000" pitchFamily="2" charset="0"/>
+            </a:endParaRPr>
+          </a:p>
+        </p:txBody>
+      </p:sp>
+      <p:sp>
+        <p:nvSpPr>
+          <p:cNvPr id="13" name="Rectángulo 12"/>
+          <p:cNvSpPr/>
+          <p:nvPr/>
+        </p:nvSpPr>
+        <p:spPr>
+          <a:xfrm>
+            <a:off x="0" y="6138000"/>
+            <a:ext cx="4320000" cy="720000"/>
+          </a:xfrm>
+          <a:prstGeom prst="rect">
+            <a:avLst/>
+          </a:prstGeom>
+          <a:solidFill>
+            <a:srgbClr val="042252"/>
+          </a:solidFill>
+          <a:ln>
+            <a:noFill/>
+          </a:ln>
+        </p:spPr>
+        <p:style>
+          <a:lnRef idx="2">
+            <a:schemeClr val="accent1">
+              <a:shade val="50000"/>
+            </a:schemeClr>
+          </a:lnRef>
+          <a:fillRef idx="1">
+            <a:schemeClr val="accent1"/>
+          </a:fillRef>
+          <a:effectRef idx="0">
+            <a:schemeClr val="accent1"/>
+          </a:effectRef>
+          <a:fontRef idx="minor">
+            <a:schemeClr val="lt1"/>
+          </a:fontRef>
+        </p:style>
+        <p:txBody>
+          <a:bodyPr rtlCol="0" anchor="ctr"/>
+          <a:lstStyle/>
+          <a:p>
+            <a:pPr algn="ctr"/>
+            <a:endParaRPr lang="es-MX"/>
+          </a:p>
+        </p:txBody>
+      </p:sp>
+      <p:pic>
+        <p:nvPicPr>
+          <p:cNvPr id="17" name="Imagen 16"/>
+          <p:cNvPicPr>
+            <a:picLocks noChangeAspect="1"/>
+          </p:cNvPicPr>
+          <p:nvPr/>
+        </p:nvPicPr>
+        <p:blipFill>
+          <a:blip r:embed="rId2" cstate="print">
+            <a:extLst>
+              <a:ext uri="{28A0092B-C50C-407E-A947-70E740481C1C}">
+                <a14:useLocalDpi xmlns:a14="http://schemas.microsoft.com/office/drawing/2010/main" val="0"/>
+              </a:ext>
+            </a:extLst>
+          </a:blip>
+          <a:stretch>
+            <a:fillRect/>
+          </a:stretch>
+        </p:blipFill>
+        <p:spPr>
+          <a:xfrm>
+            <a:off x="4653497" y="6230167"/>
+            <a:ext cx="535665" cy="535665"/>
+          </a:xfrm>
+          <a:prstGeom prst="rect">
+            <a:avLst/>
+          </a:prstGeom>
+        </p:spPr>
+      </p:pic>
+      <p:pic>
+        <p:nvPicPr>
+          <p:cNvPr id="8" name="Imagen 7"/>
+          <p:cNvPicPr>
+            <a:picLocks noChangeAspect="1"/>
+          </p:cNvPicPr>
+          <p:nvPr/>
+        </p:nvPicPr>
+        <p:blipFill>
+          <a:blip r:embed="rId3" cstate="print">
+            <a:extLst>
+              <a:ext uri="{28A0092B-C50C-407E-A947-70E740481C1C}">
+                <a14:useLocalDpi xmlns:a14="http://schemas.microsoft.com/office/drawing/2010/main" val="0"/>
+              </a:ext>
+            </a:extLst>
+          </a:blip>
+          <a:stretch>
+            <a:fillRect/>
+          </a:stretch>
+        </p:blipFill>
+        <p:spPr>
+          <a:xfrm>
+            <a:off x="5366374" y="6225832"/>
+            <a:ext cx="540000" cy="540000"/>
+          </a:xfrm>
+          <a:prstGeom prst="rect">
+            <a:avLst/>
+          </a:prstGeom>
+        </p:spPr>
+      </p:pic>
+      <p:sp>
+        <p:nvSpPr>
+          <p:cNvPr id="3" name="Rectángulo 2"/>
+          <p:cNvSpPr/>
+          <p:nvPr/>
+        </p:nvSpPr>
+        <p:spPr>
+          <a:xfrm>
+            <a:off x="145449" y="1788744"/>
+            <a:ext cx="11265818" cy="369332"/>
+          </a:xfrm>
+          <a:prstGeom prst="rect">
+            <a:avLst/>
+          </a:prstGeom>
+        </p:spPr>
+        <p:txBody>
+          <a:bodyPr wrap="square">
+            <a:spAutoFit/>
+          </a:bodyPr>
+          <a:lstStyle/>
+          <a:p>
+            <a:r>
+              <a:rPr lang="es-MX" dirty="0">
+                <a:solidFill>
+                  <a:srgbClr val="FF0000"/>
+                </a:solidFill>
+                <a:latin typeface="Consolas" panose="020B0609020204030204" pitchFamily="49" charset="0"/>
+              </a:rPr>
+              <a:t> </a:t>
+            </a:r>
+            <a:r>
+              <a:rPr lang="es-MX" dirty="0" err="1">
+                <a:solidFill>
+                  <a:srgbClr val="FF0000"/>
+                </a:solidFill>
+                <a:latin typeface="Consolas" panose="020B0609020204030204" pitchFamily="49" charset="0"/>
+              </a:rPr>
+              <a:t>iotHubClientHandle</a:t>
+            </a:r>
+            <a:r>
+              <a:rPr lang="es-MX" dirty="0">
+                <a:solidFill>
+                  <a:srgbClr val="FF0000"/>
+                </a:solidFill>
+                <a:latin typeface="Consolas" panose="020B0609020204030204" pitchFamily="49" charset="0"/>
+              </a:rPr>
+              <a:t> = </a:t>
+            </a:r>
+            <a:r>
+              <a:rPr lang="es-MX" dirty="0" err="1">
+                <a:solidFill>
+                  <a:srgbClr val="FF0000"/>
+                </a:solidFill>
+                <a:latin typeface="Consolas" panose="020B0609020204030204" pitchFamily="49" charset="0"/>
+              </a:rPr>
+              <a:t>IoTHubClient_LL_CreateFromConnectionString</a:t>
+            </a:r>
+            <a:r>
+              <a:rPr lang="es-MX" dirty="0">
+                <a:solidFill>
+                  <a:srgbClr val="FF0000"/>
+                </a:solidFill>
+                <a:latin typeface="Consolas" panose="020B0609020204030204" pitchFamily="49" charset="0"/>
+              </a:rPr>
+              <a:t>(</a:t>
+            </a:r>
+            <a:r>
+              <a:rPr lang="es-MX" dirty="0" err="1">
+                <a:solidFill>
+                  <a:srgbClr val="FF0000"/>
+                </a:solidFill>
+                <a:latin typeface="Consolas" panose="020B0609020204030204" pitchFamily="49" charset="0"/>
+              </a:rPr>
+              <a:t>conStr</a:t>
+            </a:r>
+            <a:r>
+              <a:rPr lang="es-MX" dirty="0">
+                <a:solidFill>
+                  <a:srgbClr val="FF0000"/>
+                </a:solidFill>
+                <a:latin typeface="Consolas" panose="020B0609020204030204" pitchFamily="49" charset="0"/>
+              </a:rPr>
+              <a:t>, </a:t>
+            </a:r>
+            <a:r>
+              <a:rPr lang="es-MX" dirty="0" err="1">
+                <a:solidFill>
+                  <a:srgbClr val="FF0000"/>
+                </a:solidFill>
+                <a:latin typeface="Consolas" panose="020B0609020204030204" pitchFamily="49" charset="0"/>
+              </a:rPr>
+              <a:t>MQTT_Protocol</a:t>
+            </a:r>
+            <a:r>
+              <a:rPr lang="es-MX" dirty="0">
+                <a:solidFill>
+                  <a:srgbClr val="FF0000"/>
+                </a:solidFill>
+                <a:latin typeface="Consolas" panose="020B0609020204030204" pitchFamily="49" charset="0"/>
+              </a:rPr>
+              <a:t>);</a:t>
+            </a:r>
+            <a:endParaRPr lang="es-MX" b="0" dirty="0">
+              <a:solidFill>
+                <a:srgbClr val="FF0000"/>
+              </a:solidFill>
+              <a:effectLst/>
+              <a:latin typeface="Consolas" panose="020B0609020204030204" pitchFamily="49" charset="0"/>
+            </a:endParaRPr>
+          </a:p>
+        </p:txBody>
+      </p:sp>
+    </p:spTree>
+    <p:extLst>
+      <p:ext uri="{BB962C8B-B14F-4D97-AF65-F5344CB8AC3E}">
+        <p14:creationId xmlns:p14="http://schemas.microsoft.com/office/powerpoint/2010/main" val="2623083988"/>
       </p:ext>
     </p:extLst>
   </p:cSld>
@@ -11384,15 +13166,6 @@
               </a:rPr>
               <a:t>Número de Teléfono Celular</a:t>
             </a:r>
-            <a:endParaRPr lang="es-MX" dirty="0" smtClean="0">
-              <a:solidFill>
-                <a:srgbClr val="737373"/>
-              </a:solidFill>
-              <a:latin typeface="Roboto"/>
-              <a:ea typeface="Roboto"/>
-              <a:cs typeface="Roboto"/>
-              <a:sym typeface="Roboto"/>
-            </a:endParaRPr>
           </a:p>
           <a:p>
             <a:pPr marL="520700" lvl="0" indent="-457200" algn="l" rtl="0">

--- a/Introducción a Microsoft Azure IoT.pptx
+++ b/Introducción a Microsoft Azure IoT.pptx
@@ -5,10 +5,10 @@
     <p:sldMasterId id="2147483648" r:id="rId1"/>
   </p:sldMasterIdLst>
   <p:notesMasterIdLst>
-    <p:notesMasterId r:id="rId26"/>
+    <p:notesMasterId r:id="rId27"/>
   </p:notesMasterIdLst>
   <p:handoutMasterIdLst>
-    <p:handoutMasterId r:id="rId27"/>
+    <p:handoutMasterId r:id="rId28"/>
   </p:handoutMasterIdLst>
   <p:sldIdLst>
     <p:sldId id="256" r:id="rId2"/>
@@ -28,13 +28,14 @@
     <p:sldId id="301" r:id="rId16"/>
     <p:sldId id="291" r:id="rId17"/>
     <p:sldId id="292" r:id="rId18"/>
-    <p:sldId id="300" r:id="rId19"/>
-    <p:sldId id="293" r:id="rId20"/>
-    <p:sldId id="294" r:id="rId21"/>
-    <p:sldId id="295" r:id="rId22"/>
-    <p:sldId id="297" r:id="rId23"/>
-    <p:sldId id="298" r:id="rId24"/>
-    <p:sldId id="299" r:id="rId25"/>
+    <p:sldId id="293" r:id="rId19"/>
+    <p:sldId id="294" r:id="rId20"/>
+    <p:sldId id="295" r:id="rId21"/>
+    <p:sldId id="297" r:id="rId22"/>
+    <p:sldId id="298" r:id="rId23"/>
+    <p:sldId id="299" r:id="rId24"/>
+    <p:sldId id="302" r:id="rId25"/>
+    <p:sldId id="303" r:id="rId26"/>
   </p:sldIdLst>
   <p:sldSz cx="12192000" cy="6858000"/>
   <p:notesSz cx="6858000" cy="9144000"/>
@@ -234,7 +235,7 @@
           <a:p>
             <a:fld id="{BFAD595D-6ADA-47EC-8AFF-E42DEE086B53}" type="datetimeFigureOut">
               <a:rPr lang="es-MX" smtClean="0"/>
-              <a:t>27/01/2020</a:t>
+              <a:t>28/01/2020</a:t>
             </a:fld>
             <a:endParaRPr lang="es-MX"/>
           </a:p>
@@ -400,7 +401,7 @@
           <a:p>
             <a:fld id="{5296A91E-C94D-49A9-9B2B-E0C2416869C8}" type="datetimeFigureOut">
               <a:rPr lang="es-MX" smtClean="0"/>
-              <a:t>27/01/2020</a:t>
+              <a:t>28/01/2020</a:t>
             </a:fld>
             <a:endParaRPr lang="es-MX"/>
           </a:p>
@@ -903,7 +904,7 @@
           <a:p>
             <a:fld id="{E539E36A-411C-47D8-ACCE-3C164CD9D6AA}" type="datetime1">
               <a:rPr lang="es-MX" smtClean="0"/>
-              <a:t>27/01/2020</a:t>
+              <a:t>28/01/2020</a:t>
             </a:fld>
             <a:endParaRPr lang="es-MX"/>
           </a:p>
@@ -1073,7 +1074,7 @@
           <a:p>
             <a:fld id="{BDDF864D-821F-42FA-835B-45DC17C68805}" type="datetime1">
               <a:rPr lang="es-MX" smtClean="0"/>
-              <a:t>27/01/2020</a:t>
+              <a:t>28/01/2020</a:t>
             </a:fld>
             <a:endParaRPr lang="es-MX"/>
           </a:p>
@@ -1253,7 +1254,7 @@
           <a:p>
             <a:fld id="{E2E9A792-0025-4CF2-8934-47BE6364F86A}" type="datetime1">
               <a:rPr lang="es-MX" smtClean="0"/>
-              <a:t>27/01/2020</a:t>
+              <a:t>28/01/2020</a:t>
             </a:fld>
             <a:endParaRPr lang="es-MX"/>
           </a:p>
@@ -1423,7 +1424,7 @@
           <a:p>
             <a:fld id="{24420AD3-9CA8-416C-A5B1-ED9046883CFE}" type="datetime1">
               <a:rPr lang="es-MX" smtClean="0"/>
-              <a:t>27/01/2020</a:t>
+              <a:t>28/01/2020</a:t>
             </a:fld>
             <a:endParaRPr lang="es-MX"/>
           </a:p>
@@ -1669,7 +1670,7 @@
           <a:p>
             <a:fld id="{EE096DF2-A570-4A38-BB2D-BC3C65B33F9B}" type="datetime1">
               <a:rPr lang="es-MX" smtClean="0"/>
-              <a:t>27/01/2020</a:t>
+              <a:t>28/01/2020</a:t>
             </a:fld>
             <a:endParaRPr lang="es-MX"/>
           </a:p>
@@ -1901,7 +1902,7 @@
           <a:p>
             <a:fld id="{B0A55884-5635-4B1E-A887-34B4E794DA22}" type="datetime1">
               <a:rPr lang="es-MX" smtClean="0"/>
-              <a:t>27/01/2020</a:t>
+              <a:t>28/01/2020</a:t>
             </a:fld>
             <a:endParaRPr lang="es-MX"/>
           </a:p>
@@ -2268,7 +2269,7 @@
           <a:p>
             <a:fld id="{0492F442-030F-459C-9563-0116AD35CEFF}" type="datetime1">
               <a:rPr lang="es-MX" smtClean="0"/>
-              <a:t>27/01/2020</a:t>
+              <a:t>28/01/2020</a:t>
             </a:fld>
             <a:endParaRPr lang="es-MX"/>
           </a:p>
@@ -2386,7 +2387,7 @@
           <a:p>
             <a:fld id="{687311F3-FCC4-4DE7-B673-A5E2117FFF23}" type="datetime1">
               <a:rPr lang="es-MX" smtClean="0"/>
-              <a:t>27/01/2020</a:t>
+              <a:t>28/01/2020</a:t>
             </a:fld>
             <a:endParaRPr lang="es-MX"/>
           </a:p>
@@ -2481,7 +2482,7 @@
           <a:p>
             <a:fld id="{E1FFDF76-F74B-498A-8DC5-EE25277D9DA4}" type="datetime1">
               <a:rPr lang="es-MX" smtClean="0"/>
-              <a:t>27/01/2020</a:t>
+              <a:t>28/01/2020</a:t>
             </a:fld>
             <a:endParaRPr lang="es-MX"/>
           </a:p>
@@ -2758,7 +2759,7 @@
           <a:p>
             <a:fld id="{D98E60DA-2C31-4493-A7ED-6E75817DA356}" type="datetime1">
               <a:rPr lang="es-MX" smtClean="0"/>
-              <a:t>27/01/2020</a:t>
+              <a:t>28/01/2020</a:t>
             </a:fld>
             <a:endParaRPr lang="es-MX"/>
           </a:p>
@@ -3011,7 +3012,7 @@
           <a:p>
             <a:fld id="{FCD57F4F-5B61-4FA5-A365-99ABB13024F5}" type="datetime1">
               <a:rPr lang="es-MX" smtClean="0"/>
-              <a:t>27/01/2020</a:t>
+              <a:t>28/01/2020</a:t>
             </a:fld>
             <a:endParaRPr lang="es-MX"/>
           </a:p>
@@ -3224,7 +3225,7 @@
           <a:p>
             <a:fld id="{10C31552-5C4C-415B-872B-81200BCFD054}" type="datetime1">
               <a:rPr lang="es-MX" smtClean="0"/>
-              <a:t>27/01/2020</a:t>
+              <a:t>28/01/2020</a:t>
             </a:fld>
             <a:endParaRPr lang="es-MX"/>
           </a:p>
@@ -5720,17 +5721,7 @@
                 <a:latin typeface="Roboto Slab" pitchFamily="2" charset="0"/>
                 <a:ea typeface="Roboto Slab" pitchFamily="2" charset="0"/>
               </a:rPr>
-              <a:t>Crear </a:t>
-            </a:r>
-            <a:r>
-              <a:rPr lang="es-MX" sz="2800" dirty="0" smtClean="0">
-                <a:solidFill>
-                  <a:srgbClr val="042252"/>
-                </a:solidFill>
-                <a:latin typeface="Roboto Slab" pitchFamily="2" charset="0"/>
-                <a:ea typeface="Roboto Slab" pitchFamily="2" charset="0"/>
-              </a:rPr>
-              <a:t>Grupo de Recursos</a:t>
+              <a:t>Crear Grupo de Recursos</a:t>
             </a:r>
             <a:endParaRPr lang="es-MX" sz="2800" dirty="0">
               <a:solidFill>
@@ -6052,54 +6043,24 @@
           <a:lstStyle/>
           <a:p>
             <a:r>
-              <a:rPr lang="es-MX" sz="2800" dirty="0" smtClean="0">
+              <a:rPr lang="es-ES" sz="2800" dirty="0">
                 <a:solidFill>
                   <a:srgbClr val="042252"/>
                 </a:solidFill>
                 <a:latin typeface="Roboto Slab" pitchFamily="2" charset="0"/>
                 <a:ea typeface="Roboto Slab" pitchFamily="2" charset="0"/>
               </a:rPr>
-              <a:t>Crear </a:t>
-            </a:r>
-            <a:r>
-              <a:rPr lang="es-MX" sz="2800" dirty="0" smtClean="0">
+              <a:t>Crear un centro de </a:t>
+            </a:r>
+            <a:r>
+              <a:rPr lang="es-ES" sz="2800" dirty="0" err="1">
                 <a:solidFill>
                   <a:srgbClr val="042252"/>
                 </a:solidFill>
                 <a:latin typeface="Roboto Slab" pitchFamily="2" charset="0"/>
                 <a:ea typeface="Roboto Slab" pitchFamily="2" charset="0"/>
               </a:rPr>
-              <a:t>Recurso </a:t>
-            </a:r>
-            <a:r>
-              <a:rPr lang="es-MX" sz="2800" dirty="0" err="1" smtClean="0">
-                <a:solidFill>
-                  <a:srgbClr val="042252"/>
-                </a:solidFill>
-                <a:latin typeface="Roboto Slab" pitchFamily="2" charset="0"/>
-                <a:ea typeface="Roboto Slab" pitchFamily="2" charset="0"/>
-              </a:rPr>
               <a:t>IoT</a:t>
-            </a:r>
-            <a:r>
-              <a:rPr lang="es-MX" sz="2800" dirty="0" smtClean="0">
-                <a:solidFill>
-                  <a:srgbClr val="042252"/>
-                </a:solidFill>
-                <a:latin typeface="Roboto Slab" pitchFamily="2" charset="0"/>
-                <a:ea typeface="Roboto Slab" pitchFamily="2" charset="0"/>
-              </a:rPr>
-              <a:t> </a:t>
-            </a:r>
-            <a:r>
-              <a:rPr lang="es-MX" sz="2800" dirty="0" err="1" smtClean="0">
-                <a:solidFill>
-                  <a:srgbClr val="042252"/>
-                </a:solidFill>
-                <a:latin typeface="Roboto Slab" pitchFamily="2" charset="0"/>
-                <a:ea typeface="Roboto Slab" pitchFamily="2" charset="0"/>
-              </a:rPr>
-              <a:t>Hub</a:t>
             </a:r>
             <a:endParaRPr lang="es-MX" sz="2800" dirty="0">
               <a:solidFill>
@@ -6421,17 +6382,17 @@
           <a:lstStyle/>
           <a:p>
             <a:r>
-              <a:rPr lang="es-MX" sz="2800" dirty="0" smtClean="0">
+              <a:rPr lang="es-ES" sz="2800" dirty="0">
                 <a:solidFill>
                   <a:srgbClr val="042252"/>
                 </a:solidFill>
                 <a:latin typeface="Roboto Slab" pitchFamily="2" charset="0"/>
                 <a:ea typeface="Roboto Slab" pitchFamily="2" charset="0"/>
               </a:rPr>
-              <a:t>Crear Recurso </a:t>
-            </a:r>
-            <a:r>
-              <a:rPr lang="es-MX" sz="2800" dirty="0" err="1" smtClean="0">
+              <a:t>Crear un centro de </a:t>
+            </a:r>
+            <a:r>
+              <a:rPr lang="es-ES" sz="2800" dirty="0" err="1">
                 <a:solidFill>
                   <a:srgbClr val="042252"/>
                 </a:solidFill>
@@ -6439,26 +6400,6 @@
                 <a:ea typeface="Roboto Slab" pitchFamily="2" charset="0"/>
               </a:rPr>
               <a:t>IoT</a:t>
-            </a:r>
-            <a:r>
-              <a:rPr lang="es-MX" sz="2800" dirty="0" smtClean="0">
-                <a:solidFill>
-                  <a:srgbClr val="042252"/>
-                </a:solidFill>
-                <a:latin typeface="Roboto Slab" pitchFamily="2" charset="0"/>
-                <a:ea typeface="Roboto Slab" pitchFamily="2" charset="0"/>
-              </a:rPr>
-              <a:t> </a:t>
-            </a:r>
-            <a:r>
-              <a:rPr lang="es-MX" sz="2800" dirty="0" err="1" smtClean="0">
-                <a:solidFill>
-                  <a:srgbClr val="042252"/>
-                </a:solidFill>
-                <a:latin typeface="Roboto Slab" pitchFamily="2" charset="0"/>
-                <a:ea typeface="Roboto Slab" pitchFamily="2" charset="0"/>
-              </a:rPr>
-              <a:t>Hub</a:t>
             </a:r>
             <a:endParaRPr lang="es-MX" sz="2800" dirty="0">
               <a:solidFill>
@@ -6780,17 +6721,17 @@
           <a:lstStyle/>
           <a:p>
             <a:r>
-              <a:rPr lang="es-MX" sz="2800" dirty="0" smtClean="0">
+              <a:rPr lang="es-ES" sz="2800" dirty="0">
                 <a:solidFill>
                   <a:srgbClr val="042252"/>
                 </a:solidFill>
                 <a:latin typeface="Roboto Slab" pitchFamily="2" charset="0"/>
                 <a:ea typeface="Roboto Slab" pitchFamily="2" charset="0"/>
               </a:rPr>
-              <a:t>Crear Recurso </a:t>
-            </a:r>
-            <a:r>
-              <a:rPr lang="es-MX" sz="2800" dirty="0" err="1" smtClean="0">
+              <a:t>Crear un centro de </a:t>
+            </a:r>
+            <a:r>
+              <a:rPr lang="es-ES" sz="2800" dirty="0" err="1">
                 <a:solidFill>
                   <a:srgbClr val="042252"/>
                 </a:solidFill>
@@ -6798,26 +6739,6 @@
                 <a:ea typeface="Roboto Slab" pitchFamily="2" charset="0"/>
               </a:rPr>
               <a:t>IoT</a:t>
-            </a:r>
-            <a:r>
-              <a:rPr lang="es-MX" sz="2800" dirty="0" smtClean="0">
-                <a:solidFill>
-                  <a:srgbClr val="042252"/>
-                </a:solidFill>
-                <a:latin typeface="Roboto Slab" pitchFamily="2" charset="0"/>
-                <a:ea typeface="Roboto Slab" pitchFamily="2" charset="0"/>
-              </a:rPr>
-              <a:t> </a:t>
-            </a:r>
-            <a:r>
-              <a:rPr lang="es-MX" sz="2800" dirty="0" err="1" smtClean="0">
-                <a:solidFill>
-                  <a:srgbClr val="042252"/>
-                </a:solidFill>
-                <a:latin typeface="Roboto Slab" pitchFamily="2" charset="0"/>
-                <a:ea typeface="Roboto Slab" pitchFamily="2" charset="0"/>
-              </a:rPr>
-              <a:t>Hub</a:t>
             </a:r>
             <a:endParaRPr lang="es-MX" sz="2800" dirty="0">
               <a:solidFill>
@@ -7079,6 +7000,72 @@
               <a:buChar char="•"/>
             </a:pPr>
             <a:r>
+              <a:rPr lang="en-US" dirty="0">
+                <a:solidFill>
+                  <a:srgbClr val="737373"/>
+                </a:solidFill>
+                <a:latin typeface="Roboto"/>
+                <a:ea typeface="Roboto"/>
+                <a:cs typeface="Roboto"/>
+                <a:sym typeface="Roboto"/>
+              </a:rPr>
+              <a:t>az extension add --name azure-cli-</a:t>
+            </a:r>
+            <a:r>
+              <a:rPr lang="en-US" dirty="0" err="1">
+                <a:solidFill>
+                  <a:srgbClr val="737373"/>
+                </a:solidFill>
+                <a:latin typeface="Roboto"/>
+                <a:ea typeface="Roboto"/>
+                <a:cs typeface="Roboto"/>
+                <a:sym typeface="Roboto"/>
+              </a:rPr>
+              <a:t>iot</a:t>
+            </a:r>
+            <a:r>
+              <a:rPr lang="en-US" dirty="0">
+                <a:solidFill>
+                  <a:srgbClr val="737373"/>
+                </a:solidFill>
+                <a:latin typeface="Roboto"/>
+                <a:ea typeface="Roboto"/>
+                <a:cs typeface="Roboto"/>
+                <a:sym typeface="Roboto"/>
+              </a:rPr>
+              <a:t>-</a:t>
+            </a:r>
+            <a:r>
+              <a:rPr lang="en-US" dirty="0" err="1">
+                <a:solidFill>
+                  <a:srgbClr val="737373"/>
+                </a:solidFill>
+                <a:latin typeface="Roboto"/>
+                <a:ea typeface="Roboto"/>
+                <a:cs typeface="Roboto"/>
+                <a:sym typeface="Roboto"/>
+              </a:rPr>
+              <a:t>ext</a:t>
+            </a:r>
+            <a:endParaRPr lang="es-MX" dirty="0" smtClean="0">
+              <a:solidFill>
+                <a:srgbClr val="737373"/>
+              </a:solidFill>
+              <a:latin typeface="Roboto"/>
+              <a:ea typeface="Roboto"/>
+              <a:cs typeface="Roboto"/>
+              <a:sym typeface="Roboto"/>
+            </a:endParaRPr>
+          </a:p>
+          <a:p>
+            <a:pPr marL="285750" lvl="0" indent="-285750">
+              <a:lnSpc>
+                <a:spcPct val="115000"/>
+              </a:lnSpc>
+              <a:buFont typeface="Arial" panose="020B0604020202020204" pitchFamily="34" charset="0"/>
+              <a:buChar char="•"/>
+            </a:pPr>
+            <a:r>
               <a:rPr lang="es-MX" dirty="0">
                 <a:solidFill>
                   <a:srgbClr val="737373"/>
@@ -7591,7 +7578,7 @@
     </p:spTree>
     <p:extLst>
       <p:ext uri="{BB962C8B-B14F-4D97-AF65-F5344CB8AC3E}">
-        <p14:creationId xmlns:p14="http://schemas.microsoft.com/office/powerpoint/2010/main" val="2013950192"/>
+        <p14:creationId xmlns:p14="http://schemas.microsoft.com/office/powerpoint/2010/main" val="1349463423"/>
       </p:ext>
     </p:extLst>
   </p:cSld>
@@ -7712,74 +7699,14 @@
           <a:lstStyle/>
           <a:p>
             <a:r>
-              <a:rPr lang="es-MX" sz="2800" dirty="0" smtClean="0">
+              <a:rPr lang="es-MX" sz="2800" dirty="0">
                 <a:solidFill>
                   <a:srgbClr val="042252"/>
                 </a:solidFill>
                 <a:latin typeface="Roboto Slab" pitchFamily="2" charset="0"/>
                 <a:ea typeface="Roboto Slab" pitchFamily="2" charset="0"/>
               </a:rPr>
-              <a:t>Crear Recurso </a:t>
-            </a:r>
-            <a:r>
-              <a:rPr lang="es-MX" sz="2800" dirty="0" err="1" smtClean="0">
-                <a:solidFill>
-                  <a:srgbClr val="042252"/>
-                </a:solidFill>
-                <a:latin typeface="Roboto Slab" pitchFamily="2" charset="0"/>
-                <a:ea typeface="Roboto Slab" pitchFamily="2" charset="0"/>
-              </a:rPr>
-              <a:t>IoT</a:t>
-            </a:r>
-            <a:r>
-              <a:rPr lang="es-MX" sz="2800" dirty="0" smtClean="0">
-                <a:solidFill>
-                  <a:srgbClr val="042252"/>
-                </a:solidFill>
-                <a:latin typeface="Roboto Slab" pitchFamily="2" charset="0"/>
-                <a:ea typeface="Roboto Slab" pitchFamily="2" charset="0"/>
-              </a:rPr>
-              <a:t> </a:t>
-            </a:r>
-            <a:r>
-              <a:rPr lang="es-MX" sz="2800" dirty="0" err="1" smtClean="0">
-                <a:solidFill>
-                  <a:srgbClr val="042252"/>
-                </a:solidFill>
-                <a:latin typeface="Roboto Slab" pitchFamily="2" charset="0"/>
-                <a:ea typeface="Roboto Slab" pitchFamily="2" charset="0"/>
-              </a:rPr>
-              <a:t>Hub</a:t>
-            </a:r>
-            <a:r>
-              <a:rPr lang="es-MX" sz="2800" dirty="0" smtClean="0">
-                <a:solidFill>
-                  <a:srgbClr val="042252"/>
-                </a:solidFill>
-                <a:latin typeface="Roboto Slab" pitchFamily="2" charset="0"/>
-                <a:ea typeface="Roboto Slab" pitchFamily="2" charset="0"/>
-              </a:rPr>
-              <a:t> (</a:t>
-            </a:r>
-            <a:r>
-              <a:rPr lang="es-MX" sz="2800" dirty="0" err="1" smtClean="0">
-                <a:solidFill>
-                  <a:srgbClr val="042252"/>
-                </a:solidFill>
-                <a:latin typeface="Roboto Slab" pitchFamily="2" charset="0"/>
-                <a:ea typeface="Roboto Slab" pitchFamily="2" charset="0"/>
-              </a:rPr>
-              <a:t>Azure</a:t>
-            </a:r>
-            <a:r>
-              <a:rPr lang="es-MX" sz="2800" dirty="0" smtClean="0">
-                <a:solidFill>
-                  <a:srgbClr val="042252"/>
-                </a:solidFill>
-                <a:latin typeface="Roboto Slab" pitchFamily="2" charset="0"/>
-                <a:ea typeface="Roboto Slab" pitchFamily="2" charset="0"/>
-              </a:rPr>
-              <a:t> CLI)</a:t>
+              <a:t>Registrar un dispositivo</a:t>
             </a:r>
             <a:endParaRPr lang="es-MX" sz="2800" dirty="0">
               <a:solidFill>
@@ -7954,696 +7881,33 @@
           </a:prstGeom>
         </p:spPr>
       </p:pic>
-      <p:sp>
-        <p:nvSpPr>
-          <p:cNvPr id="9" name="Google Shape;106;p15"/>
-          <p:cNvSpPr txBox="1"/>
-          <p:nvPr/>
-        </p:nvSpPr>
-        <p:spPr>
-          <a:xfrm>
-            <a:off x="281959" y="1578498"/>
-            <a:ext cx="9883200" cy="4215812"/>
-          </a:xfrm>
-          <a:prstGeom prst="rect">
-            <a:avLst/>
-          </a:prstGeom>
-          <a:noFill/>
-          <a:ln>
-            <a:noFill/>
-          </a:ln>
-        </p:spPr>
-        <p:txBody>
-          <a:bodyPr spcFirstLastPara="1" wrap="square" lIns="91425" tIns="91425" rIns="91425" bIns="91425" anchor="t" anchorCtr="0">
-            <a:noAutofit/>
-          </a:bodyPr>
-          <a:lstStyle/>
-          <a:p>
-            <a:pPr marL="285750" lvl="0" indent="-285750">
-              <a:lnSpc>
-                <a:spcPct val="115000"/>
-              </a:lnSpc>
-              <a:buFont typeface="Arial" panose="020B0604020202020204" pitchFamily="34" charset="0"/>
-              <a:buChar char="•"/>
-            </a:pPr>
-            <a:r>
-              <a:rPr lang="es-MX" dirty="0" err="1">
-                <a:solidFill>
-                  <a:srgbClr val="737373"/>
-                </a:solidFill>
-                <a:latin typeface="Roboto"/>
-                <a:ea typeface="Roboto"/>
-                <a:cs typeface="Roboto"/>
-                <a:sym typeface="Roboto"/>
-              </a:rPr>
-              <a:t>a</a:t>
-            </a:r>
-            <a:r>
-              <a:rPr lang="es-MX" dirty="0" err="1" smtClean="0">
-                <a:solidFill>
-                  <a:srgbClr val="737373"/>
-                </a:solidFill>
-                <a:latin typeface="Roboto"/>
-                <a:ea typeface="Roboto"/>
-                <a:cs typeface="Roboto"/>
-                <a:sym typeface="Roboto"/>
-              </a:rPr>
-              <a:t>z</a:t>
-            </a:r>
-            <a:r>
-              <a:rPr lang="es-MX" dirty="0" smtClean="0">
-                <a:solidFill>
-                  <a:srgbClr val="737373"/>
-                </a:solidFill>
-                <a:latin typeface="Roboto"/>
-                <a:ea typeface="Roboto"/>
-                <a:cs typeface="Roboto"/>
-                <a:sym typeface="Roboto"/>
-              </a:rPr>
-              <a:t> </a:t>
-            </a:r>
-            <a:r>
-              <a:rPr lang="es-MX" dirty="0" err="1" smtClean="0">
-                <a:solidFill>
-                  <a:srgbClr val="737373"/>
-                </a:solidFill>
-                <a:latin typeface="Roboto"/>
-                <a:ea typeface="Roboto"/>
-                <a:cs typeface="Roboto"/>
-                <a:sym typeface="Roboto"/>
-              </a:rPr>
-              <a:t>login</a:t>
-            </a:r>
-            <a:endParaRPr lang="es-MX" dirty="0" smtClean="0">
-              <a:solidFill>
-                <a:srgbClr val="737373"/>
-              </a:solidFill>
-              <a:latin typeface="Roboto"/>
-              <a:ea typeface="Roboto"/>
-              <a:cs typeface="Roboto"/>
-              <a:sym typeface="Roboto"/>
-            </a:endParaRPr>
-          </a:p>
-          <a:p>
-            <a:pPr marL="285750" lvl="0" indent="-285750">
-              <a:lnSpc>
-                <a:spcPct val="115000"/>
-              </a:lnSpc>
-              <a:buFont typeface="Arial" panose="020B0604020202020204" pitchFamily="34" charset="0"/>
-              <a:buChar char="•"/>
-            </a:pPr>
-            <a:r>
-              <a:rPr lang="en-US" dirty="0" err="1">
-                <a:solidFill>
-                  <a:srgbClr val="737373"/>
-                </a:solidFill>
-                <a:latin typeface="Roboto"/>
-                <a:ea typeface="Roboto"/>
-                <a:cs typeface="Roboto"/>
-                <a:sym typeface="Roboto"/>
-              </a:rPr>
-              <a:t>az</a:t>
-            </a:r>
-            <a:r>
-              <a:rPr lang="en-US" dirty="0">
-                <a:solidFill>
-                  <a:srgbClr val="737373"/>
-                </a:solidFill>
-                <a:latin typeface="Roboto"/>
-                <a:ea typeface="Roboto"/>
-                <a:cs typeface="Roboto"/>
-                <a:sym typeface="Roboto"/>
-              </a:rPr>
-              <a:t> extension add --name azure-cli-</a:t>
-            </a:r>
-            <a:r>
-              <a:rPr lang="en-US" dirty="0" err="1">
-                <a:solidFill>
-                  <a:srgbClr val="737373"/>
-                </a:solidFill>
-                <a:latin typeface="Roboto"/>
-                <a:ea typeface="Roboto"/>
-                <a:cs typeface="Roboto"/>
-                <a:sym typeface="Roboto"/>
-              </a:rPr>
-              <a:t>iot</a:t>
-            </a:r>
-            <a:r>
-              <a:rPr lang="en-US" dirty="0">
-                <a:solidFill>
-                  <a:srgbClr val="737373"/>
-                </a:solidFill>
-                <a:latin typeface="Roboto"/>
-                <a:ea typeface="Roboto"/>
-                <a:cs typeface="Roboto"/>
-                <a:sym typeface="Roboto"/>
-              </a:rPr>
-              <a:t>-</a:t>
-            </a:r>
-            <a:r>
-              <a:rPr lang="en-US" dirty="0" err="1">
-                <a:solidFill>
-                  <a:srgbClr val="737373"/>
-                </a:solidFill>
-                <a:latin typeface="Roboto"/>
-                <a:ea typeface="Roboto"/>
-                <a:cs typeface="Roboto"/>
-                <a:sym typeface="Roboto"/>
-              </a:rPr>
-              <a:t>ext</a:t>
-            </a:r>
-            <a:endParaRPr lang="es-MX" dirty="0" smtClean="0">
-              <a:solidFill>
-                <a:srgbClr val="737373"/>
-              </a:solidFill>
-              <a:latin typeface="Roboto"/>
-              <a:ea typeface="Roboto"/>
-              <a:cs typeface="Roboto"/>
-              <a:sym typeface="Roboto"/>
-            </a:endParaRPr>
-          </a:p>
-          <a:p>
-            <a:pPr marL="285750" lvl="0" indent="-285750">
-              <a:lnSpc>
-                <a:spcPct val="115000"/>
-              </a:lnSpc>
-              <a:buFont typeface="Arial" panose="020B0604020202020204" pitchFamily="34" charset="0"/>
-              <a:buChar char="•"/>
-            </a:pPr>
-            <a:r>
-              <a:rPr lang="es-MX" dirty="0">
-                <a:solidFill>
-                  <a:srgbClr val="737373"/>
-                </a:solidFill>
-                <a:latin typeface="Roboto"/>
-                <a:ea typeface="Roboto"/>
-                <a:cs typeface="Roboto"/>
-                <a:sym typeface="Roboto"/>
-              </a:rPr>
-              <a:t>az </a:t>
-            </a:r>
-            <a:r>
-              <a:rPr lang="es-MX" dirty="0" err="1">
-                <a:solidFill>
-                  <a:srgbClr val="737373"/>
-                </a:solidFill>
-                <a:latin typeface="Roboto"/>
-                <a:ea typeface="Roboto"/>
-                <a:cs typeface="Roboto"/>
-                <a:sym typeface="Roboto"/>
-              </a:rPr>
-              <a:t>iot</a:t>
-            </a:r>
-            <a:r>
-              <a:rPr lang="es-MX" dirty="0">
-                <a:solidFill>
-                  <a:srgbClr val="737373"/>
-                </a:solidFill>
-                <a:latin typeface="Roboto"/>
-                <a:ea typeface="Roboto"/>
-                <a:cs typeface="Roboto"/>
-                <a:sym typeface="Roboto"/>
-              </a:rPr>
-              <a:t> </a:t>
-            </a:r>
-            <a:r>
-              <a:rPr lang="es-MX" dirty="0" err="1">
-                <a:solidFill>
-                  <a:srgbClr val="737373"/>
-                </a:solidFill>
-                <a:latin typeface="Roboto"/>
-                <a:ea typeface="Roboto"/>
-                <a:cs typeface="Roboto"/>
-                <a:sym typeface="Roboto"/>
-              </a:rPr>
-              <a:t>hub</a:t>
-            </a:r>
-            <a:r>
-              <a:rPr lang="es-MX" dirty="0">
-                <a:solidFill>
-                  <a:srgbClr val="737373"/>
-                </a:solidFill>
-                <a:latin typeface="Roboto"/>
-                <a:ea typeface="Roboto"/>
-                <a:cs typeface="Roboto"/>
-                <a:sym typeface="Roboto"/>
-              </a:rPr>
-              <a:t> </a:t>
-            </a:r>
-            <a:r>
-              <a:rPr lang="es-MX" dirty="0" err="1">
-                <a:solidFill>
-                  <a:srgbClr val="737373"/>
-                </a:solidFill>
-                <a:latin typeface="Roboto"/>
-                <a:ea typeface="Roboto"/>
-                <a:cs typeface="Roboto"/>
-                <a:sym typeface="Roboto"/>
-              </a:rPr>
-              <a:t>delete</a:t>
-            </a:r>
-            <a:r>
-              <a:rPr lang="es-MX" dirty="0">
-                <a:solidFill>
-                  <a:srgbClr val="737373"/>
-                </a:solidFill>
-                <a:latin typeface="Roboto"/>
-                <a:ea typeface="Roboto"/>
-                <a:cs typeface="Roboto"/>
-                <a:sym typeface="Roboto"/>
-              </a:rPr>
-              <a:t> --</a:t>
-            </a:r>
-            <a:r>
-              <a:rPr lang="es-MX" dirty="0" err="1">
-                <a:solidFill>
-                  <a:srgbClr val="737373"/>
-                </a:solidFill>
-                <a:latin typeface="Roboto"/>
-                <a:ea typeface="Roboto"/>
-                <a:cs typeface="Roboto"/>
-                <a:sym typeface="Roboto"/>
-              </a:rPr>
-              <a:t>name</a:t>
-            </a:r>
-            <a:r>
-              <a:rPr lang="es-MX" dirty="0">
-                <a:solidFill>
-                  <a:srgbClr val="737373"/>
-                </a:solidFill>
-                <a:latin typeface="Roboto"/>
-                <a:ea typeface="Roboto"/>
-                <a:cs typeface="Roboto"/>
-                <a:sym typeface="Roboto"/>
-              </a:rPr>
-              <a:t> {</a:t>
-            </a:r>
-            <a:r>
-              <a:rPr lang="es-MX" dirty="0" err="1">
-                <a:solidFill>
-                  <a:srgbClr val="737373"/>
-                </a:solidFill>
-                <a:latin typeface="Roboto"/>
-                <a:ea typeface="Roboto"/>
-                <a:cs typeface="Roboto"/>
-                <a:sym typeface="Roboto"/>
-              </a:rPr>
-              <a:t>name</a:t>
-            </a:r>
-            <a:r>
-              <a:rPr lang="es-MX" dirty="0">
-                <a:solidFill>
-                  <a:srgbClr val="737373"/>
-                </a:solidFill>
-                <a:latin typeface="Roboto"/>
-                <a:ea typeface="Roboto"/>
-                <a:cs typeface="Roboto"/>
-                <a:sym typeface="Roboto"/>
-              </a:rPr>
-              <a:t>} --</a:t>
-            </a:r>
-            <a:r>
-              <a:rPr lang="es-MX" dirty="0" err="1">
-                <a:solidFill>
-                  <a:srgbClr val="737373"/>
-                </a:solidFill>
-                <a:latin typeface="Roboto"/>
-                <a:ea typeface="Roboto"/>
-                <a:cs typeface="Roboto"/>
-                <a:sym typeface="Roboto"/>
-              </a:rPr>
-              <a:t>resource-group</a:t>
-            </a:r>
-            <a:r>
-              <a:rPr lang="es-MX" dirty="0">
-                <a:solidFill>
-                  <a:srgbClr val="737373"/>
-                </a:solidFill>
-                <a:latin typeface="Roboto"/>
-                <a:ea typeface="Roboto"/>
-                <a:cs typeface="Roboto"/>
-                <a:sym typeface="Roboto"/>
-              </a:rPr>
-              <a:t> {</a:t>
-            </a:r>
-            <a:r>
-              <a:rPr lang="es-MX" dirty="0" err="1">
-                <a:solidFill>
-                  <a:srgbClr val="737373"/>
-                </a:solidFill>
-                <a:latin typeface="Roboto"/>
-                <a:ea typeface="Roboto"/>
-                <a:cs typeface="Roboto"/>
-                <a:sym typeface="Roboto"/>
-              </a:rPr>
-              <a:t>resource-group</a:t>
-            </a:r>
-            <a:r>
-              <a:rPr lang="es-MX" dirty="0" smtClean="0">
-                <a:solidFill>
-                  <a:srgbClr val="737373"/>
-                </a:solidFill>
-                <a:latin typeface="Roboto"/>
-                <a:ea typeface="Roboto"/>
-                <a:cs typeface="Roboto"/>
-                <a:sym typeface="Roboto"/>
-              </a:rPr>
-              <a:t>}</a:t>
-            </a:r>
-          </a:p>
-          <a:p>
-            <a:pPr marL="285750" lvl="0" indent="-285750">
-              <a:lnSpc>
-                <a:spcPct val="115000"/>
-              </a:lnSpc>
-              <a:buFont typeface="Arial" panose="020B0604020202020204" pitchFamily="34" charset="0"/>
-              <a:buChar char="•"/>
-            </a:pPr>
-            <a:r>
-              <a:rPr lang="es-MX" dirty="0">
-                <a:solidFill>
-                  <a:srgbClr val="737373"/>
-                </a:solidFill>
-                <a:latin typeface="Roboto"/>
-                <a:ea typeface="Roboto"/>
-                <a:cs typeface="Roboto"/>
-                <a:sym typeface="Roboto"/>
-              </a:rPr>
-              <a:t>az </a:t>
-            </a:r>
-            <a:r>
-              <a:rPr lang="es-MX" dirty="0" err="1">
-                <a:solidFill>
-                  <a:srgbClr val="737373"/>
-                </a:solidFill>
-                <a:latin typeface="Roboto"/>
-                <a:ea typeface="Roboto"/>
-                <a:cs typeface="Roboto"/>
-                <a:sym typeface="Roboto"/>
-              </a:rPr>
-              <a:t>iot</a:t>
-            </a:r>
-            <a:r>
-              <a:rPr lang="es-MX" dirty="0">
-                <a:solidFill>
-                  <a:srgbClr val="737373"/>
-                </a:solidFill>
-                <a:latin typeface="Roboto"/>
-                <a:ea typeface="Roboto"/>
-                <a:cs typeface="Roboto"/>
-                <a:sym typeface="Roboto"/>
-              </a:rPr>
-              <a:t> </a:t>
-            </a:r>
-            <a:r>
-              <a:rPr lang="es-MX" dirty="0" err="1">
-                <a:solidFill>
-                  <a:srgbClr val="737373"/>
-                </a:solidFill>
-                <a:latin typeface="Roboto"/>
-                <a:ea typeface="Roboto"/>
-                <a:cs typeface="Roboto"/>
-                <a:sym typeface="Roboto"/>
-              </a:rPr>
-              <a:t>hub</a:t>
-            </a:r>
-            <a:r>
-              <a:rPr lang="es-MX" dirty="0">
-                <a:solidFill>
-                  <a:srgbClr val="737373"/>
-                </a:solidFill>
-                <a:latin typeface="Roboto"/>
-                <a:ea typeface="Roboto"/>
-                <a:cs typeface="Roboto"/>
-                <a:sym typeface="Roboto"/>
-              </a:rPr>
-              <a:t> </a:t>
-            </a:r>
-            <a:r>
-              <a:rPr lang="es-MX" dirty="0" err="1">
-                <a:solidFill>
-                  <a:srgbClr val="737373"/>
-                </a:solidFill>
-                <a:latin typeface="Roboto"/>
-                <a:ea typeface="Roboto"/>
-                <a:cs typeface="Roboto"/>
-                <a:sym typeface="Roboto"/>
-              </a:rPr>
-              <a:t>create</a:t>
-            </a:r>
-            <a:r>
-              <a:rPr lang="es-MX" dirty="0">
-                <a:solidFill>
-                  <a:srgbClr val="737373"/>
-                </a:solidFill>
-                <a:latin typeface="Roboto"/>
-                <a:ea typeface="Roboto"/>
-                <a:cs typeface="Roboto"/>
-                <a:sym typeface="Roboto"/>
-              </a:rPr>
-              <a:t> --</a:t>
-            </a:r>
-            <a:r>
-              <a:rPr lang="es-MX" dirty="0" err="1">
-                <a:solidFill>
-                  <a:srgbClr val="737373"/>
-                </a:solidFill>
-                <a:latin typeface="Roboto"/>
-                <a:ea typeface="Roboto"/>
-                <a:cs typeface="Roboto"/>
-                <a:sym typeface="Roboto"/>
-              </a:rPr>
-              <a:t>resource-group</a:t>
-            </a:r>
-            <a:r>
-              <a:rPr lang="es-MX" dirty="0">
-                <a:solidFill>
-                  <a:srgbClr val="737373"/>
-                </a:solidFill>
-                <a:latin typeface="Roboto"/>
-                <a:ea typeface="Roboto"/>
-                <a:cs typeface="Roboto"/>
-                <a:sym typeface="Roboto"/>
-              </a:rPr>
-              <a:t> {</a:t>
-            </a:r>
-            <a:r>
-              <a:rPr lang="es-MX" dirty="0" err="1">
-                <a:solidFill>
-                  <a:srgbClr val="737373"/>
-                </a:solidFill>
-                <a:latin typeface="Roboto"/>
-                <a:ea typeface="Roboto"/>
-                <a:cs typeface="Roboto"/>
-                <a:sym typeface="Roboto"/>
-              </a:rPr>
-              <a:t>resourceGroup</a:t>
-            </a:r>
-            <a:r>
-              <a:rPr lang="es-MX" dirty="0">
-                <a:solidFill>
-                  <a:srgbClr val="737373"/>
-                </a:solidFill>
-                <a:latin typeface="Roboto"/>
-                <a:ea typeface="Roboto"/>
-                <a:cs typeface="Roboto"/>
-                <a:sym typeface="Roboto"/>
-              </a:rPr>
-              <a:t>} --</a:t>
-            </a:r>
-            <a:r>
-              <a:rPr lang="es-MX" dirty="0" err="1">
-                <a:solidFill>
-                  <a:srgbClr val="737373"/>
-                </a:solidFill>
-                <a:latin typeface="Roboto"/>
-                <a:ea typeface="Roboto"/>
-                <a:cs typeface="Roboto"/>
-                <a:sym typeface="Roboto"/>
-              </a:rPr>
-              <a:t>name</a:t>
-            </a:r>
-            <a:r>
-              <a:rPr lang="es-MX" dirty="0">
-                <a:solidFill>
-                  <a:srgbClr val="737373"/>
-                </a:solidFill>
-                <a:latin typeface="Roboto"/>
-                <a:ea typeface="Roboto"/>
-                <a:cs typeface="Roboto"/>
-                <a:sym typeface="Roboto"/>
-              </a:rPr>
-              <a:t> {</a:t>
-            </a:r>
-            <a:r>
-              <a:rPr lang="es-MX" dirty="0" err="1">
-                <a:solidFill>
-                  <a:srgbClr val="737373"/>
-                </a:solidFill>
-                <a:latin typeface="Roboto"/>
-                <a:ea typeface="Roboto"/>
-                <a:cs typeface="Roboto"/>
-                <a:sym typeface="Roboto"/>
-              </a:rPr>
-              <a:t>name</a:t>
-            </a:r>
-            <a:r>
-              <a:rPr lang="es-MX" dirty="0">
-                <a:solidFill>
-                  <a:srgbClr val="737373"/>
-                </a:solidFill>
-                <a:latin typeface="Roboto"/>
-                <a:ea typeface="Roboto"/>
-                <a:cs typeface="Roboto"/>
-                <a:sym typeface="Roboto"/>
-              </a:rPr>
-              <a:t>} --</a:t>
-            </a:r>
-            <a:r>
-              <a:rPr lang="es-MX" dirty="0" err="1">
-                <a:solidFill>
-                  <a:srgbClr val="737373"/>
-                </a:solidFill>
-                <a:latin typeface="Roboto"/>
-                <a:ea typeface="Roboto"/>
-                <a:cs typeface="Roboto"/>
-                <a:sym typeface="Roboto"/>
-              </a:rPr>
-              <a:t>location</a:t>
-            </a:r>
-            <a:r>
-              <a:rPr lang="es-MX" dirty="0">
-                <a:solidFill>
-                  <a:srgbClr val="737373"/>
-                </a:solidFill>
-                <a:latin typeface="Roboto"/>
-                <a:ea typeface="Roboto"/>
-                <a:cs typeface="Roboto"/>
-                <a:sym typeface="Roboto"/>
-              </a:rPr>
-              <a:t> {</a:t>
-            </a:r>
-            <a:r>
-              <a:rPr lang="es-MX" dirty="0" err="1">
-                <a:solidFill>
-                  <a:srgbClr val="737373"/>
-                </a:solidFill>
-                <a:latin typeface="Roboto"/>
-                <a:ea typeface="Roboto"/>
-                <a:cs typeface="Roboto"/>
-                <a:sym typeface="Roboto"/>
-              </a:rPr>
-              <a:t>location</a:t>
-            </a:r>
-            <a:r>
-              <a:rPr lang="es-MX" dirty="0" smtClean="0">
-                <a:solidFill>
-                  <a:srgbClr val="737373"/>
-                </a:solidFill>
-                <a:latin typeface="Roboto"/>
-                <a:ea typeface="Roboto"/>
-                <a:cs typeface="Roboto"/>
-                <a:sym typeface="Roboto"/>
-              </a:rPr>
-              <a:t>} –</a:t>
-            </a:r>
-            <a:r>
-              <a:rPr lang="es-MX" dirty="0" err="1" smtClean="0">
-                <a:solidFill>
-                  <a:srgbClr val="737373"/>
-                </a:solidFill>
-                <a:latin typeface="Roboto"/>
-                <a:ea typeface="Roboto"/>
-                <a:cs typeface="Roboto"/>
-                <a:sym typeface="Roboto"/>
-              </a:rPr>
-              <a:t>partition-count</a:t>
-            </a:r>
-            <a:r>
-              <a:rPr lang="es-MX" dirty="0" smtClean="0">
-                <a:solidFill>
-                  <a:srgbClr val="737373"/>
-                </a:solidFill>
-                <a:latin typeface="Roboto"/>
-                <a:ea typeface="Roboto"/>
-                <a:cs typeface="Roboto"/>
-                <a:sym typeface="Roboto"/>
-              </a:rPr>
-              <a:t> {</a:t>
-            </a:r>
-            <a:r>
-              <a:rPr lang="es-MX" dirty="0" err="1" smtClean="0">
-                <a:solidFill>
-                  <a:srgbClr val="737373"/>
-                </a:solidFill>
-                <a:latin typeface="Roboto"/>
-                <a:ea typeface="Roboto"/>
-                <a:cs typeface="Roboto"/>
-                <a:sym typeface="Roboto"/>
-              </a:rPr>
-              <a:t>Partitition</a:t>
-            </a:r>
-            <a:r>
-              <a:rPr lang="es-MX" dirty="0" smtClean="0">
-                <a:solidFill>
-                  <a:srgbClr val="737373"/>
-                </a:solidFill>
-                <a:latin typeface="Roboto"/>
-                <a:ea typeface="Roboto"/>
-                <a:cs typeface="Roboto"/>
-                <a:sym typeface="Roboto"/>
-              </a:rPr>
-              <a:t> </a:t>
-            </a:r>
-            <a:r>
-              <a:rPr lang="es-MX" dirty="0" err="1" smtClean="0">
-                <a:solidFill>
-                  <a:srgbClr val="737373"/>
-                </a:solidFill>
-                <a:latin typeface="Roboto"/>
-                <a:ea typeface="Roboto"/>
-                <a:cs typeface="Roboto"/>
-                <a:sym typeface="Roboto"/>
-              </a:rPr>
-              <a:t>Count</a:t>
-            </a:r>
-            <a:r>
-              <a:rPr lang="es-MX" dirty="0" smtClean="0">
-                <a:solidFill>
-                  <a:srgbClr val="737373"/>
-                </a:solidFill>
-                <a:latin typeface="Roboto"/>
-                <a:ea typeface="Roboto"/>
-                <a:cs typeface="Roboto"/>
-                <a:sym typeface="Roboto"/>
-              </a:rPr>
-              <a:t>}</a:t>
-            </a:r>
-          </a:p>
-          <a:p>
-            <a:pPr marL="285750" lvl="0" indent="-285750">
-              <a:lnSpc>
-                <a:spcPct val="115000"/>
-              </a:lnSpc>
-              <a:buFont typeface="Arial" panose="020B0604020202020204" pitchFamily="34" charset="0"/>
-              <a:buChar char="•"/>
-            </a:pPr>
-            <a:endParaRPr sz="1800" dirty="0">
-              <a:solidFill>
-                <a:srgbClr val="737373"/>
-              </a:solidFill>
-              <a:latin typeface="Roboto"/>
-              <a:ea typeface="Roboto"/>
-              <a:cs typeface="Roboto"/>
-              <a:sym typeface="Roboto"/>
-            </a:endParaRPr>
-          </a:p>
-        </p:txBody>
-      </p:sp>
+      <p:pic>
+        <p:nvPicPr>
+          <p:cNvPr id="3" name="Imagen 2"/>
+          <p:cNvPicPr>
+            <a:picLocks noChangeAspect="1"/>
+          </p:cNvPicPr>
+          <p:nvPr/>
+        </p:nvPicPr>
+        <p:blipFill rotWithShape="1">
+          <a:blip r:embed="rId4"/>
+          <a:srcRect t="17625" r="63530" b="3959"/>
+          <a:stretch/>
+        </p:blipFill>
+        <p:spPr>
+          <a:xfrm>
+            <a:off x="4508275" y="1254372"/>
+            <a:ext cx="4131222" cy="4765251"/>
+          </a:xfrm>
+          <a:prstGeom prst="rect">
+            <a:avLst/>
+          </a:prstGeom>
+        </p:spPr>
+      </p:pic>
     </p:spTree>
     <p:extLst>
       <p:ext uri="{BB962C8B-B14F-4D97-AF65-F5344CB8AC3E}">
-        <p14:creationId xmlns:p14="http://schemas.microsoft.com/office/powerpoint/2010/main" val="1349463423"/>
+        <p14:creationId xmlns:p14="http://schemas.microsoft.com/office/powerpoint/2010/main" val="171465513"/>
       </p:ext>
     </p:extLst>
   </p:cSld>
@@ -9174,14 +8438,14 @@
           <a:lstStyle/>
           <a:p>
             <a:r>
-              <a:rPr lang="es-MX" sz="2800" dirty="0" smtClean="0">
+              <a:rPr lang="es-MX" sz="2800" dirty="0">
                 <a:solidFill>
                   <a:srgbClr val="042252"/>
                 </a:solidFill>
                 <a:latin typeface="Roboto Slab" pitchFamily="2" charset="0"/>
                 <a:ea typeface="Roboto Slab" pitchFamily="2" charset="0"/>
               </a:rPr>
-              <a:t>Crear Dispositivo</a:t>
+              <a:t>Registrar un dispositivo</a:t>
             </a:r>
             <a:endParaRPr lang="es-MX" sz="2800" dirty="0">
               <a:solidFill>
@@ -9356,9 +8620,317 @@
           </a:prstGeom>
         </p:spPr>
       </p:pic>
+      <p:sp>
+        <p:nvSpPr>
+          <p:cNvPr id="9" name="Google Shape;106;p15"/>
+          <p:cNvSpPr txBox="1"/>
+          <p:nvPr/>
+        </p:nvSpPr>
+        <p:spPr>
+          <a:xfrm>
+            <a:off x="281959" y="1578498"/>
+            <a:ext cx="9883200" cy="4215812"/>
+          </a:xfrm>
+          <a:prstGeom prst="rect">
+            <a:avLst/>
+          </a:prstGeom>
+          <a:noFill/>
+          <a:ln>
+            <a:noFill/>
+          </a:ln>
+        </p:spPr>
+        <p:txBody>
+          <a:bodyPr spcFirstLastPara="1" wrap="square" lIns="91425" tIns="91425" rIns="91425" bIns="91425" anchor="t" anchorCtr="0">
+            <a:noAutofit/>
+          </a:bodyPr>
+          <a:lstStyle/>
+          <a:p>
+            <a:pPr marL="285750" lvl="0" indent="-285750">
+              <a:lnSpc>
+                <a:spcPct val="115000"/>
+              </a:lnSpc>
+              <a:buFont typeface="Arial" panose="020B0604020202020204" pitchFamily="34" charset="0"/>
+              <a:buChar char="•"/>
+            </a:pPr>
+            <a:r>
+              <a:rPr lang="es-MX" dirty="0">
+                <a:solidFill>
+                  <a:srgbClr val="737373"/>
+                </a:solidFill>
+                <a:latin typeface="Roboto"/>
+                <a:ea typeface="Roboto"/>
+                <a:cs typeface="Roboto"/>
+                <a:sym typeface="Roboto"/>
+              </a:rPr>
+              <a:t>az </a:t>
+            </a:r>
+            <a:r>
+              <a:rPr lang="es-MX" dirty="0" err="1">
+                <a:solidFill>
+                  <a:srgbClr val="737373"/>
+                </a:solidFill>
+                <a:latin typeface="Roboto"/>
+                <a:ea typeface="Roboto"/>
+                <a:cs typeface="Roboto"/>
+                <a:sym typeface="Roboto"/>
+              </a:rPr>
+              <a:t>iot</a:t>
+            </a:r>
+            <a:r>
+              <a:rPr lang="es-MX" dirty="0">
+                <a:solidFill>
+                  <a:srgbClr val="737373"/>
+                </a:solidFill>
+                <a:latin typeface="Roboto"/>
+                <a:ea typeface="Roboto"/>
+                <a:cs typeface="Roboto"/>
+                <a:sym typeface="Roboto"/>
+              </a:rPr>
+              <a:t> </a:t>
+            </a:r>
+            <a:r>
+              <a:rPr lang="es-MX" dirty="0" err="1">
+                <a:solidFill>
+                  <a:srgbClr val="737373"/>
+                </a:solidFill>
+                <a:latin typeface="Roboto"/>
+                <a:ea typeface="Roboto"/>
+                <a:cs typeface="Roboto"/>
+                <a:sym typeface="Roboto"/>
+              </a:rPr>
+              <a:t>hub</a:t>
+            </a:r>
+            <a:r>
+              <a:rPr lang="es-MX" dirty="0">
+                <a:solidFill>
+                  <a:srgbClr val="737373"/>
+                </a:solidFill>
+                <a:latin typeface="Roboto"/>
+                <a:ea typeface="Roboto"/>
+                <a:cs typeface="Roboto"/>
+                <a:sym typeface="Roboto"/>
+              </a:rPr>
+              <a:t> </a:t>
+            </a:r>
+            <a:r>
+              <a:rPr lang="es-MX" dirty="0" err="1">
+                <a:solidFill>
+                  <a:srgbClr val="737373"/>
+                </a:solidFill>
+                <a:latin typeface="Roboto"/>
+                <a:ea typeface="Roboto"/>
+                <a:cs typeface="Roboto"/>
+                <a:sym typeface="Roboto"/>
+              </a:rPr>
+              <a:t>device-identity</a:t>
+            </a:r>
+            <a:r>
+              <a:rPr lang="es-MX" dirty="0">
+                <a:solidFill>
+                  <a:srgbClr val="737373"/>
+                </a:solidFill>
+                <a:latin typeface="Roboto"/>
+                <a:ea typeface="Roboto"/>
+                <a:cs typeface="Roboto"/>
+                <a:sym typeface="Roboto"/>
+              </a:rPr>
+              <a:t> </a:t>
+            </a:r>
+            <a:r>
+              <a:rPr lang="es-MX" dirty="0" err="1">
+                <a:solidFill>
+                  <a:srgbClr val="737373"/>
+                </a:solidFill>
+                <a:latin typeface="Roboto"/>
+                <a:ea typeface="Roboto"/>
+                <a:cs typeface="Roboto"/>
+                <a:sym typeface="Roboto"/>
+              </a:rPr>
+              <a:t>create</a:t>
+            </a:r>
+            <a:r>
+              <a:rPr lang="es-MX" dirty="0">
+                <a:solidFill>
+                  <a:srgbClr val="737373"/>
+                </a:solidFill>
+                <a:latin typeface="Roboto"/>
+                <a:ea typeface="Roboto"/>
+                <a:cs typeface="Roboto"/>
+                <a:sym typeface="Roboto"/>
+              </a:rPr>
+              <a:t> -n </a:t>
+            </a:r>
+            <a:r>
+              <a:rPr lang="es-MX" dirty="0" smtClean="0">
+                <a:solidFill>
+                  <a:srgbClr val="737373"/>
+                </a:solidFill>
+                <a:latin typeface="Roboto"/>
+                <a:ea typeface="Roboto"/>
+                <a:cs typeface="Roboto"/>
+                <a:sym typeface="Roboto"/>
+              </a:rPr>
+              <a:t>{</a:t>
+            </a:r>
+            <a:r>
+              <a:rPr lang="es-MX" dirty="0" err="1" smtClean="0">
+                <a:solidFill>
+                  <a:srgbClr val="737373"/>
+                </a:solidFill>
+                <a:latin typeface="Roboto"/>
+                <a:ea typeface="Roboto"/>
+                <a:cs typeface="Roboto"/>
+                <a:sym typeface="Roboto"/>
+              </a:rPr>
+              <a:t>IoT</a:t>
+            </a:r>
+            <a:r>
+              <a:rPr lang="es-MX" dirty="0" smtClean="0">
+                <a:solidFill>
+                  <a:srgbClr val="737373"/>
+                </a:solidFill>
+                <a:latin typeface="Roboto"/>
+                <a:ea typeface="Roboto"/>
+                <a:cs typeface="Roboto"/>
+                <a:sym typeface="Roboto"/>
+              </a:rPr>
+              <a:t> </a:t>
+            </a:r>
+            <a:r>
+              <a:rPr lang="es-MX" dirty="0" err="1" smtClean="0">
+                <a:solidFill>
+                  <a:srgbClr val="737373"/>
+                </a:solidFill>
+                <a:latin typeface="Roboto"/>
+                <a:ea typeface="Roboto"/>
+                <a:cs typeface="Roboto"/>
+                <a:sym typeface="Roboto"/>
+              </a:rPr>
+              <a:t>Hub</a:t>
+            </a:r>
+            <a:r>
+              <a:rPr lang="es-MX" dirty="0" smtClean="0">
+                <a:solidFill>
+                  <a:srgbClr val="737373"/>
+                </a:solidFill>
+                <a:latin typeface="Roboto"/>
+                <a:ea typeface="Roboto"/>
+                <a:cs typeface="Roboto"/>
+                <a:sym typeface="Roboto"/>
+              </a:rPr>
+              <a:t> </a:t>
+            </a:r>
+            <a:r>
+              <a:rPr lang="es-MX" dirty="0" err="1" smtClean="0">
+                <a:solidFill>
+                  <a:srgbClr val="737373"/>
+                </a:solidFill>
+                <a:latin typeface="Roboto"/>
+                <a:ea typeface="Roboto"/>
+                <a:cs typeface="Roboto"/>
+                <a:sym typeface="Roboto"/>
+              </a:rPr>
+              <a:t>Name</a:t>
+            </a:r>
+            <a:r>
+              <a:rPr lang="es-MX" dirty="0" smtClean="0">
+                <a:solidFill>
+                  <a:srgbClr val="737373"/>
+                </a:solidFill>
+                <a:latin typeface="Roboto"/>
+                <a:ea typeface="Roboto"/>
+                <a:cs typeface="Roboto"/>
+                <a:sym typeface="Roboto"/>
+              </a:rPr>
+              <a:t>} </a:t>
+            </a:r>
+            <a:r>
+              <a:rPr lang="es-MX" dirty="0">
+                <a:solidFill>
+                  <a:srgbClr val="737373"/>
+                </a:solidFill>
+                <a:latin typeface="Roboto"/>
+                <a:ea typeface="Roboto"/>
+                <a:cs typeface="Roboto"/>
+                <a:sym typeface="Roboto"/>
+              </a:rPr>
+              <a:t>-d </a:t>
+            </a:r>
+            <a:r>
+              <a:rPr lang="es-MX" dirty="0" smtClean="0">
+                <a:solidFill>
+                  <a:srgbClr val="737373"/>
+                </a:solidFill>
+                <a:latin typeface="Roboto"/>
+                <a:ea typeface="Roboto"/>
+                <a:cs typeface="Roboto"/>
+                <a:sym typeface="Roboto"/>
+              </a:rPr>
+              <a:t>{</a:t>
+            </a:r>
+            <a:r>
+              <a:rPr lang="es-MX" dirty="0" err="1" smtClean="0">
+                <a:solidFill>
+                  <a:srgbClr val="737373"/>
+                </a:solidFill>
+                <a:latin typeface="Roboto"/>
+                <a:ea typeface="Roboto"/>
+                <a:cs typeface="Roboto"/>
+                <a:sym typeface="Roboto"/>
+              </a:rPr>
+              <a:t>Device</a:t>
+            </a:r>
+            <a:r>
+              <a:rPr lang="es-MX" dirty="0" smtClean="0">
+                <a:solidFill>
+                  <a:srgbClr val="737373"/>
+                </a:solidFill>
+                <a:latin typeface="Roboto"/>
+                <a:ea typeface="Roboto"/>
+                <a:cs typeface="Roboto"/>
+                <a:sym typeface="Roboto"/>
+              </a:rPr>
+              <a:t> </a:t>
+            </a:r>
+            <a:r>
+              <a:rPr lang="es-MX" dirty="0" err="1" smtClean="0">
+                <a:solidFill>
+                  <a:srgbClr val="737373"/>
+                </a:solidFill>
+                <a:latin typeface="Roboto"/>
+                <a:ea typeface="Roboto"/>
+                <a:cs typeface="Roboto"/>
+                <a:sym typeface="Roboto"/>
+              </a:rPr>
+              <a:t>name</a:t>
+            </a:r>
+            <a:r>
+              <a:rPr lang="es-MX" dirty="0" smtClean="0">
+                <a:solidFill>
+                  <a:srgbClr val="737373"/>
+                </a:solidFill>
+                <a:latin typeface="Roboto"/>
+                <a:ea typeface="Roboto"/>
+                <a:cs typeface="Roboto"/>
+                <a:sym typeface="Roboto"/>
+              </a:rPr>
+              <a:t>}</a:t>
+            </a:r>
+            <a:endParaRPr sz="1800" dirty="0">
+              <a:solidFill>
+                <a:srgbClr val="737373"/>
+              </a:solidFill>
+              <a:latin typeface="Roboto"/>
+              <a:ea typeface="Roboto"/>
+              <a:cs typeface="Roboto"/>
+              <a:sym typeface="Roboto"/>
+            </a:endParaRPr>
+          </a:p>
+        </p:txBody>
+      </p:sp>
       <p:pic>
         <p:nvPicPr>
-          <p:cNvPr id="3" name="Imagen 2"/>
+          <p:cNvPr id="4" name="Imagen 3"/>
           <p:cNvPicPr>
             <a:picLocks noChangeAspect="1"/>
           </p:cNvPicPr>
@@ -9366,13 +8938,13 @@
         </p:nvPicPr>
         <p:blipFill rotWithShape="1">
           <a:blip r:embed="rId4"/>
-          <a:srcRect t="17625" r="63530" b="3959"/>
+          <a:srcRect t="38804" b="9373"/>
           <a:stretch/>
         </p:blipFill>
         <p:spPr>
           <a:xfrm>
-            <a:off x="3913915" y="1254372"/>
-            <a:ext cx="4131222" cy="4765251"/>
+            <a:off x="366929" y="2441448"/>
+            <a:ext cx="11380313" cy="3163824"/>
           </a:xfrm>
           <a:prstGeom prst="rect">
             <a:avLst/>
@@ -9382,7 +8954,7 @@
     </p:spTree>
     <p:extLst>
       <p:ext uri="{BB962C8B-B14F-4D97-AF65-F5344CB8AC3E}">
-        <p14:creationId xmlns:p14="http://schemas.microsoft.com/office/powerpoint/2010/main" val="171465513"/>
+        <p14:creationId xmlns:p14="http://schemas.microsoft.com/office/powerpoint/2010/main" val="2278094903"/>
       </p:ext>
     </p:extLst>
   </p:cSld>
@@ -9510,7 +9082,7 @@
                 <a:latin typeface="Roboto Slab" pitchFamily="2" charset="0"/>
                 <a:ea typeface="Roboto Slab" pitchFamily="2" charset="0"/>
               </a:rPr>
-              <a:t>Crear Dispositivo (</a:t>
+              <a:t>Conectando Dispositivo con </a:t>
             </a:r>
             <a:r>
               <a:rPr lang="es-MX" sz="2800" dirty="0" err="1" smtClean="0">
@@ -9520,7 +9092,7 @@
                 <a:latin typeface="Roboto Slab" pitchFamily="2" charset="0"/>
                 <a:ea typeface="Roboto Slab" pitchFamily="2" charset="0"/>
               </a:rPr>
-              <a:t>Azure</a:t>
+              <a:t>IoT</a:t>
             </a:r>
             <a:r>
               <a:rPr lang="es-MX" sz="2800" dirty="0" smtClean="0">
@@ -9530,7 +9102,7 @@
                 <a:latin typeface="Roboto Slab" pitchFamily="2" charset="0"/>
                 <a:ea typeface="Roboto Slab" pitchFamily="2" charset="0"/>
               </a:rPr>
-              <a:t> CLI)</a:t>
+              <a:t> HUB</a:t>
             </a:r>
             <a:endParaRPr lang="es-MX" sz="2800" dirty="0">
               <a:solidFill>
@@ -9705,331 +9277,24 @@
           </a:prstGeom>
         </p:spPr>
       </p:pic>
-      <p:sp>
-        <p:nvSpPr>
-          <p:cNvPr id="9" name="Google Shape;106;p15"/>
-          <p:cNvSpPr txBox="1"/>
-          <p:nvPr/>
-        </p:nvSpPr>
-        <p:spPr>
-          <a:xfrm>
-            <a:off x="281959" y="1578498"/>
-            <a:ext cx="9883200" cy="4215812"/>
-          </a:xfrm>
-          <a:prstGeom prst="rect">
-            <a:avLst/>
-          </a:prstGeom>
-          <a:noFill/>
-          <a:ln>
-            <a:noFill/>
-          </a:ln>
-        </p:spPr>
-        <p:txBody>
-          <a:bodyPr spcFirstLastPara="1" wrap="square" lIns="91425" tIns="91425" rIns="91425" bIns="91425" anchor="t" anchorCtr="0">
-            <a:noAutofit/>
-          </a:bodyPr>
-          <a:lstStyle/>
-          <a:p>
-            <a:pPr marL="285750" lvl="0" indent="-285750">
-              <a:lnSpc>
-                <a:spcPct val="115000"/>
-              </a:lnSpc>
-              <a:buFont typeface="Arial" panose="020B0604020202020204" pitchFamily="34" charset="0"/>
-              <a:buChar char="•"/>
-            </a:pPr>
-            <a:r>
-              <a:rPr lang="es-MX" dirty="0">
-                <a:solidFill>
-                  <a:srgbClr val="737373"/>
-                </a:solidFill>
-                <a:latin typeface="Roboto"/>
-                <a:ea typeface="Roboto"/>
-                <a:cs typeface="Roboto"/>
-                <a:sym typeface="Roboto"/>
-              </a:rPr>
-              <a:t>az </a:t>
-            </a:r>
-            <a:r>
-              <a:rPr lang="es-MX" dirty="0" err="1">
-                <a:solidFill>
-                  <a:srgbClr val="737373"/>
-                </a:solidFill>
-                <a:latin typeface="Roboto"/>
-                <a:ea typeface="Roboto"/>
-                <a:cs typeface="Roboto"/>
-                <a:sym typeface="Roboto"/>
-              </a:rPr>
-              <a:t>iot</a:t>
-            </a:r>
-            <a:r>
-              <a:rPr lang="es-MX" dirty="0">
-                <a:solidFill>
-                  <a:srgbClr val="737373"/>
-                </a:solidFill>
-                <a:latin typeface="Roboto"/>
-                <a:ea typeface="Roboto"/>
-                <a:cs typeface="Roboto"/>
-                <a:sym typeface="Roboto"/>
-              </a:rPr>
-              <a:t> </a:t>
-            </a:r>
-            <a:r>
-              <a:rPr lang="es-MX" dirty="0" err="1">
-                <a:solidFill>
-                  <a:srgbClr val="737373"/>
-                </a:solidFill>
-                <a:latin typeface="Roboto"/>
-                <a:ea typeface="Roboto"/>
-                <a:cs typeface="Roboto"/>
-                <a:sym typeface="Roboto"/>
-              </a:rPr>
-              <a:t>hub</a:t>
-            </a:r>
-            <a:r>
-              <a:rPr lang="es-MX" dirty="0">
-                <a:solidFill>
-                  <a:srgbClr val="737373"/>
-                </a:solidFill>
-                <a:latin typeface="Roboto"/>
-                <a:ea typeface="Roboto"/>
-                <a:cs typeface="Roboto"/>
-                <a:sym typeface="Roboto"/>
-              </a:rPr>
-              <a:t> </a:t>
-            </a:r>
-            <a:r>
-              <a:rPr lang="es-MX" dirty="0" err="1">
-                <a:solidFill>
-                  <a:srgbClr val="737373"/>
-                </a:solidFill>
-                <a:latin typeface="Roboto"/>
-                <a:ea typeface="Roboto"/>
-                <a:cs typeface="Roboto"/>
-                <a:sym typeface="Roboto"/>
-              </a:rPr>
-              <a:t>device-identity</a:t>
-            </a:r>
-            <a:r>
-              <a:rPr lang="es-MX" dirty="0">
-                <a:solidFill>
-                  <a:srgbClr val="737373"/>
-                </a:solidFill>
-                <a:latin typeface="Roboto"/>
-                <a:ea typeface="Roboto"/>
-                <a:cs typeface="Roboto"/>
-                <a:sym typeface="Roboto"/>
-              </a:rPr>
-              <a:t> </a:t>
-            </a:r>
-            <a:r>
-              <a:rPr lang="es-MX" dirty="0" err="1">
-                <a:solidFill>
-                  <a:srgbClr val="737373"/>
-                </a:solidFill>
-                <a:latin typeface="Roboto"/>
-                <a:ea typeface="Roboto"/>
-                <a:cs typeface="Roboto"/>
-                <a:sym typeface="Roboto"/>
-              </a:rPr>
-              <a:t>create</a:t>
-            </a:r>
-            <a:r>
-              <a:rPr lang="es-MX" dirty="0">
-                <a:solidFill>
-                  <a:srgbClr val="737373"/>
-                </a:solidFill>
-                <a:latin typeface="Roboto"/>
-                <a:ea typeface="Roboto"/>
-                <a:cs typeface="Roboto"/>
-                <a:sym typeface="Roboto"/>
-              </a:rPr>
-              <a:t> -n </a:t>
-            </a:r>
-            <a:r>
-              <a:rPr lang="es-MX" dirty="0" smtClean="0">
-                <a:solidFill>
-                  <a:srgbClr val="737373"/>
-                </a:solidFill>
-                <a:latin typeface="Roboto"/>
-                <a:ea typeface="Roboto"/>
-                <a:cs typeface="Roboto"/>
-                <a:sym typeface="Roboto"/>
-              </a:rPr>
-              <a:t>{</a:t>
-            </a:r>
-            <a:r>
-              <a:rPr lang="es-MX" dirty="0" err="1" smtClean="0">
-                <a:solidFill>
-                  <a:srgbClr val="737373"/>
-                </a:solidFill>
-                <a:latin typeface="Roboto"/>
-                <a:ea typeface="Roboto"/>
-                <a:cs typeface="Roboto"/>
-                <a:sym typeface="Roboto"/>
-              </a:rPr>
-              <a:t>IoT</a:t>
-            </a:r>
-            <a:r>
-              <a:rPr lang="es-MX" dirty="0" smtClean="0">
-                <a:solidFill>
-                  <a:srgbClr val="737373"/>
-                </a:solidFill>
-                <a:latin typeface="Roboto"/>
-                <a:ea typeface="Roboto"/>
-                <a:cs typeface="Roboto"/>
-                <a:sym typeface="Roboto"/>
-              </a:rPr>
-              <a:t> </a:t>
-            </a:r>
-            <a:r>
-              <a:rPr lang="es-MX" dirty="0" err="1" smtClean="0">
-                <a:solidFill>
-                  <a:srgbClr val="737373"/>
-                </a:solidFill>
-                <a:latin typeface="Roboto"/>
-                <a:ea typeface="Roboto"/>
-                <a:cs typeface="Roboto"/>
-                <a:sym typeface="Roboto"/>
-              </a:rPr>
-              <a:t>Hub</a:t>
-            </a:r>
-            <a:r>
-              <a:rPr lang="es-MX" dirty="0" smtClean="0">
-                <a:solidFill>
-                  <a:srgbClr val="737373"/>
-                </a:solidFill>
-                <a:latin typeface="Roboto"/>
-                <a:ea typeface="Roboto"/>
-                <a:cs typeface="Roboto"/>
-                <a:sym typeface="Roboto"/>
-              </a:rPr>
-              <a:t> </a:t>
-            </a:r>
-            <a:r>
-              <a:rPr lang="es-MX" dirty="0" err="1" smtClean="0">
-                <a:solidFill>
-                  <a:srgbClr val="737373"/>
-                </a:solidFill>
-                <a:latin typeface="Roboto"/>
-                <a:ea typeface="Roboto"/>
-                <a:cs typeface="Roboto"/>
-                <a:sym typeface="Roboto"/>
-              </a:rPr>
-              <a:t>Name</a:t>
-            </a:r>
-            <a:r>
-              <a:rPr lang="es-MX" dirty="0" smtClean="0">
-                <a:solidFill>
-                  <a:srgbClr val="737373"/>
-                </a:solidFill>
-                <a:latin typeface="Roboto"/>
-                <a:ea typeface="Roboto"/>
-                <a:cs typeface="Roboto"/>
-                <a:sym typeface="Roboto"/>
-              </a:rPr>
-              <a:t>} </a:t>
-            </a:r>
-            <a:r>
-              <a:rPr lang="es-MX" dirty="0">
-                <a:solidFill>
-                  <a:srgbClr val="737373"/>
-                </a:solidFill>
-                <a:latin typeface="Roboto"/>
-                <a:ea typeface="Roboto"/>
-                <a:cs typeface="Roboto"/>
-                <a:sym typeface="Roboto"/>
-              </a:rPr>
-              <a:t>-d </a:t>
-            </a:r>
-            <a:r>
-              <a:rPr lang="es-MX" dirty="0" smtClean="0">
-                <a:solidFill>
-                  <a:srgbClr val="737373"/>
-                </a:solidFill>
-                <a:latin typeface="Roboto"/>
-                <a:ea typeface="Roboto"/>
-                <a:cs typeface="Roboto"/>
-                <a:sym typeface="Roboto"/>
-              </a:rPr>
-              <a:t>{</a:t>
-            </a:r>
-            <a:r>
-              <a:rPr lang="es-MX" dirty="0" err="1" smtClean="0">
-                <a:solidFill>
-                  <a:srgbClr val="737373"/>
-                </a:solidFill>
-                <a:latin typeface="Roboto"/>
-                <a:ea typeface="Roboto"/>
-                <a:cs typeface="Roboto"/>
-                <a:sym typeface="Roboto"/>
-              </a:rPr>
-              <a:t>Device</a:t>
-            </a:r>
-            <a:r>
-              <a:rPr lang="es-MX" dirty="0" smtClean="0">
-                <a:solidFill>
-                  <a:srgbClr val="737373"/>
-                </a:solidFill>
-                <a:latin typeface="Roboto"/>
-                <a:ea typeface="Roboto"/>
-                <a:cs typeface="Roboto"/>
-                <a:sym typeface="Roboto"/>
-              </a:rPr>
-              <a:t> </a:t>
-            </a:r>
-            <a:r>
-              <a:rPr lang="es-MX" dirty="0" err="1" smtClean="0">
-                <a:solidFill>
-                  <a:srgbClr val="737373"/>
-                </a:solidFill>
-                <a:latin typeface="Roboto"/>
-                <a:ea typeface="Roboto"/>
-                <a:cs typeface="Roboto"/>
-                <a:sym typeface="Roboto"/>
-              </a:rPr>
-              <a:t>name</a:t>
-            </a:r>
-            <a:r>
-              <a:rPr lang="es-MX" dirty="0" smtClean="0">
-                <a:solidFill>
-                  <a:srgbClr val="737373"/>
-                </a:solidFill>
-                <a:latin typeface="Roboto"/>
-                <a:ea typeface="Roboto"/>
-                <a:cs typeface="Roboto"/>
-                <a:sym typeface="Roboto"/>
-              </a:rPr>
-              <a:t>}</a:t>
-            </a:r>
-            <a:endParaRPr sz="1800" dirty="0">
-              <a:solidFill>
-                <a:srgbClr val="737373"/>
-              </a:solidFill>
-              <a:latin typeface="Roboto"/>
-              <a:ea typeface="Roboto"/>
-              <a:cs typeface="Roboto"/>
-              <a:sym typeface="Roboto"/>
-            </a:endParaRPr>
-          </a:p>
-        </p:txBody>
-      </p:sp>
       <p:pic>
         <p:nvPicPr>
-          <p:cNvPr id="4" name="Imagen 3"/>
+          <p:cNvPr id="3" name="Imagen 2"/>
           <p:cNvPicPr>
             <a:picLocks noChangeAspect="1"/>
           </p:cNvPicPr>
           <p:nvPr/>
         </p:nvPicPr>
-        <p:blipFill rotWithShape="1">
+        <p:blipFill>
           <a:blip r:embed="rId4"/>
-          <a:srcRect t="38804" b="9373"/>
-          <a:stretch/>
+          <a:stretch>
+            <a:fillRect/>
+          </a:stretch>
         </p:blipFill>
         <p:spPr>
           <a:xfrm>
-            <a:off x="366929" y="2441448"/>
-            <a:ext cx="11380313" cy="3163824"/>
+            <a:off x="3135033" y="1515982"/>
+            <a:ext cx="5002681" cy="4319327"/>
           </a:xfrm>
           <a:prstGeom prst="rect">
             <a:avLst/>
@@ -10039,7 +9304,7 @@
     </p:spTree>
     <p:extLst>
       <p:ext uri="{BB962C8B-B14F-4D97-AF65-F5344CB8AC3E}">
-        <p14:creationId xmlns:p14="http://schemas.microsoft.com/office/powerpoint/2010/main" val="2278094903"/>
+        <p14:creationId xmlns:p14="http://schemas.microsoft.com/office/powerpoint/2010/main" val="3067077850"/>
       </p:ext>
     </p:extLst>
   </p:cSld>
@@ -10167,7 +9432,7 @@
                 <a:latin typeface="Roboto Slab" pitchFamily="2" charset="0"/>
                 <a:ea typeface="Roboto Slab" pitchFamily="2" charset="0"/>
               </a:rPr>
-              <a:t>Conectando Dispositivo con </a:t>
+              <a:t>Generando </a:t>
             </a:r>
             <a:r>
               <a:rPr lang="es-MX" sz="2800" dirty="0" err="1" smtClean="0">
@@ -10177,17 +9442,7 @@
                 <a:latin typeface="Roboto Slab" pitchFamily="2" charset="0"/>
                 <a:ea typeface="Roboto Slab" pitchFamily="2" charset="0"/>
               </a:rPr>
-              <a:t>IoT</a:t>
-            </a:r>
-            <a:r>
-              <a:rPr lang="es-MX" sz="2800" dirty="0" smtClean="0">
-                <a:solidFill>
-                  <a:srgbClr val="042252"/>
-                </a:solidFill>
-                <a:latin typeface="Roboto Slab" pitchFamily="2" charset="0"/>
-                <a:ea typeface="Roboto Slab" pitchFamily="2" charset="0"/>
-              </a:rPr>
-              <a:t> HUB</a:t>
+              <a:t>Tokens</a:t>
             </a:r>
             <a:endParaRPr lang="es-MX" sz="2800" dirty="0">
               <a:solidFill>
@@ -10364,22 +9619,21 @@
       </p:pic>
       <p:pic>
         <p:nvPicPr>
-          <p:cNvPr id="3" name="Imagen 2"/>
+          <p:cNvPr id="4" name="Imagen 3"/>
           <p:cNvPicPr>
             <a:picLocks noChangeAspect="1"/>
           </p:cNvPicPr>
           <p:nvPr/>
         </p:nvPicPr>
-        <p:blipFill>
+        <p:blipFill rotWithShape="1">
           <a:blip r:embed="rId4"/>
-          <a:stretch>
-            <a:fillRect/>
-          </a:stretch>
+          <a:srcRect l="27619" t="13151" r="20644" b="7809"/>
+          <a:stretch/>
         </p:blipFill>
         <p:spPr>
           <a:xfrm>
-            <a:off x="3135033" y="1515982"/>
-            <a:ext cx="5002681" cy="4319327"/>
+            <a:off x="3240897" y="1418357"/>
+            <a:ext cx="5330953" cy="4581144"/>
           </a:xfrm>
           <a:prstGeom prst="rect">
             <a:avLst/>
@@ -10389,7 +9643,7 @@
     </p:spTree>
     <p:extLst>
       <p:ext uri="{BB962C8B-B14F-4D97-AF65-F5344CB8AC3E}">
-        <p14:creationId xmlns:p14="http://schemas.microsoft.com/office/powerpoint/2010/main" val="3067077850"/>
+        <p14:creationId xmlns:p14="http://schemas.microsoft.com/office/powerpoint/2010/main" val="1544102448"/>
       </p:ext>
     </p:extLst>
   </p:cSld>
@@ -10510,24 +9764,14 @@
           <a:lstStyle/>
           <a:p>
             <a:r>
-              <a:rPr lang="es-MX" sz="2800" dirty="0" smtClean="0">
+              <a:rPr lang="es-ES" sz="2800" dirty="0">
                 <a:solidFill>
                   <a:srgbClr val="042252"/>
                 </a:solidFill>
                 <a:latin typeface="Roboto Slab" pitchFamily="2" charset="0"/>
                 <a:ea typeface="Roboto Slab" pitchFamily="2" charset="0"/>
               </a:rPr>
-              <a:t>Generando </a:t>
-            </a:r>
-            <a:r>
-              <a:rPr lang="es-MX" sz="2800" dirty="0" err="1" smtClean="0">
-                <a:solidFill>
-                  <a:srgbClr val="042252"/>
-                </a:solidFill>
-                <a:latin typeface="Roboto Slab" pitchFamily="2" charset="0"/>
-                <a:ea typeface="Roboto Slab" pitchFamily="2" charset="0"/>
-              </a:rPr>
-              <a:t>Tokens</a:t>
+              <a:t>Envío de datos de telemetría</a:t>
             </a:r>
             <a:endParaRPr lang="es-MX" sz="2800" dirty="0">
               <a:solidFill>
@@ -10702,33 +9946,373 @@
           </a:prstGeom>
         </p:spPr>
       </p:pic>
-      <p:pic>
-        <p:nvPicPr>
-          <p:cNvPr id="4" name="Imagen 3"/>
-          <p:cNvPicPr>
-            <a:picLocks noChangeAspect="1"/>
-          </p:cNvPicPr>
-          <p:nvPr/>
-        </p:nvPicPr>
-        <p:blipFill rotWithShape="1">
-          <a:blip r:embed="rId4"/>
-          <a:srcRect l="27619" t="13151" r="20644" b="7809"/>
-          <a:stretch/>
-        </p:blipFill>
-        <p:spPr>
-          <a:xfrm>
-            <a:off x="3240897" y="1418357"/>
-            <a:ext cx="5330953" cy="4581144"/>
-          </a:xfrm>
-          <a:prstGeom prst="rect">
-            <a:avLst/>
-          </a:prstGeom>
-        </p:spPr>
-      </p:pic>
+      <p:sp>
+        <p:nvSpPr>
+          <p:cNvPr id="4" name="Rectángulo 3"/>
+          <p:cNvSpPr/>
+          <p:nvPr/>
+        </p:nvSpPr>
+        <p:spPr>
+          <a:xfrm>
+            <a:off x="269098" y="1788744"/>
+            <a:ext cx="11274552" cy="369332"/>
+          </a:xfrm>
+          <a:prstGeom prst="rect">
+            <a:avLst/>
+          </a:prstGeom>
+        </p:spPr>
+        <p:txBody>
+          <a:bodyPr wrap="square">
+            <a:spAutoFit/>
+          </a:bodyPr>
+          <a:lstStyle/>
+          <a:p>
+            <a:r>
+              <a:rPr lang="es-MX" dirty="0" err="1">
+                <a:solidFill>
+                  <a:srgbClr val="042252"/>
+                </a:solidFill>
+                <a:latin typeface="Consolas" panose="020B0609020204030204" pitchFamily="49" charset="0"/>
+              </a:rPr>
+              <a:t>iotHubClientHandle</a:t>
+            </a:r>
+            <a:r>
+              <a:rPr lang="es-MX" dirty="0">
+                <a:solidFill>
+                  <a:srgbClr val="042252"/>
+                </a:solidFill>
+                <a:latin typeface="Consolas" panose="020B0609020204030204" pitchFamily="49" charset="0"/>
+              </a:rPr>
+              <a:t> = </a:t>
+            </a:r>
+            <a:r>
+              <a:rPr lang="es-MX" dirty="0" err="1">
+                <a:solidFill>
+                  <a:srgbClr val="042252"/>
+                </a:solidFill>
+                <a:latin typeface="Consolas" panose="020B0609020204030204" pitchFamily="49" charset="0"/>
+              </a:rPr>
+              <a:t>IoTHubClient_LL_CreateFromConnectionString</a:t>
+            </a:r>
+            <a:r>
+              <a:rPr lang="es-MX" dirty="0">
+                <a:solidFill>
+                  <a:srgbClr val="042252"/>
+                </a:solidFill>
+                <a:latin typeface="Consolas" panose="020B0609020204030204" pitchFamily="49" charset="0"/>
+              </a:rPr>
+              <a:t>(</a:t>
+            </a:r>
+            <a:r>
+              <a:rPr lang="es-MX" dirty="0" err="1">
+                <a:solidFill>
+                  <a:srgbClr val="042252"/>
+                </a:solidFill>
+                <a:latin typeface="Consolas" panose="020B0609020204030204" pitchFamily="49" charset="0"/>
+              </a:rPr>
+              <a:t>conStr</a:t>
+            </a:r>
+            <a:r>
+              <a:rPr lang="es-MX" dirty="0">
+                <a:solidFill>
+                  <a:srgbClr val="042252"/>
+                </a:solidFill>
+                <a:latin typeface="Consolas" panose="020B0609020204030204" pitchFamily="49" charset="0"/>
+              </a:rPr>
+              <a:t>, </a:t>
+            </a:r>
+            <a:r>
+              <a:rPr lang="es-MX" dirty="0" err="1">
+                <a:solidFill>
+                  <a:srgbClr val="042252"/>
+                </a:solidFill>
+                <a:latin typeface="Consolas" panose="020B0609020204030204" pitchFamily="49" charset="0"/>
+              </a:rPr>
+              <a:t>MQTT_Protocol</a:t>
+            </a:r>
+            <a:r>
+              <a:rPr lang="es-MX" dirty="0">
+                <a:solidFill>
+                  <a:srgbClr val="042252"/>
+                </a:solidFill>
+                <a:latin typeface="Consolas" panose="020B0609020204030204" pitchFamily="49" charset="0"/>
+              </a:rPr>
+              <a:t>);</a:t>
+            </a:r>
+            <a:endParaRPr lang="es-MX" b="0" dirty="0">
+              <a:solidFill>
+                <a:srgbClr val="042252"/>
+              </a:solidFill>
+              <a:effectLst/>
+              <a:latin typeface="Consolas" panose="020B0609020204030204" pitchFamily="49" charset="0"/>
+            </a:endParaRPr>
+          </a:p>
+        </p:txBody>
+      </p:sp>
+      <p:sp>
+        <p:nvSpPr>
+          <p:cNvPr id="5" name="Rectángulo 4"/>
+          <p:cNvSpPr/>
+          <p:nvPr/>
+        </p:nvSpPr>
+        <p:spPr>
+          <a:xfrm>
+            <a:off x="269098" y="3027570"/>
+            <a:ext cx="11922902" cy="369332"/>
+          </a:xfrm>
+          <a:prstGeom prst="rect">
+            <a:avLst/>
+          </a:prstGeom>
+        </p:spPr>
+        <p:txBody>
+          <a:bodyPr wrap="square">
+            <a:spAutoFit/>
+          </a:bodyPr>
+          <a:lstStyle/>
+          <a:p>
+            <a:r>
+              <a:rPr lang="es-MX" dirty="0" err="1">
+                <a:solidFill>
+                  <a:srgbClr val="042252"/>
+                </a:solidFill>
+                <a:latin typeface="Consolas" panose="020B0609020204030204" pitchFamily="49" charset="0"/>
+              </a:rPr>
+              <a:t>static</a:t>
+            </a:r>
+            <a:r>
+              <a:rPr lang="es-MX" dirty="0">
+                <a:solidFill>
+                  <a:srgbClr val="042252"/>
+                </a:solidFill>
+                <a:latin typeface="Consolas" panose="020B0609020204030204" pitchFamily="49" charset="0"/>
+              </a:rPr>
+              <a:t> </a:t>
+            </a:r>
+            <a:r>
+              <a:rPr lang="es-MX" dirty="0" err="1">
+                <a:solidFill>
+                  <a:srgbClr val="042252"/>
+                </a:solidFill>
+                <a:latin typeface="Consolas" panose="020B0609020204030204" pitchFamily="49" charset="0"/>
+              </a:rPr>
+              <a:t>void</a:t>
+            </a:r>
+            <a:r>
+              <a:rPr lang="es-MX" dirty="0">
+                <a:solidFill>
+                  <a:srgbClr val="042252"/>
+                </a:solidFill>
+                <a:latin typeface="Consolas" panose="020B0609020204030204" pitchFamily="49" charset="0"/>
+              </a:rPr>
+              <a:t> </a:t>
+            </a:r>
+            <a:r>
+              <a:rPr lang="es-MX" dirty="0" err="1">
+                <a:solidFill>
+                  <a:srgbClr val="042252"/>
+                </a:solidFill>
+                <a:latin typeface="Consolas" panose="020B0609020204030204" pitchFamily="49" charset="0"/>
+              </a:rPr>
+              <a:t>sendMessage</a:t>
+            </a:r>
+            <a:r>
+              <a:rPr lang="es-MX" dirty="0">
+                <a:solidFill>
+                  <a:srgbClr val="042252"/>
+                </a:solidFill>
+                <a:latin typeface="Consolas" panose="020B0609020204030204" pitchFamily="49" charset="0"/>
+              </a:rPr>
+              <a:t>(IOTHUB_CLIENT_LL_HANDLE </a:t>
+            </a:r>
+            <a:r>
+              <a:rPr lang="es-MX" dirty="0" err="1">
+                <a:solidFill>
+                  <a:srgbClr val="042252"/>
+                </a:solidFill>
+                <a:latin typeface="Consolas" panose="020B0609020204030204" pitchFamily="49" charset="0"/>
+              </a:rPr>
+              <a:t>iotHubClientHandle</a:t>
+            </a:r>
+            <a:r>
+              <a:rPr lang="es-MX" dirty="0">
+                <a:solidFill>
+                  <a:srgbClr val="042252"/>
+                </a:solidFill>
+                <a:latin typeface="Consolas" panose="020B0609020204030204" pitchFamily="49" charset="0"/>
+              </a:rPr>
+              <a:t>, </a:t>
+            </a:r>
+            <a:r>
+              <a:rPr lang="es-MX" dirty="0" err="1">
+                <a:solidFill>
+                  <a:srgbClr val="042252"/>
+                </a:solidFill>
+                <a:latin typeface="Consolas" panose="020B0609020204030204" pitchFamily="49" charset="0"/>
+              </a:rPr>
+              <a:t>char</a:t>
+            </a:r>
+            <a:r>
+              <a:rPr lang="es-MX" dirty="0">
+                <a:solidFill>
+                  <a:srgbClr val="042252"/>
+                </a:solidFill>
+                <a:latin typeface="Consolas" panose="020B0609020204030204" pitchFamily="49" charset="0"/>
+              </a:rPr>
+              <a:t> *buffer)</a:t>
+            </a:r>
+            <a:endParaRPr lang="es-MX" b="0" dirty="0">
+              <a:solidFill>
+                <a:srgbClr val="042252"/>
+              </a:solidFill>
+              <a:effectLst/>
+              <a:latin typeface="Consolas" panose="020B0609020204030204" pitchFamily="49" charset="0"/>
+            </a:endParaRPr>
+          </a:p>
+        </p:txBody>
+      </p:sp>
+      <p:sp>
+        <p:nvSpPr>
+          <p:cNvPr id="6" name="Rectángulo 5"/>
+          <p:cNvSpPr/>
+          <p:nvPr/>
+        </p:nvSpPr>
+        <p:spPr>
+          <a:xfrm>
+            <a:off x="229474" y="4582785"/>
+            <a:ext cx="12002150" cy="369332"/>
+          </a:xfrm>
+          <a:prstGeom prst="rect">
+            <a:avLst/>
+          </a:prstGeom>
+        </p:spPr>
+        <p:txBody>
+          <a:bodyPr wrap="square">
+            <a:spAutoFit/>
+          </a:bodyPr>
+          <a:lstStyle/>
+          <a:p>
+            <a:r>
+              <a:rPr lang="es-MX" dirty="0" err="1">
+                <a:solidFill>
+                  <a:srgbClr val="042252"/>
+                </a:solidFill>
+                <a:latin typeface="Consolas" panose="020B0609020204030204" pitchFamily="49" charset="0"/>
+              </a:rPr>
+              <a:t>static</a:t>
+            </a:r>
+            <a:r>
+              <a:rPr lang="es-MX" dirty="0">
+                <a:solidFill>
+                  <a:srgbClr val="042252"/>
+                </a:solidFill>
+                <a:latin typeface="Consolas" panose="020B0609020204030204" pitchFamily="49" charset="0"/>
+              </a:rPr>
+              <a:t> </a:t>
+            </a:r>
+            <a:r>
+              <a:rPr lang="es-MX" dirty="0" err="1">
+                <a:solidFill>
+                  <a:srgbClr val="042252"/>
+                </a:solidFill>
+                <a:latin typeface="Consolas" panose="020B0609020204030204" pitchFamily="49" charset="0"/>
+              </a:rPr>
+              <a:t>void</a:t>
+            </a:r>
+            <a:r>
+              <a:rPr lang="es-MX" dirty="0">
+                <a:solidFill>
+                  <a:srgbClr val="042252"/>
+                </a:solidFill>
+                <a:latin typeface="Consolas" panose="020B0609020204030204" pitchFamily="49" charset="0"/>
+              </a:rPr>
+              <a:t> </a:t>
+            </a:r>
+            <a:r>
+              <a:rPr lang="es-MX" dirty="0" err="1">
+                <a:solidFill>
+                  <a:srgbClr val="042252"/>
+                </a:solidFill>
+                <a:latin typeface="Consolas" panose="020B0609020204030204" pitchFamily="49" charset="0"/>
+              </a:rPr>
+              <a:t>sendCallback</a:t>
+            </a:r>
+            <a:r>
+              <a:rPr lang="es-MX" dirty="0">
+                <a:solidFill>
+                  <a:srgbClr val="042252"/>
+                </a:solidFill>
+                <a:latin typeface="Consolas" panose="020B0609020204030204" pitchFamily="49" charset="0"/>
+              </a:rPr>
+              <a:t>(IOTHUB_CLIENT_CONFIRMATION_RESULT </a:t>
+            </a:r>
+            <a:r>
+              <a:rPr lang="es-MX" dirty="0" err="1">
+                <a:solidFill>
+                  <a:srgbClr val="042252"/>
+                </a:solidFill>
+                <a:latin typeface="Consolas" panose="020B0609020204030204" pitchFamily="49" charset="0"/>
+              </a:rPr>
+              <a:t>result</a:t>
+            </a:r>
+            <a:r>
+              <a:rPr lang="es-MX" dirty="0">
+                <a:solidFill>
+                  <a:srgbClr val="042252"/>
+                </a:solidFill>
+                <a:latin typeface="Consolas" panose="020B0609020204030204" pitchFamily="49" charset="0"/>
+              </a:rPr>
+              <a:t>, </a:t>
+            </a:r>
+            <a:r>
+              <a:rPr lang="es-MX" dirty="0" err="1">
+                <a:solidFill>
+                  <a:srgbClr val="042252"/>
+                </a:solidFill>
+                <a:latin typeface="Consolas" panose="020B0609020204030204" pitchFamily="49" charset="0"/>
+              </a:rPr>
+              <a:t>void</a:t>
+            </a:r>
+            <a:r>
+              <a:rPr lang="es-MX" dirty="0">
+                <a:solidFill>
+                  <a:srgbClr val="042252"/>
+                </a:solidFill>
+                <a:latin typeface="Consolas" panose="020B0609020204030204" pitchFamily="49" charset="0"/>
+              </a:rPr>
+              <a:t> *</a:t>
+            </a:r>
+            <a:r>
+              <a:rPr lang="es-MX" dirty="0" err="1">
+                <a:solidFill>
+                  <a:srgbClr val="042252"/>
+                </a:solidFill>
+                <a:latin typeface="Consolas" panose="020B0609020204030204" pitchFamily="49" charset="0"/>
+              </a:rPr>
+              <a:t>userContextCallback</a:t>
+            </a:r>
+            <a:r>
+              <a:rPr lang="es-MX" dirty="0" smtClean="0">
+                <a:solidFill>
+                  <a:srgbClr val="042252"/>
+                </a:solidFill>
+                <a:latin typeface="Consolas" panose="020B0609020204030204" pitchFamily="49" charset="0"/>
+              </a:rPr>
+              <a:t>)</a:t>
+            </a:r>
+            <a:endParaRPr lang="es-MX" b="0" dirty="0">
+              <a:solidFill>
+                <a:srgbClr val="042252"/>
+              </a:solidFill>
+              <a:effectLst/>
+              <a:latin typeface="Consolas" panose="020B0609020204030204" pitchFamily="49" charset="0"/>
+            </a:endParaRPr>
+          </a:p>
+        </p:txBody>
+      </p:sp>
     </p:spTree>
     <p:extLst>
       <p:ext uri="{BB962C8B-B14F-4D97-AF65-F5344CB8AC3E}">
-        <p14:creationId xmlns:p14="http://schemas.microsoft.com/office/powerpoint/2010/main" val="1544102448"/>
+        <p14:creationId xmlns:p14="http://schemas.microsoft.com/office/powerpoint/2010/main" val="2623083988"/>
       </p:ext>
     </p:extLst>
   </p:cSld>
@@ -10849,14 +10433,14 @@
           <a:lstStyle/>
           <a:p>
             <a:r>
-              <a:rPr lang="es-MX" sz="2800" dirty="0" smtClean="0">
+              <a:rPr lang="es-ES" sz="2800" dirty="0">
                 <a:solidFill>
                   <a:srgbClr val="042252"/>
                 </a:solidFill>
                 <a:latin typeface="Roboto Slab" pitchFamily="2" charset="0"/>
                 <a:ea typeface="Roboto Slab" pitchFamily="2" charset="0"/>
               </a:rPr>
-              <a:t>Código de Ejemplo</a:t>
+              <a:t>Lectura de los datos de telemetría</a:t>
             </a:r>
             <a:endParaRPr lang="es-MX" sz="2800" dirty="0">
               <a:solidFill>
@@ -11033,14 +10617,508 @@
       </p:pic>
       <p:sp>
         <p:nvSpPr>
-          <p:cNvPr id="3" name="Rectángulo 2"/>
+          <p:cNvPr id="9" name="Google Shape;106;p15"/>
+          <p:cNvSpPr txBox="1"/>
+          <p:nvPr/>
+        </p:nvSpPr>
+        <p:spPr>
+          <a:xfrm>
+            <a:off x="281959" y="1578498"/>
+            <a:ext cx="9883200" cy="4215812"/>
+          </a:xfrm>
+          <a:prstGeom prst="rect">
+            <a:avLst/>
+          </a:prstGeom>
+          <a:noFill/>
+          <a:ln>
+            <a:noFill/>
+          </a:ln>
+        </p:spPr>
+        <p:txBody>
+          <a:bodyPr spcFirstLastPara="1" wrap="square" lIns="91425" tIns="91425" rIns="91425" bIns="91425" anchor="t" anchorCtr="0">
+            <a:noAutofit/>
+          </a:bodyPr>
+          <a:lstStyle/>
+          <a:p>
+            <a:pPr marL="285750" lvl="0" indent="-285750">
+              <a:lnSpc>
+                <a:spcPct val="115000"/>
+              </a:lnSpc>
+              <a:buFont typeface="Arial" panose="020B0604020202020204" pitchFamily="34" charset="0"/>
+              <a:buChar char="•"/>
+            </a:pPr>
+            <a:r>
+              <a:rPr lang="es-MX" dirty="0">
+                <a:solidFill>
+                  <a:srgbClr val="737373"/>
+                </a:solidFill>
+                <a:latin typeface="Roboto"/>
+                <a:ea typeface="Roboto"/>
+                <a:cs typeface="Roboto"/>
+                <a:sym typeface="Roboto"/>
+              </a:rPr>
+              <a:t>az </a:t>
+            </a:r>
+            <a:r>
+              <a:rPr lang="es-MX" dirty="0" err="1">
+                <a:solidFill>
+                  <a:srgbClr val="737373"/>
+                </a:solidFill>
+                <a:latin typeface="Roboto"/>
+                <a:ea typeface="Roboto"/>
+                <a:cs typeface="Roboto"/>
+                <a:sym typeface="Roboto"/>
+              </a:rPr>
+              <a:t>iot</a:t>
+            </a:r>
+            <a:r>
+              <a:rPr lang="es-MX" dirty="0">
+                <a:solidFill>
+                  <a:srgbClr val="737373"/>
+                </a:solidFill>
+                <a:latin typeface="Roboto"/>
+                <a:ea typeface="Roboto"/>
+                <a:cs typeface="Roboto"/>
+                <a:sym typeface="Roboto"/>
+              </a:rPr>
+              <a:t> </a:t>
+            </a:r>
+            <a:r>
+              <a:rPr lang="es-MX" dirty="0" err="1">
+                <a:solidFill>
+                  <a:srgbClr val="737373"/>
+                </a:solidFill>
+                <a:latin typeface="Roboto"/>
+                <a:ea typeface="Roboto"/>
+                <a:cs typeface="Roboto"/>
+                <a:sym typeface="Roboto"/>
+              </a:rPr>
+              <a:t>hub</a:t>
+            </a:r>
+            <a:r>
+              <a:rPr lang="es-MX" dirty="0">
+                <a:solidFill>
+                  <a:srgbClr val="737373"/>
+                </a:solidFill>
+                <a:latin typeface="Roboto"/>
+                <a:ea typeface="Roboto"/>
+                <a:cs typeface="Roboto"/>
+                <a:sym typeface="Roboto"/>
+              </a:rPr>
+              <a:t> monitor-</a:t>
+            </a:r>
+            <a:r>
+              <a:rPr lang="es-MX" dirty="0" err="1">
+                <a:solidFill>
+                  <a:srgbClr val="737373"/>
+                </a:solidFill>
+                <a:latin typeface="Roboto"/>
+                <a:ea typeface="Roboto"/>
+                <a:cs typeface="Roboto"/>
+                <a:sym typeface="Roboto"/>
+              </a:rPr>
+              <a:t>events</a:t>
+            </a:r>
+            <a:r>
+              <a:rPr lang="es-MX" dirty="0">
+                <a:solidFill>
+                  <a:srgbClr val="737373"/>
+                </a:solidFill>
+                <a:latin typeface="Roboto"/>
+                <a:ea typeface="Roboto"/>
+                <a:cs typeface="Roboto"/>
+                <a:sym typeface="Roboto"/>
+              </a:rPr>
+              <a:t> --</a:t>
+            </a:r>
+            <a:r>
+              <a:rPr lang="es-MX" dirty="0" err="1">
+                <a:solidFill>
+                  <a:srgbClr val="737373"/>
+                </a:solidFill>
+                <a:latin typeface="Roboto"/>
+                <a:ea typeface="Roboto"/>
+                <a:cs typeface="Roboto"/>
+                <a:sym typeface="Roboto"/>
+              </a:rPr>
+              <a:t>hub-name</a:t>
+            </a:r>
+            <a:r>
+              <a:rPr lang="es-MX" dirty="0">
+                <a:solidFill>
+                  <a:srgbClr val="737373"/>
+                </a:solidFill>
+                <a:latin typeface="Roboto"/>
+                <a:ea typeface="Roboto"/>
+                <a:cs typeface="Roboto"/>
+                <a:sym typeface="Roboto"/>
+              </a:rPr>
+              <a:t> {</a:t>
+            </a:r>
+            <a:r>
+              <a:rPr lang="es-MX" dirty="0" err="1">
+                <a:solidFill>
+                  <a:srgbClr val="737373"/>
+                </a:solidFill>
+                <a:latin typeface="Roboto"/>
+                <a:ea typeface="Roboto"/>
+                <a:cs typeface="Roboto"/>
+                <a:sym typeface="Roboto"/>
+              </a:rPr>
+              <a:t>YourIoTHubName</a:t>
+            </a:r>
+            <a:r>
+              <a:rPr lang="es-MX" dirty="0">
+                <a:solidFill>
+                  <a:srgbClr val="737373"/>
+                </a:solidFill>
+                <a:latin typeface="Roboto"/>
+                <a:ea typeface="Roboto"/>
+                <a:cs typeface="Roboto"/>
+                <a:sym typeface="Roboto"/>
+              </a:rPr>
+              <a:t>} --output </a:t>
+            </a:r>
+            <a:r>
+              <a:rPr lang="es-MX" dirty="0" err="1">
+                <a:solidFill>
+                  <a:srgbClr val="737373"/>
+                </a:solidFill>
+                <a:latin typeface="Roboto"/>
+                <a:ea typeface="Roboto"/>
+                <a:cs typeface="Roboto"/>
+                <a:sym typeface="Roboto"/>
+              </a:rPr>
+              <a:t>table</a:t>
+            </a:r>
+            <a:endParaRPr sz="1800" dirty="0">
+              <a:solidFill>
+                <a:srgbClr val="737373"/>
+              </a:solidFill>
+              <a:latin typeface="Roboto"/>
+              <a:ea typeface="Roboto"/>
+              <a:cs typeface="Roboto"/>
+              <a:sym typeface="Roboto"/>
+            </a:endParaRPr>
+          </a:p>
+        </p:txBody>
+      </p:sp>
+    </p:spTree>
+    <p:extLst>
+      <p:ext uri="{BB962C8B-B14F-4D97-AF65-F5344CB8AC3E}">
+        <p14:creationId xmlns:p14="http://schemas.microsoft.com/office/powerpoint/2010/main" val="2987548419"/>
+      </p:ext>
+    </p:extLst>
+  </p:cSld>
+  <p:clrMapOvr>
+    <a:masterClrMapping/>
+  </p:clrMapOvr>
+  <p:timing>
+    <p:tnLst>
+      <p:par>
+        <p:cTn id="1" dur="indefinite" restart="never" nodeType="tmRoot"/>
+      </p:par>
+    </p:tnLst>
+  </p:timing>
+</p:sld>
+</file>
+
+<file path=ppt/slides/slide25.xml><?xml version="1.0" encoding="utf-8"?>
+<p:sld xmlns:a="http://schemas.openxmlformats.org/drawingml/2006/main" xmlns:r="http://schemas.openxmlformats.org/officeDocument/2006/relationships" xmlns:p="http://schemas.openxmlformats.org/presentationml/2006/main">
+  <p:cSld>
+    <p:spTree>
+      <p:nvGrpSpPr>
+        <p:cNvPr id="1" name=""/>
+        <p:cNvGrpSpPr/>
+        <p:nvPr/>
+      </p:nvGrpSpPr>
+      <p:grpSpPr>
+        <a:xfrm>
+          <a:off x="0" y="0"/>
+          <a:ext cx="0" cy="0"/>
+          <a:chOff x="0" y="0"/>
+          <a:chExt cx="0" cy="0"/>
+        </a:xfrm>
+      </p:grpSpPr>
+      <p:sp>
+        <p:nvSpPr>
+          <p:cNvPr id="2" name="CuadroTexto 1"/>
+          <p:cNvSpPr txBox="1"/>
+          <p:nvPr/>
+        </p:nvSpPr>
+        <p:spPr>
+          <a:xfrm>
+            <a:off x="273465" y="212168"/>
+            <a:ext cx="7598535" cy="646331"/>
+          </a:xfrm>
+          <a:prstGeom prst="rect">
+            <a:avLst/>
+          </a:prstGeom>
+          <a:noFill/>
+        </p:spPr>
+        <p:txBody>
+          <a:bodyPr wrap="square" rtlCol="0">
+            <a:spAutoFit/>
+          </a:bodyPr>
+          <a:lstStyle/>
+          <a:p>
+            <a:r>
+              <a:rPr lang="es-ES" sz="3600" dirty="0" smtClean="0">
+                <a:latin typeface="Roboto" panose="02000000000000000000" pitchFamily="2" charset="0"/>
+                <a:ea typeface="Roboto" panose="02000000000000000000" pitchFamily="2" charset="0"/>
+              </a:rPr>
+              <a:t>Introducción </a:t>
+            </a:r>
+            <a:r>
+              <a:rPr lang="es-ES" sz="3600" dirty="0">
+                <a:latin typeface="Roboto" panose="02000000000000000000" pitchFamily="2" charset="0"/>
+                <a:ea typeface="Roboto" panose="02000000000000000000" pitchFamily="2" charset="0"/>
+              </a:rPr>
+              <a:t>a Microsoft </a:t>
+            </a:r>
+            <a:r>
+              <a:rPr lang="es-ES" sz="3600" dirty="0" err="1">
+                <a:latin typeface="Roboto" panose="02000000000000000000" pitchFamily="2" charset="0"/>
+                <a:ea typeface="Roboto" panose="02000000000000000000" pitchFamily="2" charset="0"/>
+              </a:rPr>
+              <a:t>Azure</a:t>
+            </a:r>
+            <a:r>
+              <a:rPr lang="es-ES" sz="3600" dirty="0">
+                <a:latin typeface="Roboto" panose="02000000000000000000" pitchFamily="2" charset="0"/>
+                <a:ea typeface="Roboto" panose="02000000000000000000" pitchFamily="2" charset="0"/>
+              </a:rPr>
+              <a:t> </a:t>
+            </a:r>
+            <a:r>
+              <a:rPr lang="es-ES" sz="3600" dirty="0" err="1">
+                <a:latin typeface="Roboto" panose="02000000000000000000" pitchFamily="2" charset="0"/>
+                <a:ea typeface="Roboto" panose="02000000000000000000" pitchFamily="2" charset="0"/>
+              </a:rPr>
+              <a:t>IoT</a:t>
+            </a:r>
+            <a:endParaRPr lang="es-MX" sz="3600" dirty="0">
+              <a:latin typeface="Roboto" panose="02000000000000000000" pitchFamily="2" charset="0"/>
+              <a:ea typeface="Roboto" panose="02000000000000000000" pitchFamily="2" charset="0"/>
+            </a:endParaRPr>
+          </a:p>
+        </p:txBody>
+      </p:sp>
+      <p:sp>
+        <p:nvSpPr>
+          <p:cNvPr id="10" name="CuadroTexto 9"/>
+          <p:cNvSpPr txBox="1"/>
+          <p:nvPr/>
+        </p:nvSpPr>
+        <p:spPr>
+          <a:xfrm>
+            <a:off x="346617" y="992762"/>
+            <a:ext cx="11265818" cy="523220"/>
+          </a:xfrm>
+          <a:prstGeom prst="rect">
+            <a:avLst/>
+          </a:prstGeom>
+          <a:noFill/>
+        </p:spPr>
+        <p:txBody>
+          <a:bodyPr wrap="square" rtlCol="0">
+            <a:spAutoFit/>
+          </a:bodyPr>
+          <a:lstStyle/>
+          <a:p>
+            <a:r>
+              <a:rPr lang="es-ES" sz="2800" dirty="0">
+                <a:solidFill>
+                  <a:srgbClr val="042252"/>
+                </a:solidFill>
+                <a:latin typeface="Roboto Slab" pitchFamily="2" charset="0"/>
+                <a:ea typeface="Roboto Slab" pitchFamily="2" charset="0"/>
+              </a:rPr>
+              <a:t>Envío de datos de telemetría</a:t>
+            </a:r>
+            <a:endParaRPr lang="es-MX" sz="2800" dirty="0">
+              <a:solidFill>
+                <a:srgbClr val="042252"/>
+              </a:solidFill>
+              <a:latin typeface="Roboto Slab" pitchFamily="2" charset="0"/>
+              <a:ea typeface="Roboto Slab" pitchFamily="2" charset="0"/>
+            </a:endParaRPr>
+          </a:p>
+        </p:txBody>
+      </p:sp>
+      <p:sp>
+        <p:nvSpPr>
+          <p:cNvPr id="11" name="Rectángulo 10"/>
           <p:cNvSpPr/>
           <p:nvPr/>
         </p:nvSpPr>
         <p:spPr>
           <a:xfrm>
-            <a:off x="145449" y="1788744"/>
-            <a:ext cx="11265818" cy="369332"/>
+            <a:off x="7872000" y="0"/>
+            <a:ext cx="4320000" cy="720000"/>
+          </a:xfrm>
+          <a:prstGeom prst="rect">
+            <a:avLst/>
+          </a:prstGeom>
+          <a:solidFill>
+            <a:srgbClr val="042252"/>
+          </a:solidFill>
+          <a:ln>
+            <a:noFill/>
+          </a:ln>
+        </p:spPr>
+        <p:style>
+          <a:lnRef idx="2">
+            <a:schemeClr val="accent1">
+              <a:shade val="50000"/>
+            </a:schemeClr>
+          </a:lnRef>
+          <a:fillRef idx="1">
+            <a:schemeClr val="accent1"/>
+          </a:fillRef>
+          <a:effectRef idx="0">
+            <a:schemeClr val="accent1"/>
+          </a:effectRef>
+          <a:fontRef idx="minor">
+            <a:schemeClr val="lt1"/>
+          </a:fontRef>
+        </p:style>
+        <p:txBody>
+          <a:bodyPr rtlCol="0" anchor="ctr"/>
+          <a:lstStyle/>
+          <a:p>
+            <a:pPr algn="r"/>
+            <a:fld id="{A7FA9133-ACFE-4DD5-9EEB-90E0F3C4BA55}" type="slidenum">
+              <a:rPr lang="es-MX" smtClean="0">
+                <a:latin typeface="Roboto" panose="02000000000000000000" pitchFamily="2" charset="0"/>
+                <a:ea typeface="Roboto" panose="02000000000000000000" pitchFamily="2" charset="0"/>
+              </a:rPr>
+              <a:pPr algn="r"/>
+              <a:t>25</a:t>
+            </a:fld>
+            <a:endParaRPr lang="es-MX" dirty="0">
+              <a:latin typeface="Roboto" panose="02000000000000000000" pitchFamily="2" charset="0"/>
+              <a:ea typeface="Roboto" panose="02000000000000000000" pitchFamily="2" charset="0"/>
+            </a:endParaRPr>
+          </a:p>
+        </p:txBody>
+      </p:sp>
+      <p:sp>
+        <p:nvSpPr>
+          <p:cNvPr id="13" name="Rectángulo 12"/>
+          <p:cNvSpPr/>
+          <p:nvPr/>
+        </p:nvSpPr>
+        <p:spPr>
+          <a:xfrm>
+            <a:off x="0" y="6138000"/>
+            <a:ext cx="4320000" cy="720000"/>
+          </a:xfrm>
+          <a:prstGeom prst="rect">
+            <a:avLst/>
+          </a:prstGeom>
+          <a:solidFill>
+            <a:srgbClr val="042252"/>
+          </a:solidFill>
+          <a:ln>
+            <a:noFill/>
+          </a:ln>
+        </p:spPr>
+        <p:style>
+          <a:lnRef idx="2">
+            <a:schemeClr val="accent1">
+              <a:shade val="50000"/>
+            </a:schemeClr>
+          </a:lnRef>
+          <a:fillRef idx="1">
+            <a:schemeClr val="accent1"/>
+          </a:fillRef>
+          <a:effectRef idx="0">
+            <a:schemeClr val="accent1"/>
+          </a:effectRef>
+          <a:fontRef idx="minor">
+            <a:schemeClr val="lt1"/>
+          </a:fontRef>
+        </p:style>
+        <p:txBody>
+          <a:bodyPr rtlCol="0" anchor="ctr"/>
+          <a:lstStyle/>
+          <a:p>
+            <a:pPr algn="ctr"/>
+            <a:endParaRPr lang="es-MX"/>
+          </a:p>
+        </p:txBody>
+      </p:sp>
+      <p:pic>
+        <p:nvPicPr>
+          <p:cNvPr id="17" name="Imagen 16"/>
+          <p:cNvPicPr>
+            <a:picLocks noChangeAspect="1"/>
+          </p:cNvPicPr>
+          <p:nvPr/>
+        </p:nvPicPr>
+        <p:blipFill>
+          <a:blip r:embed="rId2" cstate="print">
+            <a:extLst>
+              <a:ext uri="{28A0092B-C50C-407E-A947-70E740481C1C}">
+                <a14:useLocalDpi xmlns:a14="http://schemas.microsoft.com/office/drawing/2010/main" val="0"/>
+              </a:ext>
+            </a:extLst>
+          </a:blip>
+          <a:stretch>
+            <a:fillRect/>
+          </a:stretch>
+        </p:blipFill>
+        <p:spPr>
+          <a:xfrm>
+            <a:off x="4653497" y="6230167"/>
+            <a:ext cx="535665" cy="535665"/>
+          </a:xfrm>
+          <a:prstGeom prst="rect">
+            <a:avLst/>
+          </a:prstGeom>
+        </p:spPr>
+      </p:pic>
+      <p:pic>
+        <p:nvPicPr>
+          <p:cNvPr id="8" name="Imagen 7"/>
+          <p:cNvPicPr>
+            <a:picLocks noChangeAspect="1"/>
+          </p:cNvPicPr>
+          <p:nvPr/>
+        </p:nvPicPr>
+        <p:blipFill>
+          <a:blip r:embed="rId3" cstate="print">
+            <a:extLst>
+              <a:ext uri="{28A0092B-C50C-407E-A947-70E740481C1C}">
+                <a14:useLocalDpi xmlns:a14="http://schemas.microsoft.com/office/drawing/2010/main" val="0"/>
+              </a:ext>
+            </a:extLst>
+          </a:blip>
+          <a:stretch>
+            <a:fillRect/>
+          </a:stretch>
+        </p:blipFill>
+        <p:spPr>
+          <a:xfrm>
+            <a:off x="5366374" y="6225832"/>
+            <a:ext cx="540000" cy="540000"/>
+          </a:xfrm>
+          <a:prstGeom prst="rect">
+            <a:avLst/>
+          </a:prstGeom>
+        </p:spPr>
+      </p:pic>
+      <p:sp>
+        <p:nvSpPr>
+          <p:cNvPr id="7" name="Rectángulo 6"/>
+          <p:cNvSpPr/>
+          <p:nvPr/>
+        </p:nvSpPr>
+        <p:spPr>
+          <a:xfrm>
+            <a:off x="269098" y="3250469"/>
+            <a:ext cx="11760039" cy="646331"/>
           </a:xfrm>
           <a:prstGeom prst="rect">
             <a:avLst/>
@@ -11055,87 +11133,87 @@
             <a:r>
               <a:rPr lang="es-MX" dirty="0">
                 <a:solidFill>
-                  <a:srgbClr val="FF0000"/>
+                  <a:srgbClr val="042252"/>
                 </a:solidFill>
                 <a:latin typeface="Consolas" panose="020B0609020204030204" pitchFamily="49" charset="0"/>
               </a:rPr>
-              <a:t> </a:t>
+              <a:t>IOTHUBMESSAGE_DISPOSITION_RESULT </a:t>
             </a:r>
             <a:r>
               <a:rPr lang="es-MX" dirty="0" err="1">
                 <a:solidFill>
-                  <a:srgbClr val="FF0000"/>
+                  <a:srgbClr val="042252"/>
                 </a:solidFill>
                 <a:latin typeface="Consolas" panose="020B0609020204030204" pitchFamily="49" charset="0"/>
               </a:rPr>
-              <a:t>iotHubClientHandle</a:t>
+              <a:t>receiveMessageCallback</a:t>
             </a:r>
             <a:r>
               <a:rPr lang="es-MX" dirty="0">
                 <a:solidFill>
-                  <a:srgbClr val="FF0000"/>
+                  <a:srgbClr val="042252"/>
                 </a:solidFill>
                 <a:latin typeface="Consolas" panose="020B0609020204030204" pitchFamily="49" charset="0"/>
               </a:rPr>
-              <a:t> = </a:t>
+              <a:t>(IOTHUB_MESSAGE_HANDLE </a:t>
             </a:r>
             <a:r>
               <a:rPr lang="es-MX" dirty="0" err="1">
                 <a:solidFill>
-                  <a:srgbClr val="FF0000"/>
+                  <a:srgbClr val="042252"/>
                 </a:solidFill>
                 <a:latin typeface="Consolas" panose="020B0609020204030204" pitchFamily="49" charset="0"/>
               </a:rPr>
-              <a:t>IoTHubClient_LL_CreateFromConnectionString</a:t>
+              <a:t>message</a:t>
             </a:r>
             <a:r>
               <a:rPr lang="es-MX" dirty="0">
                 <a:solidFill>
-                  <a:srgbClr val="FF0000"/>
+                  <a:srgbClr val="042252"/>
                 </a:solidFill>
                 <a:latin typeface="Consolas" panose="020B0609020204030204" pitchFamily="49" charset="0"/>
               </a:rPr>
-              <a:t>(</a:t>
+              <a:t>, </a:t>
             </a:r>
             <a:r>
               <a:rPr lang="es-MX" dirty="0" err="1">
                 <a:solidFill>
-                  <a:srgbClr val="FF0000"/>
+                  <a:srgbClr val="042252"/>
                 </a:solidFill>
                 <a:latin typeface="Consolas" panose="020B0609020204030204" pitchFamily="49" charset="0"/>
               </a:rPr>
-              <a:t>conStr</a:t>
+              <a:t>void</a:t>
             </a:r>
             <a:r>
               <a:rPr lang="es-MX" dirty="0">
                 <a:solidFill>
-                  <a:srgbClr val="FF0000"/>
+                  <a:srgbClr val="042252"/>
                 </a:solidFill>
                 <a:latin typeface="Consolas" panose="020B0609020204030204" pitchFamily="49" charset="0"/>
               </a:rPr>
-              <a:t>, </a:t>
+              <a:t> *</a:t>
             </a:r>
             <a:r>
               <a:rPr lang="es-MX" dirty="0" err="1">
                 <a:solidFill>
-                  <a:srgbClr val="FF0000"/>
+                  <a:srgbClr val="042252"/>
                 </a:solidFill>
                 <a:latin typeface="Consolas" panose="020B0609020204030204" pitchFamily="49" charset="0"/>
               </a:rPr>
-              <a:t>MQTT_Protocol</a:t>
+              <a:t>userContextCallback</a:t>
             </a:r>
             <a:r>
               <a:rPr lang="es-MX" dirty="0">
                 <a:solidFill>
-                  <a:srgbClr val="FF0000"/>
+                  <a:srgbClr val="042252"/>
                 </a:solidFill>
                 <a:latin typeface="Consolas" panose="020B0609020204030204" pitchFamily="49" charset="0"/>
               </a:rPr>
-              <a:t>);</a:t>
+              <a:t>)</a:t>
             </a:r>
             <a:endParaRPr lang="es-MX" b="0" dirty="0">
               <a:solidFill>
-                <a:srgbClr val="FF0000"/>
+                <a:srgbClr val="042252"/>
               </a:solidFill>
               <a:effectLst/>
               <a:latin typeface="Consolas" panose="020B0609020204030204" pitchFamily="49" charset="0"/>
@@ -11143,10 +11221,675 @@
           </a:p>
         </p:txBody>
       </p:sp>
+      <p:sp>
+        <p:nvSpPr>
+          <p:cNvPr id="9" name="Rectángulo 8"/>
+          <p:cNvSpPr/>
+          <p:nvPr/>
+        </p:nvSpPr>
+        <p:spPr>
+          <a:xfrm>
+            <a:off x="269098" y="3996048"/>
+            <a:ext cx="11922902" cy="646331"/>
+          </a:xfrm>
+          <a:prstGeom prst="rect">
+            <a:avLst/>
+          </a:prstGeom>
+        </p:spPr>
+        <p:txBody>
+          <a:bodyPr wrap="square">
+            <a:spAutoFit/>
+          </a:bodyPr>
+          <a:lstStyle/>
+          <a:p>
+            <a:r>
+              <a:rPr lang="es-MX" dirty="0" err="1">
+                <a:solidFill>
+                  <a:srgbClr val="569CD6"/>
+                </a:solidFill>
+                <a:latin typeface="Consolas" panose="020B0609020204030204" pitchFamily="49" charset="0"/>
+              </a:rPr>
+              <a:t>int</a:t>
+            </a:r>
+            <a:r>
+              <a:rPr lang="es-MX" dirty="0">
+                <a:solidFill>
+                  <a:srgbClr val="D4D4D4"/>
+                </a:solidFill>
+                <a:latin typeface="Consolas" panose="020B0609020204030204" pitchFamily="49" charset="0"/>
+              </a:rPr>
+              <a:t> </a:t>
+            </a:r>
+            <a:r>
+              <a:rPr lang="es-MX" dirty="0" err="1">
+                <a:solidFill>
+                  <a:srgbClr val="DCDCAA"/>
+                </a:solidFill>
+                <a:latin typeface="Consolas" panose="020B0609020204030204" pitchFamily="49" charset="0"/>
+              </a:rPr>
+              <a:t>deviceMethodCallback</a:t>
+            </a:r>
+            <a:r>
+              <a:rPr lang="es-MX" dirty="0">
+                <a:solidFill>
+                  <a:srgbClr val="D4D4D4"/>
+                </a:solidFill>
+                <a:latin typeface="Consolas" panose="020B0609020204030204" pitchFamily="49" charset="0"/>
+              </a:rPr>
+              <a:t>(</a:t>
+            </a:r>
+            <a:r>
+              <a:rPr lang="es-MX" dirty="0" err="1">
+                <a:solidFill>
+                  <a:srgbClr val="569CD6"/>
+                </a:solidFill>
+                <a:latin typeface="Consolas" panose="020B0609020204030204" pitchFamily="49" charset="0"/>
+              </a:rPr>
+              <a:t>const</a:t>
+            </a:r>
+            <a:r>
+              <a:rPr lang="es-MX" dirty="0">
+                <a:solidFill>
+                  <a:srgbClr val="D4D4D4"/>
+                </a:solidFill>
+                <a:latin typeface="Consolas" panose="020B0609020204030204" pitchFamily="49" charset="0"/>
+              </a:rPr>
+              <a:t> </a:t>
+            </a:r>
+            <a:r>
+              <a:rPr lang="es-MX" dirty="0" err="1">
+                <a:solidFill>
+                  <a:srgbClr val="569CD6"/>
+                </a:solidFill>
+                <a:latin typeface="Consolas" panose="020B0609020204030204" pitchFamily="49" charset="0"/>
+              </a:rPr>
+              <a:t>char</a:t>
+            </a:r>
+            <a:r>
+              <a:rPr lang="es-MX" dirty="0">
+                <a:solidFill>
+                  <a:srgbClr val="D4D4D4"/>
+                </a:solidFill>
+                <a:latin typeface="Consolas" panose="020B0609020204030204" pitchFamily="49" charset="0"/>
+              </a:rPr>
+              <a:t> </a:t>
+            </a:r>
+            <a:r>
+              <a:rPr lang="es-MX" dirty="0">
+                <a:solidFill>
+                  <a:srgbClr val="569CD6"/>
+                </a:solidFill>
+                <a:latin typeface="Consolas" panose="020B0609020204030204" pitchFamily="49" charset="0"/>
+              </a:rPr>
+              <a:t>*</a:t>
+            </a:r>
+            <a:r>
+              <a:rPr lang="es-MX" dirty="0" err="1">
+                <a:solidFill>
+                  <a:srgbClr val="9CDCFE"/>
+                </a:solidFill>
+                <a:latin typeface="Consolas" panose="020B0609020204030204" pitchFamily="49" charset="0"/>
+              </a:rPr>
+              <a:t>methodName</a:t>
+            </a:r>
+            <a:r>
+              <a:rPr lang="es-MX" dirty="0" err="1">
+                <a:solidFill>
+                  <a:srgbClr val="D4D4D4"/>
+                </a:solidFill>
+                <a:latin typeface="Consolas" panose="020B0609020204030204" pitchFamily="49" charset="0"/>
+              </a:rPr>
+              <a:t>,</a:t>
+            </a:r>
+            <a:r>
+              <a:rPr lang="es-MX" dirty="0" err="1">
+                <a:solidFill>
+                  <a:srgbClr val="569CD6"/>
+                </a:solidFill>
+                <a:latin typeface="Consolas" panose="020B0609020204030204" pitchFamily="49" charset="0"/>
+              </a:rPr>
+              <a:t>const</a:t>
+            </a:r>
+            <a:r>
+              <a:rPr lang="es-MX" dirty="0">
+                <a:solidFill>
+                  <a:srgbClr val="D4D4D4"/>
+                </a:solidFill>
+                <a:latin typeface="Consolas" panose="020B0609020204030204" pitchFamily="49" charset="0"/>
+              </a:rPr>
+              <a:t> </a:t>
+            </a:r>
+            <a:r>
+              <a:rPr lang="es-MX" dirty="0" err="1">
+                <a:solidFill>
+                  <a:srgbClr val="569CD6"/>
+                </a:solidFill>
+                <a:latin typeface="Consolas" panose="020B0609020204030204" pitchFamily="49" charset="0"/>
+              </a:rPr>
+              <a:t>unsigned</a:t>
+            </a:r>
+            <a:r>
+              <a:rPr lang="es-MX" dirty="0">
+                <a:solidFill>
+                  <a:srgbClr val="D4D4D4"/>
+                </a:solidFill>
+                <a:latin typeface="Consolas" panose="020B0609020204030204" pitchFamily="49" charset="0"/>
+              </a:rPr>
+              <a:t> </a:t>
+            </a:r>
+            <a:r>
+              <a:rPr lang="es-MX" dirty="0" err="1">
+                <a:solidFill>
+                  <a:srgbClr val="569CD6"/>
+                </a:solidFill>
+                <a:latin typeface="Consolas" panose="020B0609020204030204" pitchFamily="49" charset="0"/>
+              </a:rPr>
+              <a:t>char</a:t>
+            </a:r>
+            <a:r>
+              <a:rPr lang="es-MX" dirty="0">
+                <a:solidFill>
+                  <a:srgbClr val="D4D4D4"/>
+                </a:solidFill>
+                <a:latin typeface="Consolas" panose="020B0609020204030204" pitchFamily="49" charset="0"/>
+              </a:rPr>
+              <a:t> </a:t>
+            </a:r>
+            <a:r>
+              <a:rPr lang="es-MX" dirty="0">
+                <a:solidFill>
+                  <a:srgbClr val="569CD6"/>
+                </a:solidFill>
+                <a:latin typeface="Consolas" panose="020B0609020204030204" pitchFamily="49" charset="0"/>
+              </a:rPr>
+              <a:t>*</a:t>
+            </a:r>
+            <a:r>
+              <a:rPr lang="es-MX" dirty="0" err="1">
+                <a:solidFill>
+                  <a:srgbClr val="9CDCFE"/>
+                </a:solidFill>
+                <a:latin typeface="Consolas" panose="020B0609020204030204" pitchFamily="49" charset="0"/>
+              </a:rPr>
+              <a:t>payload</a:t>
+            </a:r>
+            <a:r>
+              <a:rPr lang="es-MX" dirty="0" err="1">
+                <a:solidFill>
+                  <a:srgbClr val="D4D4D4"/>
+                </a:solidFill>
+                <a:latin typeface="Consolas" panose="020B0609020204030204" pitchFamily="49" charset="0"/>
+              </a:rPr>
+              <a:t>,</a:t>
+            </a:r>
+            <a:r>
+              <a:rPr lang="es-MX" dirty="0" err="1">
+                <a:solidFill>
+                  <a:srgbClr val="569CD6"/>
+                </a:solidFill>
+                <a:latin typeface="Consolas" panose="020B0609020204030204" pitchFamily="49" charset="0"/>
+              </a:rPr>
+              <a:t>size_t</a:t>
+            </a:r>
+            <a:r>
+              <a:rPr lang="es-MX" dirty="0">
+                <a:solidFill>
+                  <a:srgbClr val="D4D4D4"/>
+                </a:solidFill>
+                <a:latin typeface="Consolas" panose="020B0609020204030204" pitchFamily="49" charset="0"/>
+              </a:rPr>
+              <a:t> </a:t>
+            </a:r>
+            <a:r>
+              <a:rPr lang="es-MX" dirty="0" err="1">
+                <a:solidFill>
+                  <a:srgbClr val="9CDCFE"/>
+                </a:solidFill>
+                <a:latin typeface="Consolas" panose="020B0609020204030204" pitchFamily="49" charset="0"/>
+              </a:rPr>
+              <a:t>size</a:t>
+            </a:r>
+            <a:r>
+              <a:rPr lang="es-MX" dirty="0" err="1">
+                <a:solidFill>
+                  <a:srgbClr val="D4D4D4"/>
+                </a:solidFill>
+                <a:latin typeface="Consolas" panose="020B0609020204030204" pitchFamily="49" charset="0"/>
+              </a:rPr>
+              <a:t>,</a:t>
+            </a:r>
+            <a:r>
+              <a:rPr lang="es-MX" dirty="0" err="1">
+                <a:solidFill>
+                  <a:srgbClr val="569CD6"/>
+                </a:solidFill>
+                <a:latin typeface="Consolas" panose="020B0609020204030204" pitchFamily="49" charset="0"/>
+              </a:rPr>
+              <a:t>unsigned</a:t>
+            </a:r>
+            <a:r>
+              <a:rPr lang="es-MX" dirty="0">
+                <a:solidFill>
+                  <a:srgbClr val="D4D4D4"/>
+                </a:solidFill>
+                <a:latin typeface="Consolas" panose="020B0609020204030204" pitchFamily="49" charset="0"/>
+              </a:rPr>
+              <a:t> </a:t>
+            </a:r>
+            <a:r>
+              <a:rPr lang="es-MX" dirty="0" err="1">
+                <a:solidFill>
+                  <a:srgbClr val="569CD6"/>
+                </a:solidFill>
+                <a:latin typeface="Consolas" panose="020B0609020204030204" pitchFamily="49" charset="0"/>
+              </a:rPr>
+              <a:t>char</a:t>
+            </a:r>
+            <a:r>
+              <a:rPr lang="es-MX" dirty="0">
+                <a:solidFill>
+                  <a:srgbClr val="D4D4D4"/>
+                </a:solidFill>
+                <a:latin typeface="Consolas" panose="020B0609020204030204" pitchFamily="49" charset="0"/>
+              </a:rPr>
+              <a:t> </a:t>
+            </a:r>
+            <a:r>
+              <a:rPr lang="es-MX" dirty="0">
+                <a:solidFill>
+                  <a:srgbClr val="569CD6"/>
+                </a:solidFill>
+                <a:latin typeface="Consolas" panose="020B0609020204030204" pitchFamily="49" charset="0"/>
+              </a:rPr>
+              <a:t>**</a:t>
+            </a:r>
+            <a:r>
+              <a:rPr lang="es-MX" dirty="0" err="1">
+                <a:solidFill>
+                  <a:srgbClr val="9CDCFE"/>
+                </a:solidFill>
+                <a:latin typeface="Consolas" panose="020B0609020204030204" pitchFamily="49" charset="0"/>
+              </a:rPr>
+              <a:t>response</a:t>
+            </a:r>
+            <a:r>
+              <a:rPr lang="es-MX" dirty="0" err="1">
+                <a:solidFill>
+                  <a:srgbClr val="D4D4D4"/>
+                </a:solidFill>
+                <a:latin typeface="Consolas" panose="020B0609020204030204" pitchFamily="49" charset="0"/>
+              </a:rPr>
+              <a:t>,</a:t>
+            </a:r>
+            <a:r>
+              <a:rPr lang="es-MX" dirty="0" err="1">
+                <a:solidFill>
+                  <a:srgbClr val="569CD6"/>
+                </a:solidFill>
+                <a:latin typeface="Consolas" panose="020B0609020204030204" pitchFamily="49" charset="0"/>
+              </a:rPr>
+              <a:t>size_t</a:t>
+            </a:r>
+            <a:r>
+              <a:rPr lang="es-MX" dirty="0">
+                <a:solidFill>
+                  <a:srgbClr val="D4D4D4"/>
+                </a:solidFill>
+                <a:latin typeface="Consolas" panose="020B0609020204030204" pitchFamily="49" charset="0"/>
+              </a:rPr>
+              <a:t> </a:t>
+            </a:r>
+            <a:r>
+              <a:rPr lang="es-MX" dirty="0">
+                <a:solidFill>
+                  <a:srgbClr val="569CD6"/>
+                </a:solidFill>
+                <a:latin typeface="Consolas" panose="020B0609020204030204" pitchFamily="49" charset="0"/>
+              </a:rPr>
+              <a:t>*</a:t>
+            </a:r>
+            <a:r>
+              <a:rPr lang="es-MX" dirty="0" err="1" smtClean="0">
+                <a:solidFill>
+                  <a:srgbClr val="9CDCFE"/>
+                </a:solidFill>
+                <a:latin typeface="Consolas" panose="020B0609020204030204" pitchFamily="49" charset="0"/>
+              </a:rPr>
+              <a:t>response_size</a:t>
+            </a:r>
+            <a:r>
+              <a:rPr lang="es-MX" dirty="0" err="1" smtClean="0">
+                <a:solidFill>
+                  <a:srgbClr val="D4D4D4"/>
+                </a:solidFill>
+                <a:latin typeface="Consolas" panose="020B0609020204030204" pitchFamily="49" charset="0"/>
+              </a:rPr>
+              <a:t>,</a:t>
+            </a:r>
+            <a:r>
+              <a:rPr lang="es-MX" dirty="0" err="1" smtClean="0">
+                <a:solidFill>
+                  <a:srgbClr val="569CD6"/>
+                </a:solidFill>
+                <a:latin typeface="Consolas" panose="020B0609020204030204" pitchFamily="49" charset="0"/>
+              </a:rPr>
+              <a:t>void</a:t>
+            </a:r>
+            <a:r>
+              <a:rPr lang="es-MX" dirty="0">
+                <a:solidFill>
+                  <a:srgbClr val="D4D4D4"/>
+                </a:solidFill>
+                <a:latin typeface="Consolas" panose="020B0609020204030204" pitchFamily="49" charset="0"/>
+              </a:rPr>
+              <a:t> </a:t>
+            </a:r>
+            <a:r>
+              <a:rPr lang="es-MX" dirty="0">
+                <a:solidFill>
+                  <a:srgbClr val="569CD6"/>
+                </a:solidFill>
+                <a:latin typeface="Consolas" panose="020B0609020204030204" pitchFamily="49" charset="0"/>
+              </a:rPr>
+              <a:t>*</a:t>
+            </a:r>
+            <a:r>
+              <a:rPr lang="es-MX" dirty="0" err="1">
+                <a:solidFill>
+                  <a:srgbClr val="9CDCFE"/>
+                </a:solidFill>
+                <a:latin typeface="Consolas" panose="020B0609020204030204" pitchFamily="49" charset="0"/>
+              </a:rPr>
+              <a:t>userContextCallback</a:t>
+            </a:r>
+            <a:r>
+              <a:rPr lang="es-MX" dirty="0">
+                <a:solidFill>
+                  <a:srgbClr val="D4D4D4"/>
+                </a:solidFill>
+                <a:latin typeface="Consolas" panose="020B0609020204030204" pitchFamily="49" charset="0"/>
+              </a:rPr>
+              <a:t>)</a:t>
+            </a:r>
+            <a:endParaRPr lang="es-MX" b="0" dirty="0">
+              <a:solidFill>
+                <a:srgbClr val="D4D4D4"/>
+              </a:solidFill>
+              <a:effectLst/>
+              <a:latin typeface="Consolas" panose="020B0609020204030204" pitchFamily="49" charset="0"/>
+            </a:endParaRPr>
+          </a:p>
+        </p:txBody>
+      </p:sp>
+      <p:sp>
+        <p:nvSpPr>
+          <p:cNvPr id="12" name="Rectángulo 11"/>
+          <p:cNvSpPr/>
+          <p:nvPr/>
+        </p:nvSpPr>
+        <p:spPr>
+          <a:xfrm>
+            <a:off x="174173" y="4741627"/>
+            <a:ext cx="11854964" cy="646331"/>
+          </a:xfrm>
+          <a:prstGeom prst="rect">
+            <a:avLst/>
+          </a:prstGeom>
+        </p:spPr>
+        <p:txBody>
+          <a:bodyPr wrap="square">
+            <a:spAutoFit/>
+          </a:bodyPr>
+          <a:lstStyle/>
+          <a:p>
+            <a:r>
+              <a:rPr lang="es-MX" dirty="0" err="1">
+                <a:solidFill>
+                  <a:srgbClr val="569CD6"/>
+                </a:solidFill>
+                <a:latin typeface="Consolas" panose="020B0609020204030204" pitchFamily="49" charset="0"/>
+              </a:rPr>
+              <a:t>void</a:t>
+            </a:r>
+            <a:r>
+              <a:rPr lang="es-MX" dirty="0">
+                <a:solidFill>
+                  <a:srgbClr val="D4D4D4"/>
+                </a:solidFill>
+                <a:latin typeface="Consolas" panose="020B0609020204030204" pitchFamily="49" charset="0"/>
+              </a:rPr>
+              <a:t> </a:t>
+            </a:r>
+            <a:r>
+              <a:rPr lang="es-MX" dirty="0" err="1">
+                <a:solidFill>
+                  <a:srgbClr val="DCDCAA"/>
+                </a:solidFill>
+                <a:latin typeface="Consolas" panose="020B0609020204030204" pitchFamily="49" charset="0"/>
+              </a:rPr>
+              <a:t>twinCallback</a:t>
+            </a:r>
+            <a:r>
+              <a:rPr lang="es-MX" dirty="0">
+                <a:solidFill>
+                  <a:srgbClr val="D4D4D4"/>
+                </a:solidFill>
+                <a:latin typeface="Consolas" panose="020B0609020204030204" pitchFamily="49" charset="0"/>
+              </a:rPr>
+              <a:t>(</a:t>
+            </a:r>
+            <a:r>
+              <a:rPr lang="es-MX" dirty="0">
+                <a:solidFill>
+                  <a:srgbClr val="4EC9B0"/>
+                </a:solidFill>
+                <a:latin typeface="Consolas" panose="020B0609020204030204" pitchFamily="49" charset="0"/>
+              </a:rPr>
+              <a:t>DEVICE_TWIN_UPDATE_STATE</a:t>
+            </a:r>
+            <a:r>
+              <a:rPr lang="es-MX" dirty="0">
+                <a:solidFill>
+                  <a:srgbClr val="D4D4D4"/>
+                </a:solidFill>
+                <a:latin typeface="Consolas" panose="020B0609020204030204" pitchFamily="49" charset="0"/>
+              </a:rPr>
+              <a:t> </a:t>
+            </a:r>
+            <a:r>
+              <a:rPr lang="es-MX" dirty="0" err="1">
+                <a:solidFill>
+                  <a:srgbClr val="9CDCFE"/>
+                </a:solidFill>
+                <a:latin typeface="Consolas" panose="020B0609020204030204" pitchFamily="49" charset="0"/>
+              </a:rPr>
+              <a:t>updateState</a:t>
+            </a:r>
+            <a:r>
+              <a:rPr lang="es-MX" dirty="0" err="1">
+                <a:solidFill>
+                  <a:srgbClr val="D4D4D4"/>
+                </a:solidFill>
+                <a:latin typeface="Consolas" panose="020B0609020204030204" pitchFamily="49" charset="0"/>
+              </a:rPr>
+              <a:t>,</a:t>
+            </a:r>
+            <a:r>
+              <a:rPr lang="es-MX" dirty="0" err="1">
+                <a:solidFill>
+                  <a:srgbClr val="569CD6"/>
+                </a:solidFill>
+                <a:latin typeface="Consolas" panose="020B0609020204030204" pitchFamily="49" charset="0"/>
+              </a:rPr>
+              <a:t>const</a:t>
+            </a:r>
+            <a:r>
+              <a:rPr lang="es-MX" dirty="0">
+                <a:solidFill>
+                  <a:srgbClr val="D4D4D4"/>
+                </a:solidFill>
+                <a:latin typeface="Consolas" panose="020B0609020204030204" pitchFamily="49" charset="0"/>
+              </a:rPr>
+              <a:t> </a:t>
+            </a:r>
+            <a:r>
+              <a:rPr lang="es-MX" dirty="0" err="1">
+                <a:solidFill>
+                  <a:srgbClr val="569CD6"/>
+                </a:solidFill>
+                <a:latin typeface="Consolas" panose="020B0609020204030204" pitchFamily="49" charset="0"/>
+              </a:rPr>
+              <a:t>unsigned</a:t>
+            </a:r>
+            <a:r>
+              <a:rPr lang="es-MX" dirty="0">
+                <a:solidFill>
+                  <a:srgbClr val="D4D4D4"/>
+                </a:solidFill>
+                <a:latin typeface="Consolas" panose="020B0609020204030204" pitchFamily="49" charset="0"/>
+              </a:rPr>
+              <a:t> </a:t>
+            </a:r>
+            <a:r>
+              <a:rPr lang="es-MX" dirty="0" err="1">
+                <a:solidFill>
+                  <a:srgbClr val="569CD6"/>
+                </a:solidFill>
+                <a:latin typeface="Consolas" panose="020B0609020204030204" pitchFamily="49" charset="0"/>
+              </a:rPr>
+              <a:t>char</a:t>
+            </a:r>
+            <a:r>
+              <a:rPr lang="es-MX" dirty="0">
+                <a:solidFill>
+                  <a:srgbClr val="D4D4D4"/>
+                </a:solidFill>
+                <a:latin typeface="Consolas" panose="020B0609020204030204" pitchFamily="49" charset="0"/>
+              </a:rPr>
+              <a:t> </a:t>
+            </a:r>
+            <a:r>
+              <a:rPr lang="es-MX" dirty="0">
+                <a:solidFill>
+                  <a:srgbClr val="569CD6"/>
+                </a:solidFill>
+                <a:latin typeface="Consolas" panose="020B0609020204030204" pitchFamily="49" charset="0"/>
+              </a:rPr>
+              <a:t>*</a:t>
+            </a:r>
+            <a:r>
+              <a:rPr lang="es-MX" dirty="0" err="1">
+                <a:solidFill>
+                  <a:srgbClr val="9CDCFE"/>
+                </a:solidFill>
+                <a:latin typeface="Consolas" panose="020B0609020204030204" pitchFamily="49" charset="0"/>
+              </a:rPr>
+              <a:t>payLoad</a:t>
+            </a:r>
+            <a:r>
+              <a:rPr lang="es-MX" dirty="0" err="1">
+                <a:solidFill>
+                  <a:srgbClr val="D4D4D4"/>
+                </a:solidFill>
+                <a:latin typeface="Consolas" panose="020B0609020204030204" pitchFamily="49" charset="0"/>
+              </a:rPr>
+              <a:t>,</a:t>
+            </a:r>
+            <a:r>
+              <a:rPr lang="es-MX" dirty="0" err="1">
+                <a:solidFill>
+                  <a:srgbClr val="569CD6"/>
+                </a:solidFill>
+                <a:latin typeface="Consolas" panose="020B0609020204030204" pitchFamily="49" charset="0"/>
+              </a:rPr>
+              <a:t>size_t</a:t>
+            </a:r>
+            <a:r>
+              <a:rPr lang="es-MX" dirty="0">
+                <a:solidFill>
+                  <a:srgbClr val="D4D4D4"/>
+                </a:solidFill>
+                <a:latin typeface="Consolas" panose="020B0609020204030204" pitchFamily="49" charset="0"/>
+              </a:rPr>
+              <a:t> </a:t>
+            </a:r>
+            <a:r>
+              <a:rPr lang="es-MX" dirty="0" err="1">
+                <a:solidFill>
+                  <a:srgbClr val="9CDCFE"/>
+                </a:solidFill>
+                <a:latin typeface="Consolas" panose="020B0609020204030204" pitchFamily="49" charset="0"/>
+              </a:rPr>
+              <a:t>size</a:t>
+            </a:r>
+            <a:r>
+              <a:rPr lang="es-MX" dirty="0" err="1">
+                <a:solidFill>
+                  <a:srgbClr val="D4D4D4"/>
+                </a:solidFill>
+                <a:latin typeface="Consolas" panose="020B0609020204030204" pitchFamily="49" charset="0"/>
+              </a:rPr>
+              <a:t>,</a:t>
+            </a:r>
+            <a:r>
+              <a:rPr lang="es-MX" dirty="0" err="1">
+                <a:solidFill>
+                  <a:srgbClr val="569CD6"/>
+                </a:solidFill>
+                <a:latin typeface="Consolas" panose="020B0609020204030204" pitchFamily="49" charset="0"/>
+              </a:rPr>
+              <a:t>void</a:t>
+            </a:r>
+            <a:r>
+              <a:rPr lang="es-MX" dirty="0">
+                <a:solidFill>
+                  <a:srgbClr val="D4D4D4"/>
+                </a:solidFill>
+                <a:latin typeface="Consolas" panose="020B0609020204030204" pitchFamily="49" charset="0"/>
+              </a:rPr>
+              <a:t> </a:t>
+            </a:r>
+            <a:r>
+              <a:rPr lang="es-MX" dirty="0">
+                <a:solidFill>
+                  <a:srgbClr val="569CD6"/>
+                </a:solidFill>
+                <a:latin typeface="Consolas" panose="020B0609020204030204" pitchFamily="49" charset="0"/>
+              </a:rPr>
+              <a:t>*</a:t>
+            </a:r>
+            <a:r>
+              <a:rPr lang="es-MX" dirty="0" err="1">
+                <a:solidFill>
+                  <a:srgbClr val="9CDCFE"/>
+                </a:solidFill>
+                <a:latin typeface="Consolas" panose="020B0609020204030204" pitchFamily="49" charset="0"/>
+              </a:rPr>
+              <a:t>userContextCallback</a:t>
+            </a:r>
+            <a:r>
+              <a:rPr lang="es-MX" dirty="0">
+                <a:solidFill>
+                  <a:srgbClr val="D4D4D4"/>
+                </a:solidFill>
+                <a:latin typeface="Consolas" panose="020B0609020204030204" pitchFamily="49" charset="0"/>
+              </a:rPr>
+              <a:t>)</a:t>
+            </a:r>
+            <a:endParaRPr lang="es-MX" b="0" dirty="0">
+              <a:solidFill>
+                <a:srgbClr val="D4D4D4"/>
+              </a:solidFill>
+              <a:effectLst/>
+              <a:latin typeface="Consolas" panose="020B0609020204030204" pitchFamily="49" charset="0"/>
+            </a:endParaRPr>
+          </a:p>
+        </p:txBody>
+      </p:sp>
     </p:spTree>
     <p:extLst>
       <p:ext uri="{BB962C8B-B14F-4D97-AF65-F5344CB8AC3E}">
-        <p14:creationId xmlns:p14="http://schemas.microsoft.com/office/powerpoint/2010/main" val="2623083988"/>
+        <p14:creationId xmlns:p14="http://schemas.microsoft.com/office/powerpoint/2010/main" val="1215702746"/>
       </p:ext>
     </p:extLst>
   </p:cSld>
